--- a/ppt/NIO&NETTY初窥.pptx
+++ b/ppt/NIO&NETTY初窥.pptx
@@ -5,7 +5,7 @@
     <p:sldMasterId id="2147483648" r:id="rId1"/>
   </p:sldMasterIdLst>
   <p:notesMasterIdLst>
-    <p:notesMasterId r:id="rId22"/>
+    <p:notesMasterId r:id="rId24"/>
   </p:notesMasterIdLst>
   <p:sldIdLst>
     <p:sldId id="256" r:id="rId2"/>
@@ -27,7 +27,9 @@
     <p:sldId id="271" r:id="rId18"/>
     <p:sldId id="317" r:id="rId19"/>
     <p:sldId id="332" r:id="rId20"/>
-    <p:sldId id="261" r:id="rId21"/>
+    <p:sldId id="334" r:id="rId21"/>
+    <p:sldId id="333" r:id="rId22"/>
+    <p:sldId id="261" r:id="rId23"/>
   </p:sldIdLst>
   <p:sldSz cx="12192000" cy="6858000"/>
   <p:notesSz cx="6858000" cy="9144000"/>
@@ -128,7 +130,7 @@
   </p:defaultTextStyle>
   <p:extLst>
     <p:ext uri="{EFAFB233-063F-42B5-8137-9DF3F51BA10A}">
-      <p15:sldGuideLst xmlns:p15="http://schemas.microsoft.com/office/powerpoint/2012/main"/>
+      <p15:sldGuideLst xmlns:p15="http://schemas.microsoft.com/office/powerpoint/2012/main" xmlns=""/>
     </p:ext>
   </p:extLst>
 </p:presentation>
@@ -216,7 +218,7 @@
           <a:p>
             <a:fld id="{43BE2165-22A5-4AFE-86AD-F16D13F31CAE}" type="datetimeFigureOut">
               <a:rPr lang="zh-CN" altLang="en-US" smtClean="0"/>
-              <a:t>2021/2/11</a:t>
+              <a:t>2021/2/18</a:t>
             </a:fld>
             <a:endParaRPr lang="zh-CN" altLang="en-US"/>
           </a:p>
@@ -1275,6 +1277,258 @@
 </p:notes>
 </file>
 
+<file path=ppt/notesSlides/notesSlide13.xml><?xml version="1.0" encoding="utf-8"?>
+<p:notes xmlns:a="http://schemas.openxmlformats.org/drawingml/2006/main" xmlns:r="http://schemas.openxmlformats.org/officeDocument/2006/relationships" xmlns:p="http://schemas.openxmlformats.org/presentationml/2006/main">
+  <p:cSld>
+    <p:spTree>
+      <p:nvGrpSpPr>
+        <p:cNvPr id="1" name=""/>
+        <p:cNvGrpSpPr/>
+        <p:nvPr/>
+      </p:nvGrpSpPr>
+      <p:grpSpPr>
+        <a:xfrm>
+          <a:off x="0" y="0"/>
+          <a:ext cx="0" cy="0"/>
+          <a:chOff x="0" y="0"/>
+          <a:chExt cx="0" cy="0"/>
+        </a:xfrm>
+      </p:grpSpPr>
+      <p:sp>
+        <p:nvSpPr>
+          <p:cNvPr id="2" name="幻灯片图像占位符 1"/>
+          <p:cNvSpPr>
+            <a:spLocks noGrp="1" noRot="1" noChangeAspect="1"/>
+          </p:cNvSpPr>
+          <p:nvPr>
+            <p:ph type="sldImg"/>
+          </p:nvPr>
+        </p:nvSpPr>
+        <p:spPr/>
+      </p:sp>
+      <p:sp>
+        <p:nvSpPr>
+          <p:cNvPr id="3" name="备注占位符 2"/>
+          <p:cNvSpPr>
+            <a:spLocks noGrp="1"/>
+          </p:cNvSpPr>
+          <p:nvPr>
+            <p:ph type="body" idx="1"/>
+          </p:nvPr>
+        </p:nvSpPr>
+        <p:spPr/>
+        <p:txBody>
+          <a:bodyPr/>
+          <a:lstStyle/>
+          <a:p>
+            <a:endParaRPr lang="zh-CN" altLang="en-US" dirty="0"/>
+          </a:p>
+        </p:txBody>
+      </p:sp>
+      <p:sp>
+        <p:nvSpPr>
+          <p:cNvPr id="4" name="灯片编号占位符 3"/>
+          <p:cNvSpPr>
+            <a:spLocks noGrp="1"/>
+          </p:cNvSpPr>
+          <p:nvPr>
+            <p:ph type="sldNum" sz="quarter" idx="10"/>
+          </p:nvPr>
+        </p:nvSpPr>
+        <p:spPr/>
+        <p:txBody>
+          <a:bodyPr/>
+          <a:lstStyle/>
+          <a:p>
+            <a:fld id="{767D5E9F-B836-4D96-ABE1-C42C01557198}" type="slidenum">
+              <a:rPr lang="zh-CN" altLang="en-US" smtClean="0"/>
+              <a:t>19</a:t>
+            </a:fld>
+            <a:endParaRPr lang="zh-CN" altLang="en-US"/>
+          </a:p>
+        </p:txBody>
+      </p:sp>
+    </p:spTree>
+    <p:extLst>
+      <p:ext uri="{BB962C8B-B14F-4D97-AF65-F5344CB8AC3E}">
+        <p14:creationId xmlns:p14="http://schemas.microsoft.com/office/powerpoint/2010/main" val="2456269562"/>
+      </p:ext>
+    </p:extLst>
+  </p:cSld>
+  <p:clrMapOvr>
+    <a:masterClrMapping/>
+  </p:clrMapOvr>
+</p:notes>
+</file>
+
+<file path=ppt/notesSlides/notesSlide14.xml><?xml version="1.0" encoding="utf-8"?>
+<p:notes xmlns:a="http://schemas.openxmlformats.org/drawingml/2006/main" xmlns:r="http://schemas.openxmlformats.org/officeDocument/2006/relationships" xmlns:p="http://schemas.openxmlformats.org/presentationml/2006/main">
+  <p:cSld>
+    <p:spTree>
+      <p:nvGrpSpPr>
+        <p:cNvPr id="1" name=""/>
+        <p:cNvGrpSpPr/>
+        <p:nvPr/>
+      </p:nvGrpSpPr>
+      <p:grpSpPr>
+        <a:xfrm>
+          <a:off x="0" y="0"/>
+          <a:ext cx="0" cy="0"/>
+          <a:chOff x="0" y="0"/>
+          <a:chExt cx="0" cy="0"/>
+        </a:xfrm>
+      </p:grpSpPr>
+      <p:sp>
+        <p:nvSpPr>
+          <p:cNvPr id="2" name="幻灯片图像占位符 1"/>
+          <p:cNvSpPr>
+            <a:spLocks noGrp="1" noRot="1" noChangeAspect="1"/>
+          </p:cNvSpPr>
+          <p:nvPr>
+            <p:ph type="sldImg"/>
+          </p:nvPr>
+        </p:nvSpPr>
+        <p:spPr/>
+      </p:sp>
+      <p:sp>
+        <p:nvSpPr>
+          <p:cNvPr id="3" name="备注占位符 2"/>
+          <p:cNvSpPr>
+            <a:spLocks noGrp="1"/>
+          </p:cNvSpPr>
+          <p:nvPr>
+            <p:ph type="body" idx="1"/>
+          </p:nvPr>
+        </p:nvSpPr>
+        <p:spPr/>
+        <p:txBody>
+          <a:bodyPr/>
+          <a:lstStyle/>
+          <a:p>
+            <a:endParaRPr lang="zh-CN" altLang="en-US" dirty="0"/>
+          </a:p>
+        </p:txBody>
+      </p:sp>
+      <p:sp>
+        <p:nvSpPr>
+          <p:cNvPr id="4" name="灯片编号占位符 3"/>
+          <p:cNvSpPr>
+            <a:spLocks noGrp="1"/>
+          </p:cNvSpPr>
+          <p:nvPr>
+            <p:ph type="sldNum" sz="quarter" idx="10"/>
+          </p:nvPr>
+        </p:nvSpPr>
+        <p:spPr/>
+        <p:txBody>
+          <a:bodyPr/>
+          <a:lstStyle/>
+          <a:p>
+            <a:fld id="{767D5E9F-B836-4D96-ABE1-C42C01557198}" type="slidenum">
+              <a:rPr lang="zh-CN" altLang="en-US" smtClean="0"/>
+              <a:t>20</a:t>
+            </a:fld>
+            <a:endParaRPr lang="zh-CN" altLang="en-US"/>
+          </a:p>
+        </p:txBody>
+      </p:sp>
+    </p:spTree>
+    <p:extLst>
+      <p:ext uri="{BB962C8B-B14F-4D97-AF65-F5344CB8AC3E}">
+        <p14:creationId xmlns:p14="http://schemas.microsoft.com/office/powerpoint/2010/main" val="2456269562"/>
+      </p:ext>
+    </p:extLst>
+  </p:cSld>
+  <p:clrMapOvr>
+    <a:masterClrMapping/>
+  </p:clrMapOvr>
+</p:notes>
+</file>
+
+<file path=ppt/notesSlides/notesSlide15.xml><?xml version="1.0" encoding="utf-8"?>
+<p:notes xmlns:a="http://schemas.openxmlformats.org/drawingml/2006/main" xmlns:r="http://schemas.openxmlformats.org/officeDocument/2006/relationships" xmlns:p="http://schemas.openxmlformats.org/presentationml/2006/main">
+  <p:cSld>
+    <p:spTree>
+      <p:nvGrpSpPr>
+        <p:cNvPr id="1" name=""/>
+        <p:cNvGrpSpPr/>
+        <p:nvPr/>
+      </p:nvGrpSpPr>
+      <p:grpSpPr>
+        <a:xfrm>
+          <a:off x="0" y="0"/>
+          <a:ext cx="0" cy="0"/>
+          <a:chOff x="0" y="0"/>
+          <a:chExt cx="0" cy="0"/>
+        </a:xfrm>
+      </p:grpSpPr>
+      <p:sp>
+        <p:nvSpPr>
+          <p:cNvPr id="2" name="幻灯片图像占位符 1"/>
+          <p:cNvSpPr>
+            <a:spLocks noGrp="1" noRot="1" noChangeAspect="1"/>
+          </p:cNvSpPr>
+          <p:nvPr>
+            <p:ph type="sldImg"/>
+          </p:nvPr>
+        </p:nvSpPr>
+        <p:spPr/>
+      </p:sp>
+      <p:sp>
+        <p:nvSpPr>
+          <p:cNvPr id="3" name="备注占位符 2"/>
+          <p:cNvSpPr>
+            <a:spLocks noGrp="1"/>
+          </p:cNvSpPr>
+          <p:nvPr>
+            <p:ph type="body" idx="1"/>
+          </p:nvPr>
+        </p:nvSpPr>
+        <p:spPr/>
+        <p:txBody>
+          <a:bodyPr/>
+          <a:lstStyle/>
+          <a:p>
+            <a:endParaRPr lang="zh-CN" altLang="en-US" dirty="0"/>
+          </a:p>
+        </p:txBody>
+      </p:sp>
+      <p:sp>
+        <p:nvSpPr>
+          <p:cNvPr id="4" name="灯片编号占位符 3"/>
+          <p:cNvSpPr>
+            <a:spLocks noGrp="1"/>
+          </p:cNvSpPr>
+          <p:nvPr>
+            <p:ph type="sldNum" sz="quarter" idx="10"/>
+          </p:nvPr>
+        </p:nvSpPr>
+        <p:spPr/>
+        <p:txBody>
+          <a:bodyPr/>
+          <a:lstStyle/>
+          <a:p>
+            <a:fld id="{767D5E9F-B836-4D96-ABE1-C42C01557198}" type="slidenum">
+              <a:rPr lang="zh-CN" altLang="en-US" smtClean="0"/>
+              <a:t>21</a:t>
+            </a:fld>
+            <a:endParaRPr lang="zh-CN" altLang="en-US"/>
+          </a:p>
+        </p:txBody>
+      </p:sp>
+    </p:spTree>
+    <p:extLst>
+      <p:ext uri="{BB962C8B-B14F-4D97-AF65-F5344CB8AC3E}">
+        <p14:creationId xmlns:p14="http://schemas.microsoft.com/office/powerpoint/2010/main" val="2456269562"/>
+      </p:ext>
+    </p:extLst>
+  </p:cSld>
+  <p:clrMapOvr>
+    <a:masterClrMapping/>
+  </p:clrMapOvr>
+</p:notes>
+</file>
+
 <file path=ppt/notesSlides/notesSlide2.xml><?xml version="1.0" encoding="utf-8"?>
 <p:notes xmlns:a="http://schemas.openxmlformats.org/drawingml/2006/main" xmlns:r="http://schemas.openxmlformats.org/officeDocument/2006/relationships" xmlns:p="http://schemas.openxmlformats.org/presentationml/2006/main">
   <p:cSld>
@@ -3201,7 +3455,7 @@
           <a:p>
             <a:fld id="{4B2060D7-D4D1-4A35-B085-9935BA338CBD}" type="datetime1">
               <a:rPr lang="zh-CN" altLang="en-US" smtClean="0"/>
-              <a:t>2021/2/11</a:t>
+              <a:t>2021/2/18</a:t>
             </a:fld>
             <a:endParaRPr lang="zh-CN" altLang="en-US"/>
           </a:p>
@@ -3476,7 +3730,7 @@
           <a:p>
             <a:fld id="{6B47C370-14AC-4977-916D-F1875C8E06D3}" type="datetime1">
               <a:rPr lang="zh-CN" altLang="en-US" smtClean="0"/>
-              <a:t>2021/2/11</a:t>
+              <a:t>2021/2/18</a:t>
             </a:fld>
             <a:endParaRPr lang="zh-CN" altLang="en-US"/>
           </a:p>
@@ -3728,7 +3982,7 @@
           <a:p>
             <a:fld id="{D41B49CA-CA82-4FB1-B2D0-E3E0FC77B52E}" type="datetime1">
               <a:rPr lang="zh-CN" altLang="en-US" smtClean="0"/>
-              <a:t>2021/2/11</a:t>
+              <a:t>2021/2/18</a:t>
             </a:fld>
             <a:endParaRPr lang="zh-CN" altLang="en-US"/>
           </a:p>
@@ -3896,7 +4150,7 @@
           <a:p>
             <a:fld id="{0D15204C-63FB-46E3-8362-11FF000FA706}" type="datetime1">
               <a:rPr lang="zh-CN" altLang="en-US" smtClean="0"/>
-              <a:t>2021/2/11</a:t>
+              <a:t>2021/2/18</a:t>
             </a:fld>
             <a:endParaRPr lang="zh-CN" altLang="en-US"/>
           </a:p>
@@ -4074,7 +4328,7 @@
           <a:p>
             <a:fld id="{854A2D7D-3654-4D0B-B4A5-C0D9DEAF154E}" type="datetime1">
               <a:rPr lang="zh-CN" altLang="en-US" smtClean="0"/>
-              <a:t>2021/2/11</a:t>
+              <a:t>2021/2/18</a:t>
             </a:fld>
             <a:endParaRPr lang="zh-CN" altLang="en-US"/>
           </a:p>
@@ -4199,7 +4453,7 @@
           <a:p>
             <a:fld id="{0A812ED9-E694-45F2-B445-2B4C421D8C92}" type="datetime1">
               <a:rPr lang="zh-CN" altLang="en-US" smtClean="0"/>
-              <a:t>2021/2/11</a:t>
+              <a:t>2021/2/18</a:t>
             </a:fld>
             <a:endParaRPr lang="zh-CN" altLang="en-US"/>
           </a:p>
@@ -4375,7 +4629,7 @@
           <a:p>
             <a:fld id="{0BC7ADD1-431B-4486-8BB7-28EB947245B5}" type="datetime1">
               <a:rPr lang="zh-CN" altLang="en-US" smtClean="0"/>
-              <a:t>2021/2/11</a:t>
+              <a:t>2021/2/18</a:t>
             </a:fld>
             <a:endParaRPr lang="zh-CN" altLang="en-US" dirty="0"/>
           </a:p>
@@ -4622,7 +4876,7 @@
           <a:p>
             <a:fld id="{B320EE77-A6EF-458A-BA14-E3162CF292E0}" type="datetime1">
               <a:rPr lang="zh-CN" altLang="en-US" smtClean="0"/>
-              <a:t>2021/2/11</a:t>
+              <a:t>2021/2/18</a:t>
             </a:fld>
             <a:endParaRPr lang="zh-CN" altLang="en-US"/>
           </a:p>
@@ -4652,7 +4906,7 @@
           <p:cNvPr id="2" name="文本框 1">
             <a:extLst>
               <a:ext uri="{FF2B5EF4-FFF2-40B4-BE49-F238E27FC236}">
-                <a16:creationId xmlns:a16="http://schemas.microsoft.com/office/drawing/2014/main" xmlns="" id="{A3938D48-0278-46F3-A986-309F3A639D64}"/>
+                <a16:creationId xmlns="" xmlns:a16="http://schemas.microsoft.com/office/drawing/2014/main" id="{A3938D48-0278-46F3-A986-309F3A639D64}"/>
               </a:ext>
             </a:extLst>
           </p:cNvPr>
@@ -4993,7 +5247,7 @@
           <a:p>
             <a:fld id="{1054D02C-597A-4DFE-87C7-FCA2505A5380}" type="datetime1">
               <a:rPr lang="zh-CN" altLang="en-US" smtClean="0"/>
-              <a:t>2021/2/11</a:t>
+              <a:t>2021/2/18</a:t>
             </a:fld>
             <a:endParaRPr lang="zh-CN" altLang="en-US"/>
           </a:p>
@@ -5357,7 +5611,7 @@
           <a:p>
             <a:fld id="{9578A23B-DE5B-444A-8499-DA042FD12182}" type="datetime1">
               <a:rPr lang="zh-CN" altLang="en-US" smtClean="0"/>
-              <a:t>2021/2/11</a:t>
+              <a:t>2021/2/18</a:t>
             </a:fld>
             <a:endParaRPr lang="zh-CN" altLang="en-US"/>
           </a:p>
@@ -5474,7 +5728,7 @@
           <a:p>
             <a:fld id="{20D398F4-5A17-4D91-814C-71EE47096A27}" type="datetime1">
               <a:rPr lang="zh-CN" altLang="en-US" smtClean="0"/>
-              <a:t>2021/2/11</a:t>
+              <a:t>2021/2/18</a:t>
             </a:fld>
             <a:endParaRPr lang="zh-CN" altLang="en-US"/>
           </a:p>
@@ -5685,7 +5939,7 @@
           <a:p>
             <a:fld id="{F0097F28-54CF-4F93-9ACB-A92C45095708}" type="datetime1">
               <a:rPr lang="zh-CN" altLang="en-US" smtClean="0"/>
-              <a:t>2021/2/11</a:t>
+              <a:t>2021/2/18</a:t>
             </a:fld>
             <a:endParaRPr lang="zh-CN" altLang="en-US"/>
           </a:p>
@@ -6396,17 +6650,7 @@
                 <a:latin typeface="微软雅黑" panose="020B0503020204020204" pitchFamily="34" charset="-122"/>
                 <a:ea typeface="微软雅黑" panose="020B0503020204020204" pitchFamily="34" charset="-122"/>
               </a:rPr>
-              <a:t> 技术</a:t>
-            </a:r>
-            <a:r>
-              <a:rPr lang="zh-CN" altLang="en-US" sz="2000" smtClean="0">
-                <a:solidFill>
-                  <a:srgbClr val="515664"/>
-                </a:solidFill>
-                <a:latin typeface="微软雅黑" panose="020B0503020204020204" pitchFamily="34" charset="-122"/>
-                <a:ea typeface="微软雅黑" panose="020B0503020204020204" pitchFamily="34" charset="-122"/>
-              </a:rPr>
-              <a:t>分享 </a:t>
+              <a:t> 技术分享 </a:t>
             </a:r>
             <a:r>
               <a:rPr lang="en-US" altLang="zh-CN" sz="2000" smtClean="0">
@@ -6448,11 +6692,11 @@
   <p:clrMapOvr>
     <a:masterClrMapping/>
   </p:clrMapOvr>
-  <mc:AlternateContent xmlns:mc="http://schemas.openxmlformats.org/markup-compatibility/2006">
-    <mc:Choice xmlns:p14="http://schemas.microsoft.com/office/powerpoint/2010/main" Requires="p14">
+  <mc:AlternateContent xmlns:mc="http://schemas.openxmlformats.org/markup-compatibility/2006" xmlns:p14="http://schemas.microsoft.com/office/powerpoint/2010/main">
+    <mc:Choice Requires="p14">
       <p:transition p14:dur="0"/>
     </mc:Choice>
-    <mc:Fallback>
+    <mc:Fallback xmlns="">
       <p:transition/>
     </mc:Fallback>
   </mc:AlternateContent>
@@ -7059,13 +7303,7 @@
               <a:rPr lang="zh-CN" altLang="en-US" smtClean="0">
                 <a:latin typeface="宋体 (正文)"/>
               </a:rPr>
-              <a:t>包为我们提供了些什么</a:t>
-            </a:r>
-            <a:r>
-              <a:rPr lang="zh-CN" altLang="en-US" smtClean="0">
-                <a:latin typeface="宋体 (正文)"/>
-              </a:rPr>
-              <a:t>：</a:t>
+              <a:t>包为我们提供了些什么：</a:t>
             </a:r>
             <a:endParaRPr lang="en-US" altLang="zh-CN" smtClean="0">
               <a:latin typeface="宋体 (正文)"/>
@@ -7255,13 +7493,7 @@
               <a:rPr lang="zh-CN" altLang="en-US">
                 <a:latin typeface="宋体 (正文)"/>
               </a:rPr>
-              <a:t>字符集的编码能力和解码</a:t>
-            </a:r>
-            <a:r>
-              <a:rPr lang="zh-CN" altLang="en-US">
-                <a:latin typeface="宋体 (正文)"/>
-              </a:rPr>
-              <a:t>能力</a:t>
+              <a:t>字符集的编码能力和解码能力</a:t>
             </a:r>
             <a:r>
               <a:rPr lang="zh-CN" altLang="en-US" smtClean="0">
@@ -7345,13 +7577,7 @@
               <a:rPr lang="zh-CN" altLang="en-US">
                 <a:latin typeface="宋体 (正文)"/>
               </a:rPr>
-              <a:t>实现的正则表达式类</a:t>
-            </a:r>
-            <a:r>
-              <a:rPr lang="zh-CN" altLang="en-US">
-                <a:latin typeface="宋体 (正文)"/>
-              </a:rPr>
-              <a:t>库</a:t>
+              <a:t>实现的正则表达式类库</a:t>
             </a:r>
             <a:r>
               <a:rPr lang="zh-CN" altLang="en-US" smtClean="0">
@@ -8018,7 +8244,7 @@
           <p:cNvPr id="2" name="文本框 1">
             <a:extLst>
               <a:ext uri="{FF2B5EF4-FFF2-40B4-BE49-F238E27FC236}">
-                <a16:creationId xmlns:a16="http://schemas.microsoft.com/office/drawing/2014/main" xmlns="" id="{851CDFD7-5C9E-4E8C-82E9-E31F55931347}"/>
+                <a16:creationId xmlns="" xmlns:a16="http://schemas.microsoft.com/office/drawing/2014/main" id="{851CDFD7-5C9E-4E8C-82E9-E31F55931347}"/>
               </a:ext>
             </a:extLst>
           </p:cNvPr>
@@ -8046,61 +8272,61 @@
               <a:buAutoNum type="arabicPeriod"/>
             </a:pPr>
             <a:r>
-              <a:rPr lang="en-US" altLang="zh-CN" b="1" smtClean="0">
+              <a:rPr lang="en-US" altLang="zh-CN" b="1" dirty="0" smtClean="0">
                 <a:latin typeface="+mn-ea"/>
               </a:rPr>
               <a:t>Buffer</a:t>
             </a:r>
             <a:r>
-              <a:rPr lang="zh-CN" altLang="en-US" smtClean="0">
+              <a:rPr lang="zh-CN" altLang="en-US" dirty="0" smtClean="0">
                 <a:latin typeface="+mn-ea"/>
               </a:rPr>
               <a:t>：缓冲区实际上是一个容器对象，更直接地说，其实就是一个数组，在</a:t>
             </a:r>
             <a:r>
-              <a:rPr lang="en-US" altLang="zh-CN" smtClean="0">
+              <a:rPr lang="en-US" altLang="zh-CN" dirty="0" smtClean="0">
                 <a:latin typeface="+mn-ea"/>
               </a:rPr>
               <a:t>NIO</a:t>
             </a:r>
             <a:r>
-              <a:rPr lang="zh-CN" altLang="en-US" smtClean="0">
+              <a:rPr lang="zh-CN" altLang="en-US" dirty="0" smtClean="0">
                 <a:latin typeface="+mn-ea"/>
               </a:rPr>
               <a:t>库中，所有数据都是用缓冲区处理的。在</a:t>
             </a:r>
             <a:r>
-              <a:rPr lang="zh-CN" altLang="en-US">
+              <a:rPr lang="zh-CN" altLang="en-US" dirty="0">
                 <a:latin typeface="+mn-ea"/>
               </a:rPr>
               <a:t>读取数据时，它是直接读到缓冲区中的；在写入数据时，它也是写入缓冲区的；任何时候访问</a:t>
             </a:r>
             <a:r>
-              <a:rPr lang="en-US" altLang="zh-CN">
+              <a:rPr lang="en-US" altLang="zh-CN" dirty="0">
                 <a:latin typeface="+mn-ea"/>
               </a:rPr>
               <a:t>NIO</a:t>
             </a:r>
             <a:r>
-              <a:rPr lang="zh-CN" altLang="en-US">
+              <a:rPr lang="zh-CN" altLang="en-US" dirty="0">
                 <a:latin typeface="+mn-ea"/>
               </a:rPr>
               <a:t>中的数据，都是将它放到缓冲区中</a:t>
             </a:r>
             <a:r>
-              <a:rPr lang="zh-CN" altLang="en-US" smtClean="0">
+              <a:rPr lang="zh-CN" altLang="en-US" dirty="0" smtClean="0">
                 <a:latin typeface="+mn-ea"/>
               </a:rPr>
               <a:t>。（</a:t>
             </a:r>
             <a:r>
-              <a:rPr lang="en-US" altLang="zh-CN" smtClean="0">
+              <a:rPr lang="en-US" altLang="zh-CN" dirty="0" err="1" smtClean="0">
                 <a:latin typeface="+mn-ea"/>
               </a:rPr>
               <a:t>ByteBuffer</a:t>
             </a:r>
             <a:r>
-              <a:rPr lang="zh-CN" altLang="en-US" smtClean="0">
+              <a:rPr lang="zh-CN" altLang="en-US" dirty="0" smtClean="0">
                 <a:latin typeface="+mn-ea"/>
               </a:rPr>
               <a:t>）</a:t>
@@ -8115,55 +8341,55 @@
               <a:buAutoNum type="arabicPeriod"/>
             </a:pPr>
             <a:r>
-              <a:rPr lang="en-US" altLang="zh-CN" b="1" smtClean="0">
+              <a:rPr lang="en-US" altLang="zh-CN" b="1" dirty="0" smtClean="0">
                 <a:latin typeface="+mn-ea"/>
               </a:rPr>
               <a:t>Channel</a:t>
             </a:r>
             <a:r>
-              <a:rPr lang="zh-CN" altLang="en-US">
+              <a:rPr lang="zh-CN" altLang="en-US" dirty="0">
                 <a:latin typeface="+mn-ea"/>
               </a:rPr>
               <a:t>：通道是一个对象，通过它可以读取和写入数据，当然所有数据都通过</a:t>
             </a:r>
             <a:r>
-              <a:rPr lang="en-US" altLang="zh-CN">
+              <a:rPr lang="en-US" altLang="zh-CN" dirty="0">
                 <a:latin typeface="+mn-ea"/>
               </a:rPr>
               <a:t>Buffer</a:t>
             </a:r>
             <a:r>
-              <a:rPr lang="zh-CN" altLang="en-US">
+              <a:rPr lang="zh-CN" altLang="en-US" dirty="0">
                 <a:latin typeface="+mn-ea"/>
               </a:rPr>
               <a:t>对象来处理。我们永远不会将字节直接写入通道，而是将数据写入包含一个或者多个字节的缓冲区。同样也不会直接从通道中读取字节，而是将数据从通道读入缓冲区，再从缓冲区获取这个字节</a:t>
             </a:r>
             <a:r>
-              <a:rPr lang="zh-CN" altLang="en-US" smtClean="0">
+              <a:rPr lang="zh-CN" altLang="en-US" dirty="0" smtClean="0">
                 <a:latin typeface="+mn-ea"/>
               </a:rPr>
               <a:t>。（</a:t>
             </a:r>
             <a:r>
-              <a:rPr lang="en-US" altLang="zh-CN" smtClean="0">
+              <a:rPr lang="en-US" altLang="zh-CN" dirty="0" err="1" smtClean="0">
                 <a:latin typeface="+mn-ea"/>
               </a:rPr>
               <a:t>SocketChannel</a:t>
             </a:r>
             <a:r>
-              <a:rPr lang="zh-CN" altLang="en-US" smtClean="0">
+              <a:rPr lang="zh-CN" altLang="en-US" dirty="0" smtClean="0">
                 <a:latin typeface="+mn-ea"/>
               </a:rPr>
               <a:t>、</a:t>
             </a:r>
             <a:r>
-              <a:rPr lang="en-US" altLang="zh-CN" smtClean="0">
+              <a:rPr lang="en-US" altLang="zh-CN" dirty="0" err="1" smtClean="0">
                 <a:latin typeface="+mn-ea"/>
               </a:rPr>
               <a:t>ServerSocketChannel</a:t>
             </a:r>
             <a:r>
-              <a:rPr lang="zh-CN" altLang="en-US" smtClean="0">
+              <a:rPr lang="zh-CN" altLang="en-US" dirty="0" smtClean="0">
                 <a:latin typeface="+mn-ea"/>
               </a:rPr>
               <a:t>）</a:t>
@@ -8178,55 +8404,55 @@
               <a:buAutoNum type="arabicPeriod"/>
             </a:pPr>
             <a:r>
-              <a:rPr lang="en-US" altLang="zh-CN" b="1" smtClean="0">
+              <a:rPr lang="en-US" altLang="zh-CN" b="1" dirty="0" smtClean="0">
                 <a:latin typeface="+mn-ea"/>
               </a:rPr>
               <a:t>Selector</a:t>
             </a:r>
             <a:r>
-              <a:rPr lang="zh-CN" altLang="en-US" smtClean="0">
+              <a:rPr lang="zh-CN" altLang="en-US" dirty="0" smtClean="0">
                 <a:latin typeface="+mn-ea"/>
               </a:rPr>
               <a:t>：</a:t>
             </a:r>
             <a:r>
-              <a:rPr lang="en-US" altLang="zh-CN">
+              <a:rPr lang="en-US" altLang="zh-CN" dirty="0">
                 <a:latin typeface="+mn-ea"/>
               </a:rPr>
               <a:t>Selector</a:t>
             </a:r>
             <a:r>
-              <a:rPr lang="zh-CN" altLang="en-US">
+              <a:rPr lang="zh-CN" altLang="en-US" dirty="0">
                 <a:latin typeface="+mn-ea"/>
               </a:rPr>
               <a:t>是注册各种</a:t>
             </a:r>
             <a:r>
-              <a:rPr lang="en-US" altLang="zh-CN">
+              <a:rPr lang="en-US" altLang="zh-CN" dirty="0">
                 <a:latin typeface="+mn-ea"/>
               </a:rPr>
               <a:t>I/O</a:t>
             </a:r>
             <a:r>
-              <a:rPr lang="zh-CN" altLang="en-US">
+              <a:rPr lang="zh-CN" altLang="en-US" dirty="0">
                 <a:latin typeface="+mn-ea"/>
               </a:rPr>
               <a:t>事件的地方，而且当那些事件发生时，就是</a:t>
             </a:r>
             <a:r>
-              <a:rPr lang="en-US" altLang="zh-CN">
+              <a:rPr lang="en-US" altLang="zh-CN" dirty="0" smtClean="0">
                 <a:latin typeface="+mn-ea"/>
               </a:rPr>
-              <a:t>Seleetor</a:t>
-            </a:r>
-            <a:r>
-              <a:rPr lang="zh-CN" altLang="en-US">
+              <a:t>Selector</a:t>
+            </a:r>
+            <a:r>
+              <a:rPr lang="zh-CN" altLang="en-US" dirty="0">
                 <a:latin typeface="+mn-ea"/>
               </a:rPr>
               <a:t>告诉我们所发生的</a:t>
             </a:r>
             <a:r>
-              <a:rPr lang="zh-CN" altLang="en-US" smtClean="0">
+              <a:rPr lang="zh-CN" altLang="en-US" dirty="0" smtClean="0">
                 <a:latin typeface="+mn-ea"/>
               </a:rPr>
               <a:t>事件</a:t>
@@ -8242,7 +8468,7 @@
           <p:cNvPr id="27" name="箭头: 五边形 29">
             <a:extLst>
               <a:ext uri="{FF2B5EF4-FFF2-40B4-BE49-F238E27FC236}">
-                <a16:creationId xmlns:a16="http://schemas.microsoft.com/office/drawing/2014/main" xmlns="" id="{DAB6CC48-B0D6-471B-B188-D7433129D682}"/>
+                <a16:creationId xmlns="" xmlns:a16="http://schemas.microsoft.com/office/drawing/2014/main" id="{DAB6CC48-B0D6-471B-B188-D7433129D682}"/>
               </a:ext>
             </a:extLst>
           </p:cNvPr>
@@ -9335,7 +9561,7 @@
           <p:cNvPr id="7" name="文本框 6">
             <a:extLst>
               <a:ext uri="{FF2B5EF4-FFF2-40B4-BE49-F238E27FC236}">
-                <a16:creationId xmlns:a16="http://schemas.microsoft.com/office/drawing/2014/main" xmlns="" id="{AFFCF1AD-71D0-456C-9CE1-90FE52800ED6}"/>
+                <a16:creationId xmlns="" xmlns:a16="http://schemas.microsoft.com/office/drawing/2014/main" id="{AFFCF1AD-71D0-456C-9CE1-90FE52800ED6}"/>
               </a:ext>
             </a:extLst>
           </p:cNvPr>
@@ -10074,7 +10300,7 @@
           <p:cNvPr id="7" name="文本框 6">
             <a:extLst>
               <a:ext uri="{FF2B5EF4-FFF2-40B4-BE49-F238E27FC236}">
-                <a16:creationId xmlns:a16="http://schemas.microsoft.com/office/drawing/2014/main" xmlns="" id="{AFFCF1AD-71D0-456C-9CE1-90FE52800ED6}"/>
+                <a16:creationId xmlns="" xmlns:a16="http://schemas.microsoft.com/office/drawing/2014/main" id="{AFFCF1AD-71D0-456C-9CE1-90FE52800ED6}"/>
               </a:ext>
             </a:extLst>
           </p:cNvPr>
@@ -10716,7 +10942,7 @@
           <p:cNvPr id="7" name="文本框 6">
             <a:extLst>
               <a:ext uri="{FF2B5EF4-FFF2-40B4-BE49-F238E27FC236}">
-                <a16:creationId xmlns:a16="http://schemas.microsoft.com/office/drawing/2014/main" xmlns="" id="{AFFCF1AD-71D0-456C-9CE1-90FE52800ED6}"/>
+                <a16:creationId xmlns="" xmlns:a16="http://schemas.microsoft.com/office/drawing/2014/main" id="{AFFCF1AD-71D0-456C-9CE1-90FE52800ED6}"/>
               </a:ext>
             </a:extLst>
           </p:cNvPr>
@@ -11365,7 +11591,7 @@
           <p:cNvPr id="7" name="文本框 6">
             <a:extLst>
               <a:ext uri="{FF2B5EF4-FFF2-40B4-BE49-F238E27FC236}">
-                <a16:creationId xmlns:a16="http://schemas.microsoft.com/office/drawing/2014/main" xmlns="" id="{AFFCF1AD-71D0-456C-9CE1-90FE52800ED6}"/>
+                <a16:creationId xmlns="" xmlns:a16="http://schemas.microsoft.com/office/drawing/2014/main" id="{AFFCF1AD-71D0-456C-9CE1-90FE52800ED6}"/>
               </a:ext>
             </a:extLst>
           </p:cNvPr>
@@ -11389,21 +11615,21 @@
           <a:lstStyle/>
           <a:p>
             <a:r>
-              <a:rPr lang="zh-CN" altLang="en-US" sz="2000" smtClean="0">
+              <a:rPr lang="zh-CN" altLang="en-US" sz="2000" dirty="0" smtClean="0">
                 <a:latin typeface="华文中宋" panose="02010600040101010101" pitchFamily="2" charset="-122"/>
                 <a:ea typeface="华文中宋" panose="02010600040101010101" pitchFamily="2" charset="-122"/>
               </a:rPr>
               <a:t>多</a:t>
             </a:r>
             <a:r>
-              <a:rPr lang="en-US" altLang="zh-CN" sz="2000" smtClean="0">
+              <a:rPr lang="en-US" altLang="zh-CN" sz="2000" dirty="0" smtClean="0">
                 <a:latin typeface="华文中宋" panose="02010600040101010101" pitchFamily="2" charset="-122"/>
                 <a:ea typeface="华文中宋" panose="02010600040101010101" pitchFamily="2" charset="-122"/>
               </a:rPr>
               <a:t>reactor</a:t>
             </a:r>
             <a:r>
-              <a:rPr lang="zh-CN" altLang="en-US" sz="2000" smtClean="0">
+              <a:rPr lang="zh-CN" altLang="en-US" sz="2000" dirty="0" smtClean="0">
                 <a:latin typeface="华文中宋" panose="02010600040101010101" pitchFamily="2" charset="-122"/>
                 <a:ea typeface="华文中宋" panose="02010600040101010101" pitchFamily="2" charset="-122"/>
               </a:rPr>
@@ -12428,20 +12654,14 @@
       </p:sp>
       <p:sp>
         <p:nvSpPr>
-          <p:cNvPr id="27" name="文本框 26">
-            <a:extLst>
-              <a:ext uri="{FF2B5EF4-FFF2-40B4-BE49-F238E27FC236}">
-                <a16:creationId xmlns:a16="http://schemas.microsoft.com/office/drawing/2014/main" xmlns="" id="{78B44AC4-178C-4FF8-98C0-54DE5913C444}"/>
-              </a:ext>
-            </a:extLst>
-          </p:cNvPr>
+          <p:cNvPr id="2" name="TextBox 1"/>
           <p:cNvSpPr txBox="1"/>
           <p:nvPr/>
         </p:nvSpPr>
         <p:spPr>
           <a:xfrm>
-            <a:off x="312577" y="1020862"/>
-            <a:ext cx="9890202" cy="1015663"/>
+            <a:off x="509155" y="904009"/>
+            <a:ext cx="10380518" cy="2031325"/>
           </a:xfrm>
           <a:prstGeom prst="rect">
             <a:avLst/>
@@ -12449,72 +12669,202 @@
           <a:noFill/>
         </p:spPr>
         <p:txBody>
-          <a:bodyPr wrap="square">
+          <a:bodyPr wrap="square" rtlCol="0">
             <a:spAutoFit/>
           </a:bodyPr>
           <a:lstStyle/>
           <a:p>
             <a:r>
-              <a:rPr lang="en-US" altLang="zh-CN" sz="2000" b="1" smtClean="0">
-                <a:latin typeface="华文中宋" panose="02010600040101010101" pitchFamily="2" charset="-122"/>
-                <a:ea typeface="华文中宋" panose="02010600040101010101" pitchFamily="2" charset="-122"/>
-              </a:rPr>
+              <a:rPr lang="zh-CN" altLang="en-US" dirty="0" smtClean="0"/>
+              <a:t>逐步解析：</a:t>
+            </a:r>
+            <a:endParaRPr lang="en-US" altLang="zh-CN" dirty="0" smtClean="0"/>
+          </a:p>
+          <a:p>
+            <a:r>
+              <a:rPr lang="en-US" altLang="zh-CN" dirty="0" smtClean="0"/>
+              <a:t>1</a:t>
+            </a:r>
+            <a:r>
+              <a:rPr lang="zh-CN" altLang="en-US" dirty="0" smtClean="0"/>
+              <a:t>、</a:t>
+            </a:r>
+            <a:r>
+              <a:rPr lang="en-US" altLang="zh-CN" dirty="0" err="1" smtClean="0"/>
               <a:t>EventLoopGroup</a:t>
             </a:r>
             <a:r>
-              <a:rPr lang="zh-CN" altLang="en-US" sz="2000" b="1" smtClean="0">
-                <a:latin typeface="华文中宋" panose="02010600040101010101" pitchFamily="2" charset="-122"/>
-                <a:ea typeface="华文中宋" panose="02010600040101010101" pitchFamily="2" charset="-122"/>
-              </a:rPr>
+              <a:rPr lang="zh-CN" altLang="en-US" dirty="0" smtClean="0"/>
               <a:t>（</a:t>
             </a:r>
             <a:r>
-              <a:rPr lang="en-US" altLang="zh-CN" sz="2000" b="1" smtClean="0">
-                <a:latin typeface="华文中宋" panose="02010600040101010101" pitchFamily="2" charset="-122"/>
-                <a:ea typeface="华文中宋" panose="02010600040101010101" pitchFamily="2" charset="-122"/>
-              </a:rPr>
-              <a:t>Bossgroup</a:t>
-            </a:r>
-            <a:r>
-              <a:rPr lang="zh-CN" altLang="en-US" sz="2000" b="1" smtClean="0">
-                <a:latin typeface="华文中宋" panose="02010600040101010101" pitchFamily="2" charset="-122"/>
-                <a:ea typeface="华文中宋" panose="02010600040101010101" pitchFamily="2" charset="-122"/>
-              </a:rPr>
+              <a:rPr lang="en-US" altLang="zh-CN" dirty="0" err="1" smtClean="0"/>
+              <a:t>bossGroup</a:t>
+            </a:r>
+            <a:r>
+              <a:rPr lang="zh-CN" altLang="en-US" dirty="0" smtClean="0"/>
               <a:t>、</a:t>
             </a:r>
             <a:r>
-              <a:rPr lang="en-US" altLang="zh-CN" sz="2000" b="1">
-                <a:latin typeface="华文中宋" panose="02010600040101010101" pitchFamily="2" charset="-122"/>
-                <a:ea typeface="华文中宋" panose="02010600040101010101" pitchFamily="2" charset="-122"/>
-              </a:rPr>
+              <a:rPr lang="en-US" altLang="zh-CN" dirty="0" err="1" smtClean="0"/>
               <a:t>workerGroup</a:t>
             </a:r>
             <a:r>
-              <a:rPr lang="zh-CN" altLang="en-US" sz="2000" b="1" smtClean="0">
-                <a:latin typeface="华文中宋" panose="02010600040101010101" pitchFamily="2" charset="-122"/>
-                <a:ea typeface="华文中宋" panose="02010600040101010101" pitchFamily="2" charset="-122"/>
-              </a:rPr>
+              <a:rPr lang="zh-CN" altLang="en-US" dirty="0" smtClean="0"/>
+              <a:t>、</a:t>
+            </a:r>
+            <a:r>
+              <a:rPr lang="en-US" altLang="zh-CN" dirty="0"/>
+              <a:t> </a:t>
+            </a:r>
+            <a:r>
+              <a:rPr lang="en-US" altLang="zh-CN" dirty="0" err="1" smtClean="0"/>
+              <a:t>EventLoop</a:t>
+            </a:r>
+            <a:r>
+              <a:rPr lang="zh-CN" altLang="en-US" dirty="0" smtClean="0"/>
               <a:t>）</a:t>
             </a:r>
-            <a:endParaRPr lang="en-US" altLang="zh-CN" sz="2000" b="1" smtClean="0">
-              <a:latin typeface="华文中宋" panose="02010600040101010101" pitchFamily="2" charset="-122"/>
-              <a:ea typeface="华文中宋" panose="02010600040101010101" pitchFamily="2" charset="-122"/>
-            </a:endParaRPr>
-          </a:p>
-          <a:p>
-            <a:r>
-              <a:rPr lang="en-US" altLang="zh-CN" sz="2000" b="1" smtClean="0">
-                <a:latin typeface="华文中宋" panose="02010600040101010101" pitchFamily="2" charset="-122"/>
-                <a:ea typeface="华文中宋" panose="02010600040101010101" pitchFamily="2" charset="-122"/>
-              </a:rPr>
+            <a:endParaRPr lang="en-US" altLang="zh-CN" dirty="0" smtClean="0"/>
+          </a:p>
+          <a:p>
+            <a:r>
+              <a:rPr lang="en-US" altLang="zh-CN" dirty="0" smtClean="0"/>
+              <a:t>2</a:t>
+            </a:r>
+            <a:r>
+              <a:rPr lang="zh-CN" altLang="en-US" dirty="0" smtClean="0"/>
+              <a:t>、</a:t>
+            </a:r>
+            <a:r>
+              <a:rPr lang="en-US" altLang="zh-CN" dirty="0" smtClean="0"/>
+              <a:t>Bootstrap</a:t>
+            </a:r>
+            <a:r>
+              <a:rPr lang="zh-CN" altLang="en-US" dirty="0" smtClean="0"/>
+              <a:t>（参数封裝、启动流程）</a:t>
+            </a:r>
+            <a:endParaRPr lang="en-US" altLang="zh-CN" dirty="0" smtClean="0"/>
+          </a:p>
+          <a:p>
+            <a:r>
+              <a:rPr lang="en-US" altLang="zh-CN" dirty="0" smtClean="0"/>
+              <a:t>3</a:t>
+            </a:r>
+            <a:r>
+              <a:rPr lang="zh-CN" altLang="en-US" dirty="0" smtClean="0"/>
+              <a:t>、</a:t>
+            </a:r>
+            <a:r>
+              <a:rPr lang="en-US" altLang="zh-CN" dirty="0" smtClean="0"/>
               <a:t>Pipeline</a:t>
             </a:r>
-          </a:p>
-          <a:p>
-            <a:endParaRPr lang="en-US" altLang="zh-CN" sz="2000" b="1" dirty="0">
-              <a:latin typeface="华文中宋" panose="02010600040101010101" pitchFamily="2" charset="-122"/>
-              <a:ea typeface="华文中宋" panose="02010600040101010101" pitchFamily="2" charset="-122"/>
-            </a:endParaRPr>
+            <a:r>
+              <a:rPr lang="zh-CN" altLang="en-US" dirty="0" smtClean="0"/>
+              <a:t>（与</a:t>
+            </a:r>
+            <a:r>
+              <a:rPr lang="en-US" altLang="zh-CN" dirty="0" smtClean="0"/>
+              <a:t>channel</a:t>
+            </a:r>
+            <a:r>
+              <a:rPr lang="zh-CN" altLang="en-US" dirty="0" smtClean="0"/>
+              <a:t>的关系，</a:t>
+            </a:r>
+            <a:r>
+              <a:rPr lang="en-US" altLang="zh-CN" dirty="0" smtClean="0"/>
+              <a:t>head</a:t>
+            </a:r>
+            <a:r>
+              <a:rPr lang="zh-CN" altLang="en-US" dirty="0" smtClean="0"/>
+              <a:t>、</a:t>
+            </a:r>
+            <a:r>
+              <a:rPr lang="en-US" altLang="zh-CN" dirty="0" smtClean="0"/>
+              <a:t>tail</a:t>
+            </a:r>
+            <a:r>
+              <a:rPr lang="zh-CN" altLang="en-US" dirty="0" smtClean="0"/>
+              <a:t>节点双向链表，</a:t>
+            </a:r>
+            <a:r>
+              <a:rPr lang="en-US" altLang="zh-CN" dirty="0" smtClean="0"/>
+              <a:t>in</a:t>
+            </a:r>
+            <a:r>
+              <a:rPr lang="zh-CN" altLang="en-US" dirty="0" smtClean="0"/>
+              <a:t>和</a:t>
+            </a:r>
+            <a:r>
+              <a:rPr lang="en-US" altLang="zh-CN" dirty="0" smtClean="0"/>
+              <a:t>out</a:t>
+            </a:r>
+            <a:r>
+              <a:rPr lang="zh-CN" altLang="en-US" dirty="0" smtClean="0"/>
+              <a:t>的关系）</a:t>
+            </a:r>
+            <a:endParaRPr lang="en-US" altLang="zh-CN" dirty="0" smtClean="0"/>
+          </a:p>
+          <a:p>
+            <a:r>
+              <a:rPr lang="en-US" altLang="zh-CN" dirty="0" smtClean="0"/>
+              <a:t>4</a:t>
+            </a:r>
+            <a:r>
+              <a:rPr lang="zh-CN" altLang="en-US" dirty="0" smtClean="0"/>
+              <a:t>、异步处理（</a:t>
+            </a:r>
+            <a:r>
+              <a:rPr lang="en-US" altLang="zh-CN" dirty="0"/>
+              <a:t> </a:t>
+            </a:r>
+            <a:r>
+              <a:rPr lang="en-US" altLang="zh-CN" dirty="0" err="1"/>
+              <a:t>ChannelFuture</a:t>
+            </a:r>
+            <a:r>
+              <a:rPr lang="en-US" altLang="zh-CN" dirty="0"/>
+              <a:t> </a:t>
+            </a:r>
+            <a:r>
+              <a:rPr lang="zh-CN" altLang="en-US" dirty="0" smtClean="0"/>
+              <a:t>、</a:t>
+            </a:r>
+            <a:r>
+              <a:rPr lang="en-US" altLang="zh-CN" dirty="0"/>
+              <a:t> </a:t>
+            </a:r>
+            <a:r>
+              <a:rPr lang="en-US" altLang="zh-CN" dirty="0" err="1"/>
+              <a:t>ChannelPromise</a:t>
+            </a:r>
+            <a:r>
+              <a:rPr lang="en-US" altLang="zh-CN" dirty="0"/>
+              <a:t> </a:t>
+            </a:r>
+            <a:r>
+              <a:rPr lang="zh-CN" altLang="en-US" dirty="0" smtClean="0"/>
+              <a:t>）</a:t>
+            </a:r>
+            <a:endParaRPr lang="en-US" altLang="zh-CN" dirty="0" smtClean="0"/>
+          </a:p>
+          <a:p>
+            <a:r>
+              <a:rPr lang="en-US" altLang="zh-CN" dirty="0" smtClean="0"/>
+              <a:t>5</a:t>
+            </a:r>
+            <a:r>
+              <a:rPr lang="zh-CN" altLang="en-US" dirty="0" smtClean="0"/>
+              <a:t>、</a:t>
+            </a:r>
+            <a:r>
+              <a:rPr lang="en-US" altLang="zh-CN" dirty="0" err="1" smtClean="0"/>
+              <a:t>Bytebuf</a:t>
+            </a:r>
+            <a:endParaRPr lang="en-US" altLang="zh-CN" dirty="0" smtClean="0"/>
+          </a:p>
+          <a:p>
+            <a:endParaRPr lang="zh-CN" altLang="en-US" dirty="0"/>
           </a:p>
         </p:txBody>
       </p:sp>
@@ -12558,6 +12908,825 @@
           <a:chExt cx="0" cy="0"/>
         </a:xfrm>
       </p:grpSpPr>
+      <p:grpSp>
+        <p:nvGrpSpPr>
+          <p:cNvPr id="26" name="组合 25"/>
+          <p:cNvGrpSpPr/>
+          <p:nvPr/>
+        </p:nvGrpSpPr>
+        <p:grpSpPr>
+          <a:xfrm>
+            <a:off x="312577" y="210791"/>
+            <a:ext cx="3026655" cy="354181"/>
+            <a:chOff x="2147314" y="804555"/>
+            <a:chExt cx="3026655" cy="354181"/>
+          </a:xfrm>
+        </p:grpSpPr>
+        <p:grpSp>
+          <p:nvGrpSpPr>
+            <p:cNvPr id="22" name="组合 21"/>
+            <p:cNvGrpSpPr/>
+            <p:nvPr/>
+          </p:nvGrpSpPr>
+          <p:grpSpPr>
+            <a:xfrm>
+              <a:off x="3534889" y="1040577"/>
+              <a:ext cx="1639080" cy="117268"/>
+              <a:chOff x="573689" y="222664"/>
+              <a:chExt cx="1639080" cy="353287"/>
+            </a:xfrm>
+            <a:solidFill>
+              <a:srgbClr val="D9E026"/>
+            </a:solidFill>
+          </p:grpSpPr>
+          <p:sp>
+            <p:nvSpPr>
+              <p:cNvPr id="23" name="圆角矩形 22"/>
+              <p:cNvSpPr/>
+              <p:nvPr/>
+            </p:nvSpPr>
+            <p:spPr>
+              <a:xfrm>
+                <a:off x="573689" y="222664"/>
+                <a:ext cx="1639080" cy="353287"/>
+              </a:xfrm>
+              <a:prstGeom prst="roundRect">
+                <a:avLst>
+                  <a:gd name="adj" fmla="val 32457"/>
+                </a:avLst>
+              </a:prstGeom>
+              <a:grpFill/>
+              <a:ln>
+                <a:noFill/>
+              </a:ln>
+            </p:spPr>
+            <p:style>
+              <a:lnRef idx="2">
+                <a:schemeClr val="accent1">
+                  <a:shade val="50000"/>
+                </a:schemeClr>
+              </a:lnRef>
+              <a:fillRef idx="1">
+                <a:schemeClr val="accent1"/>
+              </a:fillRef>
+              <a:effectRef idx="0">
+                <a:schemeClr val="accent1"/>
+              </a:effectRef>
+              <a:fontRef idx="minor">
+                <a:schemeClr val="lt1"/>
+              </a:fontRef>
+            </p:style>
+            <p:txBody>
+              <a:bodyPr rtlCol="0" anchor="ctr"/>
+              <a:lstStyle/>
+              <a:p>
+                <a:pPr algn="ctr"/>
+                <a:endParaRPr lang="zh-CN" altLang="en-US"/>
+              </a:p>
+            </p:txBody>
+          </p:sp>
+          <p:sp>
+            <p:nvSpPr>
+              <p:cNvPr id="24" name="矩形 23"/>
+              <p:cNvSpPr/>
+              <p:nvPr/>
+            </p:nvSpPr>
+            <p:spPr>
+              <a:xfrm>
+                <a:off x="573689" y="438216"/>
+                <a:ext cx="1639080" cy="137735"/>
+              </a:xfrm>
+              <a:prstGeom prst="rect">
+                <a:avLst/>
+              </a:prstGeom>
+              <a:grpFill/>
+              <a:ln>
+                <a:noFill/>
+              </a:ln>
+            </p:spPr>
+            <p:style>
+              <a:lnRef idx="2">
+                <a:schemeClr val="accent1">
+                  <a:shade val="50000"/>
+                </a:schemeClr>
+              </a:lnRef>
+              <a:fillRef idx="1">
+                <a:schemeClr val="accent1"/>
+              </a:fillRef>
+              <a:effectRef idx="0">
+                <a:schemeClr val="accent1"/>
+              </a:effectRef>
+              <a:fontRef idx="minor">
+                <a:schemeClr val="lt1"/>
+              </a:fontRef>
+            </p:style>
+            <p:txBody>
+              <a:bodyPr rtlCol="0" anchor="ctr"/>
+              <a:lstStyle/>
+              <a:p>
+                <a:pPr algn="ctr"/>
+                <a:endParaRPr lang="zh-CN" altLang="en-US"/>
+              </a:p>
+            </p:txBody>
+          </p:sp>
+        </p:grpSp>
+        <p:grpSp>
+          <p:nvGrpSpPr>
+            <p:cNvPr id="19" name="组合 18"/>
+            <p:cNvGrpSpPr/>
+            <p:nvPr/>
+          </p:nvGrpSpPr>
+          <p:grpSpPr>
+            <a:xfrm>
+              <a:off x="3148655" y="1041468"/>
+              <a:ext cx="1639080" cy="117268"/>
+              <a:chOff x="573689" y="222664"/>
+              <a:chExt cx="1639080" cy="353287"/>
+            </a:xfrm>
+            <a:solidFill>
+              <a:srgbClr val="91338C"/>
+            </a:solidFill>
+          </p:grpSpPr>
+          <p:sp>
+            <p:nvSpPr>
+              <p:cNvPr id="20" name="圆角矩形 19"/>
+              <p:cNvSpPr/>
+              <p:nvPr/>
+            </p:nvSpPr>
+            <p:spPr>
+              <a:xfrm>
+                <a:off x="573689" y="222664"/>
+                <a:ext cx="1639080" cy="353287"/>
+              </a:xfrm>
+              <a:prstGeom prst="roundRect">
+                <a:avLst>
+                  <a:gd name="adj" fmla="val 32457"/>
+                </a:avLst>
+              </a:prstGeom>
+              <a:grpFill/>
+              <a:ln>
+                <a:noFill/>
+              </a:ln>
+            </p:spPr>
+            <p:style>
+              <a:lnRef idx="2">
+                <a:schemeClr val="accent1">
+                  <a:shade val="50000"/>
+                </a:schemeClr>
+              </a:lnRef>
+              <a:fillRef idx="1">
+                <a:schemeClr val="accent1"/>
+              </a:fillRef>
+              <a:effectRef idx="0">
+                <a:schemeClr val="accent1"/>
+              </a:effectRef>
+              <a:fontRef idx="minor">
+                <a:schemeClr val="lt1"/>
+              </a:fontRef>
+            </p:style>
+            <p:txBody>
+              <a:bodyPr rtlCol="0" anchor="ctr"/>
+              <a:lstStyle/>
+              <a:p>
+                <a:pPr algn="ctr"/>
+                <a:endParaRPr lang="zh-CN" altLang="en-US"/>
+              </a:p>
+            </p:txBody>
+          </p:sp>
+          <p:sp>
+            <p:nvSpPr>
+              <p:cNvPr id="21" name="矩形 20"/>
+              <p:cNvSpPr/>
+              <p:nvPr/>
+            </p:nvSpPr>
+            <p:spPr>
+              <a:xfrm>
+                <a:off x="573689" y="438216"/>
+                <a:ext cx="1639080" cy="137735"/>
+              </a:xfrm>
+              <a:prstGeom prst="rect">
+                <a:avLst/>
+              </a:prstGeom>
+              <a:grpFill/>
+              <a:ln>
+                <a:noFill/>
+              </a:ln>
+            </p:spPr>
+            <p:style>
+              <a:lnRef idx="2">
+                <a:schemeClr val="accent1">
+                  <a:shade val="50000"/>
+                </a:schemeClr>
+              </a:lnRef>
+              <a:fillRef idx="1">
+                <a:schemeClr val="accent1"/>
+              </a:fillRef>
+              <a:effectRef idx="0">
+                <a:schemeClr val="accent1"/>
+              </a:effectRef>
+              <a:fontRef idx="minor">
+                <a:schemeClr val="lt1"/>
+              </a:fontRef>
+            </p:style>
+            <p:txBody>
+              <a:bodyPr rtlCol="0" anchor="ctr"/>
+              <a:lstStyle/>
+              <a:p>
+                <a:pPr algn="ctr"/>
+                <a:endParaRPr lang="zh-CN" altLang="en-US"/>
+              </a:p>
+            </p:txBody>
+          </p:sp>
+        </p:grpSp>
+        <p:grpSp>
+          <p:nvGrpSpPr>
+            <p:cNvPr id="25" name="组合 24"/>
+            <p:cNvGrpSpPr/>
+            <p:nvPr/>
+          </p:nvGrpSpPr>
+          <p:grpSpPr>
+            <a:xfrm>
+              <a:off x="2147314" y="804555"/>
+              <a:ext cx="2207115" cy="353290"/>
+              <a:chOff x="330245" y="804555"/>
+              <a:chExt cx="2207115" cy="353290"/>
+            </a:xfrm>
+          </p:grpSpPr>
+          <p:grpSp>
+            <p:nvGrpSpPr>
+              <p:cNvPr id="16" name="组合 15"/>
+              <p:cNvGrpSpPr/>
+              <p:nvPr/>
+            </p:nvGrpSpPr>
+            <p:grpSpPr>
+              <a:xfrm>
+                <a:off x="898280" y="1040577"/>
+                <a:ext cx="1639080" cy="117268"/>
+                <a:chOff x="573689" y="222664"/>
+                <a:chExt cx="1639080" cy="353287"/>
+              </a:xfrm>
+              <a:solidFill>
+                <a:srgbClr val="049FFA"/>
+              </a:solidFill>
+            </p:grpSpPr>
+            <p:sp>
+              <p:nvSpPr>
+                <p:cNvPr id="17" name="圆角矩形 16"/>
+                <p:cNvSpPr/>
+                <p:nvPr/>
+              </p:nvSpPr>
+              <p:spPr>
+                <a:xfrm>
+                  <a:off x="573689" y="222664"/>
+                  <a:ext cx="1639080" cy="353287"/>
+                </a:xfrm>
+                <a:prstGeom prst="roundRect">
+                  <a:avLst>
+                    <a:gd name="adj" fmla="val 32457"/>
+                  </a:avLst>
+                </a:prstGeom>
+                <a:grpFill/>
+                <a:ln>
+                  <a:noFill/>
+                </a:ln>
+              </p:spPr>
+              <p:style>
+                <a:lnRef idx="2">
+                  <a:schemeClr val="accent1">
+                    <a:shade val="50000"/>
+                  </a:schemeClr>
+                </a:lnRef>
+                <a:fillRef idx="1">
+                  <a:schemeClr val="accent1"/>
+                </a:fillRef>
+                <a:effectRef idx="0">
+                  <a:schemeClr val="accent1"/>
+                </a:effectRef>
+                <a:fontRef idx="minor">
+                  <a:schemeClr val="lt1"/>
+                </a:fontRef>
+              </p:style>
+              <p:txBody>
+                <a:bodyPr rtlCol="0" anchor="ctr"/>
+                <a:lstStyle/>
+                <a:p>
+                  <a:pPr algn="ctr"/>
+                  <a:endParaRPr lang="zh-CN" altLang="en-US"/>
+                </a:p>
+              </p:txBody>
+            </p:sp>
+            <p:sp>
+              <p:nvSpPr>
+                <p:cNvPr id="18" name="矩形 17"/>
+                <p:cNvSpPr/>
+                <p:nvPr/>
+              </p:nvSpPr>
+              <p:spPr>
+                <a:xfrm>
+                  <a:off x="573689" y="438216"/>
+                  <a:ext cx="1639080" cy="137735"/>
+                </a:xfrm>
+                <a:prstGeom prst="rect">
+                  <a:avLst/>
+                </a:prstGeom>
+                <a:grpFill/>
+                <a:ln>
+                  <a:noFill/>
+                </a:ln>
+              </p:spPr>
+              <p:style>
+                <a:lnRef idx="2">
+                  <a:schemeClr val="accent1">
+                    <a:shade val="50000"/>
+                  </a:schemeClr>
+                </a:lnRef>
+                <a:fillRef idx="1">
+                  <a:schemeClr val="accent1"/>
+                </a:fillRef>
+                <a:effectRef idx="0">
+                  <a:schemeClr val="accent1"/>
+                </a:effectRef>
+                <a:fontRef idx="minor">
+                  <a:schemeClr val="lt1"/>
+                </a:fontRef>
+              </p:style>
+              <p:txBody>
+                <a:bodyPr rtlCol="0" anchor="ctr"/>
+                <a:lstStyle/>
+                <a:p>
+                  <a:pPr algn="ctr"/>
+                  <a:endParaRPr lang="zh-CN" altLang="en-US"/>
+                </a:p>
+              </p:txBody>
+            </p:sp>
+          </p:grpSp>
+          <p:grpSp>
+            <p:nvGrpSpPr>
+              <p:cNvPr id="15" name="组合 14"/>
+              <p:cNvGrpSpPr/>
+              <p:nvPr/>
+            </p:nvGrpSpPr>
+            <p:grpSpPr>
+              <a:xfrm>
+                <a:off x="330245" y="804555"/>
+                <a:ext cx="1639080" cy="353290"/>
+                <a:chOff x="573689" y="222664"/>
+                <a:chExt cx="1639080" cy="353290"/>
+              </a:xfrm>
+            </p:grpSpPr>
+            <p:sp>
+              <p:nvSpPr>
+                <p:cNvPr id="13" name="圆角矩形 12"/>
+                <p:cNvSpPr/>
+                <p:nvPr/>
+              </p:nvSpPr>
+              <p:spPr>
+                <a:xfrm>
+                  <a:off x="573689" y="222664"/>
+                  <a:ext cx="1639080" cy="234537"/>
+                </a:xfrm>
+                <a:prstGeom prst="roundRect">
+                  <a:avLst>
+                    <a:gd name="adj" fmla="val 32457"/>
+                  </a:avLst>
+                </a:prstGeom>
+                <a:solidFill>
+                  <a:srgbClr val="FCC716"/>
+                </a:solidFill>
+                <a:ln>
+                  <a:noFill/>
+                </a:ln>
+              </p:spPr>
+              <p:style>
+                <a:lnRef idx="2">
+                  <a:schemeClr val="accent1">
+                    <a:shade val="50000"/>
+                  </a:schemeClr>
+                </a:lnRef>
+                <a:fillRef idx="1">
+                  <a:schemeClr val="accent1"/>
+                </a:fillRef>
+                <a:effectRef idx="0">
+                  <a:schemeClr val="accent1"/>
+                </a:effectRef>
+                <a:fontRef idx="minor">
+                  <a:schemeClr val="lt1"/>
+                </a:fontRef>
+              </p:style>
+              <p:txBody>
+                <a:bodyPr rtlCol="0" anchor="ctr"/>
+                <a:lstStyle/>
+                <a:p>
+                  <a:pPr algn="ctr"/>
+                  <a:endParaRPr lang="zh-CN" altLang="en-US"/>
+                </a:p>
+              </p:txBody>
+            </p:sp>
+            <p:sp>
+              <p:nvSpPr>
+                <p:cNvPr id="14" name="矩形 13"/>
+                <p:cNvSpPr/>
+                <p:nvPr/>
+              </p:nvSpPr>
+              <p:spPr>
+                <a:xfrm>
+                  <a:off x="573689" y="326572"/>
+                  <a:ext cx="1639080" cy="249382"/>
+                </a:xfrm>
+                <a:prstGeom prst="rect">
+                  <a:avLst/>
+                </a:prstGeom>
+                <a:solidFill>
+                  <a:srgbClr val="FCC716"/>
+                </a:solidFill>
+                <a:ln>
+                  <a:noFill/>
+                </a:ln>
+              </p:spPr>
+              <p:style>
+                <a:lnRef idx="2">
+                  <a:schemeClr val="accent1">
+                    <a:shade val="50000"/>
+                  </a:schemeClr>
+                </a:lnRef>
+                <a:fillRef idx="1">
+                  <a:schemeClr val="accent1"/>
+                </a:fillRef>
+                <a:effectRef idx="0">
+                  <a:schemeClr val="accent1"/>
+                </a:effectRef>
+                <a:fontRef idx="minor">
+                  <a:schemeClr val="lt1"/>
+                </a:fontRef>
+              </p:style>
+              <p:txBody>
+                <a:bodyPr rtlCol="0" anchor="ctr"/>
+                <a:lstStyle/>
+                <a:p>
+                  <a:pPr algn="ctr"/>
+                  <a:endParaRPr lang="zh-CN" altLang="en-US"/>
+                </a:p>
+              </p:txBody>
+            </p:sp>
+          </p:grpSp>
+        </p:grpSp>
+      </p:grpSp>
+      <p:sp>
+        <p:nvSpPr>
+          <p:cNvPr id="3" name="文本框 2"/>
+          <p:cNvSpPr txBox="1"/>
+          <p:nvPr/>
+        </p:nvSpPr>
+        <p:spPr>
+          <a:xfrm>
+            <a:off x="312577" y="210791"/>
+            <a:ext cx="1638938" cy="369332"/>
+          </a:xfrm>
+          <a:prstGeom prst="rect">
+            <a:avLst/>
+          </a:prstGeom>
+          <a:noFill/>
+        </p:spPr>
+        <p:txBody>
+          <a:bodyPr wrap="square" rtlCol="0">
+            <a:spAutoFit/>
+          </a:bodyPr>
+          <a:lstStyle/>
+          <a:p>
+            <a:pPr algn="ctr"/>
+            <a:r>
+              <a:rPr lang="en-US" altLang="zh-CN" b="1" smtClean="0">
+                <a:solidFill>
+                  <a:schemeClr val="bg1"/>
+                </a:solidFill>
+                <a:latin typeface="微软雅黑" panose="020B0503020204020204" pitchFamily="34" charset="-122"/>
+                <a:ea typeface="微软雅黑" panose="020B0503020204020204" pitchFamily="34" charset="-122"/>
+              </a:rPr>
+              <a:t>Reactor</a:t>
+            </a:r>
+            <a:r>
+              <a:rPr lang="zh-CN" altLang="en-US" b="1" smtClean="0">
+                <a:solidFill>
+                  <a:schemeClr val="bg1"/>
+                </a:solidFill>
+                <a:latin typeface="微软雅黑" panose="020B0503020204020204" pitchFamily="34" charset="-122"/>
+                <a:ea typeface="微软雅黑" panose="020B0503020204020204" pitchFamily="34" charset="-122"/>
+              </a:rPr>
+              <a:t>模型</a:t>
+            </a:r>
+            <a:endParaRPr lang="zh-CN" altLang="en-US" b="1" dirty="0">
+              <a:solidFill>
+                <a:schemeClr val="bg1"/>
+              </a:solidFill>
+              <a:latin typeface="微软雅黑" panose="020B0503020204020204" pitchFamily="34" charset="-122"/>
+              <a:ea typeface="微软雅黑" panose="020B0503020204020204" pitchFamily="34" charset="-122"/>
+            </a:endParaRPr>
+          </a:p>
+        </p:txBody>
+      </p:sp>
+      <p:sp>
+        <p:nvSpPr>
+          <p:cNvPr id="7" name="文本框 6">
+            <a:extLst>
+              <a:ext uri="{FF2B5EF4-FFF2-40B4-BE49-F238E27FC236}">
+                <a16:creationId xmlns="" xmlns:a16="http://schemas.microsoft.com/office/drawing/2014/main" id="{AFFCF1AD-71D0-456C-9CE1-90FE52800ED6}"/>
+              </a:ext>
+            </a:extLst>
+          </p:cNvPr>
+          <p:cNvSpPr txBox="1"/>
+          <p:nvPr/>
+        </p:nvSpPr>
+        <p:spPr>
+          <a:xfrm>
+            <a:off x="292340" y="810120"/>
+            <a:ext cx="5321315" cy="400110"/>
+          </a:xfrm>
+          <a:prstGeom prst="rect">
+            <a:avLst/>
+          </a:prstGeom>
+          <a:noFill/>
+        </p:spPr>
+        <p:txBody>
+          <a:bodyPr wrap="square">
+            <a:spAutoFit/>
+          </a:bodyPr>
+          <a:lstStyle/>
+          <a:p>
+            <a:r>
+              <a:rPr lang="en-US" altLang="zh-CN" sz="2000" dirty="0" err="1"/>
+              <a:t>EventLoopGroup</a:t>
+            </a:r>
+            <a:endParaRPr lang="en-US" altLang="zh-CN" sz="2000" dirty="0">
+              <a:latin typeface="华文中宋" panose="02010600040101010101" pitchFamily="2" charset="-122"/>
+              <a:ea typeface="华文中宋" panose="02010600040101010101" pitchFamily="2" charset="-122"/>
+            </a:endParaRPr>
+          </a:p>
+        </p:txBody>
+      </p:sp>
+      <p:sp>
+        <p:nvSpPr>
+          <p:cNvPr id="27" name="文本框 1">
+            <a:extLst>
+              <a:ext uri="{FF2B5EF4-FFF2-40B4-BE49-F238E27FC236}">
+                <a16:creationId xmlns="" xmlns:a16="http://schemas.microsoft.com/office/drawing/2014/main" id="{851CDFD7-5C9E-4E8C-82E9-E31F55931347}"/>
+              </a:ext>
+            </a:extLst>
+          </p:cNvPr>
+          <p:cNvSpPr txBox="1"/>
+          <p:nvPr/>
+        </p:nvSpPr>
+        <p:spPr>
+          <a:xfrm>
+            <a:off x="292340" y="1452424"/>
+            <a:ext cx="11408367" cy="1477328"/>
+          </a:xfrm>
+          <a:prstGeom prst="rect">
+            <a:avLst/>
+          </a:prstGeom>
+          <a:noFill/>
+        </p:spPr>
+        <p:txBody>
+          <a:bodyPr wrap="square" rtlCol="0">
+            <a:spAutoFit/>
+          </a:bodyPr>
+          <a:lstStyle/>
+          <a:p>
+            <a:pPr marL="285750" indent="-285750">
+              <a:buFont typeface="Arial" pitchFamily="34" charset="0"/>
+              <a:buChar char="•"/>
+            </a:pPr>
+            <a:r>
+              <a:rPr lang="en-US" altLang="zh-CN" dirty="0" err="1" smtClean="0"/>
+              <a:t>bossGroup</a:t>
+            </a:r>
+            <a:r>
+              <a:rPr lang="zh-CN" altLang="en-US" dirty="0" smtClean="0"/>
+              <a:t>： 负责连接事件（</a:t>
+            </a:r>
+            <a:r>
+              <a:rPr lang="en-US" altLang="zh-CN" dirty="0" err="1" smtClean="0"/>
+              <a:t>mainReactor</a:t>
+            </a:r>
+            <a:r>
+              <a:rPr lang="zh-CN" altLang="en-US" dirty="0" smtClean="0"/>
+              <a:t>）</a:t>
+            </a:r>
+            <a:endParaRPr lang="en-US" altLang="zh-CN" dirty="0" smtClean="0"/>
+          </a:p>
+          <a:p>
+            <a:pPr marL="285750" indent="-285750">
+              <a:buFont typeface="Arial" pitchFamily="34" charset="0"/>
+              <a:buChar char="•"/>
+            </a:pPr>
+            <a:r>
+              <a:rPr lang="en-US" altLang="zh-CN" dirty="0" err="1" smtClean="0"/>
+              <a:t>workerGroup</a:t>
+            </a:r>
+            <a:r>
+              <a:rPr lang="zh-CN" altLang="en-US" dirty="0" smtClean="0"/>
+              <a:t>：负责</a:t>
+            </a:r>
+            <a:r>
+              <a:rPr lang="en-US" altLang="zh-CN" dirty="0" smtClean="0"/>
+              <a:t>I/O</a:t>
+            </a:r>
+            <a:r>
+              <a:rPr lang="zh-CN" altLang="en-US" dirty="0" smtClean="0"/>
+              <a:t>事件（</a:t>
+            </a:r>
+            <a:r>
+              <a:rPr lang="en-US" altLang="zh-CN" dirty="0" err="1"/>
+              <a:t>sub</a:t>
+            </a:r>
+            <a:r>
+              <a:rPr lang="en-US" altLang="zh-CN" dirty="0" err="1" smtClean="0"/>
+              <a:t>Reactor</a:t>
+            </a:r>
+            <a:r>
+              <a:rPr lang="zh-CN" altLang="en-US" dirty="0" smtClean="0"/>
+              <a:t>）</a:t>
+            </a:r>
+            <a:endParaRPr lang="en-US" altLang="zh-CN" dirty="0" smtClean="0"/>
+          </a:p>
+          <a:p>
+            <a:pPr marL="285750" indent="-285750">
+              <a:buFont typeface="Arial" pitchFamily="34" charset="0"/>
+              <a:buChar char="•"/>
+            </a:pPr>
+            <a:r>
+              <a:rPr lang="en-US" altLang="zh-CN" dirty="0" err="1" smtClean="0"/>
+              <a:t>EventLoop</a:t>
+            </a:r>
+            <a:r>
+              <a:rPr lang="zh-CN" altLang="en-US" dirty="0" smtClean="0"/>
+              <a:t>：</a:t>
+            </a:r>
+            <a:r>
+              <a:rPr lang="en-US" altLang="zh-CN" dirty="0"/>
+              <a:t> </a:t>
+            </a:r>
+            <a:r>
+              <a:rPr lang="en-US" altLang="zh-CN" dirty="0" err="1" smtClean="0"/>
+              <a:t>SingleThreadEventExecutor</a:t>
+            </a:r>
+            <a:endParaRPr lang="en-US" altLang="zh-CN" dirty="0" smtClean="0"/>
+          </a:p>
+          <a:p>
+            <a:pPr marL="285750" indent="-285750">
+              <a:buFont typeface="Arial" pitchFamily="34" charset="0"/>
+              <a:buChar char="•"/>
+            </a:pPr>
+            <a:r>
+              <a:rPr lang="en-US" altLang="zh-CN" dirty="0" err="1"/>
+              <a:t>EventExecutorChooser</a:t>
+            </a:r>
+            <a:r>
+              <a:rPr lang="en-US" altLang="zh-CN" dirty="0"/>
+              <a:t> </a:t>
+            </a:r>
+            <a:r>
+              <a:rPr lang="zh-CN" altLang="en-US" dirty="0" smtClean="0"/>
+              <a:t>：</a:t>
+            </a:r>
+            <a:r>
+              <a:rPr lang="en-US" altLang="zh-CN" dirty="0" smtClean="0"/>
+              <a:t>next</a:t>
+            </a:r>
+            <a:r>
+              <a:rPr lang="zh-CN" altLang="en-US" dirty="0" smtClean="0"/>
+              <a:t>方法的性能优化（位与和取余）</a:t>
+            </a:r>
+            <a:endParaRPr lang="en-US" altLang="zh-CN" dirty="0" smtClean="0"/>
+          </a:p>
+          <a:p>
+            <a:pPr marL="285750" indent="-285750">
+              <a:buFont typeface="Arial" pitchFamily="34" charset="0"/>
+              <a:buChar char="•"/>
+            </a:pPr>
+            <a:endParaRPr lang="en-US" altLang="zh-CN" dirty="0">
+              <a:latin typeface="+mn-ea"/>
+            </a:endParaRPr>
+          </a:p>
+        </p:txBody>
+      </p:sp>
+    </p:spTree>
+    <p:extLst>
+      <p:ext uri="{BB962C8B-B14F-4D97-AF65-F5344CB8AC3E}">
+        <p14:creationId xmlns:p14="http://schemas.microsoft.com/office/powerpoint/2010/main" val="3983292409"/>
+      </p:ext>
+    </p:extLst>
+  </p:cSld>
+  <p:clrMapOvr>
+    <a:masterClrMapping/>
+  </p:clrMapOvr>
+  <p:transition spd="slow">
+    <p:push dir="u"/>
+  </p:transition>
+  <p:timing>
+    <p:tnLst>
+      <p:par>
+        <p:cTn id="1" dur="indefinite" restart="never" nodeType="tmRoot"/>
+      </p:par>
+    </p:tnLst>
+  </p:timing>
+</p:sld>
+</file>
+
+<file path=ppt/slides/slide2.xml><?xml version="1.0" encoding="utf-8"?>
+<p:sld xmlns:a="http://schemas.openxmlformats.org/drawingml/2006/main" xmlns:r="http://schemas.openxmlformats.org/officeDocument/2006/relationships" xmlns:p="http://schemas.openxmlformats.org/presentationml/2006/main">
+  <p:cSld>
+    <p:spTree>
+      <p:nvGrpSpPr>
+        <p:cNvPr id="1" name=""/>
+        <p:cNvGrpSpPr/>
+        <p:nvPr/>
+      </p:nvGrpSpPr>
+      <p:grpSpPr>
+        <a:xfrm>
+          <a:off x="0" y="0"/>
+          <a:ext cx="0" cy="0"/>
+          <a:chOff x="0" y="0"/>
+          <a:chExt cx="0" cy="0"/>
+        </a:xfrm>
+      </p:grpSpPr>
+      <p:cxnSp>
+        <p:nvCxnSpPr>
+          <p:cNvPr id="19" name="直接连接符 18">
+            <a:extLst>
+              <a:ext uri="{FF2B5EF4-FFF2-40B4-BE49-F238E27FC236}">
+                <a16:creationId xmlns="" xmlns:a16="http://schemas.microsoft.com/office/drawing/2014/main" id="{4F82AEC9-8133-4E99-A3E8-17EDF383156A}"/>
+              </a:ext>
+            </a:extLst>
+          </p:cNvPr>
+          <p:cNvCxnSpPr>
+            <a:cxnSpLocks/>
+            <a:stCxn id="2" idx="0"/>
+            <a:endCxn id="18" idx="0"/>
+          </p:cNvCxnSpPr>
+          <p:nvPr/>
+        </p:nvCxnSpPr>
+        <p:spPr>
+          <a:xfrm flipH="1">
+            <a:off x="1597888" y="2304686"/>
+            <a:ext cx="2" cy="2713918"/>
+          </a:xfrm>
+          <a:prstGeom prst="line">
+            <a:avLst/>
+          </a:prstGeom>
+          <a:ln w="19050">
+            <a:prstDash val="dash"/>
+          </a:ln>
+        </p:spPr>
+        <p:style>
+          <a:lnRef idx="1">
+            <a:schemeClr val="accent1"/>
+          </a:lnRef>
+          <a:fillRef idx="0">
+            <a:schemeClr val="accent1"/>
+          </a:fillRef>
+          <a:effectRef idx="0">
+            <a:schemeClr val="accent1"/>
+          </a:effectRef>
+          <a:fontRef idx="minor">
+            <a:schemeClr val="tx1"/>
+          </a:fontRef>
+        </p:style>
+      </p:cxnSp>
+      <p:sp>
+        <p:nvSpPr>
+          <p:cNvPr id="5" name="文本框 4"/>
+          <p:cNvSpPr txBox="1"/>
+          <p:nvPr/>
+        </p:nvSpPr>
+        <p:spPr>
+          <a:xfrm>
+            <a:off x="1330032" y="891112"/>
+            <a:ext cx="1244251" cy="646331"/>
+          </a:xfrm>
+          <a:prstGeom prst="rect">
+            <a:avLst/>
+          </a:prstGeom>
+          <a:noFill/>
+        </p:spPr>
+        <p:txBody>
+          <a:bodyPr wrap="none" rtlCol="0">
+            <a:spAutoFit/>
+          </a:bodyPr>
+          <a:lstStyle/>
+          <a:p>
+            <a:r>
+              <a:rPr lang="zh-CN" altLang="en-US" sz="3600" dirty="0">
+                <a:solidFill>
+                  <a:srgbClr val="00A0FA"/>
+                </a:solidFill>
+                <a:latin typeface="微软雅黑" panose="020B0503020204020204" pitchFamily="34" charset="-122"/>
+                <a:ea typeface="微软雅黑" panose="020B0503020204020204" pitchFamily="34" charset="-122"/>
+              </a:rPr>
+              <a:t>目 录</a:t>
+            </a:r>
+          </a:p>
+        </p:txBody>
+      </p:sp>
       <p:sp>
         <p:nvSpPr>
           <p:cNvPr id="7" name="灯片编号占位符 6"/>
@@ -12576,11 +13745,2206 @@
             <a:fld id="{CAB00AE0-F9D8-440E-9745-FF83361FB695}" type="slidenum">
               <a:rPr lang="zh-CN" altLang="en-US" smtClean="0">
                 <a:solidFill>
+                  <a:schemeClr val="bg1"/>
+                </a:solidFill>
+              </a:rPr>
+              <a:t>2</a:t>
+            </a:fld>
+            <a:endParaRPr lang="zh-CN" altLang="en-US">
+              <a:solidFill>
+                <a:schemeClr val="bg1"/>
+              </a:solidFill>
+            </a:endParaRPr>
+          </a:p>
+        </p:txBody>
+      </p:sp>
+      <p:sp>
+        <p:nvSpPr>
+          <p:cNvPr id="2" name="椭圆 1">
+            <a:extLst>
+              <a:ext uri="{FF2B5EF4-FFF2-40B4-BE49-F238E27FC236}">
+                <a16:creationId xmlns="" xmlns:a16="http://schemas.microsoft.com/office/drawing/2014/main" id="{F6F496CA-19B2-4E5E-9689-0B78E17A5E9B}"/>
+              </a:ext>
+            </a:extLst>
+          </p:cNvPr>
+          <p:cNvSpPr/>
+          <p:nvPr/>
+        </p:nvSpPr>
+        <p:spPr>
+          <a:xfrm>
+            <a:off x="1330034" y="2304686"/>
+            <a:ext cx="535711" cy="523323"/>
+          </a:xfrm>
+          <a:prstGeom prst="ellipse">
+            <a:avLst/>
+          </a:prstGeom>
+          <a:ln>
+            <a:noFill/>
+          </a:ln>
+        </p:spPr>
+        <p:style>
+          <a:lnRef idx="2">
+            <a:schemeClr val="accent1">
+              <a:shade val="50000"/>
+            </a:schemeClr>
+          </a:lnRef>
+          <a:fillRef idx="1">
+            <a:schemeClr val="accent1"/>
+          </a:fillRef>
+          <a:effectRef idx="0">
+            <a:schemeClr val="accent1"/>
+          </a:effectRef>
+          <a:fontRef idx="minor">
+            <a:schemeClr val="lt1"/>
+          </a:fontRef>
+        </p:style>
+        <p:txBody>
+          <a:bodyPr rtlCol="0" anchor="ctr"/>
+          <a:lstStyle/>
+          <a:p>
+            <a:pPr algn="ctr"/>
+            <a:r>
+              <a:rPr lang="en-US" altLang="zh-CN" sz="2800" dirty="0">
+                <a:latin typeface="华文中宋" panose="02010600040101010101" pitchFamily="2" charset="-122"/>
+                <a:ea typeface="华文中宋" panose="02010600040101010101" pitchFamily="2" charset="-122"/>
+              </a:rPr>
+              <a:t>1</a:t>
+            </a:r>
+            <a:endParaRPr lang="zh-CN" altLang="en-US" sz="2800" dirty="0">
+              <a:latin typeface="华文中宋" panose="02010600040101010101" pitchFamily="2" charset="-122"/>
+              <a:ea typeface="华文中宋" panose="02010600040101010101" pitchFamily="2" charset="-122"/>
+            </a:endParaRPr>
+          </a:p>
+        </p:txBody>
+      </p:sp>
+      <p:sp>
+        <p:nvSpPr>
+          <p:cNvPr id="12" name="椭圆 11">
+            <a:extLst>
+              <a:ext uri="{FF2B5EF4-FFF2-40B4-BE49-F238E27FC236}">
+                <a16:creationId xmlns="" xmlns:a16="http://schemas.microsoft.com/office/drawing/2014/main" id="{F948F2CF-6BF4-4364-B94C-9C895F9D6EE3}"/>
+              </a:ext>
+            </a:extLst>
+          </p:cNvPr>
+          <p:cNvSpPr/>
+          <p:nvPr/>
+        </p:nvSpPr>
+        <p:spPr>
+          <a:xfrm>
+            <a:off x="1330034" y="3209325"/>
+            <a:ext cx="535711" cy="523323"/>
+          </a:xfrm>
+          <a:prstGeom prst="ellipse">
+            <a:avLst/>
+          </a:prstGeom>
+          <a:ln>
+            <a:noFill/>
+          </a:ln>
+        </p:spPr>
+        <p:style>
+          <a:lnRef idx="2">
+            <a:schemeClr val="accent1">
+              <a:shade val="50000"/>
+            </a:schemeClr>
+          </a:lnRef>
+          <a:fillRef idx="1">
+            <a:schemeClr val="accent1"/>
+          </a:fillRef>
+          <a:effectRef idx="0">
+            <a:schemeClr val="accent1"/>
+          </a:effectRef>
+          <a:fontRef idx="minor">
+            <a:schemeClr val="lt1"/>
+          </a:fontRef>
+        </p:style>
+        <p:txBody>
+          <a:bodyPr rtlCol="0" anchor="ctr"/>
+          <a:lstStyle/>
+          <a:p>
+            <a:pPr algn="ctr"/>
+            <a:r>
+              <a:rPr lang="en-US" altLang="zh-CN" sz="2800" dirty="0">
+                <a:latin typeface="华文中宋" panose="02010600040101010101" pitchFamily="2" charset="-122"/>
+                <a:ea typeface="华文中宋" panose="02010600040101010101" pitchFamily="2" charset="-122"/>
+              </a:rPr>
+              <a:t>2</a:t>
+            </a:r>
+            <a:endParaRPr lang="zh-CN" altLang="en-US" sz="2800" dirty="0">
+              <a:latin typeface="华文中宋" panose="02010600040101010101" pitchFamily="2" charset="-122"/>
+              <a:ea typeface="华文中宋" panose="02010600040101010101" pitchFamily="2" charset="-122"/>
+            </a:endParaRPr>
+          </a:p>
+        </p:txBody>
+      </p:sp>
+      <p:sp>
+        <p:nvSpPr>
+          <p:cNvPr id="16" name="椭圆 15">
+            <a:extLst>
+              <a:ext uri="{FF2B5EF4-FFF2-40B4-BE49-F238E27FC236}">
+                <a16:creationId xmlns="" xmlns:a16="http://schemas.microsoft.com/office/drawing/2014/main" id="{B960579D-4B18-4045-A7DF-5A5607CE4911}"/>
+              </a:ext>
+            </a:extLst>
+          </p:cNvPr>
+          <p:cNvSpPr/>
+          <p:nvPr/>
+        </p:nvSpPr>
+        <p:spPr>
+          <a:xfrm>
+            <a:off x="1330033" y="4113964"/>
+            <a:ext cx="535711" cy="523323"/>
+          </a:xfrm>
+          <a:prstGeom prst="ellipse">
+            <a:avLst/>
+          </a:prstGeom>
+          <a:ln>
+            <a:noFill/>
+          </a:ln>
+        </p:spPr>
+        <p:style>
+          <a:lnRef idx="2">
+            <a:schemeClr val="accent1">
+              <a:shade val="50000"/>
+            </a:schemeClr>
+          </a:lnRef>
+          <a:fillRef idx="1">
+            <a:schemeClr val="accent1"/>
+          </a:fillRef>
+          <a:effectRef idx="0">
+            <a:schemeClr val="accent1"/>
+          </a:effectRef>
+          <a:fontRef idx="minor">
+            <a:schemeClr val="lt1"/>
+          </a:fontRef>
+        </p:style>
+        <p:txBody>
+          <a:bodyPr rtlCol="0" anchor="ctr"/>
+          <a:lstStyle/>
+          <a:p>
+            <a:pPr algn="ctr"/>
+            <a:r>
+              <a:rPr lang="en-US" altLang="zh-CN" sz="2800" dirty="0">
+                <a:latin typeface="华文中宋" panose="02010600040101010101" pitchFamily="2" charset="-122"/>
+                <a:ea typeface="华文中宋" panose="02010600040101010101" pitchFamily="2" charset="-122"/>
+              </a:rPr>
+              <a:t>3</a:t>
+            </a:r>
+            <a:endParaRPr lang="zh-CN" altLang="en-US" sz="2800" dirty="0">
+              <a:latin typeface="华文中宋" panose="02010600040101010101" pitchFamily="2" charset="-122"/>
+              <a:ea typeface="华文中宋" panose="02010600040101010101" pitchFamily="2" charset="-122"/>
+            </a:endParaRPr>
+          </a:p>
+        </p:txBody>
+      </p:sp>
+      <p:sp>
+        <p:nvSpPr>
+          <p:cNvPr id="18" name="椭圆 17">
+            <a:extLst>
+              <a:ext uri="{FF2B5EF4-FFF2-40B4-BE49-F238E27FC236}">
+                <a16:creationId xmlns="" xmlns:a16="http://schemas.microsoft.com/office/drawing/2014/main" id="{EBF22627-4B0D-4815-9CD7-70126627A3F2}"/>
+              </a:ext>
+            </a:extLst>
+          </p:cNvPr>
+          <p:cNvSpPr/>
+          <p:nvPr/>
+        </p:nvSpPr>
+        <p:spPr>
+          <a:xfrm>
+            <a:off x="1330032" y="5018604"/>
+            <a:ext cx="535711" cy="523323"/>
+          </a:xfrm>
+          <a:prstGeom prst="ellipse">
+            <a:avLst/>
+          </a:prstGeom>
+          <a:ln>
+            <a:noFill/>
+          </a:ln>
+        </p:spPr>
+        <p:style>
+          <a:lnRef idx="2">
+            <a:schemeClr val="accent1">
+              <a:shade val="50000"/>
+            </a:schemeClr>
+          </a:lnRef>
+          <a:fillRef idx="1">
+            <a:schemeClr val="accent1"/>
+          </a:fillRef>
+          <a:effectRef idx="0">
+            <a:schemeClr val="accent1"/>
+          </a:effectRef>
+          <a:fontRef idx="minor">
+            <a:schemeClr val="lt1"/>
+          </a:fontRef>
+        </p:style>
+        <p:txBody>
+          <a:bodyPr rtlCol="0" anchor="ctr"/>
+          <a:lstStyle/>
+          <a:p>
+            <a:pPr algn="ctr"/>
+            <a:r>
+              <a:rPr lang="en-US" altLang="zh-CN" sz="2800" dirty="0">
+                <a:latin typeface="华文中宋" panose="02010600040101010101" pitchFamily="2" charset="-122"/>
+                <a:ea typeface="华文中宋" panose="02010600040101010101" pitchFamily="2" charset="-122"/>
+              </a:rPr>
+              <a:t>4</a:t>
+            </a:r>
+            <a:endParaRPr lang="zh-CN" altLang="en-US" sz="2800" dirty="0">
+              <a:latin typeface="华文中宋" panose="02010600040101010101" pitchFamily="2" charset="-122"/>
+              <a:ea typeface="华文中宋" panose="02010600040101010101" pitchFamily="2" charset="-122"/>
+            </a:endParaRPr>
+          </a:p>
+        </p:txBody>
+      </p:sp>
+      <p:sp>
+        <p:nvSpPr>
+          <p:cNvPr id="23" name="文本框 22">
+            <a:extLst>
+              <a:ext uri="{FF2B5EF4-FFF2-40B4-BE49-F238E27FC236}">
+                <a16:creationId xmlns="" xmlns:a16="http://schemas.microsoft.com/office/drawing/2014/main" id="{162BAE3B-3985-4DE1-BDEC-CE283FEC7C9F}"/>
+              </a:ext>
+            </a:extLst>
+          </p:cNvPr>
+          <p:cNvSpPr txBox="1"/>
+          <p:nvPr/>
+        </p:nvSpPr>
+        <p:spPr>
+          <a:xfrm>
+            <a:off x="2133599" y="2335514"/>
+            <a:ext cx="4445448" cy="461665"/>
+          </a:xfrm>
+          <a:prstGeom prst="rect">
+            <a:avLst/>
+          </a:prstGeom>
+          <a:noFill/>
+        </p:spPr>
+        <p:txBody>
+          <a:bodyPr wrap="none" rtlCol="0">
+            <a:spAutoFit/>
+          </a:bodyPr>
+          <a:lstStyle/>
+          <a:p>
+            <a:r>
+              <a:rPr lang="en-US" altLang="zh-CN" sz="2400" dirty="0" smtClean="0">
+                <a:latin typeface="华文中宋" panose="02010600040101010101" pitchFamily="2" charset="-122"/>
+                <a:ea typeface="华文中宋" panose="02010600040101010101" pitchFamily="2" charset="-122"/>
+              </a:rPr>
+              <a:t>BIO? NIO</a:t>
+            </a:r>
+            <a:r>
+              <a:rPr lang="en-US" altLang="zh-CN" sz="2400" dirty="0" smtClean="0">
+                <a:latin typeface="华文中宋" panose="02010600040101010101" pitchFamily="2" charset="-122"/>
+                <a:ea typeface="华文中宋" panose="02010600040101010101" pitchFamily="2" charset="-122"/>
+              </a:rPr>
+              <a:t>? </a:t>
+            </a:r>
+            <a:r>
+              <a:rPr lang="zh-CN" altLang="en-US" sz="2400" dirty="0" smtClean="0">
+                <a:latin typeface="华文中宋" panose="02010600040101010101" pitchFamily="2" charset="-122"/>
+                <a:ea typeface="华文中宋" panose="02010600040101010101" pitchFamily="2" charset="-122"/>
+              </a:rPr>
+              <a:t>事件驱动</a:t>
+            </a:r>
+            <a:r>
+              <a:rPr lang="en-US" altLang="zh-CN" sz="2400" dirty="0" smtClean="0">
+                <a:latin typeface="华文中宋" panose="02010600040101010101" pitchFamily="2" charset="-122"/>
+                <a:ea typeface="华文中宋" panose="02010600040101010101" pitchFamily="2" charset="-122"/>
+              </a:rPr>
+              <a:t>IO? AIO</a:t>
+            </a:r>
+            <a:r>
+              <a:rPr lang="en-US" altLang="zh-CN" sz="2400" dirty="0" smtClean="0">
+                <a:latin typeface="华文中宋" panose="02010600040101010101" pitchFamily="2" charset="-122"/>
+                <a:ea typeface="华文中宋" panose="02010600040101010101" pitchFamily="2" charset="-122"/>
+              </a:rPr>
+              <a:t>?</a:t>
+            </a:r>
+            <a:endParaRPr lang="zh-CN" altLang="en-US" sz="2400" dirty="0">
+              <a:latin typeface="华文中宋" panose="02010600040101010101" pitchFamily="2" charset="-122"/>
+              <a:ea typeface="华文中宋" panose="02010600040101010101" pitchFamily="2" charset="-122"/>
+            </a:endParaRPr>
+          </a:p>
+        </p:txBody>
+      </p:sp>
+      <p:sp>
+        <p:nvSpPr>
+          <p:cNvPr id="25" name="文本框 24">
+            <a:extLst>
+              <a:ext uri="{FF2B5EF4-FFF2-40B4-BE49-F238E27FC236}">
+                <a16:creationId xmlns="" xmlns:a16="http://schemas.microsoft.com/office/drawing/2014/main" id="{BB02A754-638E-446B-8201-0308E849C701}"/>
+              </a:ext>
+            </a:extLst>
+          </p:cNvPr>
+          <p:cNvSpPr txBox="1"/>
+          <p:nvPr/>
+        </p:nvSpPr>
+        <p:spPr>
+          <a:xfrm>
+            <a:off x="2133598" y="3235110"/>
+            <a:ext cx="2911374" cy="461665"/>
+          </a:xfrm>
+          <a:prstGeom prst="rect">
+            <a:avLst/>
+          </a:prstGeom>
+          <a:noFill/>
+        </p:spPr>
+        <p:txBody>
+          <a:bodyPr wrap="none" rtlCol="0">
+            <a:spAutoFit/>
+          </a:bodyPr>
+          <a:lstStyle/>
+          <a:p>
+            <a:r>
+              <a:rPr lang="en-US" altLang="zh-CN" sz="2400" smtClean="0">
+                <a:latin typeface="华文中宋" panose="02010600040101010101" pitchFamily="2" charset="-122"/>
+                <a:ea typeface="华文中宋" panose="02010600040101010101" pitchFamily="2" charset="-122"/>
+              </a:rPr>
+              <a:t>JAVA NIO</a:t>
+            </a:r>
+            <a:r>
+              <a:rPr lang="zh-CN" altLang="en-US" sz="2400" smtClean="0">
+                <a:latin typeface="华文中宋" panose="02010600040101010101" pitchFamily="2" charset="-122"/>
+                <a:ea typeface="华文中宋" panose="02010600040101010101" pitchFamily="2" charset="-122"/>
+              </a:rPr>
+              <a:t>基础知识</a:t>
+            </a:r>
+            <a:endParaRPr lang="zh-CN" altLang="en-US" sz="2400" dirty="0">
+              <a:latin typeface="华文中宋" panose="02010600040101010101" pitchFamily="2" charset="-122"/>
+              <a:ea typeface="华文中宋" panose="02010600040101010101" pitchFamily="2" charset="-122"/>
+            </a:endParaRPr>
+          </a:p>
+        </p:txBody>
+      </p:sp>
+      <p:sp>
+        <p:nvSpPr>
+          <p:cNvPr id="27" name="文本框 26">
+            <a:extLst>
+              <a:ext uri="{FF2B5EF4-FFF2-40B4-BE49-F238E27FC236}">
+                <a16:creationId xmlns="" xmlns:a16="http://schemas.microsoft.com/office/drawing/2014/main" id="{7509A0A5-F09B-4E46-AD58-F06EA84CDE63}"/>
+              </a:ext>
+            </a:extLst>
+          </p:cNvPr>
+          <p:cNvSpPr txBox="1"/>
+          <p:nvPr/>
+        </p:nvSpPr>
+        <p:spPr>
+          <a:xfrm>
+            <a:off x="2133597" y="4144792"/>
+            <a:ext cx="2042547" cy="461665"/>
+          </a:xfrm>
+          <a:prstGeom prst="rect">
+            <a:avLst/>
+          </a:prstGeom>
+          <a:noFill/>
+        </p:spPr>
+        <p:txBody>
+          <a:bodyPr wrap="none" rtlCol="0">
+            <a:spAutoFit/>
+          </a:bodyPr>
+          <a:lstStyle/>
+          <a:p>
+            <a:r>
+              <a:rPr lang="en-US" altLang="zh-CN" sz="2400" smtClean="0">
+                <a:latin typeface="华文中宋" panose="02010600040101010101" pitchFamily="2" charset="-122"/>
+                <a:ea typeface="华文中宋" panose="02010600040101010101" pitchFamily="2" charset="-122"/>
+              </a:rPr>
+              <a:t>Reactor </a:t>
+            </a:r>
+            <a:r>
+              <a:rPr lang="zh-CN" altLang="en-US" sz="2400" smtClean="0">
+                <a:latin typeface="华文中宋" panose="02010600040101010101" pitchFamily="2" charset="-122"/>
+                <a:ea typeface="华文中宋" panose="02010600040101010101" pitchFamily="2" charset="-122"/>
+              </a:rPr>
+              <a:t>模型</a:t>
+            </a:r>
+            <a:endParaRPr lang="zh-CN" altLang="en-US" sz="2400" dirty="0">
+              <a:latin typeface="华文中宋" panose="02010600040101010101" pitchFamily="2" charset="-122"/>
+              <a:ea typeface="华文中宋" panose="02010600040101010101" pitchFamily="2" charset="-122"/>
+            </a:endParaRPr>
+          </a:p>
+        </p:txBody>
+      </p:sp>
+      <p:sp>
+        <p:nvSpPr>
+          <p:cNvPr id="29" name="文本框 28">
+            <a:extLst>
+              <a:ext uri="{FF2B5EF4-FFF2-40B4-BE49-F238E27FC236}">
+                <a16:creationId xmlns="" xmlns:a16="http://schemas.microsoft.com/office/drawing/2014/main" id="{702BE785-F4A2-4751-9B5B-9D0686289990}"/>
+              </a:ext>
+            </a:extLst>
+          </p:cNvPr>
+          <p:cNvSpPr txBox="1"/>
+          <p:nvPr/>
+        </p:nvSpPr>
+        <p:spPr>
+          <a:xfrm>
+            <a:off x="2133596" y="5054474"/>
+            <a:ext cx="1588897" cy="461665"/>
+          </a:xfrm>
+          <a:prstGeom prst="rect">
+            <a:avLst/>
+          </a:prstGeom>
+          <a:noFill/>
+        </p:spPr>
+        <p:txBody>
+          <a:bodyPr wrap="none" rtlCol="0">
+            <a:spAutoFit/>
+          </a:bodyPr>
+          <a:lstStyle/>
+          <a:p>
+            <a:r>
+              <a:rPr lang="en-US" altLang="zh-CN" sz="2400" smtClean="0">
+                <a:latin typeface="华文中宋" panose="02010600040101010101" pitchFamily="2" charset="-122"/>
+                <a:ea typeface="华文中宋" panose="02010600040101010101" pitchFamily="2" charset="-122"/>
+              </a:rPr>
+              <a:t>Netty</a:t>
+            </a:r>
+            <a:r>
+              <a:rPr lang="zh-CN" altLang="en-US" sz="2400" smtClean="0">
+                <a:latin typeface="华文中宋" panose="02010600040101010101" pitchFamily="2" charset="-122"/>
+                <a:ea typeface="华文中宋" panose="02010600040101010101" pitchFamily="2" charset="-122"/>
+              </a:rPr>
+              <a:t>实战</a:t>
+            </a:r>
+            <a:endParaRPr lang="zh-CN" altLang="en-US" sz="2400" dirty="0">
+              <a:latin typeface="华文中宋" panose="02010600040101010101" pitchFamily="2" charset="-122"/>
+              <a:ea typeface="华文中宋" panose="02010600040101010101" pitchFamily="2" charset="-122"/>
+            </a:endParaRPr>
+          </a:p>
+        </p:txBody>
+      </p:sp>
+    </p:spTree>
+    <p:extLst>
+      <p:ext uri="{BB962C8B-B14F-4D97-AF65-F5344CB8AC3E}">
+        <p14:creationId xmlns:p14="http://schemas.microsoft.com/office/powerpoint/2010/main" val="333478848"/>
+      </p:ext>
+    </p:extLst>
+  </p:cSld>
+  <p:clrMapOvr>
+    <a:masterClrMapping/>
+  </p:clrMapOvr>
+  <p:transition spd="slow">
+    <p:push dir="u"/>
+  </p:transition>
+  <p:timing>
+    <p:tnLst>
+      <p:par>
+        <p:cTn id="1" dur="indefinite" restart="never" nodeType="tmRoot"/>
+      </p:par>
+    </p:tnLst>
+  </p:timing>
+</p:sld>
+</file>
+
+<file path=ppt/slides/slide20.xml><?xml version="1.0" encoding="utf-8"?>
+<p:sld xmlns:a="http://schemas.openxmlformats.org/drawingml/2006/main" xmlns:r="http://schemas.openxmlformats.org/officeDocument/2006/relationships" xmlns:p="http://schemas.openxmlformats.org/presentationml/2006/main">
+  <p:cSld>
+    <p:spTree>
+      <p:nvGrpSpPr>
+        <p:cNvPr id="1" name=""/>
+        <p:cNvGrpSpPr/>
+        <p:nvPr/>
+      </p:nvGrpSpPr>
+      <p:grpSpPr>
+        <a:xfrm>
+          <a:off x="0" y="0"/>
+          <a:ext cx="0" cy="0"/>
+          <a:chOff x="0" y="0"/>
+          <a:chExt cx="0" cy="0"/>
+        </a:xfrm>
+      </p:grpSpPr>
+      <p:grpSp>
+        <p:nvGrpSpPr>
+          <p:cNvPr id="26" name="组合 25"/>
+          <p:cNvGrpSpPr/>
+          <p:nvPr/>
+        </p:nvGrpSpPr>
+        <p:grpSpPr>
+          <a:xfrm>
+            <a:off x="312577" y="210791"/>
+            <a:ext cx="3026655" cy="354181"/>
+            <a:chOff x="2147314" y="804555"/>
+            <a:chExt cx="3026655" cy="354181"/>
+          </a:xfrm>
+        </p:grpSpPr>
+        <p:grpSp>
+          <p:nvGrpSpPr>
+            <p:cNvPr id="22" name="组合 21"/>
+            <p:cNvGrpSpPr/>
+            <p:nvPr/>
+          </p:nvGrpSpPr>
+          <p:grpSpPr>
+            <a:xfrm>
+              <a:off x="3534889" y="1040577"/>
+              <a:ext cx="1639080" cy="117268"/>
+              <a:chOff x="573689" y="222664"/>
+              <a:chExt cx="1639080" cy="353287"/>
+            </a:xfrm>
+            <a:solidFill>
+              <a:srgbClr val="D9E026"/>
+            </a:solidFill>
+          </p:grpSpPr>
+          <p:sp>
+            <p:nvSpPr>
+              <p:cNvPr id="23" name="圆角矩形 22"/>
+              <p:cNvSpPr/>
+              <p:nvPr/>
+            </p:nvSpPr>
+            <p:spPr>
+              <a:xfrm>
+                <a:off x="573689" y="222664"/>
+                <a:ext cx="1639080" cy="353287"/>
+              </a:xfrm>
+              <a:prstGeom prst="roundRect">
+                <a:avLst>
+                  <a:gd name="adj" fmla="val 32457"/>
+                </a:avLst>
+              </a:prstGeom>
+              <a:grpFill/>
+              <a:ln>
+                <a:noFill/>
+              </a:ln>
+            </p:spPr>
+            <p:style>
+              <a:lnRef idx="2">
+                <a:schemeClr val="accent1">
+                  <a:shade val="50000"/>
+                </a:schemeClr>
+              </a:lnRef>
+              <a:fillRef idx="1">
+                <a:schemeClr val="accent1"/>
+              </a:fillRef>
+              <a:effectRef idx="0">
+                <a:schemeClr val="accent1"/>
+              </a:effectRef>
+              <a:fontRef idx="minor">
+                <a:schemeClr val="lt1"/>
+              </a:fontRef>
+            </p:style>
+            <p:txBody>
+              <a:bodyPr rtlCol="0" anchor="ctr"/>
+              <a:lstStyle/>
+              <a:p>
+                <a:pPr algn="ctr"/>
+                <a:endParaRPr lang="zh-CN" altLang="en-US"/>
+              </a:p>
+            </p:txBody>
+          </p:sp>
+          <p:sp>
+            <p:nvSpPr>
+              <p:cNvPr id="24" name="矩形 23"/>
+              <p:cNvSpPr/>
+              <p:nvPr/>
+            </p:nvSpPr>
+            <p:spPr>
+              <a:xfrm>
+                <a:off x="573689" y="438216"/>
+                <a:ext cx="1639080" cy="137735"/>
+              </a:xfrm>
+              <a:prstGeom prst="rect">
+                <a:avLst/>
+              </a:prstGeom>
+              <a:grpFill/>
+              <a:ln>
+                <a:noFill/>
+              </a:ln>
+            </p:spPr>
+            <p:style>
+              <a:lnRef idx="2">
+                <a:schemeClr val="accent1">
+                  <a:shade val="50000"/>
+                </a:schemeClr>
+              </a:lnRef>
+              <a:fillRef idx="1">
+                <a:schemeClr val="accent1"/>
+              </a:fillRef>
+              <a:effectRef idx="0">
+                <a:schemeClr val="accent1"/>
+              </a:effectRef>
+              <a:fontRef idx="minor">
+                <a:schemeClr val="lt1"/>
+              </a:fontRef>
+            </p:style>
+            <p:txBody>
+              <a:bodyPr rtlCol="0" anchor="ctr"/>
+              <a:lstStyle/>
+              <a:p>
+                <a:pPr algn="ctr"/>
+                <a:endParaRPr lang="zh-CN" altLang="en-US"/>
+              </a:p>
+            </p:txBody>
+          </p:sp>
+        </p:grpSp>
+        <p:grpSp>
+          <p:nvGrpSpPr>
+            <p:cNvPr id="19" name="组合 18"/>
+            <p:cNvGrpSpPr/>
+            <p:nvPr/>
+          </p:nvGrpSpPr>
+          <p:grpSpPr>
+            <a:xfrm>
+              <a:off x="3148655" y="1041468"/>
+              <a:ext cx="1639080" cy="117268"/>
+              <a:chOff x="573689" y="222664"/>
+              <a:chExt cx="1639080" cy="353287"/>
+            </a:xfrm>
+            <a:solidFill>
+              <a:srgbClr val="91338C"/>
+            </a:solidFill>
+          </p:grpSpPr>
+          <p:sp>
+            <p:nvSpPr>
+              <p:cNvPr id="20" name="圆角矩形 19"/>
+              <p:cNvSpPr/>
+              <p:nvPr/>
+            </p:nvSpPr>
+            <p:spPr>
+              <a:xfrm>
+                <a:off x="573689" y="222664"/>
+                <a:ext cx="1639080" cy="353287"/>
+              </a:xfrm>
+              <a:prstGeom prst="roundRect">
+                <a:avLst>
+                  <a:gd name="adj" fmla="val 32457"/>
+                </a:avLst>
+              </a:prstGeom>
+              <a:grpFill/>
+              <a:ln>
+                <a:noFill/>
+              </a:ln>
+            </p:spPr>
+            <p:style>
+              <a:lnRef idx="2">
+                <a:schemeClr val="accent1">
+                  <a:shade val="50000"/>
+                </a:schemeClr>
+              </a:lnRef>
+              <a:fillRef idx="1">
+                <a:schemeClr val="accent1"/>
+              </a:fillRef>
+              <a:effectRef idx="0">
+                <a:schemeClr val="accent1"/>
+              </a:effectRef>
+              <a:fontRef idx="minor">
+                <a:schemeClr val="lt1"/>
+              </a:fontRef>
+            </p:style>
+            <p:txBody>
+              <a:bodyPr rtlCol="0" anchor="ctr"/>
+              <a:lstStyle/>
+              <a:p>
+                <a:pPr algn="ctr"/>
+                <a:endParaRPr lang="zh-CN" altLang="en-US"/>
+              </a:p>
+            </p:txBody>
+          </p:sp>
+          <p:sp>
+            <p:nvSpPr>
+              <p:cNvPr id="21" name="矩形 20"/>
+              <p:cNvSpPr/>
+              <p:nvPr/>
+            </p:nvSpPr>
+            <p:spPr>
+              <a:xfrm>
+                <a:off x="573689" y="438216"/>
+                <a:ext cx="1639080" cy="137735"/>
+              </a:xfrm>
+              <a:prstGeom prst="rect">
+                <a:avLst/>
+              </a:prstGeom>
+              <a:grpFill/>
+              <a:ln>
+                <a:noFill/>
+              </a:ln>
+            </p:spPr>
+            <p:style>
+              <a:lnRef idx="2">
+                <a:schemeClr val="accent1">
+                  <a:shade val="50000"/>
+                </a:schemeClr>
+              </a:lnRef>
+              <a:fillRef idx="1">
+                <a:schemeClr val="accent1"/>
+              </a:fillRef>
+              <a:effectRef idx="0">
+                <a:schemeClr val="accent1"/>
+              </a:effectRef>
+              <a:fontRef idx="minor">
+                <a:schemeClr val="lt1"/>
+              </a:fontRef>
+            </p:style>
+            <p:txBody>
+              <a:bodyPr rtlCol="0" anchor="ctr"/>
+              <a:lstStyle/>
+              <a:p>
+                <a:pPr algn="ctr"/>
+                <a:endParaRPr lang="zh-CN" altLang="en-US"/>
+              </a:p>
+            </p:txBody>
+          </p:sp>
+        </p:grpSp>
+        <p:grpSp>
+          <p:nvGrpSpPr>
+            <p:cNvPr id="25" name="组合 24"/>
+            <p:cNvGrpSpPr/>
+            <p:nvPr/>
+          </p:nvGrpSpPr>
+          <p:grpSpPr>
+            <a:xfrm>
+              <a:off x="2147314" y="804555"/>
+              <a:ext cx="2207115" cy="353290"/>
+              <a:chOff x="330245" y="804555"/>
+              <a:chExt cx="2207115" cy="353290"/>
+            </a:xfrm>
+          </p:grpSpPr>
+          <p:grpSp>
+            <p:nvGrpSpPr>
+              <p:cNvPr id="16" name="组合 15"/>
+              <p:cNvGrpSpPr/>
+              <p:nvPr/>
+            </p:nvGrpSpPr>
+            <p:grpSpPr>
+              <a:xfrm>
+                <a:off x="898280" y="1040577"/>
+                <a:ext cx="1639080" cy="117268"/>
+                <a:chOff x="573689" y="222664"/>
+                <a:chExt cx="1639080" cy="353287"/>
+              </a:xfrm>
+              <a:solidFill>
+                <a:srgbClr val="049FFA"/>
+              </a:solidFill>
+            </p:grpSpPr>
+            <p:sp>
+              <p:nvSpPr>
+                <p:cNvPr id="17" name="圆角矩形 16"/>
+                <p:cNvSpPr/>
+                <p:nvPr/>
+              </p:nvSpPr>
+              <p:spPr>
+                <a:xfrm>
+                  <a:off x="573689" y="222664"/>
+                  <a:ext cx="1639080" cy="353287"/>
+                </a:xfrm>
+                <a:prstGeom prst="roundRect">
+                  <a:avLst>
+                    <a:gd name="adj" fmla="val 32457"/>
+                  </a:avLst>
+                </a:prstGeom>
+                <a:grpFill/>
+                <a:ln>
+                  <a:noFill/>
+                </a:ln>
+              </p:spPr>
+              <p:style>
+                <a:lnRef idx="2">
+                  <a:schemeClr val="accent1">
+                    <a:shade val="50000"/>
+                  </a:schemeClr>
+                </a:lnRef>
+                <a:fillRef idx="1">
+                  <a:schemeClr val="accent1"/>
+                </a:fillRef>
+                <a:effectRef idx="0">
+                  <a:schemeClr val="accent1"/>
+                </a:effectRef>
+                <a:fontRef idx="minor">
+                  <a:schemeClr val="lt1"/>
+                </a:fontRef>
+              </p:style>
+              <p:txBody>
+                <a:bodyPr rtlCol="0" anchor="ctr"/>
+                <a:lstStyle/>
+                <a:p>
+                  <a:pPr algn="ctr"/>
+                  <a:endParaRPr lang="zh-CN" altLang="en-US"/>
+                </a:p>
+              </p:txBody>
+            </p:sp>
+            <p:sp>
+              <p:nvSpPr>
+                <p:cNvPr id="18" name="矩形 17"/>
+                <p:cNvSpPr/>
+                <p:nvPr/>
+              </p:nvSpPr>
+              <p:spPr>
+                <a:xfrm>
+                  <a:off x="573689" y="438216"/>
+                  <a:ext cx="1639080" cy="137735"/>
+                </a:xfrm>
+                <a:prstGeom prst="rect">
+                  <a:avLst/>
+                </a:prstGeom>
+                <a:grpFill/>
+                <a:ln>
+                  <a:noFill/>
+                </a:ln>
+              </p:spPr>
+              <p:style>
+                <a:lnRef idx="2">
+                  <a:schemeClr val="accent1">
+                    <a:shade val="50000"/>
+                  </a:schemeClr>
+                </a:lnRef>
+                <a:fillRef idx="1">
+                  <a:schemeClr val="accent1"/>
+                </a:fillRef>
+                <a:effectRef idx="0">
+                  <a:schemeClr val="accent1"/>
+                </a:effectRef>
+                <a:fontRef idx="minor">
+                  <a:schemeClr val="lt1"/>
+                </a:fontRef>
+              </p:style>
+              <p:txBody>
+                <a:bodyPr rtlCol="0" anchor="ctr"/>
+                <a:lstStyle/>
+                <a:p>
+                  <a:pPr algn="ctr"/>
+                  <a:endParaRPr lang="zh-CN" altLang="en-US"/>
+                </a:p>
+              </p:txBody>
+            </p:sp>
+          </p:grpSp>
+          <p:grpSp>
+            <p:nvGrpSpPr>
+              <p:cNvPr id="15" name="组合 14"/>
+              <p:cNvGrpSpPr/>
+              <p:nvPr/>
+            </p:nvGrpSpPr>
+            <p:grpSpPr>
+              <a:xfrm>
+                <a:off x="330245" y="804555"/>
+                <a:ext cx="1639080" cy="353290"/>
+                <a:chOff x="573689" y="222664"/>
+                <a:chExt cx="1639080" cy="353290"/>
+              </a:xfrm>
+            </p:grpSpPr>
+            <p:sp>
+              <p:nvSpPr>
+                <p:cNvPr id="13" name="圆角矩形 12"/>
+                <p:cNvSpPr/>
+                <p:nvPr/>
+              </p:nvSpPr>
+              <p:spPr>
+                <a:xfrm>
+                  <a:off x="573689" y="222664"/>
+                  <a:ext cx="1639080" cy="234537"/>
+                </a:xfrm>
+                <a:prstGeom prst="roundRect">
+                  <a:avLst>
+                    <a:gd name="adj" fmla="val 32457"/>
+                  </a:avLst>
+                </a:prstGeom>
+                <a:solidFill>
+                  <a:srgbClr val="FCC716"/>
+                </a:solidFill>
+                <a:ln>
+                  <a:noFill/>
+                </a:ln>
+              </p:spPr>
+              <p:style>
+                <a:lnRef idx="2">
+                  <a:schemeClr val="accent1">
+                    <a:shade val="50000"/>
+                  </a:schemeClr>
+                </a:lnRef>
+                <a:fillRef idx="1">
+                  <a:schemeClr val="accent1"/>
+                </a:fillRef>
+                <a:effectRef idx="0">
+                  <a:schemeClr val="accent1"/>
+                </a:effectRef>
+                <a:fontRef idx="minor">
+                  <a:schemeClr val="lt1"/>
+                </a:fontRef>
+              </p:style>
+              <p:txBody>
+                <a:bodyPr rtlCol="0" anchor="ctr"/>
+                <a:lstStyle/>
+                <a:p>
+                  <a:pPr algn="ctr"/>
+                  <a:endParaRPr lang="zh-CN" altLang="en-US"/>
+                </a:p>
+              </p:txBody>
+            </p:sp>
+            <p:sp>
+              <p:nvSpPr>
+                <p:cNvPr id="14" name="矩形 13"/>
+                <p:cNvSpPr/>
+                <p:nvPr/>
+              </p:nvSpPr>
+              <p:spPr>
+                <a:xfrm>
+                  <a:off x="573689" y="326572"/>
+                  <a:ext cx="1639080" cy="249382"/>
+                </a:xfrm>
+                <a:prstGeom prst="rect">
+                  <a:avLst/>
+                </a:prstGeom>
+                <a:solidFill>
+                  <a:srgbClr val="FCC716"/>
+                </a:solidFill>
+                <a:ln>
+                  <a:noFill/>
+                </a:ln>
+              </p:spPr>
+              <p:style>
+                <a:lnRef idx="2">
+                  <a:schemeClr val="accent1">
+                    <a:shade val="50000"/>
+                  </a:schemeClr>
+                </a:lnRef>
+                <a:fillRef idx="1">
+                  <a:schemeClr val="accent1"/>
+                </a:fillRef>
+                <a:effectRef idx="0">
+                  <a:schemeClr val="accent1"/>
+                </a:effectRef>
+                <a:fontRef idx="minor">
+                  <a:schemeClr val="lt1"/>
+                </a:fontRef>
+              </p:style>
+              <p:txBody>
+                <a:bodyPr rtlCol="0" anchor="ctr"/>
+                <a:lstStyle/>
+                <a:p>
+                  <a:pPr algn="ctr"/>
+                  <a:endParaRPr lang="zh-CN" altLang="en-US"/>
+                </a:p>
+              </p:txBody>
+            </p:sp>
+          </p:grpSp>
+        </p:grpSp>
+      </p:grpSp>
+      <p:sp>
+        <p:nvSpPr>
+          <p:cNvPr id="3" name="文本框 2"/>
+          <p:cNvSpPr txBox="1"/>
+          <p:nvPr/>
+        </p:nvSpPr>
+        <p:spPr>
+          <a:xfrm>
+            <a:off x="312577" y="210791"/>
+            <a:ext cx="1638938" cy="369332"/>
+          </a:xfrm>
+          <a:prstGeom prst="rect">
+            <a:avLst/>
+          </a:prstGeom>
+          <a:noFill/>
+        </p:spPr>
+        <p:txBody>
+          <a:bodyPr wrap="square" rtlCol="0">
+            <a:spAutoFit/>
+          </a:bodyPr>
+          <a:lstStyle/>
+          <a:p>
+            <a:pPr algn="ctr"/>
+            <a:r>
+              <a:rPr lang="en-US" altLang="zh-CN" b="1" smtClean="0">
+                <a:solidFill>
+                  <a:schemeClr val="bg1"/>
+                </a:solidFill>
+                <a:latin typeface="微软雅黑" panose="020B0503020204020204" pitchFamily="34" charset="-122"/>
+                <a:ea typeface="微软雅黑" panose="020B0503020204020204" pitchFamily="34" charset="-122"/>
+              </a:rPr>
+              <a:t>Reactor</a:t>
+            </a:r>
+            <a:r>
+              <a:rPr lang="zh-CN" altLang="en-US" b="1" smtClean="0">
+                <a:solidFill>
+                  <a:schemeClr val="bg1"/>
+                </a:solidFill>
+                <a:latin typeface="微软雅黑" panose="020B0503020204020204" pitchFamily="34" charset="-122"/>
+                <a:ea typeface="微软雅黑" panose="020B0503020204020204" pitchFamily="34" charset="-122"/>
+              </a:rPr>
+              <a:t>模型</a:t>
+            </a:r>
+            <a:endParaRPr lang="zh-CN" altLang="en-US" b="1" dirty="0">
+              <a:solidFill>
+                <a:schemeClr val="bg1"/>
+              </a:solidFill>
+              <a:latin typeface="微软雅黑" panose="020B0503020204020204" pitchFamily="34" charset="-122"/>
+              <a:ea typeface="微软雅黑" panose="020B0503020204020204" pitchFamily="34" charset="-122"/>
+            </a:endParaRPr>
+          </a:p>
+        </p:txBody>
+      </p:sp>
+      <p:sp>
+        <p:nvSpPr>
+          <p:cNvPr id="7" name="文本框 6">
+            <a:extLst>
+              <a:ext uri="{FF2B5EF4-FFF2-40B4-BE49-F238E27FC236}">
+                <a16:creationId xmlns="" xmlns:a16="http://schemas.microsoft.com/office/drawing/2014/main" id="{AFFCF1AD-71D0-456C-9CE1-90FE52800ED6}"/>
+              </a:ext>
+            </a:extLst>
+          </p:cNvPr>
+          <p:cNvSpPr txBox="1"/>
+          <p:nvPr/>
+        </p:nvSpPr>
+        <p:spPr>
+          <a:xfrm>
+            <a:off x="292340" y="810120"/>
+            <a:ext cx="5321315" cy="400110"/>
+          </a:xfrm>
+          <a:prstGeom prst="rect">
+            <a:avLst/>
+          </a:prstGeom>
+          <a:noFill/>
+        </p:spPr>
+        <p:txBody>
+          <a:bodyPr wrap="square">
+            <a:spAutoFit/>
+          </a:bodyPr>
+          <a:lstStyle/>
+          <a:p>
+            <a:r>
+              <a:rPr lang="zh-CN" altLang="en-US" sz="2000" dirty="0"/>
+              <a:t>异步处理（ </a:t>
+            </a:r>
+            <a:r>
+              <a:rPr lang="en-US" altLang="zh-CN" sz="2000" dirty="0" err="1"/>
+              <a:t>ChannelFuture</a:t>
+            </a:r>
+            <a:r>
+              <a:rPr lang="en-US" altLang="zh-CN" sz="2000" dirty="0"/>
+              <a:t> </a:t>
+            </a:r>
+            <a:r>
+              <a:rPr lang="zh-CN" altLang="en-US" sz="2000" dirty="0"/>
+              <a:t>、 </a:t>
+            </a:r>
+            <a:r>
+              <a:rPr lang="en-US" altLang="zh-CN" sz="2000" dirty="0" err="1"/>
+              <a:t>ChannelPromise</a:t>
+            </a:r>
+            <a:r>
+              <a:rPr lang="en-US" altLang="zh-CN" sz="2000" dirty="0"/>
+              <a:t> </a:t>
+            </a:r>
+            <a:r>
+              <a:rPr lang="zh-CN" altLang="en-US" sz="2000" dirty="0" smtClean="0"/>
+              <a:t>）</a:t>
+            </a:r>
+            <a:endParaRPr lang="zh-CN" altLang="en-US" sz="2000" dirty="0"/>
+          </a:p>
+        </p:txBody>
+      </p:sp>
+      <p:sp>
+        <p:nvSpPr>
+          <p:cNvPr id="27" name="文本框 1">
+            <a:extLst>
+              <a:ext uri="{FF2B5EF4-FFF2-40B4-BE49-F238E27FC236}">
+                <a16:creationId xmlns="" xmlns:a16="http://schemas.microsoft.com/office/drawing/2014/main" id="{851CDFD7-5C9E-4E8C-82E9-E31F55931347}"/>
+              </a:ext>
+            </a:extLst>
+          </p:cNvPr>
+          <p:cNvSpPr txBox="1"/>
+          <p:nvPr/>
+        </p:nvSpPr>
+        <p:spPr>
+          <a:xfrm>
+            <a:off x="292340" y="1452424"/>
+            <a:ext cx="11408367" cy="1200329"/>
+          </a:xfrm>
+          <a:prstGeom prst="rect">
+            <a:avLst/>
+          </a:prstGeom>
+          <a:noFill/>
+        </p:spPr>
+        <p:txBody>
+          <a:bodyPr wrap="square" rtlCol="0">
+            <a:spAutoFit/>
+          </a:bodyPr>
+          <a:lstStyle/>
+          <a:p>
+            <a:pPr marL="285750" indent="-285750">
+              <a:buFont typeface="Arial" pitchFamily="34" charset="0"/>
+              <a:buChar char="•"/>
+            </a:pPr>
+            <a:r>
+              <a:rPr lang="en-US" altLang="zh-CN" dirty="0"/>
+              <a:t>Future</a:t>
+            </a:r>
+            <a:r>
+              <a:rPr lang="zh-CN" altLang="en-US" dirty="0"/>
+              <a:t>：</a:t>
+            </a:r>
+            <a:r>
+              <a:rPr lang="zh-CN" altLang="en-US" dirty="0" smtClean="0"/>
+              <a:t>在</a:t>
+            </a:r>
+            <a:r>
+              <a:rPr lang="en-US" altLang="zh-CN" dirty="0" err="1" smtClean="0"/>
+              <a:t>jdk</a:t>
+            </a:r>
+            <a:r>
+              <a:rPr lang="zh-CN" altLang="en-US" dirty="0" smtClean="0"/>
+              <a:t>的</a:t>
+            </a:r>
+            <a:r>
+              <a:rPr lang="en-US" altLang="zh-CN" dirty="0" smtClean="0"/>
+              <a:t>Future</a:t>
+            </a:r>
+            <a:r>
+              <a:rPr lang="zh-CN" altLang="en-US" dirty="0"/>
+              <a:t>的基础上拓展了监听器（</a:t>
+            </a:r>
+            <a:r>
+              <a:rPr lang="en-US" altLang="zh-CN" dirty="0"/>
+              <a:t>Listener</a:t>
+            </a:r>
+            <a:r>
+              <a:rPr lang="zh-CN" altLang="en-US" dirty="0"/>
+              <a:t>）</a:t>
+            </a:r>
+            <a:r>
+              <a:rPr lang="zh-CN" altLang="en-US" dirty="0" smtClean="0"/>
+              <a:t>接口</a:t>
+            </a:r>
+            <a:endParaRPr lang="en-US" altLang="zh-CN" dirty="0" smtClean="0"/>
+          </a:p>
+          <a:p>
+            <a:pPr marL="285750" indent="-285750">
+              <a:buFont typeface="Arial" pitchFamily="34" charset="0"/>
+              <a:buChar char="•"/>
+            </a:pPr>
+            <a:r>
+              <a:rPr lang="en-US" altLang="zh-CN" dirty="0" err="1"/>
+              <a:t>ChannelFuture</a:t>
+            </a:r>
+            <a:r>
+              <a:rPr lang="en-US" altLang="zh-CN" dirty="0"/>
+              <a:t> </a:t>
+            </a:r>
+            <a:r>
+              <a:rPr lang="zh-CN" altLang="en-US" dirty="0"/>
+              <a:t>：扩展了</a:t>
+            </a:r>
+            <a:r>
+              <a:rPr lang="en-US" altLang="zh-CN" dirty="0" err="1"/>
+              <a:t>Netty</a:t>
+            </a:r>
+            <a:r>
+              <a:rPr lang="zh-CN" altLang="en-US" dirty="0"/>
+              <a:t>的</a:t>
+            </a:r>
+            <a:r>
+              <a:rPr lang="en-US" altLang="zh-CN" dirty="0"/>
+              <a:t>Future</a:t>
+            </a:r>
+            <a:r>
+              <a:rPr lang="zh-CN" altLang="en-US" dirty="0"/>
+              <a:t>接口，表示一种没有返回值的异步调用，同时和一个</a:t>
+            </a:r>
+            <a:r>
+              <a:rPr lang="en-US" altLang="zh-CN" dirty="0"/>
+              <a:t>Channel</a:t>
+            </a:r>
+            <a:r>
+              <a:rPr lang="zh-CN" altLang="en-US" dirty="0"/>
+              <a:t>进行</a:t>
+            </a:r>
+            <a:r>
+              <a:rPr lang="zh-CN" altLang="en-US" dirty="0" smtClean="0"/>
+              <a:t>绑定</a:t>
+            </a:r>
+            <a:endParaRPr lang="en-US" altLang="zh-CN" dirty="0" smtClean="0"/>
+          </a:p>
+          <a:p>
+            <a:pPr marL="285750" indent="-285750">
+              <a:buFont typeface="Arial" pitchFamily="34" charset="0"/>
+              <a:buChar char="•"/>
+            </a:pPr>
+            <a:r>
+              <a:rPr lang="en-US" altLang="zh-CN" dirty="0" smtClean="0"/>
+              <a:t>Promise</a:t>
+            </a:r>
+            <a:r>
+              <a:rPr lang="zh-CN" altLang="en-US" dirty="0" smtClean="0"/>
+              <a:t>：</a:t>
+            </a:r>
+            <a:r>
+              <a:rPr lang="en-US" altLang="zh-CN" dirty="0" err="1" smtClean="0"/>
+              <a:t>Netty</a:t>
+            </a:r>
+            <a:r>
+              <a:rPr lang="zh-CN" altLang="en-US" dirty="0" smtClean="0"/>
+              <a:t>的</a:t>
+            </a:r>
+            <a:r>
+              <a:rPr lang="en-US" altLang="zh-CN" dirty="0" smtClean="0"/>
+              <a:t>Future</a:t>
+            </a:r>
+            <a:r>
+              <a:rPr lang="zh-CN" altLang="en-US" dirty="0"/>
+              <a:t>的扩展，表示一种可写的</a:t>
+            </a:r>
+            <a:r>
+              <a:rPr lang="en-US" altLang="zh-CN" dirty="0"/>
+              <a:t>Future</a:t>
+            </a:r>
+            <a:endParaRPr lang="en-US" altLang="zh-CN" dirty="0" smtClean="0"/>
+          </a:p>
+          <a:p>
+            <a:pPr marL="285750" indent="-285750">
+              <a:buFont typeface="Arial" pitchFamily="34" charset="0"/>
+              <a:buChar char="•"/>
+            </a:pPr>
+            <a:r>
+              <a:rPr lang="en-US" altLang="zh-CN" dirty="0" err="1" smtClean="0"/>
+              <a:t>ChannelPromise</a:t>
+            </a:r>
+            <a:r>
+              <a:rPr lang="en-US" altLang="zh-CN" dirty="0" smtClean="0"/>
+              <a:t> </a:t>
+            </a:r>
+            <a:r>
+              <a:rPr lang="zh-CN" altLang="en-US" dirty="0" smtClean="0"/>
+              <a:t>：</a:t>
+            </a:r>
+            <a:r>
+              <a:rPr lang="zh-CN" altLang="en-US" dirty="0"/>
+              <a:t>扩展了</a:t>
+            </a:r>
+            <a:r>
+              <a:rPr lang="en-US" altLang="zh-CN" dirty="0" err="1"/>
+              <a:t>Netty</a:t>
+            </a:r>
+            <a:r>
+              <a:rPr lang="zh-CN" altLang="en-US" dirty="0" smtClean="0"/>
+              <a:t>的</a:t>
+            </a:r>
+            <a:r>
+              <a:rPr lang="en-US" altLang="zh-CN" dirty="0"/>
+              <a:t>Promise</a:t>
+            </a:r>
+            <a:r>
+              <a:rPr lang="zh-CN" altLang="en-US" dirty="0" smtClean="0"/>
+              <a:t>接口，绑定</a:t>
+            </a:r>
+            <a:r>
+              <a:rPr lang="zh-CN" altLang="en-US" dirty="0"/>
+              <a:t>了</a:t>
+            </a:r>
+            <a:r>
+              <a:rPr lang="en-US" altLang="zh-CN" dirty="0"/>
+              <a:t>Channel</a:t>
+            </a:r>
+            <a:r>
+              <a:rPr lang="zh-CN" altLang="en-US" dirty="0"/>
+              <a:t>，既可以写异步执行结果，</a:t>
+            </a:r>
+            <a:r>
+              <a:rPr lang="zh-CN" altLang="en-US" dirty="0" smtClean="0"/>
+              <a:t>又有监听</a:t>
+            </a:r>
+            <a:r>
+              <a:rPr lang="zh-CN" altLang="en-US" dirty="0"/>
+              <a:t>者的功能</a:t>
+            </a:r>
+            <a:endParaRPr lang="en-US" altLang="zh-CN" dirty="0">
+              <a:latin typeface="+mn-ea"/>
+            </a:endParaRPr>
+          </a:p>
+        </p:txBody>
+      </p:sp>
+    </p:spTree>
+    <p:extLst>
+      <p:ext uri="{BB962C8B-B14F-4D97-AF65-F5344CB8AC3E}">
+        <p14:creationId xmlns:p14="http://schemas.microsoft.com/office/powerpoint/2010/main" val="2141777911"/>
+      </p:ext>
+    </p:extLst>
+  </p:cSld>
+  <p:clrMapOvr>
+    <a:masterClrMapping/>
+  </p:clrMapOvr>
+  <p:transition spd="slow">
+    <p:push dir="u"/>
+  </p:transition>
+  <p:timing>
+    <p:tnLst>
+      <p:par>
+        <p:cTn id="1" dur="indefinite" restart="never" nodeType="tmRoot"/>
+      </p:par>
+    </p:tnLst>
+  </p:timing>
+</p:sld>
+</file>
+
+<file path=ppt/slides/slide21.xml><?xml version="1.0" encoding="utf-8"?>
+<p:sld xmlns:a="http://schemas.openxmlformats.org/drawingml/2006/main" xmlns:r="http://schemas.openxmlformats.org/officeDocument/2006/relationships" xmlns:p="http://schemas.openxmlformats.org/presentationml/2006/main">
+  <p:cSld>
+    <p:spTree>
+      <p:nvGrpSpPr>
+        <p:cNvPr id="1" name=""/>
+        <p:cNvGrpSpPr/>
+        <p:nvPr/>
+      </p:nvGrpSpPr>
+      <p:grpSpPr>
+        <a:xfrm>
+          <a:off x="0" y="0"/>
+          <a:ext cx="0" cy="0"/>
+          <a:chOff x="0" y="0"/>
+          <a:chExt cx="0" cy="0"/>
+        </a:xfrm>
+      </p:grpSpPr>
+      <p:grpSp>
+        <p:nvGrpSpPr>
+          <p:cNvPr id="26" name="组合 25"/>
+          <p:cNvGrpSpPr/>
+          <p:nvPr/>
+        </p:nvGrpSpPr>
+        <p:grpSpPr>
+          <a:xfrm>
+            <a:off x="312577" y="210791"/>
+            <a:ext cx="3026655" cy="354181"/>
+            <a:chOff x="2147314" y="804555"/>
+            <a:chExt cx="3026655" cy="354181"/>
+          </a:xfrm>
+        </p:grpSpPr>
+        <p:grpSp>
+          <p:nvGrpSpPr>
+            <p:cNvPr id="22" name="组合 21"/>
+            <p:cNvGrpSpPr/>
+            <p:nvPr/>
+          </p:nvGrpSpPr>
+          <p:grpSpPr>
+            <a:xfrm>
+              <a:off x="3534889" y="1040577"/>
+              <a:ext cx="1639080" cy="117268"/>
+              <a:chOff x="573689" y="222664"/>
+              <a:chExt cx="1639080" cy="353287"/>
+            </a:xfrm>
+            <a:solidFill>
+              <a:srgbClr val="D9E026"/>
+            </a:solidFill>
+          </p:grpSpPr>
+          <p:sp>
+            <p:nvSpPr>
+              <p:cNvPr id="23" name="圆角矩形 22"/>
+              <p:cNvSpPr/>
+              <p:nvPr/>
+            </p:nvSpPr>
+            <p:spPr>
+              <a:xfrm>
+                <a:off x="573689" y="222664"/>
+                <a:ext cx="1639080" cy="353287"/>
+              </a:xfrm>
+              <a:prstGeom prst="roundRect">
+                <a:avLst>
+                  <a:gd name="adj" fmla="val 32457"/>
+                </a:avLst>
+              </a:prstGeom>
+              <a:grpFill/>
+              <a:ln>
+                <a:noFill/>
+              </a:ln>
+            </p:spPr>
+            <p:style>
+              <a:lnRef idx="2">
+                <a:schemeClr val="accent1">
+                  <a:shade val="50000"/>
+                </a:schemeClr>
+              </a:lnRef>
+              <a:fillRef idx="1">
+                <a:schemeClr val="accent1"/>
+              </a:fillRef>
+              <a:effectRef idx="0">
+                <a:schemeClr val="accent1"/>
+              </a:effectRef>
+              <a:fontRef idx="minor">
+                <a:schemeClr val="lt1"/>
+              </a:fontRef>
+            </p:style>
+            <p:txBody>
+              <a:bodyPr rtlCol="0" anchor="ctr"/>
+              <a:lstStyle/>
+              <a:p>
+                <a:pPr algn="ctr"/>
+                <a:endParaRPr lang="zh-CN" altLang="en-US"/>
+              </a:p>
+            </p:txBody>
+          </p:sp>
+          <p:sp>
+            <p:nvSpPr>
+              <p:cNvPr id="24" name="矩形 23"/>
+              <p:cNvSpPr/>
+              <p:nvPr/>
+            </p:nvSpPr>
+            <p:spPr>
+              <a:xfrm>
+                <a:off x="573689" y="438216"/>
+                <a:ext cx="1639080" cy="137735"/>
+              </a:xfrm>
+              <a:prstGeom prst="rect">
+                <a:avLst/>
+              </a:prstGeom>
+              <a:grpFill/>
+              <a:ln>
+                <a:noFill/>
+              </a:ln>
+            </p:spPr>
+            <p:style>
+              <a:lnRef idx="2">
+                <a:schemeClr val="accent1">
+                  <a:shade val="50000"/>
+                </a:schemeClr>
+              </a:lnRef>
+              <a:fillRef idx="1">
+                <a:schemeClr val="accent1"/>
+              </a:fillRef>
+              <a:effectRef idx="0">
+                <a:schemeClr val="accent1"/>
+              </a:effectRef>
+              <a:fontRef idx="minor">
+                <a:schemeClr val="lt1"/>
+              </a:fontRef>
+            </p:style>
+            <p:txBody>
+              <a:bodyPr rtlCol="0" anchor="ctr"/>
+              <a:lstStyle/>
+              <a:p>
+                <a:pPr algn="ctr"/>
+                <a:endParaRPr lang="zh-CN" altLang="en-US"/>
+              </a:p>
+            </p:txBody>
+          </p:sp>
+        </p:grpSp>
+        <p:grpSp>
+          <p:nvGrpSpPr>
+            <p:cNvPr id="19" name="组合 18"/>
+            <p:cNvGrpSpPr/>
+            <p:nvPr/>
+          </p:nvGrpSpPr>
+          <p:grpSpPr>
+            <a:xfrm>
+              <a:off x="3148655" y="1041468"/>
+              <a:ext cx="1639080" cy="117268"/>
+              <a:chOff x="573689" y="222664"/>
+              <a:chExt cx="1639080" cy="353287"/>
+            </a:xfrm>
+            <a:solidFill>
+              <a:srgbClr val="91338C"/>
+            </a:solidFill>
+          </p:grpSpPr>
+          <p:sp>
+            <p:nvSpPr>
+              <p:cNvPr id="20" name="圆角矩形 19"/>
+              <p:cNvSpPr/>
+              <p:nvPr/>
+            </p:nvSpPr>
+            <p:spPr>
+              <a:xfrm>
+                <a:off x="573689" y="222664"/>
+                <a:ext cx="1639080" cy="353287"/>
+              </a:xfrm>
+              <a:prstGeom prst="roundRect">
+                <a:avLst>
+                  <a:gd name="adj" fmla="val 32457"/>
+                </a:avLst>
+              </a:prstGeom>
+              <a:grpFill/>
+              <a:ln>
+                <a:noFill/>
+              </a:ln>
+            </p:spPr>
+            <p:style>
+              <a:lnRef idx="2">
+                <a:schemeClr val="accent1">
+                  <a:shade val="50000"/>
+                </a:schemeClr>
+              </a:lnRef>
+              <a:fillRef idx="1">
+                <a:schemeClr val="accent1"/>
+              </a:fillRef>
+              <a:effectRef idx="0">
+                <a:schemeClr val="accent1"/>
+              </a:effectRef>
+              <a:fontRef idx="minor">
+                <a:schemeClr val="lt1"/>
+              </a:fontRef>
+            </p:style>
+            <p:txBody>
+              <a:bodyPr rtlCol="0" anchor="ctr"/>
+              <a:lstStyle/>
+              <a:p>
+                <a:pPr algn="ctr"/>
+                <a:endParaRPr lang="zh-CN" altLang="en-US"/>
+              </a:p>
+            </p:txBody>
+          </p:sp>
+          <p:sp>
+            <p:nvSpPr>
+              <p:cNvPr id="21" name="矩形 20"/>
+              <p:cNvSpPr/>
+              <p:nvPr/>
+            </p:nvSpPr>
+            <p:spPr>
+              <a:xfrm>
+                <a:off x="573689" y="438216"/>
+                <a:ext cx="1639080" cy="137735"/>
+              </a:xfrm>
+              <a:prstGeom prst="rect">
+                <a:avLst/>
+              </a:prstGeom>
+              <a:grpFill/>
+              <a:ln>
+                <a:noFill/>
+              </a:ln>
+            </p:spPr>
+            <p:style>
+              <a:lnRef idx="2">
+                <a:schemeClr val="accent1">
+                  <a:shade val="50000"/>
+                </a:schemeClr>
+              </a:lnRef>
+              <a:fillRef idx="1">
+                <a:schemeClr val="accent1"/>
+              </a:fillRef>
+              <a:effectRef idx="0">
+                <a:schemeClr val="accent1"/>
+              </a:effectRef>
+              <a:fontRef idx="minor">
+                <a:schemeClr val="lt1"/>
+              </a:fontRef>
+            </p:style>
+            <p:txBody>
+              <a:bodyPr rtlCol="0" anchor="ctr"/>
+              <a:lstStyle/>
+              <a:p>
+                <a:pPr algn="ctr"/>
+                <a:endParaRPr lang="zh-CN" altLang="en-US"/>
+              </a:p>
+            </p:txBody>
+          </p:sp>
+        </p:grpSp>
+        <p:grpSp>
+          <p:nvGrpSpPr>
+            <p:cNvPr id="25" name="组合 24"/>
+            <p:cNvGrpSpPr/>
+            <p:nvPr/>
+          </p:nvGrpSpPr>
+          <p:grpSpPr>
+            <a:xfrm>
+              <a:off x="2147314" y="804555"/>
+              <a:ext cx="2207115" cy="353290"/>
+              <a:chOff x="330245" y="804555"/>
+              <a:chExt cx="2207115" cy="353290"/>
+            </a:xfrm>
+          </p:grpSpPr>
+          <p:grpSp>
+            <p:nvGrpSpPr>
+              <p:cNvPr id="16" name="组合 15"/>
+              <p:cNvGrpSpPr/>
+              <p:nvPr/>
+            </p:nvGrpSpPr>
+            <p:grpSpPr>
+              <a:xfrm>
+                <a:off x="898280" y="1040577"/>
+                <a:ext cx="1639080" cy="117268"/>
+                <a:chOff x="573689" y="222664"/>
+                <a:chExt cx="1639080" cy="353287"/>
+              </a:xfrm>
+              <a:solidFill>
+                <a:srgbClr val="049FFA"/>
+              </a:solidFill>
+            </p:grpSpPr>
+            <p:sp>
+              <p:nvSpPr>
+                <p:cNvPr id="17" name="圆角矩形 16"/>
+                <p:cNvSpPr/>
+                <p:nvPr/>
+              </p:nvSpPr>
+              <p:spPr>
+                <a:xfrm>
+                  <a:off x="573689" y="222664"/>
+                  <a:ext cx="1639080" cy="353287"/>
+                </a:xfrm>
+                <a:prstGeom prst="roundRect">
+                  <a:avLst>
+                    <a:gd name="adj" fmla="val 32457"/>
+                  </a:avLst>
+                </a:prstGeom>
+                <a:grpFill/>
+                <a:ln>
+                  <a:noFill/>
+                </a:ln>
+              </p:spPr>
+              <p:style>
+                <a:lnRef idx="2">
+                  <a:schemeClr val="accent1">
+                    <a:shade val="50000"/>
+                  </a:schemeClr>
+                </a:lnRef>
+                <a:fillRef idx="1">
+                  <a:schemeClr val="accent1"/>
+                </a:fillRef>
+                <a:effectRef idx="0">
+                  <a:schemeClr val="accent1"/>
+                </a:effectRef>
+                <a:fontRef idx="minor">
+                  <a:schemeClr val="lt1"/>
+                </a:fontRef>
+              </p:style>
+              <p:txBody>
+                <a:bodyPr rtlCol="0" anchor="ctr"/>
+                <a:lstStyle/>
+                <a:p>
+                  <a:pPr algn="ctr"/>
+                  <a:endParaRPr lang="zh-CN" altLang="en-US"/>
+                </a:p>
+              </p:txBody>
+            </p:sp>
+            <p:sp>
+              <p:nvSpPr>
+                <p:cNvPr id="18" name="矩形 17"/>
+                <p:cNvSpPr/>
+                <p:nvPr/>
+              </p:nvSpPr>
+              <p:spPr>
+                <a:xfrm>
+                  <a:off x="573689" y="438216"/>
+                  <a:ext cx="1639080" cy="137735"/>
+                </a:xfrm>
+                <a:prstGeom prst="rect">
+                  <a:avLst/>
+                </a:prstGeom>
+                <a:grpFill/>
+                <a:ln>
+                  <a:noFill/>
+                </a:ln>
+              </p:spPr>
+              <p:style>
+                <a:lnRef idx="2">
+                  <a:schemeClr val="accent1">
+                    <a:shade val="50000"/>
+                  </a:schemeClr>
+                </a:lnRef>
+                <a:fillRef idx="1">
+                  <a:schemeClr val="accent1"/>
+                </a:fillRef>
+                <a:effectRef idx="0">
+                  <a:schemeClr val="accent1"/>
+                </a:effectRef>
+                <a:fontRef idx="minor">
+                  <a:schemeClr val="lt1"/>
+                </a:fontRef>
+              </p:style>
+              <p:txBody>
+                <a:bodyPr rtlCol="0" anchor="ctr"/>
+                <a:lstStyle/>
+                <a:p>
+                  <a:pPr algn="ctr"/>
+                  <a:endParaRPr lang="zh-CN" altLang="en-US"/>
+                </a:p>
+              </p:txBody>
+            </p:sp>
+          </p:grpSp>
+          <p:grpSp>
+            <p:nvGrpSpPr>
+              <p:cNvPr id="15" name="组合 14"/>
+              <p:cNvGrpSpPr/>
+              <p:nvPr/>
+            </p:nvGrpSpPr>
+            <p:grpSpPr>
+              <a:xfrm>
+                <a:off x="330245" y="804555"/>
+                <a:ext cx="1639080" cy="353290"/>
+                <a:chOff x="573689" y="222664"/>
+                <a:chExt cx="1639080" cy="353290"/>
+              </a:xfrm>
+            </p:grpSpPr>
+            <p:sp>
+              <p:nvSpPr>
+                <p:cNvPr id="13" name="圆角矩形 12"/>
+                <p:cNvSpPr/>
+                <p:nvPr/>
+              </p:nvSpPr>
+              <p:spPr>
+                <a:xfrm>
+                  <a:off x="573689" y="222664"/>
+                  <a:ext cx="1639080" cy="234537"/>
+                </a:xfrm>
+                <a:prstGeom prst="roundRect">
+                  <a:avLst>
+                    <a:gd name="adj" fmla="val 32457"/>
+                  </a:avLst>
+                </a:prstGeom>
+                <a:solidFill>
+                  <a:srgbClr val="FCC716"/>
+                </a:solidFill>
+                <a:ln>
+                  <a:noFill/>
+                </a:ln>
+              </p:spPr>
+              <p:style>
+                <a:lnRef idx="2">
+                  <a:schemeClr val="accent1">
+                    <a:shade val="50000"/>
+                  </a:schemeClr>
+                </a:lnRef>
+                <a:fillRef idx="1">
+                  <a:schemeClr val="accent1"/>
+                </a:fillRef>
+                <a:effectRef idx="0">
+                  <a:schemeClr val="accent1"/>
+                </a:effectRef>
+                <a:fontRef idx="minor">
+                  <a:schemeClr val="lt1"/>
+                </a:fontRef>
+              </p:style>
+              <p:txBody>
+                <a:bodyPr rtlCol="0" anchor="ctr"/>
+                <a:lstStyle/>
+                <a:p>
+                  <a:pPr algn="ctr"/>
+                  <a:endParaRPr lang="zh-CN" altLang="en-US"/>
+                </a:p>
+              </p:txBody>
+            </p:sp>
+            <p:sp>
+              <p:nvSpPr>
+                <p:cNvPr id="14" name="矩形 13"/>
+                <p:cNvSpPr/>
+                <p:nvPr/>
+              </p:nvSpPr>
+              <p:spPr>
+                <a:xfrm>
+                  <a:off x="573689" y="326572"/>
+                  <a:ext cx="1639080" cy="249382"/>
+                </a:xfrm>
+                <a:prstGeom prst="rect">
+                  <a:avLst/>
+                </a:prstGeom>
+                <a:solidFill>
+                  <a:srgbClr val="FCC716"/>
+                </a:solidFill>
+                <a:ln>
+                  <a:noFill/>
+                </a:ln>
+              </p:spPr>
+              <p:style>
+                <a:lnRef idx="2">
+                  <a:schemeClr val="accent1">
+                    <a:shade val="50000"/>
+                  </a:schemeClr>
+                </a:lnRef>
+                <a:fillRef idx="1">
+                  <a:schemeClr val="accent1"/>
+                </a:fillRef>
+                <a:effectRef idx="0">
+                  <a:schemeClr val="accent1"/>
+                </a:effectRef>
+                <a:fontRef idx="minor">
+                  <a:schemeClr val="lt1"/>
+                </a:fontRef>
+              </p:style>
+              <p:txBody>
+                <a:bodyPr rtlCol="0" anchor="ctr"/>
+                <a:lstStyle/>
+                <a:p>
+                  <a:pPr algn="ctr"/>
+                  <a:endParaRPr lang="zh-CN" altLang="en-US"/>
+                </a:p>
+              </p:txBody>
+            </p:sp>
+          </p:grpSp>
+        </p:grpSp>
+      </p:grpSp>
+      <p:sp>
+        <p:nvSpPr>
+          <p:cNvPr id="3" name="文本框 2"/>
+          <p:cNvSpPr txBox="1"/>
+          <p:nvPr/>
+        </p:nvSpPr>
+        <p:spPr>
+          <a:xfrm>
+            <a:off x="312577" y="210791"/>
+            <a:ext cx="1638938" cy="369332"/>
+          </a:xfrm>
+          <a:prstGeom prst="rect">
+            <a:avLst/>
+          </a:prstGeom>
+          <a:noFill/>
+        </p:spPr>
+        <p:txBody>
+          <a:bodyPr wrap="square" rtlCol="0">
+            <a:spAutoFit/>
+          </a:bodyPr>
+          <a:lstStyle/>
+          <a:p>
+            <a:pPr algn="ctr"/>
+            <a:r>
+              <a:rPr lang="en-US" altLang="zh-CN" b="1" smtClean="0">
+                <a:solidFill>
+                  <a:schemeClr val="bg1"/>
+                </a:solidFill>
+                <a:latin typeface="微软雅黑" panose="020B0503020204020204" pitchFamily="34" charset="-122"/>
+                <a:ea typeface="微软雅黑" panose="020B0503020204020204" pitchFamily="34" charset="-122"/>
+              </a:rPr>
+              <a:t>Reactor</a:t>
+            </a:r>
+            <a:r>
+              <a:rPr lang="zh-CN" altLang="en-US" b="1" smtClean="0">
+                <a:solidFill>
+                  <a:schemeClr val="bg1"/>
+                </a:solidFill>
+                <a:latin typeface="微软雅黑" panose="020B0503020204020204" pitchFamily="34" charset="-122"/>
+                <a:ea typeface="微软雅黑" panose="020B0503020204020204" pitchFamily="34" charset="-122"/>
+              </a:rPr>
+              <a:t>模型</a:t>
+            </a:r>
+            <a:endParaRPr lang="zh-CN" altLang="en-US" b="1" dirty="0">
+              <a:solidFill>
+                <a:schemeClr val="bg1"/>
+              </a:solidFill>
+              <a:latin typeface="微软雅黑" panose="020B0503020204020204" pitchFamily="34" charset="-122"/>
+              <a:ea typeface="微软雅黑" panose="020B0503020204020204" pitchFamily="34" charset="-122"/>
+            </a:endParaRPr>
+          </a:p>
+        </p:txBody>
+      </p:sp>
+      <p:sp>
+        <p:nvSpPr>
+          <p:cNvPr id="7" name="文本框 6">
+            <a:extLst>
+              <a:ext uri="{FF2B5EF4-FFF2-40B4-BE49-F238E27FC236}">
+                <a16:creationId xmlns="" xmlns:a16="http://schemas.microsoft.com/office/drawing/2014/main" id="{AFFCF1AD-71D0-456C-9CE1-90FE52800ED6}"/>
+              </a:ext>
+            </a:extLst>
+          </p:cNvPr>
+          <p:cNvSpPr txBox="1"/>
+          <p:nvPr/>
+        </p:nvSpPr>
+        <p:spPr>
+          <a:xfrm>
+            <a:off x="292340" y="810120"/>
+            <a:ext cx="5321315" cy="400110"/>
+          </a:xfrm>
+          <a:prstGeom prst="rect">
+            <a:avLst/>
+          </a:prstGeom>
+          <a:noFill/>
+        </p:spPr>
+        <p:txBody>
+          <a:bodyPr wrap="square">
+            <a:spAutoFit/>
+          </a:bodyPr>
+          <a:lstStyle/>
+          <a:p>
+            <a:r>
+              <a:rPr lang="en-US" altLang="zh-CN" sz="2000" dirty="0" smtClean="0">
+                <a:latin typeface="华文中宋" panose="02010600040101010101" pitchFamily="2" charset="-122"/>
+                <a:ea typeface="华文中宋" panose="02010600040101010101" pitchFamily="2" charset="-122"/>
+              </a:rPr>
+              <a:t>TCP</a:t>
+            </a:r>
+            <a:r>
+              <a:rPr lang="zh-CN" altLang="en-US" sz="2000" dirty="0" smtClean="0">
+                <a:latin typeface="华文中宋" panose="02010600040101010101" pitchFamily="2" charset="-122"/>
+                <a:ea typeface="华文中宋" panose="02010600040101010101" pitchFamily="2" charset="-122"/>
+              </a:rPr>
+              <a:t>粘包、拆包</a:t>
+            </a:r>
+            <a:endParaRPr lang="en-US" altLang="zh-CN" sz="2000" dirty="0">
+              <a:latin typeface="华文中宋" panose="02010600040101010101" pitchFamily="2" charset="-122"/>
+              <a:ea typeface="华文中宋" panose="02010600040101010101" pitchFamily="2" charset="-122"/>
+            </a:endParaRPr>
+          </a:p>
+        </p:txBody>
+      </p:sp>
+      <p:sp>
+        <p:nvSpPr>
+          <p:cNvPr id="27" name="文本框 1">
+            <a:extLst>
+              <a:ext uri="{FF2B5EF4-FFF2-40B4-BE49-F238E27FC236}">
+                <a16:creationId xmlns="" xmlns:a16="http://schemas.microsoft.com/office/drawing/2014/main" id="{851CDFD7-5C9E-4E8C-82E9-E31F55931347}"/>
+              </a:ext>
+            </a:extLst>
+          </p:cNvPr>
+          <p:cNvSpPr txBox="1"/>
+          <p:nvPr/>
+        </p:nvSpPr>
+        <p:spPr>
+          <a:xfrm>
+            <a:off x="292340" y="1452424"/>
+            <a:ext cx="11408367" cy="1200329"/>
+          </a:xfrm>
+          <a:prstGeom prst="rect">
+            <a:avLst/>
+          </a:prstGeom>
+          <a:noFill/>
+        </p:spPr>
+        <p:txBody>
+          <a:bodyPr wrap="square" rtlCol="0">
+            <a:spAutoFit/>
+          </a:bodyPr>
+          <a:lstStyle/>
+          <a:p>
+            <a:r>
+              <a:rPr lang="en-US" altLang="zh-CN" dirty="0" smtClean="0">
+                <a:latin typeface="+mn-ea"/>
+              </a:rPr>
+              <a:t>    TCP</a:t>
+            </a:r>
+            <a:r>
+              <a:rPr lang="zh-CN" altLang="en-US" dirty="0">
+                <a:latin typeface="+mn-ea"/>
+              </a:rPr>
+              <a:t>是一个“流”协议。所谓流，就是没有界限的一长串二进制数据。</a:t>
+            </a:r>
+            <a:r>
+              <a:rPr lang="en-US" altLang="zh-CN" dirty="0">
+                <a:latin typeface="+mn-ea"/>
+              </a:rPr>
+              <a:t>TCP</a:t>
+            </a:r>
+            <a:r>
+              <a:rPr lang="zh-CN" altLang="en-US" dirty="0">
+                <a:latin typeface="+mn-ea"/>
+              </a:rPr>
+              <a:t>作为传输层协议，并不了解上层业务数据的具体含义，它会根据</a:t>
+            </a:r>
+            <a:r>
+              <a:rPr lang="en-US" altLang="zh-CN" dirty="0">
+                <a:latin typeface="+mn-ea"/>
+              </a:rPr>
+              <a:t>TCP</a:t>
+            </a:r>
+            <a:r>
+              <a:rPr lang="zh-CN" altLang="en-US" dirty="0">
+                <a:latin typeface="+mn-ea"/>
+              </a:rPr>
+              <a:t>缓冲区的实际情况进行数据包的划分，所以在业务上认为是一个完整包的，可能会被</a:t>
+            </a:r>
+            <a:r>
+              <a:rPr lang="en-US" altLang="zh-CN" dirty="0">
+                <a:latin typeface="+mn-ea"/>
+              </a:rPr>
+              <a:t>TCP</a:t>
+            </a:r>
+            <a:r>
+              <a:rPr lang="zh-CN" altLang="en-US" dirty="0">
+                <a:latin typeface="+mn-ea"/>
+              </a:rPr>
+              <a:t>拆分成多个包进行发送，也有可能把多个小的包封装成一个大的数据包发送，这就是所谓的</a:t>
+            </a:r>
+            <a:r>
+              <a:rPr lang="en-US" altLang="zh-CN" dirty="0">
+                <a:latin typeface="+mn-ea"/>
+              </a:rPr>
+              <a:t>TCP</a:t>
+            </a:r>
+            <a:r>
+              <a:rPr lang="zh-CN" altLang="en-US" dirty="0">
+                <a:latin typeface="+mn-ea"/>
+              </a:rPr>
+              <a:t>拆包和粘包问题。</a:t>
+            </a:r>
+            <a:endParaRPr lang="en-US" altLang="zh-CN" dirty="0">
+              <a:latin typeface="+mn-ea"/>
+            </a:endParaRPr>
+          </a:p>
+        </p:txBody>
+      </p:sp>
+      <p:pic>
+        <p:nvPicPr>
+          <p:cNvPr id="2" name="图片 1"/>
+          <p:cNvPicPr>
+            <a:picLocks noChangeAspect="1"/>
+          </p:cNvPicPr>
+          <p:nvPr/>
+        </p:nvPicPr>
+        <p:blipFill>
+          <a:blip r:embed="rId3">
+            <a:extLst>
+              <a:ext uri="{28A0092B-C50C-407E-A947-70E740481C1C}">
+                <a14:useLocalDpi xmlns:a14="http://schemas.microsoft.com/office/drawing/2010/main" val="0"/>
+              </a:ext>
+            </a:extLst>
+          </a:blip>
+          <a:stretch>
+            <a:fillRect/>
+          </a:stretch>
+        </p:blipFill>
+        <p:spPr>
+          <a:xfrm>
+            <a:off x="1994715" y="2834987"/>
+            <a:ext cx="8003615" cy="3357994"/>
+          </a:xfrm>
+          <a:prstGeom prst="rect">
+            <a:avLst/>
+          </a:prstGeom>
+        </p:spPr>
+      </p:pic>
+    </p:spTree>
+    <p:extLst>
+      <p:ext uri="{BB962C8B-B14F-4D97-AF65-F5344CB8AC3E}">
+        <p14:creationId xmlns:p14="http://schemas.microsoft.com/office/powerpoint/2010/main" val="1361582990"/>
+      </p:ext>
+    </p:extLst>
+  </p:cSld>
+  <p:clrMapOvr>
+    <a:masterClrMapping/>
+  </p:clrMapOvr>
+  <p:transition spd="slow">
+    <p:push dir="u"/>
+  </p:transition>
+  <p:timing>
+    <p:tnLst>
+      <p:par>
+        <p:cTn id="1" dur="indefinite" restart="never" nodeType="tmRoot"/>
+      </p:par>
+    </p:tnLst>
+  </p:timing>
+</p:sld>
+</file>
+
+<file path=ppt/slides/slide22.xml><?xml version="1.0" encoding="utf-8"?>
+<p:sld xmlns:a="http://schemas.openxmlformats.org/drawingml/2006/main" xmlns:r="http://schemas.openxmlformats.org/officeDocument/2006/relationships" xmlns:p="http://schemas.openxmlformats.org/presentationml/2006/main">
+  <p:cSld>
+    <p:spTree>
+      <p:nvGrpSpPr>
+        <p:cNvPr id="1" name=""/>
+        <p:cNvGrpSpPr/>
+        <p:nvPr/>
+      </p:nvGrpSpPr>
+      <p:grpSpPr>
+        <a:xfrm>
+          <a:off x="0" y="0"/>
+          <a:ext cx="0" cy="0"/>
+          <a:chOff x="0" y="0"/>
+          <a:chExt cx="0" cy="0"/>
+        </a:xfrm>
+      </p:grpSpPr>
+      <p:sp>
+        <p:nvSpPr>
+          <p:cNvPr id="5" name="灯片编号占位符 4"/>
+          <p:cNvSpPr>
+            <a:spLocks noGrp="1"/>
+          </p:cNvSpPr>
+          <p:nvPr>
+            <p:ph type="sldNum" sz="quarter" idx="12"/>
+          </p:nvPr>
+        </p:nvSpPr>
+        <p:spPr/>
+        <p:txBody>
+          <a:bodyPr/>
+          <a:lstStyle/>
+          <a:p>
+            <a:fld id="{CAB00AE0-F9D8-440E-9745-FF83361FB695}" type="slidenum">
+              <a:rPr lang="zh-CN" altLang="en-US" smtClean="0">
+                <a:solidFill>
+                  <a:schemeClr val="bg1"/>
+                </a:solidFill>
+              </a:rPr>
+              <a:t>22</a:t>
+            </a:fld>
+            <a:endParaRPr lang="zh-CN" altLang="en-US">
+              <a:solidFill>
+                <a:schemeClr val="bg1"/>
+              </a:solidFill>
+            </a:endParaRPr>
+          </a:p>
+        </p:txBody>
+      </p:sp>
+      <p:sp>
+        <p:nvSpPr>
+          <p:cNvPr id="2" name="日期占位符 1"/>
+          <p:cNvSpPr>
+            <a:spLocks noGrp="1"/>
+          </p:cNvSpPr>
+          <p:nvPr>
+            <p:ph type="dt" sz="half" idx="4294967295"/>
+          </p:nvPr>
+        </p:nvSpPr>
+        <p:spPr>
+          <a:xfrm>
+            <a:off x="0" y="6356350"/>
+            <a:ext cx="2743200" cy="365125"/>
+          </a:xfrm>
+        </p:spPr>
+        <p:txBody>
+          <a:bodyPr/>
+          <a:lstStyle/>
+          <a:p>
+            <a:fld id="{4DD7D674-A4F1-4214-93F1-F09A6F4FBB89}" type="datetime1">
+              <a:rPr lang="zh-CN" altLang="en-US" smtClean="0">
+                <a:solidFill>
+                  <a:schemeClr val="bg1"/>
+                </a:solidFill>
+              </a:rPr>
+              <a:t>2021/2/18</a:t>
+            </a:fld>
+            <a:endParaRPr lang="zh-CN" altLang="en-US" dirty="0">
+              <a:solidFill>
+                <a:schemeClr val="bg1"/>
+              </a:solidFill>
+            </a:endParaRPr>
+          </a:p>
+        </p:txBody>
+      </p:sp>
+    </p:spTree>
+    <p:extLst>
+      <p:ext uri="{BB962C8B-B14F-4D97-AF65-F5344CB8AC3E}">
+        <p14:creationId xmlns:p14="http://schemas.microsoft.com/office/powerpoint/2010/main" val="2579901582"/>
+      </p:ext>
+    </p:extLst>
+  </p:cSld>
+  <p:clrMapOvr>
+    <a:masterClrMapping/>
+  </p:clrMapOvr>
+  <p:transition spd="slow">
+    <p:push dir="u"/>
+  </p:transition>
+  <p:timing>
+    <p:tnLst>
+      <p:par>
+        <p:cTn id="1" dur="indefinite" restart="never" nodeType="tmRoot"/>
+      </p:par>
+    </p:tnLst>
+  </p:timing>
+</p:sld>
+</file>
+
+<file path=ppt/slides/slide3.xml><?xml version="1.0" encoding="utf-8"?>
+<p:sld xmlns:a="http://schemas.openxmlformats.org/drawingml/2006/main" xmlns:r="http://schemas.openxmlformats.org/officeDocument/2006/relationships" xmlns:p="http://schemas.openxmlformats.org/presentationml/2006/main">
+  <p:cSld>
+    <p:spTree>
+      <p:nvGrpSpPr>
+        <p:cNvPr id="1" name=""/>
+        <p:cNvGrpSpPr/>
+        <p:nvPr/>
+      </p:nvGrpSpPr>
+      <p:grpSpPr>
+        <a:xfrm>
+          <a:off x="0" y="0"/>
+          <a:ext cx="0" cy="0"/>
+          <a:chOff x="0" y="0"/>
+          <a:chExt cx="0" cy="0"/>
+        </a:xfrm>
+      </p:grpSpPr>
+      <p:sp>
+        <p:nvSpPr>
+          <p:cNvPr id="7" name="灯片编号占位符 6"/>
+          <p:cNvSpPr>
+            <a:spLocks noGrp="1"/>
+          </p:cNvSpPr>
+          <p:nvPr>
+            <p:ph type="sldNum" sz="quarter" idx="12"/>
+          </p:nvPr>
+        </p:nvSpPr>
+        <p:spPr/>
+        <p:txBody>
+          <a:bodyPr/>
+          <a:lstStyle/>
+          <a:p>
+            <a:fld id="{CAB00AE0-F9D8-440E-9745-FF83361FB695}" type="slidenum">
+              <a:rPr lang="zh-CN" altLang="en-US" smtClean="0">
+                <a:solidFill>
                   <a:srgbClr val="BDBDBD"/>
                 </a:solidFill>
               </a:rPr>
               <a:pPr/>
-              <a:t>19</a:t>
+              <a:t>3</a:t>
             </a:fld>
             <a:endParaRPr lang="zh-CN" altLang="en-US">
               <a:solidFill>
@@ -12788,1162 +16152,6 @@
                   <a:schemeClr val="bg1"/>
                 </a:solidFill>
               </a:rPr>
-              <a:t>04</a:t>
-            </a:r>
-            <a:endParaRPr lang="zh-CN" altLang="en-US" sz="8000" b="1" dirty="0">
-              <a:solidFill>
-                <a:schemeClr val="bg1"/>
-              </a:solidFill>
-            </a:endParaRPr>
-          </a:p>
-        </p:txBody>
-      </p:sp>
-      <p:sp>
-        <p:nvSpPr>
-          <p:cNvPr id="13" name="文本框 12"/>
-          <p:cNvSpPr txBox="1"/>
-          <p:nvPr/>
-        </p:nvSpPr>
-        <p:spPr>
-          <a:xfrm>
-            <a:off x="1451519" y="4128776"/>
-            <a:ext cx="6103826" cy="646331"/>
-          </a:xfrm>
-          <a:prstGeom prst="rect">
-            <a:avLst/>
-          </a:prstGeom>
-          <a:noFill/>
-        </p:spPr>
-        <p:txBody>
-          <a:bodyPr wrap="square" rtlCol="0">
-            <a:spAutoFit/>
-          </a:bodyPr>
-          <a:lstStyle/>
-          <a:p>
-            <a:r>
-              <a:rPr lang="zh-CN" altLang="en-US" sz="3600" b="1" smtClean="0">
-                <a:solidFill>
-                  <a:srgbClr val="515664"/>
-                </a:solidFill>
-                <a:latin typeface="微软雅黑" panose="020B0503020204020204" pitchFamily="34" charset="-122"/>
-                <a:ea typeface="微软雅黑" panose="020B0503020204020204" pitchFamily="34" charset="-122"/>
-              </a:rPr>
-              <a:t>扩展知识</a:t>
-            </a:r>
-            <a:endParaRPr lang="zh-CN" altLang="en-US" sz="3600" b="1" dirty="0">
-              <a:solidFill>
-                <a:srgbClr val="515664"/>
-              </a:solidFill>
-              <a:latin typeface="微软雅黑" panose="020B0503020204020204" pitchFamily="34" charset="-122"/>
-              <a:ea typeface="微软雅黑" panose="020B0503020204020204" pitchFamily="34" charset="-122"/>
-            </a:endParaRPr>
-          </a:p>
-        </p:txBody>
-      </p:sp>
-      <p:sp>
-        <p:nvSpPr>
-          <p:cNvPr id="14" name="文本框 13"/>
-          <p:cNvSpPr txBox="1"/>
-          <p:nvPr/>
-        </p:nvSpPr>
-        <p:spPr>
-          <a:xfrm>
-            <a:off x="1451519" y="5162929"/>
-            <a:ext cx="4629436" cy="400110"/>
-          </a:xfrm>
-          <a:prstGeom prst="rect">
-            <a:avLst/>
-          </a:prstGeom>
-          <a:noFill/>
-        </p:spPr>
-        <p:txBody>
-          <a:bodyPr wrap="square" rtlCol="0">
-            <a:spAutoFit/>
-          </a:bodyPr>
-          <a:lstStyle/>
-          <a:p>
-            <a:r>
-              <a:rPr lang="en-US" altLang="zh-CN" sz="2000" smtClean="0">
-                <a:solidFill>
-                  <a:srgbClr val="515664"/>
-                </a:solidFill>
-                <a:latin typeface="微软雅黑" panose="020B0503020204020204" pitchFamily="34" charset="-122"/>
-                <a:ea typeface="微软雅黑" panose="020B0503020204020204" pitchFamily="34" charset="-122"/>
-              </a:rPr>
-              <a:t>TCP</a:t>
-            </a:r>
-            <a:r>
-              <a:rPr lang="zh-CN" altLang="en-US" sz="2000" smtClean="0">
-                <a:solidFill>
-                  <a:srgbClr val="515664"/>
-                </a:solidFill>
-                <a:latin typeface="微软雅黑" panose="020B0503020204020204" pitchFamily="34" charset="-122"/>
-                <a:ea typeface="微软雅黑" panose="020B0503020204020204" pitchFamily="34" charset="-122"/>
-              </a:rPr>
-              <a:t>粘包拆包、零拷贝</a:t>
-            </a:r>
-            <a:endParaRPr lang="zh-CN" altLang="en-US" sz="2000" dirty="0">
-              <a:solidFill>
-                <a:srgbClr val="515664"/>
-              </a:solidFill>
-              <a:latin typeface="微软雅黑" panose="020B0503020204020204" pitchFamily="34" charset="-122"/>
-              <a:ea typeface="微软雅黑" panose="020B0503020204020204" pitchFamily="34" charset="-122"/>
-            </a:endParaRPr>
-          </a:p>
-        </p:txBody>
-      </p:sp>
-    </p:spTree>
-    <p:extLst>
-      <p:ext uri="{BB962C8B-B14F-4D97-AF65-F5344CB8AC3E}">
-        <p14:creationId xmlns:p14="http://schemas.microsoft.com/office/powerpoint/2010/main" val="1766744728"/>
-      </p:ext>
-    </p:extLst>
-  </p:cSld>
-  <p:clrMapOvr>
-    <a:masterClrMapping/>
-  </p:clrMapOvr>
-  <p:transition spd="slow">
-    <p:push dir="u"/>
-  </p:transition>
-  <p:timing>
-    <p:tnLst>
-      <p:par>
-        <p:cTn id="1" dur="indefinite" restart="never" nodeType="tmRoot"/>
-      </p:par>
-    </p:tnLst>
-  </p:timing>
-</p:sld>
-</file>
-
-<file path=ppt/slides/slide2.xml><?xml version="1.0" encoding="utf-8"?>
-<p:sld xmlns:a="http://schemas.openxmlformats.org/drawingml/2006/main" xmlns:r="http://schemas.openxmlformats.org/officeDocument/2006/relationships" xmlns:p="http://schemas.openxmlformats.org/presentationml/2006/main">
-  <p:cSld>
-    <p:spTree>
-      <p:nvGrpSpPr>
-        <p:cNvPr id="1" name=""/>
-        <p:cNvGrpSpPr/>
-        <p:nvPr/>
-      </p:nvGrpSpPr>
-      <p:grpSpPr>
-        <a:xfrm>
-          <a:off x="0" y="0"/>
-          <a:ext cx="0" cy="0"/>
-          <a:chOff x="0" y="0"/>
-          <a:chExt cx="0" cy="0"/>
-        </a:xfrm>
-      </p:grpSpPr>
-      <p:cxnSp>
-        <p:nvCxnSpPr>
-          <p:cNvPr id="19" name="直接连接符 18">
-            <a:extLst>
-              <a:ext uri="{FF2B5EF4-FFF2-40B4-BE49-F238E27FC236}">
-                <a16:creationId xmlns:a16="http://schemas.microsoft.com/office/drawing/2014/main" xmlns="" id="{4F82AEC9-8133-4E99-A3E8-17EDF383156A}"/>
-              </a:ext>
-            </a:extLst>
-          </p:cNvPr>
-          <p:cNvCxnSpPr>
-            <a:cxnSpLocks/>
-            <a:stCxn id="2" idx="0"/>
-            <a:endCxn id="13" idx="0"/>
-          </p:cNvCxnSpPr>
-          <p:nvPr/>
-        </p:nvCxnSpPr>
-        <p:spPr>
-          <a:xfrm>
-            <a:off x="1597890" y="2304686"/>
-            <a:ext cx="4857" cy="3582684"/>
-          </a:xfrm>
-          <a:prstGeom prst="line">
-            <a:avLst/>
-          </a:prstGeom>
-          <a:ln w="19050">
-            <a:prstDash val="dash"/>
-          </a:ln>
-        </p:spPr>
-        <p:style>
-          <a:lnRef idx="1">
-            <a:schemeClr val="accent1"/>
-          </a:lnRef>
-          <a:fillRef idx="0">
-            <a:schemeClr val="accent1"/>
-          </a:fillRef>
-          <a:effectRef idx="0">
-            <a:schemeClr val="accent1"/>
-          </a:effectRef>
-          <a:fontRef idx="minor">
-            <a:schemeClr val="tx1"/>
-          </a:fontRef>
-        </p:style>
-      </p:cxnSp>
-      <p:sp>
-        <p:nvSpPr>
-          <p:cNvPr id="5" name="文本框 4"/>
-          <p:cNvSpPr txBox="1"/>
-          <p:nvPr/>
-        </p:nvSpPr>
-        <p:spPr>
-          <a:xfrm>
-            <a:off x="1330032" y="891112"/>
-            <a:ext cx="1244251" cy="646331"/>
-          </a:xfrm>
-          <a:prstGeom prst="rect">
-            <a:avLst/>
-          </a:prstGeom>
-          <a:noFill/>
-        </p:spPr>
-        <p:txBody>
-          <a:bodyPr wrap="none" rtlCol="0">
-            <a:spAutoFit/>
-          </a:bodyPr>
-          <a:lstStyle/>
-          <a:p>
-            <a:r>
-              <a:rPr lang="zh-CN" altLang="en-US" sz="3600" dirty="0">
-                <a:solidFill>
-                  <a:srgbClr val="00A0FA"/>
-                </a:solidFill>
-                <a:latin typeface="微软雅黑" panose="020B0503020204020204" pitchFamily="34" charset="-122"/>
-                <a:ea typeface="微软雅黑" panose="020B0503020204020204" pitchFamily="34" charset="-122"/>
-              </a:rPr>
-              <a:t>目 录</a:t>
-            </a:r>
-          </a:p>
-        </p:txBody>
-      </p:sp>
-      <p:sp>
-        <p:nvSpPr>
-          <p:cNvPr id="7" name="灯片编号占位符 6"/>
-          <p:cNvSpPr>
-            <a:spLocks noGrp="1"/>
-          </p:cNvSpPr>
-          <p:nvPr>
-            <p:ph type="sldNum" sz="quarter" idx="12"/>
-          </p:nvPr>
-        </p:nvSpPr>
-        <p:spPr/>
-        <p:txBody>
-          <a:bodyPr/>
-          <a:lstStyle/>
-          <a:p>
-            <a:fld id="{CAB00AE0-F9D8-440E-9745-FF83361FB695}" type="slidenum">
-              <a:rPr lang="zh-CN" altLang="en-US" smtClean="0">
-                <a:solidFill>
-                  <a:schemeClr val="bg1"/>
-                </a:solidFill>
-              </a:rPr>
-              <a:t>2</a:t>
-            </a:fld>
-            <a:endParaRPr lang="zh-CN" altLang="en-US">
-              <a:solidFill>
-                <a:schemeClr val="bg1"/>
-              </a:solidFill>
-            </a:endParaRPr>
-          </a:p>
-        </p:txBody>
-      </p:sp>
-      <p:sp>
-        <p:nvSpPr>
-          <p:cNvPr id="2" name="椭圆 1">
-            <a:extLst>
-              <a:ext uri="{FF2B5EF4-FFF2-40B4-BE49-F238E27FC236}">
-                <a16:creationId xmlns:a16="http://schemas.microsoft.com/office/drawing/2014/main" xmlns="" id="{F6F496CA-19B2-4E5E-9689-0B78E17A5E9B}"/>
-              </a:ext>
-            </a:extLst>
-          </p:cNvPr>
-          <p:cNvSpPr/>
-          <p:nvPr/>
-        </p:nvSpPr>
-        <p:spPr>
-          <a:xfrm>
-            <a:off x="1330034" y="2304686"/>
-            <a:ext cx="535711" cy="523323"/>
-          </a:xfrm>
-          <a:prstGeom prst="ellipse">
-            <a:avLst/>
-          </a:prstGeom>
-          <a:ln>
-            <a:noFill/>
-          </a:ln>
-        </p:spPr>
-        <p:style>
-          <a:lnRef idx="2">
-            <a:schemeClr val="accent1">
-              <a:shade val="50000"/>
-            </a:schemeClr>
-          </a:lnRef>
-          <a:fillRef idx="1">
-            <a:schemeClr val="accent1"/>
-          </a:fillRef>
-          <a:effectRef idx="0">
-            <a:schemeClr val="accent1"/>
-          </a:effectRef>
-          <a:fontRef idx="minor">
-            <a:schemeClr val="lt1"/>
-          </a:fontRef>
-        </p:style>
-        <p:txBody>
-          <a:bodyPr rtlCol="0" anchor="ctr"/>
-          <a:lstStyle/>
-          <a:p>
-            <a:pPr algn="ctr"/>
-            <a:r>
-              <a:rPr lang="en-US" altLang="zh-CN" sz="2800" dirty="0">
-                <a:latin typeface="华文中宋" panose="02010600040101010101" pitchFamily="2" charset="-122"/>
-                <a:ea typeface="华文中宋" panose="02010600040101010101" pitchFamily="2" charset="-122"/>
-              </a:rPr>
-              <a:t>1</a:t>
-            </a:r>
-            <a:endParaRPr lang="zh-CN" altLang="en-US" sz="2800" dirty="0">
-              <a:latin typeface="华文中宋" panose="02010600040101010101" pitchFamily="2" charset="-122"/>
-              <a:ea typeface="华文中宋" panose="02010600040101010101" pitchFamily="2" charset="-122"/>
-            </a:endParaRPr>
-          </a:p>
-        </p:txBody>
-      </p:sp>
-      <p:sp>
-        <p:nvSpPr>
-          <p:cNvPr id="12" name="椭圆 11">
-            <a:extLst>
-              <a:ext uri="{FF2B5EF4-FFF2-40B4-BE49-F238E27FC236}">
-                <a16:creationId xmlns:a16="http://schemas.microsoft.com/office/drawing/2014/main" xmlns="" id="{F948F2CF-6BF4-4364-B94C-9C895F9D6EE3}"/>
-              </a:ext>
-            </a:extLst>
-          </p:cNvPr>
-          <p:cNvSpPr/>
-          <p:nvPr/>
-        </p:nvSpPr>
-        <p:spPr>
-          <a:xfrm>
-            <a:off x="1330034" y="3209325"/>
-            <a:ext cx="535711" cy="523323"/>
-          </a:xfrm>
-          <a:prstGeom prst="ellipse">
-            <a:avLst/>
-          </a:prstGeom>
-          <a:ln>
-            <a:noFill/>
-          </a:ln>
-        </p:spPr>
-        <p:style>
-          <a:lnRef idx="2">
-            <a:schemeClr val="accent1">
-              <a:shade val="50000"/>
-            </a:schemeClr>
-          </a:lnRef>
-          <a:fillRef idx="1">
-            <a:schemeClr val="accent1"/>
-          </a:fillRef>
-          <a:effectRef idx="0">
-            <a:schemeClr val="accent1"/>
-          </a:effectRef>
-          <a:fontRef idx="minor">
-            <a:schemeClr val="lt1"/>
-          </a:fontRef>
-        </p:style>
-        <p:txBody>
-          <a:bodyPr rtlCol="0" anchor="ctr"/>
-          <a:lstStyle/>
-          <a:p>
-            <a:pPr algn="ctr"/>
-            <a:r>
-              <a:rPr lang="en-US" altLang="zh-CN" sz="2800" dirty="0">
-                <a:latin typeface="华文中宋" panose="02010600040101010101" pitchFamily="2" charset="-122"/>
-                <a:ea typeface="华文中宋" panose="02010600040101010101" pitchFamily="2" charset="-122"/>
-              </a:rPr>
-              <a:t>2</a:t>
-            </a:r>
-            <a:endParaRPr lang="zh-CN" altLang="en-US" sz="2800" dirty="0">
-              <a:latin typeface="华文中宋" panose="02010600040101010101" pitchFamily="2" charset="-122"/>
-              <a:ea typeface="华文中宋" panose="02010600040101010101" pitchFamily="2" charset="-122"/>
-            </a:endParaRPr>
-          </a:p>
-        </p:txBody>
-      </p:sp>
-      <p:sp>
-        <p:nvSpPr>
-          <p:cNvPr id="16" name="椭圆 15">
-            <a:extLst>
-              <a:ext uri="{FF2B5EF4-FFF2-40B4-BE49-F238E27FC236}">
-                <a16:creationId xmlns:a16="http://schemas.microsoft.com/office/drawing/2014/main" xmlns="" id="{B960579D-4B18-4045-A7DF-5A5607CE4911}"/>
-              </a:ext>
-            </a:extLst>
-          </p:cNvPr>
-          <p:cNvSpPr/>
-          <p:nvPr/>
-        </p:nvSpPr>
-        <p:spPr>
-          <a:xfrm>
-            <a:off x="1330033" y="4113964"/>
-            <a:ext cx="535711" cy="523323"/>
-          </a:xfrm>
-          <a:prstGeom prst="ellipse">
-            <a:avLst/>
-          </a:prstGeom>
-          <a:ln>
-            <a:noFill/>
-          </a:ln>
-        </p:spPr>
-        <p:style>
-          <a:lnRef idx="2">
-            <a:schemeClr val="accent1">
-              <a:shade val="50000"/>
-            </a:schemeClr>
-          </a:lnRef>
-          <a:fillRef idx="1">
-            <a:schemeClr val="accent1"/>
-          </a:fillRef>
-          <a:effectRef idx="0">
-            <a:schemeClr val="accent1"/>
-          </a:effectRef>
-          <a:fontRef idx="minor">
-            <a:schemeClr val="lt1"/>
-          </a:fontRef>
-        </p:style>
-        <p:txBody>
-          <a:bodyPr rtlCol="0" anchor="ctr"/>
-          <a:lstStyle/>
-          <a:p>
-            <a:pPr algn="ctr"/>
-            <a:r>
-              <a:rPr lang="en-US" altLang="zh-CN" sz="2800" dirty="0">
-                <a:latin typeface="华文中宋" panose="02010600040101010101" pitchFamily="2" charset="-122"/>
-                <a:ea typeface="华文中宋" panose="02010600040101010101" pitchFamily="2" charset="-122"/>
-              </a:rPr>
-              <a:t>3</a:t>
-            </a:r>
-            <a:endParaRPr lang="zh-CN" altLang="en-US" sz="2800" dirty="0">
-              <a:latin typeface="华文中宋" panose="02010600040101010101" pitchFamily="2" charset="-122"/>
-              <a:ea typeface="华文中宋" panose="02010600040101010101" pitchFamily="2" charset="-122"/>
-            </a:endParaRPr>
-          </a:p>
-        </p:txBody>
-      </p:sp>
-      <p:sp>
-        <p:nvSpPr>
-          <p:cNvPr id="18" name="椭圆 17">
-            <a:extLst>
-              <a:ext uri="{FF2B5EF4-FFF2-40B4-BE49-F238E27FC236}">
-                <a16:creationId xmlns:a16="http://schemas.microsoft.com/office/drawing/2014/main" xmlns="" id="{EBF22627-4B0D-4815-9CD7-70126627A3F2}"/>
-              </a:ext>
-            </a:extLst>
-          </p:cNvPr>
-          <p:cNvSpPr/>
-          <p:nvPr/>
-        </p:nvSpPr>
-        <p:spPr>
-          <a:xfrm>
-            <a:off x="1330032" y="5018604"/>
-            <a:ext cx="535711" cy="523323"/>
-          </a:xfrm>
-          <a:prstGeom prst="ellipse">
-            <a:avLst/>
-          </a:prstGeom>
-          <a:ln>
-            <a:noFill/>
-          </a:ln>
-        </p:spPr>
-        <p:style>
-          <a:lnRef idx="2">
-            <a:schemeClr val="accent1">
-              <a:shade val="50000"/>
-            </a:schemeClr>
-          </a:lnRef>
-          <a:fillRef idx="1">
-            <a:schemeClr val="accent1"/>
-          </a:fillRef>
-          <a:effectRef idx="0">
-            <a:schemeClr val="accent1"/>
-          </a:effectRef>
-          <a:fontRef idx="minor">
-            <a:schemeClr val="lt1"/>
-          </a:fontRef>
-        </p:style>
-        <p:txBody>
-          <a:bodyPr rtlCol="0" anchor="ctr"/>
-          <a:lstStyle/>
-          <a:p>
-            <a:pPr algn="ctr"/>
-            <a:r>
-              <a:rPr lang="en-US" altLang="zh-CN" sz="2800" dirty="0">
-                <a:latin typeface="华文中宋" panose="02010600040101010101" pitchFamily="2" charset="-122"/>
-                <a:ea typeface="华文中宋" panose="02010600040101010101" pitchFamily="2" charset="-122"/>
-              </a:rPr>
-              <a:t>4</a:t>
-            </a:r>
-            <a:endParaRPr lang="zh-CN" altLang="en-US" sz="2800" dirty="0">
-              <a:latin typeface="华文中宋" panose="02010600040101010101" pitchFamily="2" charset="-122"/>
-              <a:ea typeface="华文中宋" panose="02010600040101010101" pitchFamily="2" charset="-122"/>
-            </a:endParaRPr>
-          </a:p>
-        </p:txBody>
-      </p:sp>
-      <p:sp>
-        <p:nvSpPr>
-          <p:cNvPr id="23" name="文本框 22">
-            <a:extLst>
-              <a:ext uri="{FF2B5EF4-FFF2-40B4-BE49-F238E27FC236}">
-                <a16:creationId xmlns:a16="http://schemas.microsoft.com/office/drawing/2014/main" xmlns="" id="{162BAE3B-3985-4DE1-BDEC-CE283FEC7C9F}"/>
-              </a:ext>
-            </a:extLst>
-          </p:cNvPr>
-          <p:cNvSpPr txBox="1"/>
-          <p:nvPr/>
-        </p:nvSpPr>
-        <p:spPr>
-          <a:xfrm>
-            <a:off x="2133599" y="2335514"/>
-            <a:ext cx="2598788" cy="461665"/>
-          </a:xfrm>
-          <a:prstGeom prst="rect">
-            <a:avLst/>
-          </a:prstGeom>
-          <a:noFill/>
-        </p:spPr>
-        <p:txBody>
-          <a:bodyPr wrap="none" rtlCol="0">
-            <a:spAutoFit/>
-          </a:bodyPr>
-          <a:lstStyle/>
-          <a:p>
-            <a:r>
-              <a:rPr lang="en-US" altLang="zh-CN" sz="2400" dirty="0" smtClean="0">
-                <a:latin typeface="华文中宋" panose="02010600040101010101" pitchFamily="2" charset="-122"/>
-                <a:ea typeface="华文中宋" panose="02010600040101010101" pitchFamily="2" charset="-122"/>
-              </a:rPr>
-              <a:t>BIO? NIO? AIO?</a:t>
-            </a:r>
-            <a:endParaRPr lang="zh-CN" altLang="en-US" sz="2400" dirty="0">
-              <a:latin typeface="华文中宋" panose="02010600040101010101" pitchFamily="2" charset="-122"/>
-              <a:ea typeface="华文中宋" panose="02010600040101010101" pitchFamily="2" charset="-122"/>
-            </a:endParaRPr>
-          </a:p>
-        </p:txBody>
-      </p:sp>
-      <p:sp>
-        <p:nvSpPr>
-          <p:cNvPr id="25" name="文本框 24">
-            <a:extLst>
-              <a:ext uri="{FF2B5EF4-FFF2-40B4-BE49-F238E27FC236}">
-                <a16:creationId xmlns:a16="http://schemas.microsoft.com/office/drawing/2014/main" xmlns="" id="{BB02A754-638E-446B-8201-0308E849C701}"/>
-              </a:ext>
-            </a:extLst>
-          </p:cNvPr>
-          <p:cNvSpPr txBox="1"/>
-          <p:nvPr/>
-        </p:nvSpPr>
-        <p:spPr>
-          <a:xfrm>
-            <a:off x="2133598" y="3235110"/>
-            <a:ext cx="2911374" cy="461665"/>
-          </a:xfrm>
-          <a:prstGeom prst="rect">
-            <a:avLst/>
-          </a:prstGeom>
-          <a:noFill/>
-        </p:spPr>
-        <p:txBody>
-          <a:bodyPr wrap="none" rtlCol="0">
-            <a:spAutoFit/>
-          </a:bodyPr>
-          <a:lstStyle/>
-          <a:p>
-            <a:r>
-              <a:rPr lang="en-US" altLang="zh-CN" sz="2400" smtClean="0">
-                <a:latin typeface="华文中宋" panose="02010600040101010101" pitchFamily="2" charset="-122"/>
-                <a:ea typeface="华文中宋" panose="02010600040101010101" pitchFamily="2" charset="-122"/>
-              </a:rPr>
-              <a:t>JAVA NIO</a:t>
-            </a:r>
-            <a:r>
-              <a:rPr lang="zh-CN" altLang="en-US" sz="2400" smtClean="0">
-                <a:latin typeface="华文中宋" panose="02010600040101010101" pitchFamily="2" charset="-122"/>
-                <a:ea typeface="华文中宋" panose="02010600040101010101" pitchFamily="2" charset="-122"/>
-              </a:rPr>
-              <a:t>基础知识</a:t>
-            </a:r>
-            <a:endParaRPr lang="zh-CN" altLang="en-US" sz="2400" dirty="0">
-              <a:latin typeface="华文中宋" panose="02010600040101010101" pitchFamily="2" charset="-122"/>
-              <a:ea typeface="华文中宋" panose="02010600040101010101" pitchFamily="2" charset="-122"/>
-            </a:endParaRPr>
-          </a:p>
-        </p:txBody>
-      </p:sp>
-      <p:sp>
-        <p:nvSpPr>
-          <p:cNvPr id="27" name="文本框 26">
-            <a:extLst>
-              <a:ext uri="{FF2B5EF4-FFF2-40B4-BE49-F238E27FC236}">
-                <a16:creationId xmlns:a16="http://schemas.microsoft.com/office/drawing/2014/main" xmlns="" id="{7509A0A5-F09B-4E46-AD58-F06EA84CDE63}"/>
-              </a:ext>
-            </a:extLst>
-          </p:cNvPr>
-          <p:cNvSpPr txBox="1"/>
-          <p:nvPr/>
-        </p:nvSpPr>
-        <p:spPr>
-          <a:xfrm>
-            <a:off x="2133597" y="4144792"/>
-            <a:ext cx="2042547" cy="461665"/>
-          </a:xfrm>
-          <a:prstGeom prst="rect">
-            <a:avLst/>
-          </a:prstGeom>
-          <a:noFill/>
-        </p:spPr>
-        <p:txBody>
-          <a:bodyPr wrap="none" rtlCol="0">
-            <a:spAutoFit/>
-          </a:bodyPr>
-          <a:lstStyle/>
-          <a:p>
-            <a:r>
-              <a:rPr lang="en-US" altLang="zh-CN" sz="2400" smtClean="0">
-                <a:latin typeface="华文中宋" panose="02010600040101010101" pitchFamily="2" charset="-122"/>
-                <a:ea typeface="华文中宋" panose="02010600040101010101" pitchFamily="2" charset="-122"/>
-              </a:rPr>
-              <a:t>Reactor </a:t>
-            </a:r>
-            <a:r>
-              <a:rPr lang="zh-CN" altLang="en-US" sz="2400" smtClean="0">
-                <a:latin typeface="华文中宋" panose="02010600040101010101" pitchFamily="2" charset="-122"/>
-                <a:ea typeface="华文中宋" panose="02010600040101010101" pitchFamily="2" charset="-122"/>
-              </a:rPr>
-              <a:t>模型</a:t>
-            </a:r>
-            <a:endParaRPr lang="zh-CN" altLang="en-US" sz="2400" dirty="0">
-              <a:latin typeface="华文中宋" panose="02010600040101010101" pitchFamily="2" charset="-122"/>
-              <a:ea typeface="华文中宋" panose="02010600040101010101" pitchFamily="2" charset="-122"/>
-            </a:endParaRPr>
-          </a:p>
-        </p:txBody>
-      </p:sp>
-      <p:sp>
-        <p:nvSpPr>
-          <p:cNvPr id="29" name="文本框 28">
-            <a:extLst>
-              <a:ext uri="{FF2B5EF4-FFF2-40B4-BE49-F238E27FC236}">
-                <a16:creationId xmlns:a16="http://schemas.microsoft.com/office/drawing/2014/main" xmlns="" id="{702BE785-F4A2-4751-9B5B-9D0686289990}"/>
-              </a:ext>
-            </a:extLst>
-          </p:cNvPr>
-          <p:cNvSpPr txBox="1"/>
-          <p:nvPr/>
-        </p:nvSpPr>
-        <p:spPr>
-          <a:xfrm>
-            <a:off x="2133596" y="5054474"/>
-            <a:ext cx="1588897" cy="461665"/>
-          </a:xfrm>
-          <a:prstGeom prst="rect">
-            <a:avLst/>
-          </a:prstGeom>
-          <a:noFill/>
-        </p:spPr>
-        <p:txBody>
-          <a:bodyPr wrap="none" rtlCol="0">
-            <a:spAutoFit/>
-          </a:bodyPr>
-          <a:lstStyle/>
-          <a:p>
-            <a:r>
-              <a:rPr lang="en-US" altLang="zh-CN" sz="2400" smtClean="0">
-                <a:latin typeface="华文中宋" panose="02010600040101010101" pitchFamily="2" charset="-122"/>
-                <a:ea typeface="华文中宋" panose="02010600040101010101" pitchFamily="2" charset="-122"/>
-              </a:rPr>
-              <a:t>Netty</a:t>
-            </a:r>
-            <a:r>
-              <a:rPr lang="zh-CN" altLang="en-US" sz="2400" smtClean="0">
-                <a:latin typeface="华文中宋" panose="02010600040101010101" pitchFamily="2" charset="-122"/>
-                <a:ea typeface="华文中宋" panose="02010600040101010101" pitchFamily="2" charset="-122"/>
-              </a:rPr>
-              <a:t>实战</a:t>
-            </a:r>
-            <a:endParaRPr lang="zh-CN" altLang="en-US" sz="2400" dirty="0">
-              <a:latin typeface="华文中宋" panose="02010600040101010101" pitchFamily="2" charset="-122"/>
-              <a:ea typeface="华文中宋" panose="02010600040101010101" pitchFamily="2" charset="-122"/>
-            </a:endParaRPr>
-          </a:p>
-        </p:txBody>
-      </p:sp>
-      <p:sp>
-        <p:nvSpPr>
-          <p:cNvPr id="13" name="椭圆 12">
-            <a:extLst>
-              <a:ext uri="{FF2B5EF4-FFF2-40B4-BE49-F238E27FC236}">
-                <a16:creationId xmlns:a16="http://schemas.microsoft.com/office/drawing/2014/main" xmlns="" id="{EBF22627-4B0D-4815-9CD7-70126627A3F2}"/>
-              </a:ext>
-            </a:extLst>
-          </p:cNvPr>
-          <p:cNvSpPr/>
-          <p:nvPr/>
-        </p:nvSpPr>
-        <p:spPr>
-          <a:xfrm>
-            <a:off x="1334891" y="5887370"/>
-            <a:ext cx="535711" cy="523323"/>
-          </a:xfrm>
-          <a:prstGeom prst="ellipse">
-            <a:avLst/>
-          </a:prstGeom>
-          <a:ln>
-            <a:noFill/>
-          </a:ln>
-        </p:spPr>
-        <p:style>
-          <a:lnRef idx="2">
-            <a:schemeClr val="accent1">
-              <a:shade val="50000"/>
-            </a:schemeClr>
-          </a:lnRef>
-          <a:fillRef idx="1">
-            <a:schemeClr val="accent1"/>
-          </a:fillRef>
-          <a:effectRef idx="0">
-            <a:schemeClr val="accent1"/>
-          </a:effectRef>
-          <a:fontRef idx="minor">
-            <a:schemeClr val="lt1"/>
-          </a:fontRef>
-        </p:style>
-        <p:txBody>
-          <a:bodyPr rtlCol="0" anchor="ctr"/>
-          <a:lstStyle/>
-          <a:p>
-            <a:pPr algn="ctr"/>
-            <a:r>
-              <a:rPr lang="en-US" altLang="zh-CN" sz="2800" smtClean="0">
-                <a:latin typeface="华文中宋" panose="02010600040101010101" pitchFamily="2" charset="-122"/>
-                <a:ea typeface="华文中宋" panose="02010600040101010101" pitchFamily="2" charset="-122"/>
-              </a:rPr>
-              <a:t>5</a:t>
-            </a:r>
-            <a:endParaRPr lang="zh-CN" altLang="en-US" sz="2800" dirty="0">
-              <a:latin typeface="华文中宋" panose="02010600040101010101" pitchFamily="2" charset="-122"/>
-              <a:ea typeface="华文中宋" panose="02010600040101010101" pitchFamily="2" charset="-122"/>
-            </a:endParaRPr>
-          </a:p>
-        </p:txBody>
-      </p:sp>
-      <p:sp>
-        <p:nvSpPr>
-          <p:cNvPr id="14" name="文本框 13">
-            <a:extLst>
-              <a:ext uri="{FF2B5EF4-FFF2-40B4-BE49-F238E27FC236}">
-                <a16:creationId xmlns:a16="http://schemas.microsoft.com/office/drawing/2014/main" xmlns="" id="{702BE785-F4A2-4751-9B5B-9D0686289990}"/>
-              </a:ext>
-            </a:extLst>
-          </p:cNvPr>
-          <p:cNvSpPr txBox="1"/>
-          <p:nvPr/>
-        </p:nvSpPr>
-        <p:spPr>
-          <a:xfrm>
-            <a:off x="2138455" y="5923240"/>
-            <a:ext cx="1415772" cy="461665"/>
-          </a:xfrm>
-          <a:prstGeom prst="rect">
-            <a:avLst/>
-          </a:prstGeom>
-          <a:noFill/>
-        </p:spPr>
-        <p:txBody>
-          <a:bodyPr wrap="none" rtlCol="0">
-            <a:spAutoFit/>
-          </a:bodyPr>
-          <a:lstStyle/>
-          <a:p>
-            <a:r>
-              <a:rPr lang="zh-CN" altLang="en-US" sz="2400" smtClean="0">
-                <a:latin typeface="华文中宋" panose="02010600040101010101" pitchFamily="2" charset="-122"/>
-                <a:ea typeface="华文中宋" panose="02010600040101010101" pitchFamily="2" charset="-122"/>
-              </a:rPr>
-              <a:t>扩展知识</a:t>
-            </a:r>
-            <a:endParaRPr lang="zh-CN" altLang="en-US" sz="2400" dirty="0">
-              <a:latin typeface="华文中宋" panose="02010600040101010101" pitchFamily="2" charset="-122"/>
-              <a:ea typeface="华文中宋" panose="02010600040101010101" pitchFamily="2" charset="-122"/>
-            </a:endParaRPr>
-          </a:p>
-        </p:txBody>
-      </p:sp>
-    </p:spTree>
-    <p:extLst>
-      <p:ext uri="{BB962C8B-B14F-4D97-AF65-F5344CB8AC3E}">
-        <p14:creationId xmlns:p14="http://schemas.microsoft.com/office/powerpoint/2010/main" val="333478848"/>
-      </p:ext>
-    </p:extLst>
-  </p:cSld>
-  <p:clrMapOvr>
-    <a:masterClrMapping/>
-  </p:clrMapOvr>
-  <p:transition spd="slow">
-    <p:push dir="u"/>
-  </p:transition>
-  <p:timing>
-    <p:tnLst>
-      <p:par>
-        <p:cTn id="1" dur="indefinite" restart="never" nodeType="tmRoot"/>
-      </p:par>
-    </p:tnLst>
-  </p:timing>
-</p:sld>
-</file>
-
-<file path=ppt/slides/slide20.xml><?xml version="1.0" encoding="utf-8"?>
-<p:sld xmlns:a="http://schemas.openxmlformats.org/drawingml/2006/main" xmlns:r="http://schemas.openxmlformats.org/officeDocument/2006/relationships" xmlns:p="http://schemas.openxmlformats.org/presentationml/2006/main">
-  <p:cSld>
-    <p:spTree>
-      <p:nvGrpSpPr>
-        <p:cNvPr id="1" name=""/>
-        <p:cNvGrpSpPr/>
-        <p:nvPr/>
-      </p:nvGrpSpPr>
-      <p:grpSpPr>
-        <a:xfrm>
-          <a:off x="0" y="0"/>
-          <a:ext cx="0" cy="0"/>
-          <a:chOff x="0" y="0"/>
-          <a:chExt cx="0" cy="0"/>
-        </a:xfrm>
-      </p:grpSpPr>
-      <p:sp>
-        <p:nvSpPr>
-          <p:cNvPr id="5" name="灯片编号占位符 4"/>
-          <p:cNvSpPr>
-            <a:spLocks noGrp="1"/>
-          </p:cNvSpPr>
-          <p:nvPr>
-            <p:ph type="sldNum" sz="quarter" idx="12"/>
-          </p:nvPr>
-        </p:nvSpPr>
-        <p:spPr/>
-        <p:txBody>
-          <a:bodyPr/>
-          <a:lstStyle/>
-          <a:p>
-            <a:fld id="{CAB00AE0-F9D8-440E-9745-FF83361FB695}" type="slidenum">
-              <a:rPr lang="zh-CN" altLang="en-US" smtClean="0">
-                <a:solidFill>
-                  <a:schemeClr val="bg1"/>
-                </a:solidFill>
-              </a:rPr>
-              <a:t>20</a:t>
-            </a:fld>
-            <a:endParaRPr lang="zh-CN" altLang="en-US">
-              <a:solidFill>
-                <a:schemeClr val="bg1"/>
-              </a:solidFill>
-            </a:endParaRPr>
-          </a:p>
-        </p:txBody>
-      </p:sp>
-      <p:sp>
-        <p:nvSpPr>
-          <p:cNvPr id="2" name="日期占位符 1"/>
-          <p:cNvSpPr>
-            <a:spLocks noGrp="1"/>
-          </p:cNvSpPr>
-          <p:nvPr>
-            <p:ph type="dt" sz="half" idx="4294967295"/>
-          </p:nvPr>
-        </p:nvSpPr>
-        <p:spPr>
-          <a:xfrm>
-            <a:off x="0" y="6356350"/>
-            <a:ext cx="2743200" cy="365125"/>
-          </a:xfrm>
-        </p:spPr>
-        <p:txBody>
-          <a:bodyPr/>
-          <a:lstStyle/>
-          <a:p>
-            <a:fld id="{4DD7D674-A4F1-4214-93F1-F09A6F4FBB89}" type="datetime1">
-              <a:rPr lang="zh-CN" altLang="en-US" smtClean="0">
-                <a:solidFill>
-                  <a:schemeClr val="bg1"/>
-                </a:solidFill>
-              </a:rPr>
-              <a:t>2021/2/11</a:t>
-            </a:fld>
-            <a:endParaRPr lang="zh-CN" altLang="en-US" dirty="0">
-              <a:solidFill>
-                <a:schemeClr val="bg1"/>
-              </a:solidFill>
-            </a:endParaRPr>
-          </a:p>
-        </p:txBody>
-      </p:sp>
-    </p:spTree>
-    <p:extLst>
-      <p:ext uri="{BB962C8B-B14F-4D97-AF65-F5344CB8AC3E}">
-        <p14:creationId xmlns:p14="http://schemas.microsoft.com/office/powerpoint/2010/main" val="2579901582"/>
-      </p:ext>
-    </p:extLst>
-  </p:cSld>
-  <p:clrMapOvr>
-    <a:masterClrMapping/>
-  </p:clrMapOvr>
-  <p:transition spd="slow">
-    <p:push dir="u"/>
-  </p:transition>
-  <p:timing>
-    <p:tnLst>
-      <p:par>
-        <p:cTn id="1" dur="indefinite" restart="never" nodeType="tmRoot"/>
-      </p:par>
-    </p:tnLst>
-  </p:timing>
-</p:sld>
-</file>
-
-<file path=ppt/slides/slide3.xml><?xml version="1.0" encoding="utf-8"?>
-<p:sld xmlns:a="http://schemas.openxmlformats.org/drawingml/2006/main" xmlns:r="http://schemas.openxmlformats.org/officeDocument/2006/relationships" xmlns:p="http://schemas.openxmlformats.org/presentationml/2006/main">
-  <p:cSld>
-    <p:spTree>
-      <p:nvGrpSpPr>
-        <p:cNvPr id="1" name=""/>
-        <p:cNvGrpSpPr/>
-        <p:nvPr/>
-      </p:nvGrpSpPr>
-      <p:grpSpPr>
-        <a:xfrm>
-          <a:off x="0" y="0"/>
-          <a:ext cx="0" cy="0"/>
-          <a:chOff x="0" y="0"/>
-          <a:chExt cx="0" cy="0"/>
-        </a:xfrm>
-      </p:grpSpPr>
-      <p:sp>
-        <p:nvSpPr>
-          <p:cNvPr id="7" name="灯片编号占位符 6"/>
-          <p:cNvSpPr>
-            <a:spLocks noGrp="1"/>
-          </p:cNvSpPr>
-          <p:nvPr>
-            <p:ph type="sldNum" sz="quarter" idx="12"/>
-          </p:nvPr>
-        </p:nvSpPr>
-        <p:spPr/>
-        <p:txBody>
-          <a:bodyPr/>
-          <a:lstStyle/>
-          <a:p>
-            <a:fld id="{CAB00AE0-F9D8-440E-9745-FF83361FB695}" type="slidenum">
-              <a:rPr lang="zh-CN" altLang="en-US" smtClean="0">
-                <a:solidFill>
-                  <a:srgbClr val="BDBDBD"/>
-                </a:solidFill>
-              </a:rPr>
-              <a:pPr/>
-              <a:t>3</a:t>
-            </a:fld>
-            <a:endParaRPr lang="zh-CN" altLang="en-US">
-              <a:solidFill>
-                <a:srgbClr val="BDBDBD"/>
-              </a:solidFill>
-            </a:endParaRPr>
-          </a:p>
-        </p:txBody>
-      </p:sp>
-      <p:grpSp>
-        <p:nvGrpSpPr>
-          <p:cNvPr id="8" name="组合 7"/>
-          <p:cNvGrpSpPr/>
-          <p:nvPr/>
-        </p:nvGrpSpPr>
-        <p:grpSpPr>
-          <a:xfrm>
-            <a:off x="1165600" y="3771624"/>
-            <a:ext cx="81309" cy="1898844"/>
-            <a:chOff x="405183" y="3029417"/>
-            <a:chExt cx="82133" cy="1730208"/>
-          </a:xfrm>
-        </p:grpSpPr>
-        <p:sp>
-          <p:nvSpPr>
-            <p:cNvPr id="9" name="圆角矩形 8"/>
-            <p:cNvSpPr/>
-            <p:nvPr userDrawn="1"/>
-          </p:nvSpPr>
-          <p:spPr>
-            <a:xfrm>
-              <a:off x="405183" y="3029417"/>
-              <a:ext cx="82132" cy="1500273"/>
-            </a:xfrm>
-            <a:prstGeom prst="roundRect">
-              <a:avLst>
-                <a:gd name="adj" fmla="val 50000"/>
-              </a:avLst>
-            </a:prstGeom>
-            <a:solidFill>
-              <a:srgbClr val="04A8FA"/>
-            </a:solidFill>
-            <a:ln>
-              <a:noFill/>
-            </a:ln>
-          </p:spPr>
-          <p:style>
-            <a:lnRef idx="2">
-              <a:schemeClr val="accent1">
-                <a:shade val="50000"/>
-              </a:schemeClr>
-            </a:lnRef>
-            <a:fillRef idx="1">
-              <a:schemeClr val="accent1"/>
-            </a:fillRef>
-            <a:effectRef idx="0">
-              <a:schemeClr val="accent1"/>
-            </a:effectRef>
-            <a:fontRef idx="minor">
-              <a:schemeClr val="lt1"/>
-            </a:fontRef>
-          </p:style>
-          <p:txBody>
-            <a:bodyPr rtlCol="0" anchor="ctr"/>
-            <a:lstStyle/>
-            <a:p>
-              <a:pPr algn="ctr"/>
-              <a:endParaRPr lang="zh-CN" altLang="en-US"/>
-            </a:p>
-          </p:txBody>
-        </p:sp>
-        <p:sp>
-          <p:nvSpPr>
-            <p:cNvPr id="10" name="圆角矩形 9"/>
-            <p:cNvSpPr/>
-            <p:nvPr userDrawn="1"/>
-          </p:nvSpPr>
-          <p:spPr>
-            <a:xfrm>
-              <a:off x="405184" y="4297160"/>
-              <a:ext cx="82132" cy="462465"/>
-            </a:xfrm>
-            <a:prstGeom prst="roundRect">
-              <a:avLst>
-                <a:gd name="adj" fmla="val 50000"/>
-              </a:avLst>
-            </a:prstGeom>
-            <a:solidFill>
-              <a:srgbClr val="FCC716"/>
-            </a:solidFill>
-            <a:ln>
-              <a:noFill/>
-            </a:ln>
-          </p:spPr>
-          <p:style>
-            <a:lnRef idx="2">
-              <a:schemeClr val="accent1">
-                <a:shade val="50000"/>
-              </a:schemeClr>
-            </a:lnRef>
-            <a:fillRef idx="1">
-              <a:schemeClr val="accent1"/>
-            </a:fillRef>
-            <a:effectRef idx="0">
-              <a:schemeClr val="accent1"/>
-            </a:effectRef>
-            <a:fontRef idx="minor">
-              <a:schemeClr val="lt1"/>
-            </a:fontRef>
-          </p:style>
-          <p:txBody>
-            <a:bodyPr rtlCol="0" anchor="ctr"/>
-            <a:lstStyle/>
-            <a:p>
-              <a:pPr algn="ctr"/>
-              <a:endParaRPr lang="zh-CN" altLang="en-US"/>
-            </a:p>
-          </p:txBody>
-        </p:sp>
-      </p:grpSp>
-      <p:pic>
-        <p:nvPicPr>
-          <p:cNvPr id="11" name="图片 10"/>
-          <p:cNvPicPr>
-            <a:picLocks noChangeAspect="1"/>
-          </p:cNvPicPr>
-          <p:nvPr/>
-        </p:nvPicPr>
-        <p:blipFill rotWithShape="1">
-          <a:blip r:embed="rId2" cstate="print">
-            <a:extLst>
-              <a:ext uri="{28A0092B-C50C-407E-A947-70E740481C1C}">
-                <a14:useLocalDpi xmlns:a14="http://schemas.microsoft.com/office/drawing/2010/main" val="0"/>
-              </a:ext>
-            </a:extLst>
-          </a:blip>
-          <a:srcRect t="46436"/>
-          <a:stretch/>
-        </p:blipFill>
-        <p:spPr>
-          <a:xfrm>
-            <a:off x="0" y="-5938"/>
-            <a:ext cx="12192000" cy="3487308"/>
-          </a:xfrm>
-          <a:prstGeom prst="rect">
-            <a:avLst/>
-          </a:prstGeom>
-        </p:spPr>
-      </p:pic>
-      <p:pic>
-        <p:nvPicPr>
-          <p:cNvPr id="6" name="图片 5"/>
-          <p:cNvPicPr>
-            <a:picLocks noChangeAspect="1"/>
-          </p:cNvPicPr>
-          <p:nvPr/>
-        </p:nvPicPr>
-        <p:blipFill>
-          <a:blip r:embed="rId3" cstate="print">
-            <a:extLst>
-              <a:ext uri="{28A0092B-C50C-407E-A947-70E740481C1C}">
-                <a14:useLocalDpi xmlns:a14="http://schemas.microsoft.com/office/drawing/2010/main" val="0"/>
-              </a:ext>
-            </a:extLst>
-          </a:blip>
-          <a:stretch>
-            <a:fillRect/>
-          </a:stretch>
-        </p:blipFill>
-        <p:spPr>
-          <a:xfrm>
-            <a:off x="7399570" y="2001424"/>
-            <a:ext cx="3599695" cy="3243079"/>
-          </a:xfrm>
-          <a:prstGeom prst="rect">
-            <a:avLst/>
-          </a:prstGeom>
-        </p:spPr>
-      </p:pic>
-      <p:sp>
-        <p:nvSpPr>
-          <p:cNvPr id="12" name="文本框 11"/>
-          <p:cNvSpPr txBox="1"/>
-          <p:nvPr/>
-        </p:nvSpPr>
-        <p:spPr>
-          <a:xfrm>
-            <a:off x="8587711" y="2819650"/>
-            <a:ext cx="1223412" cy="1323439"/>
-          </a:xfrm>
-          <a:prstGeom prst="rect">
-            <a:avLst/>
-          </a:prstGeom>
-          <a:noFill/>
-        </p:spPr>
-        <p:txBody>
-          <a:bodyPr wrap="none" rtlCol="0">
-            <a:spAutoFit/>
-          </a:bodyPr>
-          <a:lstStyle/>
-          <a:p>
-            <a:r>
-              <a:rPr lang="en-US" altLang="zh-CN" sz="8000" b="1" dirty="0">
-                <a:solidFill>
-                  <a:schemeClr val="bg1"/>
-                </a:solidFill>
-              </a:rPr>
               <a:t>01</a:t>
             </a:r>
             <a:endParaRPr lang="zh-CN" altLang="en-US" sz="8000" b="1" dirty="0">
@@ -13977,28 +16185,28 @@
           <a:lstStyle/>
           <a:p>
             <a:r>
-              <a:rPr lang="en-US" altLang="zh-CN" sz="3600" smtClean="0">
+              <a:rPr lang="en-US" altLang="zh-CN" sz="3600" dirty="0" smtClean="0">
                 <a:latin typeface="华文中宋" panose="02010600040101010101" pitchFamily="2" charset="-122"/>
                 <a:ea typeface="华文中宋" panose="02010600040101010101" pitchFamily="2" charset="-122"/>
               </a:rPr>
               <a:t>BIO/NIO</a:t>
             </a:r>
             <a:r>
-              <a:rPr lang="en-US" altLang="zh-CN" sz="4000" smtClean="0">
+              <a:rPr lang="en-US" altLang="zh-CN" sz="4000" dirty="0" smtClean="0">
                 <a:latin typeface="华文中宋" panose="02010600040101010101" pitchFamily="2" charset="-122"/>
                 <a:ea typeface="华文中宋" panose="02010600040101010101" pitchFamily="2" charset="-122"/>
               </a:rPr>
               <a:t>/</a:t>
             </a:r>
             <a:r>
-              <a:rPr lang="zh-CN" altLang="en-US" sz="4000" smtClean="0">
+              <a:rPr lang="zh-CN" altLang="en-US" sz="4000" dirty="0" smtClean="0">
                 <a:latin typeface="华文中宋" panose="02010600040101010101" pitchFamily="2" charset="-122"/>
                 <a:ea typeface="华文中宋" panose="02010600040101010101" pitchFamily="2" charset="-122"/>
               </a:rPr>
               <a:t>事件驱动</a:t>
             </a:r>
             <a:r>
-              <a:rPr lang="en-US" altLang="zh-CN" sz="4000" smtClean="0">
+              <a:rPr lang="en-US" altLang="zh-CN" sz="4000" dirty="0" smtClean="0">
                 <a:latin typeface="华文中宋" panose="02010600040101010101" pitchFamily="2" charset="-122"/>
                 <a:ea typeface="华文中宋" panose="02010600040101010101" pitchFamily="2" charset="-122"/>
               </a:rPr>
@@ -14634,7 +16842,7 @@
           <p:cNvPr id="29" name="文本框 28">
             <a:extLst>
               <a:ext uri="{FF2B5EF4-FFF2-40B4-BE49-F238E27FC236}">
-                <a16:creationId xmlns:a16="http://schemas.microsoft.com/office/drawing/2014/main" xmlns="" id="{C48D4BC0-0C46-4694-80B9-FCDFE5F4C3B5}"/>
+                <a16:creationId xmlns="" xmlns:a16="http://schemas.microsoft.com/office/drawing/2014/main" id="{C48D4BC0-0C46-4694-80B9-FCDFE5F4C3B5}"/>
               </a:ext>
             </a:extLst>
           </p:cNvPr>
@@ -14747,10 +16955,6 @@
               </a:rPr>
               <a:t>IO </a:t>
             </a:r>
-            <a:endParaRPr lang="en-US" altLang="zh-CN" smtClean="0">
-              <a:latin typeface="+mj-ea"/>
-              <a:ea typeface="+mj-ea"/>
-            </a:endParaRPr>
           </a:p>
           <a:p>
             <a:pPr>
@@ -14891,166 +17095,154 @@
               <a:rPr lang="zh-CN" altLang="en-US" smtClean="0">
                 <a:latin typeface="宋体 (正文)"/>
               </a:rPr>
-              <a:t>以</a:t>
+              <a:t>以一次</a:t>
+            </a:r>
+            <a:r>
+              <a:rPr lang="en-US" altLang="zh-CN" smtClean="0">
+                <a:latin typeface="宋体 (正文)"/>
+              </a:rPr>
+              <a:t>network </a:t>
+            </a:r>
+            <a:r>
+              <a:rPr lang="en-US" altLang="zh-CN">
+                <a:latin typeface="宋体 (正文)"/>
+              </a:rPr>
+              <a:t>IO </a:t>
             </a:r>
             <a:r>
               <a:rPr lang="zh-CN" altLang="en-US" smtClean="0">
                 <a:latin typeface="宋体 (正文)"/>
               </a:rPr>
-              <a:t>一次</a:t>
+              <a:t>为例，</a:t>
+            </a:r>
+            <a:r>
+              <a:rPr lang="zh-CN" altLang="en-US">
+                <a:latin typeface="宋体 (正文)"/>
+              </a:rPr>
+              <a:t>它会涉及到两个系统对象，一个是调用这个</a:t>
+            </a:r>
+            <a:r>
+              <a:rPr lang="en-US" altLang="zh-CN">
+                <a:latin typeface="宋体 (正文)"/>
+              </a:rPr>
+              <a:t>IO</a:t>
+            </a:r>
+            <a:r>
+              <a:rPr lang="zh-CN" altLang="en-US">
+                <a:latin typeface="宋体 (正文)"/>
+              </a:rPr>
+              <a:t>的</a:t>
+            </a:r>
+            <a:r>
+              <a:rPr lang="en-US" altLang="zh-CN">
+                <a:latin typeface="宋体 (正文)"/>
+              </a:rPr>
+              <a:t>process (or thread)</a:t>
+            </a:r>
+            <a:r>
+              <a:rPr lang="zh-CN" altLang="en-US">
+                <a:latin typeface="宋体 (正文)"/>
+              </a:rPr>
+              <a:t>，另一个就是系统内核</a:t>
             </a:r>
             <a:r>
               <a:rPr lang="en-US" altLang="zh-CN" smtClean="0">
                 <a:latin typeface="宋体 (正文)"/>
               </a:rPr>
-              <a:t>network </a:t>
+              <a:t>(linux-&gt;kernel</a:t>
             </a:r>
             <a:r>
               <a:rPr lang="en-US" altLang="zh-CN">
                 <a:latin typeface="宋体 (正文)"/>
               </a:rPr>
-              <a:t>IO </a:t>
+              <a:t>)</a:t>
+            </a:r>
+            <a:r>
+              <a:rPr lang="zh-CN" altLang="en-US">
+                <a:latin typeface="宋体 (正文)"/>
+              </a:rPr>
+              <a:t>。当一个</a:t>
+            </a:r>
+            <a:r>
+              <a:rPr lang="en-US" altLang="zh-CN">
+                <a:latin typeface="宋体 (正文)"/>
+              </a:rPr>
+              <a:t>read</a:t>
+            </a:r>
+            <a:r>
+              <a:rPr lang="zh-CN" altLang="en-US">
+                <a:latin typeface="宋体 (正文)"/>
+              </a:rPr>
+              <a:t>操作发生时，它会经历两个阶段：</a:t>
+            </a:r>
+          </a:p>
+          <a:p>
+            <a:pPr indent="457200"/>
+            <a:r>
+              <a:rPr lang="en-US" altLang="zh-CN" smtClean="0">
+                <a:latin typeface="宋体 (正文)"/>
+              </a:rPr>
+              <a:t>1 </a:t>
             </a:r>
             <a:r>
               <a:rPr lang="zh-CN" altLang="en-US" smtClean="0">
                 <a:latin typeface="宋体 (正文)"/>
               </a:rPr>
-              <a:t>为例，</a:t>
+              <a:t>、等待</a:t>
             </a:r>
             <a:r>
               <a:rPr lang="zh-CN" altLang="en-US">
                 <a:latin typeface="宋体 (正文)"/>
               </a:rPr>
-              <a:t>它会涉及到两个系统对象，一个是调用这个</a:t>
+              <a:t>数据准备 </a:t>
             </a:r>
             <a:r>
               <a:rPr lang="en-US" altLang="zh-CN">
                 <a:latin typeface="宋体 (正文)"/>
               </a:rPr>
-              <a:t>IO</a:t>
+              <a:t>(Waiting for the data to be ready)</a:t>
+            </a:r>
+          </a:p>
+          <a:p>
+            <a:pPr indent="457200"/>
+            <a:r>
+              <a:rPr lang="en-US" altLang="zh-CN" smtClean="0">
+                <a:latin typeface="宋体 (正文)"/>
+              </a:rPr>
+              <a:t>2 </a:t>
+            </a:r>
+            <a:r>
+              <a:rPr lang="zh-CN" altLang="en-US" smtClean="0">
+                <a:latin typeface="宋体 (正文)"/>
+              </a:rPr>
+              <a:t>、将</a:t>
             </a:r>
             <a:r>
               <a:rPr lang="zh-CN" altLang="en-US">
                 <a:latin typeface="宋体 (正文)"/>
               </a:rPr>
-              <a:t>的</a:t>
+              <a:t>数据从内核拷贝到进程中 </a:t>
             </a:r>
             <a:r>
               <a:rPr lang="en-US" altLang="zh-CN">
                 <a:latin typeface="宋体 (正文)"/>
               </a:rPr>
-              <a:t>process (or thread)</a:t>
-            </a:r>
-            <a:r>
-              <a:rPr lang="zh-CN" altLang="en-US">
-                <a:latin typeface="宋体 (正文)"/>
-              </a:rPr>
-              <a:t>，另一个就是系统内核</a:t>
+              <a:t>(Copying the data from the kernel to the process</a:t>
             </a:r>
             <a:r>
               <a:rPr lang="en-US" altLang="zh-CN" smtClean="0">
                 <a:latin typeface="宋体 (正文)"/>
               </a:rPr>
-              <a:t>(linux-&gt;kernel</a:t>
-            </a:r>
-            <a:r>
-              <a:rPr lang="en-US" altLang="zh-CN">
-                <a:latin typeface="宋体 (正文)"/>
-              </a:rPr>
               <a:t>)</a:t>
             </a:r>
-            <a:r>
-              <a:rPr lang="zh-CN" altLang="en-US">
-                <a:latin typeface="宋体 (正文)"/>
-              </a:rPr>
-              <a:t>。当一个</a:t>
-            </a:r>
-            <a:r>
-              <a:rPr lang="en-US" altLang="zh-CN">
-                <a:latin typeface="宋体 (正文)"/>
-              </a:rPr>
-              <a:t>read</a:t>
-            </a:r>
-            <a:r>
-              <a:rPr lang="zh-CN" altLang="en-US">
-                <a:latin typeface="宋体 (正文)"/>
-              </a:rPr>
-              <a:t>操作发生时，它会经历两个阶段：</a:t>
-            </a:r>
           </a:p>
           <a:p>
             <a:pPr indent="457200"/>
-            <a:r>
-              <a:rPr lang="en-US" altLang="zh-CN" smtClean="0">
-                <a:latin typeface="宋体 (正文)"/>
-              </a:rPr>
-              <a:t>1 </a:t>
-            </a:r>
             <a:r>
               <a:rPr lang="zh-CN" altLang="en-US" smtClean="0">
                 <a:latin typeface="宋体 (正文)"/>
               </a:rPr>
-              <a:t>、等待</a:t>
-            </a:r>
-            <a:r>
-              <a:rPr lang="zh-CN" altLang="en-US">
-                <a:latin typeface="宋体 (正文)"/>
-              </a:rPr>
-              <a:t>数据准备 </a:t>
-            </a:r>
-            <a:r>
-              <a:rPr lang="en-US" altLang="zh-CN">
-                <a:latin typeface="宋体 (正文)"/>
-              </a:rPr>
-              <a:t>(Waiting for the data to be ready)</a:t>
-            </a:r>
-          </a:p>
-          <a:p>
-            <a:pPr indent="457200"/>
-            <a:r>
-              <a:rPr lang="en-US" altLang="zh-CN" smtClean="0">
-                <a:latin typeface="宋体 (正文)"/>
-              </a:rPr>
-              <a:t>2 </a:t>
-            </a:r>
-            <a:r>
-              <a:rPr lang="zh-CN" altLang="en-US" smtClean="0">
-                <a:latin typeface="宋体 (正文)"/>
-              </a:rPr>
-              <a:t>、将</a:t>
-            </a:r>
-            <a:r>
-              <a:rPr lang="zh-CN" altLang="en-US">
-                <a:latin typeface="宋体 (正文)"/>
-              </a:rPr>
-              <a:t>数据从内核拷贝到进程中 </a:t>
-            </a:r>
-            <a:r>
-              <a:rPr lang="en-US" altLang="zh-CN">
-                <a:latin typeface="宋体 (正文)"/>
-              </a:rPr>
-              <a:t>(Copying the data from the kernel to the process</a:t>
-            </a:r>
-            <a:r>
-              <a:rPr lang="en-US" altLang="zh-CN" smtClean="0">
-                <a:latin typeface="宋体 (正文)"/>
-              </a:rPr>
-              <a:t>)</a:t>
-            </a:r>
-          </a:p>
-          <a:p>
-            <a:pPr indent="457200"/>
-            <a:r>
-              <a:rPr lang="zh-CN" altLang="en-US" smtClean="0">
-                <a:latin typeface="宋体 (正文)"/>
-              </a:rPr>
-              <a:t>而</a:t>
-            </a:r>
-            <a:r>
-              <a:rPr lang="zh-CN" altLang="en-US" smtClean="0">
-                <a:latin typeface="宋体 (正文)"/>
-              </a:rPr>
-              <a:t>这些 </a:t>
+              <a:t>而这些 </a:t>
             </a:r>
             <a:r>
               <a:rPr lang="en-US" altLang="zh-CN" smtClean="0">
@@ -15655,7 +17847,7 @@
           <p:cNvPr id="29" name="文本框 28">
             <a:extLst>
               <a:ext uri="{FF2B5EF4-FFF2-40B4-BE49-F238E27FC236}">
-                <a16:creationId xmlns:a16="http://schemas.microsoft.com/office/drawing/2014/main" xmlns="" id="{C48D4BC0-0C46-4694-80B9-FCDFE5F4C3B5}"/>
+                <a16:creationId xmlns="" xmlns:a16="http://schemas.microsoft.com/office/drawing/2014/main" id="{C48D4BC0-0C46-4694-80B9-FCDFE5F4C3B5}"/>
               </a:ext>
             </a:extLst>
           </p:cNvPr>
@@ -15695,7 +17887,7 @@
           <p:cNvPr id="30" name="箭头: 五边形 29">
             <a:extLst>
               <a:ext uri="{FF2B5EF4-FFF2-40B4-BE49-F238E27FC236}">
-                <a16:creationId xmlns:a16="http://schemas.microsoft.com/office/drawing/2014/main" xmlns="" id="{DAB6CC48-B0D6-471B-B188-D7433129D682}"/>
+                <a16:creationId xmlns="" xmlns:a16="http://schemas.microsoft.com/office/drawing/2014/main" id="{DAB6CC48-B0D6-471B-B188-D7433129D682}"/>
               </a:ext>
             </a:extLst>
           </p:cNvPr>
@@ -16374,7 +18566,7 @@
           <p:cNvPr id="29" name="文本框 28">
             <a:extLst>
               <a:ext uri="{FF2B5EF4-FFF2-40B4-BE49-F238E27FC236}">
-                <a16:creationId xmlns:a16="http://schemas.microsoft.com/office/drawing/2014/main" xmlns="" id="{C48D4BC0-0C46-4694-80B9-FCDFE5F4C3B5}"/>
+                <a16:creationId xmlns="" xmlns:a16="http://schemas.microsoft.com/office/drawing/2014/main" id="{C48D4BC0-0C46-4694-80B9-FCDFE5F4C3B5}"/>
               </a:ext>
             </a:extLst>
           </p:cNvPr>
@@ -16414,7 +18606,7 @@
           <p:cNvPr id="30" name="箭头: 五边形 29">
             <a:extLst>
               <a:ext uri="{FF2B5EF4-FFF2-40B4-BE49-F238E27FC236}">
-                <a16:creationId xmlns:a16="http://schemas.microsoft.com/office/drawing/2014/main" xmlns="" id="{DAB6CC48-B0D6-471B-B188-D7433129D682}"/>
+                <a16:creationId xmlns="" xmlns:a16="http://schemas.microsoft.com/office/drawing/2014/main" id="{DAB6CC48-B0D6-471B-B188-D7433129D682}"/>
               </a:ext>
             </a:extLst>
           </p:cNvPr>
@@ -17093,7 +19285,7 @@
           <p:cNvPr id="29" name="文本框 28">
             <a:extLst>
               <a:ext uri="{FF2B5EF4-FFF2-40B4-BE49-F238E27FC236}">
-                <a16:creationId xmlns:a16="http://schemas.microsoft.com/office/drawing/2014/main" xmlns="" id="{C48D4BC0-0C46-4694-80B9-FCDFE5F4C3B5}"/>
+                <a16:creationId xmlns="" xmlns:a16="http://schemas.microsoft.com/office/drawing/2014/main" id="{C48D4BC0-0C46-4694-80B9-FCDFE5F4C3B5}"/>
               </a:ext>
             </a:extLst>
           </p:cNvPr>
@@ -17133,7 +19325,7 @@
           <p:cNvPr id="30" name="箭头: 五边形 29">
             <a:extLst>
               <a:ext uri="{FF2B5EF4-FFF2-40B4-BE49-F238E27FC236}">
-                <a16:creationId xmlns:a16="http://schemas.microsoft.com/office/drawing/2014/main" xmlns="" id="{DAB6CC48-B0D6-471B-B188-D7433129D682}"/>
+                <a16:creationId xmlns="" xmlns:a16="http://schemas.microsoft.com/office/drawing/2014/main" id="{DAB6CC48-B0D6-471B-B188-D7433129D682}"/>
               </a:ext>
             </a:extLst>
           </p:cNvPr>
@@ -17812,7 +20004,7 @@
           <p:cNvPr id="29" name="文本框 28">
             <a:extLst>
               <a:ext uri="{FF2B5EF4-FFF2-40B4-BE49-F238E27FC236}">
-                <a16:creationId xmlns:a16="http://schemas.microsoft.com/office/drawing/2014/main" xmlns="" id="{C48D4BC0-0C46-4694-80B9-FCDFE5F4C3B5}"/>
+                <a16:creationId xmlns="" xmlns:a16="http://schemas.microsoft.com/office/drawing/2014/main" id="{C48D4BC0-0C46-4694-80B9-FCDFE5F4C3B5}"/>
               </a:ext>
             </a:extLst>
           </p:cNvPr>
@@ -17852,7 +20044,7 @@
           <p:cNvPr id="30" name="箭头: 五边形 29">
             <a:extLst>
               <a:ext uri="{FF2B5EF4-FFF2-40B4-BE49-F238E27FC236}">
-                <a16:creationId xmlns:a16="http://schemas.microsoft.com/office/drawing/2014/main" xmlns="" id="{DAB6CC48-B0D6-471B-B188-D7433129D682}"/>
+                <a16:creationId xmlns="" xmlns:a16="http://schemas.microsoft.com/office/drawing/2014/main" id="{DAB6CC48-B0D6-471B-B188-D7433129D682}"/>
               </a:ext>
             </a:extLst>
           </p:cNvPr>
@@ -18420,7 +20612,7 @@
     </a:clrScheme>
     <a:fontScheme name="Office">
       <a:majorFont>
-        <a:latin typeface="Calibri Light" panose="020F0302020204030204"/>
+        <a:latin typeface="Calibri Light"/>
         <a:ea typeface=""/>
         <a:cs typeface=""/>
         <a:font script="Jpan" typeface="ＭＳ Ｐゴシック"/>
@@ -18455,7 +20647,7 @@
         <a:font script="Geor" typeface="Sylfaen"/>
       </a:majorFont>
       <a:minorFont>
-        <a:latin typeface="Calibri" panose="020F0502020204030204"/>
+        <a:latin typeface="Calibri"/>
         <a:ea typeface=""/>
         <a:cs typeface=""/>
         <a:font script="Jpan" typeface="ＭＳ Ｐゴシック"/>
@@ -18632,7 +20824,7 @@
   <a:extraClrSchemeLst/>
   <a:extLst>
     <a:ext uri="{05A4C25C-085E-4340-85A3-A5531E510DB2}">
-      <thm15:themeFamily xmlns:thm15="http://schemas.microsoft.com/office/thememl/2012/main" name="Office Theme" id="{62F939B6-93AF-4DB8-9C6B-D6C7DFDC589F}" vid="{4A3C46E8-61CC-4603-A589-7422A47A8E4A}"/>
+      <thm15:themeFamily xmlns:thm15="http://schemas.microsoft.com/office/thememl/2012/main" xmlns="" name="Office Theme" id="{62F939B6-93AF-4DB8-9C6B-D6C7DFDC589F}" vid="{4A3C46E8-61CC-4603-A589-7422A47A8E4A}"/>
     </a:ext>
   </a:extLst>
 </a:theme>
@@ -18681,7 +20873,7 @@
     </a:clrScheme>
     <a:fontScheme name="Office">
       <a:majorFont>
-        <a:latin typeface="Calibri Light" panose="020F0302020204030204"/>
+        <a:latin typeface="Calibri Light"/>
         <a:ea typeface=""/>
         <a:cs typeface=""/>
         <a:font script="Jpan" typeface="ＭＳ Ｐゴシック"/>
@@ -18716,7 +20908,7 @@
         <a:font script="Geor" typeface="Sylfaen"/>
       </a:majorFont>
       <a:minorFont>
-        <a:latin typeface="Calibri" panose="020F0502020204030204"/>
+        <a:latin typeface="Calibri"/>
         <a:ea typeface=""/>
         <a:cs typeface=""/>
         <a:font script="Jpan" typeface="ＭＳ Ｐゴシック"/>
@@ -18893,7 +21085,7 @@
   <a:extraClrSchemeLst/>
   <a:extLst>
     <a:ext uri="{05A4C25C-085E-4340-85A3-A5531E510DB2}">
-      <thm15:themeFamily xmlns:thm15="http://schemas.microsoft.com/office/thememl/2012/main" name="Office Theme" id="{62F939B6-93AF-4DB8-9C6B-D6C7DFDC589F}" vid="{4A3C46E8-61CC-4603-A589-7422A47A8E4A}"/>
+      <thm15:themeFamily xmlns:thm15="http://schemas.microsoft.com/office/thememl/2012/main" xmlns="" name="Office Theme" id="{62F939B6-93AF-4DB8-9C6B-D6C7DFDC589F}" vid="{4A3C46E8-61CC-4603-A589-7422A47A8E4A}"/>
     </a:ext>
   </a:extLst>
 </a:theme>

--- a/ppt/NIO&NETTY初窥.pptx
+++ b/ppt/NIO&NETTY初窥.pptx
@@ -1,35 +1,37 @@
 
 <file path=ppt/presentation.xml><?xml version="1.0" encoding="utf-8"?>
-<p:presentation xmlns:a="http://schemas.openxmlformats.org/drawingml/2006/main" xmlns:r="http://schemas.openxmlformats.org/officeDocument/2006/relationships" xmlns:p="http://schemas.openxmlformats.org/presentationml/2006/main" saveSubsetFonts="1">
+<p:presentation xmlns:a="http://schemas.openxmlformats.org/drawingml/2006/main" xmlns:r="http://schemas.openxmlformats.org/officeDocument/2006/relationships" xmlns:p="http://schemas.openxmlformats.org/presentationml/2006/main">
   <p:sldMasterIdLst>
     <p:sldMasterId id="2147483648" r:id="rId1"/>
   </p:sldMasterIdLst>
   <p:notesMasterIdLst>
-    <p:notesMasterId r:id="rId24"/>
+    <p:notesMasterId r:id="rId7"/>
   </p:notesMasterIdLst>
   <p:sldIdLst>
-    <p:sldId id="256" r:id="rId2"/>
-    <p:sldId id="267" r:id="rId3"/>
-    <p:sldId id="258" r:id="rId4"/>
-    <p:sldId id="268" r:id="rId5"/>
-    <p:sldId id="325" r:id="rId6"/>
-    <p:sldId id="326" r:id="rId7"/>
-    <p:sldId id="328" r:id="rId8"/>
-    <p:sldId id="327" r:id="rId9"/>
-    <p:sldId id="269" r:id="rId10"/>
-    <p:sldId id="275" r:id="rId11"/>
-    <p:sldId id="274" r:id="rId12"/>
-    <p:sldId id="270" r:id="rId13"/>
-    <p:sldId id="306" r:id="rId14"/>
-    <p:sldId id="331" r:id="rId15"/>
-    <p:sldId id="329" r:id="rId16"/>
-    <p:sldId id="330" r:id="rId17"/>
-    <p:sldId id="271" r:id="rId18"/>
-    <p:sldId id="317" r:id="rId19"/>
-    <p:sldId id="332" r:id="rId20"/>
-    <p:sldId id="334" r:id="rId21"/>
-    <p:sldId id="333" r:id="rId22"/>
-    <p:sldId id="261" r:id="rId23"/>
+    <p:sldId id="256" r:id="rId3"/>
+    <p:sldId id="267" r:id="rId4"/>
+    <p:sldId id="258" r:id="rId5"/>
+    <p:sldId id="268" r:id="rId6"/>
+    <p:sldId id="325" r:id="rId8"/>
+    <p:sldId id="326" r:id="rId9"/>
+    <p:sldId id="328" r:id="rId10"/>
+    <p:sldId id="327" r:id="rId11"/>
+    <p:sldId id="269" r:id="rId12"/>
+    <p:sldId id="275" r:id="rId13"/>
+    <p:sldId id="274" r:id="rId14"/>
+    <p:sldId id="270" r:id="rId15"/>
+    <p:sldId id="306" r:id="rId16"/>
+    <p:sldId id="331" r:id="rId17"/>
+    <p:sldId id="329" r:id="rId18"/>
+    <p:sldId id="330" r:id="rId19"/>
+    <p:sldId id="271" r:id="rId20"/>
+    <p:sldId id="317" r:id="rId21"/>
+    <p:sldId id="332" r:id="rId22"/>
+    <p:sldId id="344" r:id="rId23"/>
+    <p:sldId id="345" r:id="rId24"/>
+    <p:sldId id="334" r:id="rId25"/>
+    <p:sldId id="333" r:id="rId26"/>
+    <p:sldId id="261" r:id="rId27"/>
   </p:sldIdLst>
   <p:sldSz cx="12192000" cy="6858000"/>
   <p:notesSz cx="6858000" cy="9144000"/>
@@ -128,11 +130,6 @@
       </a:defRPr>
     </a:lvl9pPr>
   </p:defaultTextStyle>
-  <p:extLst>
-    <p:ext uri="{EFAFB233-063F-42B5-8137-9DF3F51BA10A}">
-      <p15:sldGuideLst xmlns:p15="http://schemas.microsoft.com/office/powerpoint/2012/main" xmlns=""/>
-    </p:ext>
-  </p:extLst>
 </p:presentation>
 </file>
 
@@ -218,7 +215,6 @@
           <a:p>
             <a:fld id="{43BE2165-22A5-4AFE-86AD-F16D13F31CAE}" type="datetimeFigureOut">
               <a:rPr lang="zh-CN" altLang="en-US" smtClean="0"/>
-              <a:t>2021/2/18</a:t>
             </a:fld>
             <a:endParaRPr lang="zh-CN" altLang="en-US"/>
           </a:p>
@@ -285,6 +281,7 @@
               <a:rPr lang="zh-CN" altLang="en-US"/>
               <a:t>单击此处编辑母版文本样式</a:t>
             </a:r>
+            <a:endParaRPr lang="zh-CN" altLang="en-US"/>
           </a:p>
           <a:p>
             <a:pPr lvl="1"/>
@@ -292,6 +289,7 @@
               <a:rPr lang="zh-CN" altLang="en-US"/>
               <a:t>第二级</a:t>
             </a:r>
+            <a:endParaRPr lang="zh-CN" altLang="en-US"/>
           </a:p>
           <a:p>
             <a:pPr lvl="2"/>
@@ -299,6 +297,7 @@
               <a:rPr lang="zh-CN" altLang="en-US"/>
               <a:t>第三级</a:t>
             </a:r>
+            <a:endParaRPr lang="zh-CN" altLang="en-US"/>
           </a:p>
           <a:p>
             <a:pPr lvl="3"/>
@@ -306,6 +305,7 @@
               <a:rPr lang="zh-CN" altLang="en-US"/>
               <a:t>第四级</a:t>
             </a:r>
+            <a:endParaRPr lang="zh-CN" altLang="en-US"/>
           </a:p>
           <a:p>
             <a:pPr lvl="4"/>
@@ -313,6 +313,7 @@
               <a:rPr lang="zh-CN" altLang="en-US"/>
               <a:t>第五级</a:t>
             </a:r>
+            <a:endParaRPr lang="zh-CN" altLang="en-US"/>
           </a:p>
         </p:txBody>
       </p:sp>
@@ -376,18 +377,12 @@
           <a:p>
             <a:fld id="{767D5E9F-B836-4D96-ABE1-C42C01557198}" type="slidenum">
               <a:rPr lang="zh-CN" altLang="en-US" smtClean="0"/>
-              <a:t>‹#›</a:t>
             </a:fld>
             <a:endParaRPr lang="zh-CN" altLang="en-US"/>
           </a:p>
         </p:txBody>
       </p:sp>
     </p:spTree>
-    <p:extLst>
-      <p:ext uri="{BB962C8B-B14F-4D97-AF65-F5344CB8AC3E}">
-        <p14:creationId xmlns:p14="http://schemas.microsoft.com/office/powerpoint/2010/main" val="3365907479"/>
-      </p:ext>
-    </p:extLst>
   </p:cSld>
   <p:clrMap bg1="lt1" tx1="dk1" bg2="lt2" tx2="dk2" accent1="accent1" accent2="accent2" accent3="accent3" accent4="accent4" accent5="accent5" accent6="accent6" hlink="hlink" folHlink="folHlink"/>
   <p:notesStyle>
@@ -550,18 +545,12 @@
           <a:p>
             <a:fld id="{767D5E9F-B836-4D96-ABE1-C42C01557198}" type="slidenum">
               <a:rPr lang="zh-CN" altLang="en-US" smtClean="0"/>
-              <a:t>4</a:t>
             </a:fld>
             <a:endParaRPr lang="zh-CN" altLang="en-US"/>
           </a:p>
         </p:txBody>
       </p:sp>
     </p:spTree>
-    <p:extLst>
-      <p:ext uri="{BB962C8B-B14F-4D97-AF65-F5344CB8AC3E}">
-        <p14:creationId xmlns:p14="http://schemas.microsoft.com/office/powerpoint/2010/main" val="660041627"/>
-      </p:ext>
-    </p:extLst>
   </p:cSld>
   <p:clrMapOvr>
     <a:masterClrMapping/>
@@ -694,18 +683,12 @@
           <a:p>
             <a:fld id="{767D5E9F-B836-4D96-ABE1-C42C01557198}" type="slidenum">
               <a:rPr lang="zh-CN" altLang="en-US" smtClean="0"/>
-              <a:t>15</a:t>
             </a:fld>
             <a:endParaRPr lang="zh-CN" altLang="en-US"/>
           </a:p>
         </p:txBody>
       </p:sp>
     </p:spTree>
-    <p:extLst>
-      <p:ext uri="{BB962C8B-B14F-4D97-AF65-F5344CB8AC3E}">
-        <p14:creationId xmlns:p14="http://schemas.microsoft.com/office/powerpoint/2010/main" val="1290150678"/>
-      </p:ext>
-    </p:extLst>
   </p:cSld>
   <p:clrMapOvr>
     <a:masterClrMapping/>
@@ -841,6 +824,15 @@
               </a:rPr>
               <a:t>subReactor</a:t>
             </a:r>
+            <a:endParaRPr lang="en-US" altLang="zh-CN" sz="1200" b="0" i="0" kern="1200" smtClean="0">
+              <a:solidFill>
+                <a:schemeClr val="tx1"/>
+              </a:solidFill>
+              <a:effectLst/>
+              <a:latin typeface="+mn-lt"/>
+              <a:ea typeface="+mn-ea"/>
+              <a:cs typeface="+mn-cs"/>
+            </a:endParaRPr>
           </a:p>
           <a:p>
             <a:r>
@@ -1174,18 +1166,12 @@
           <a:p>
             <a:fld id="{767D5E9F-B836-4D96-ABE1-C42C01557198}" type="slidenum">
               <a:rPr lang="zh-CN" altLang="en-US" smtClean="0"/>
-              <a:t>16</a:t>
             </a:fld>
             <a:endParaRPr lang="zh-CN" altLang="en-US"/>
           </a:p>
         </p:txBody>
       </p:sp>
     </p:spTree>
-    <p:extLst>
-      <p:ext uri="{BB962C8B-B14F-4D97-AF65-F5344CB8AC3E}">
-        <p14:creationId xmlns:p14="http://schemas.microsoft.com/office/powerpoint/2010/main" val="2456269562"/>
-      </p:ext>
-    </p:extLst>
   </p:cSld>
   <p:clrMapOvr>
     <a:masterClrMapping/>
@@ -1258,18 +1244,12 @@
           <a:p>
             <a:fld id="{767D5E9F-B836-4D96-ABE1-C42C01557198}" type="slidenum">
               <a:rPr lang="zh-CN" altLang="en-US" smtClean="0"/>
-              <a:t>18</a:t>
             </a:fld>
             <a:endParaRPr lang="zh-CN" altLang="en-US"/>
           </a:p>
         </p:txBody>
       </p:sp>
     </p:spTree>
-    <p:extLst>
-      <p:ext uri="{BB962C8B-B14F-4D97-AF65-F5344CB8AC3E}">
-        <p14:creationId xmlns:p14="http://schemas.microsoft.com/office/powerpoint/2010/main" val="2981157635"/>
-      </p:ext>
-    </p:extLst>
   </p:cSld>
   <p:clrMapOvr>
     <a:masterClrMapping/>
@@ -1342,18 +1322,12 @@
           <a:p>
             <a:fld id="{767D5E9F-B836-4D96-ABE1-C42C01557198}" type="slidenum">
               <a:rPr lang="zh-CN" altLang="en-US" smtClean="0"/>
-              <a:t>19</a:t>
             </a:fld>
             <a:endParaRPr lang="zh-CN" altLang="en-US"/>
           </a:p>
         </p:txBody>
       </p:sp>
     </p:spTree>
-    <p:extLst>
-      <p:ext uri="{BB962C8B-B14F-4D97-AF65-F5344CB8AC3E}">
-        <p14:creationId xmlns:p14="http://schemas.microsoft.com/office/powerpoint/2010/main" val="2456269562"/>
-      </p:ext>
-    </p:extLst>
   </p:cSld>
   <p:clrMapOvr>
     <a:masterClrMapping/>
@@ -1426,18 +1400,12 @@
           <a:p>
             <a:fld id="{767D5E9F-B836-4D96-ABE1-C42C01557198}" type="slidenum">
               <a:rPr lang="zh-CN" altLang="en-US" smtClean="0"/>
-              <a:t>20</a:t>
             </a:fld>
             <a:endParaRPr lang="zh-CN" altLang="en-US"/>
           </a:p>
         </p:txBody>
       </p:sp>
     </p:spTree>
-    <p:extLst>
-      <p:ext uri="{BB962C8B-B14F-4D97-AF65-F5344CB8AC3E}">
-        <p14:creationId xmlns:p14="http://schemas.microsoft.com/office/powerpoint/2010/main" val="2456269562"/>
-      </p:ext>
-    </p:extLst>
   </p:cSld>
   <p:clrMapOvr>
     <a:masterClrMapping/>
@@ -1510,18 +1478,172 @@
           <a:p>
             <a:fld id="{767D5E9F-B836-4D96-ABE1-C42C01557198}" type="slidenum">
               <a:rPr lang="zh-CN" altLang="en-US" smtClean="0"/>
-              <a:t>21</a:t>
             </a:fld>
             <a:endParaRPr lang="zh-CN" altLang="en-US"/>
           </a:p>
         </p:txBody>
       </p:sp>
     </p:spTree>
-    <p:extLst>
-      <p:ext uri="{BB962C8B-B14F-4D97-AF65-F5344CB8AC3E}">
-        <p14:creationId xmlns:p14="http://schemas.microsoft.com/office/powerpoint/2010/main" val="2456269562"/>
-      </p:ext>
-    </p:extLst>
+  </p:cSld>
+  <p:clrMapOvr>
+    <a:masterClrMapping/>
+  </p:clrMapOvr>
+</p:notes>
+</file>
+
+<file path=ppt/notesSlides/notesSlide16.xml><?xml version="1.0" encoding="utf-8"?>
+<p:notes xmlns:a="http://schemas.openxmlformats.org/drawingml/2006/main" xmlns:r="http://schemas.openxmlformats.org/officeDocument/2006/relationships" xmlns:p="http://schemas.openxmlformats.org/presentationml/2006/main">
+  <p:cSld>
+    <p:spTree>
+      <p:nvGrpSpPr>
+        <p:cNvPr id="1" name=""/>
+        <p:cNvGrpSpPr/>
+        <p:nvPr/>
+      </p:nvGrpSpPr>
+      <p:grpSpPr>
+        <a:xfrm>
+          <a:off x="0" y="0"/>
+          <a:ext cx="0" cy="0"/>
+          <a:chOff x="0" y="0"/>
+          <a:chExt cx="0" cy="0"/>
+        </a:xfrm>
+      </p:grpSpPr>
+      <p:sp>
+        <p:nvSpPr>
+          <p:cNvPr id="2" name="幻灯片图像占位符 1"/>
+          <p:cNvSpPr>
+            <a:spLocks noGrp="1" noRot="1" noChangeAspect="1"/>
+          </p:cNvSpPr>
+          <p:nvPr>
+            <p:ph type="sldImg"/>
+          </p:nvPr>
+        </p:nvSpPr>
+        <p:spPr/>
+      </p:sp>
+      <p:sp>
+        <p:nvSpPr>
+          <p:cNvPr id="3" name="备注占位符 2"/>
+          <p:cNvSpPr>
+            <a:spLocks noGrp="1"/>
+          </p:cNvSpPr>
+          <p:nvPr>
+            <p:ph type="body" idx="1"/>
+          </p:nvPr>
+        </p:nvSpPr>
+        <p:spPr/>
+        <p:txBody>
+          <a:bodyPr/>
+          <a:lstStyle/>
+          <a:p>
+            <a:endParaRPr lang="zh-CN" altLang="en-US" dirty="0"/>
+          </a:p>
+        </p:txBody>
+      </p:sp>
+      <p:sp>
+        <p:nvSpPr>
+          <p:cNvPr id="4" name="灯片编号占位符 3"/>
+          <p:cNvSpPr>
+            <a:spLocks noGrp="1"/>
+          </p:cNvSpPr>
+          <p:nvPr>
+            <p:ph type="sldNum" sz="quarter" idx="10"/>
+          </p:nvPr>
+        </p:nvSpPr>
+        <p:spPr/>
+        <p:txBody>
+          <a:bodyPr/>
+          <a:lstStyle/>
+          <a:p>
+            <a:fld id="{767D5E9F-B836-4D96-ABE1-C42C01557198}" type="slidenum">
+              <a:rPr lang="zh-CN" altLang="en-US" smtClean="0"/>
+            </a:fld>
+            <a:endParaRPr lang="zh-CN" altLang="en-US"/>
+          </a:p>
+        </p:txBody>
+      </p:sp>
+    </p:spTree>
+  </p:cSld>
+  <p:clrMapOvr>
+    <a:masterClrMapping/>
+  </p:clrMapOvr>
+</p:notes>
+</file>
+
+<file path=ppt/notesSlides/notesSlide17.xml><?xml version="1.0" encoding="utf-8"?>
+<p:notes xmlns:a="http://schemas.openxmlformats.org/drawingml/2006/main" xmlns:r="http://schemas.openxmlformats.org/officeDocument/2006/relationships" xmlns:p="http://schemas.openxmlformats.org/presentationml/2006/main">
+  <p:cSld>
+    <p:spTree>
+      <p:nvGrpSpPr>
+        <p:cNvPr id="1" name=""/>
+        <p:cNvGrpSpPr/>
+        <p:nvPr/>
+      </p:nvGrpSpPr>
+      <p:grpSpPr>
+        <a:xfrm>
+          <a:off x="0" y="0"/>
+          <a:ext cx="0" cy="0"/>
+          <a:chOff x="0" y="0"/>
+          <a:chExt cx="0" cy="0"/>
+        </a:xfrm>
+      </p:grpSpPr>
+      <p:sp>
+        <p:nvSpPr>
+          <p:cNvPr id="2" name="幻灯片图像占位符 1"/>
+          <p:cNvSpPr>
+            <a:spLocks noGrp="1" noRot="1" noChangeAspect="1"/>
+          </p:cNvSpPr>
+          <p:nvPr>
+            <p:ph type="sldImg"/>
+          </p:nvPr>
+        </p:nvSpPr>
+        <p:spPr/>
+      </p:sp>
+      <p:sp>
+        <p:nvSpPr>
+          <p:cNvPr id="3" name="备注占位符 2"/>
+          <p:cNvSpPr>
+            <a:spLocks noGrp="1"/>
+          </p:cNvSpPr>
+          <p:nvPr>
+            <p:ph type="body" idx="1"/>
+          </p:nvPr>
+        </p:nvSpPr>
+        <p:spPr/>
+        <p:txBody>
+          <a:bodyPr/>
+          <a:lstStyle/>
+          <a:p>
+            <a:r>
+              <a:rPr lang="zh-CN" altLang="en-US" dirty="0"/>
+              <a:t>Netty对半包或者粘包的处理其实也很简单。Channel中的数据读取的时候经过解析，如果不是一个完整的数据包，则解析失败，将这个数据包进行保存，等下次解析时再和这个数据包进行组装解析，直到解析到完整的数据包，才会将数据包向下传递</a:t>
+            </a:r>
+            <a:endParaRPr lang="zh-CN" altLang="en-US" dirty="0"/>
+          </a:p>
+        </p:txBody>
+      </p:sp>
+      <p:sp>
+        <p:nvSpPr>
+          <p:cNvPr id="4" name="灯片编号占位符 3"/>
+          <p:cNvSpPr>
+            <a:spLocks noGrp="1"/>
+          </p:cNvSpPr>
+          <p:nvPr>
+            <p:ph type="sldNum" sz="quarter" idx="10"/>
+          </p:nvPr>
+        </p:nvSpPr>
+        <p:spPr/>
+        <p:txBody>
+          <a:bodyPr/>
+          <a:lstStyle/>
+          <a:p>
+            <a:fld id="{767D5E9F-B836-4D96-ABE1-C42C01557198}" type="slidenum">
+              <a:rPr lang="zh-CN" altLang="en-US" smtClean="0"/>
+            </a:fld>
+            <a:endParaRPr lang="zh-CN" altLang="en-US"/>
+          </a:p>
+        </p:txBody>
+      </p:sp>
+    </p:spTree>
   </p:cSld>
   <p:clrMapOvr>
     <a:masterClrMapping/>
@@ -1654,18 +1776,12 @@
           <a:p>
             <a:fld id="{767D5E9F-B836-4D96-ABE1-C42C01557198}" type="slidenum">
               <a:rPr lang="zh-CN" altLang="en-US" smtClean="0"/>
-              <a:t>5</a:t>
             </a:fld>
             <a:endParaRPr lang="zh-CN" altLang="en-US"/>
           </a:p>
         </p:txBody>
       </p:sp>
     </p:spTree>
-    <p:extLst>
-      <p:ext uri="{BB962C8B-B14F-4D97-AF65-F5344CB8AC3E}">
-        <p14:creationId xmlns:p14="http://schemas.microsoft.com/office/powerpoint/2010/main" val="878222463"/>
-      </p:ext>
-    </p:extLst>
   </p:cSld>
   <p:clrMapOvr>
     <a:masterClrMapping/>
@@ -1814,18 +1930,12 @@
           <a:p>
             <a:fld id="{767D5E9F-B836-4D96-ABE1-C42C01557198}" type="slidenum">
               <a:rPr lang="zh-CN" altLang="en-US" smtClean="0"/>
-              <a:t>6</a:t>
             </a:fld>
             <a:endParaRPr lang="zh-CN" altLang="en-US"/>
           </a:p>
         </p:txBody>
       </p:sp>
     </p:spTree>
-    <p:extLst>
-      <p:ext uri="{BB962C8B-B14F-4D97-AF65-F5344CB8AC3E}">
-        <p14:creationId xmlns:p14="http://schemas.microsoft.com/office/powerpoint/2010/main" val="3098234864"/>
-      </p:ext>
-    </p:extLst>
   </p:cSld>
   <p:clrMapOvr>
     <a:masterClrMapping/>
@@ -2370,18 +2480,12 @@
           <a:p>
             <a:fld id="{767D5E9F-B836-4D96-ABE1-C42C01557198}" type="slidenum">
               <a:rPr lang="zh-CN" altLang="en-US" smtClean="0"/>
-              <a:t>7</a:t>
             </a:fld>
             <a:endParaRPr lang="zh-CN" altLang="en-US"/>
           </a:p>
         </p:txBody>
       </p:sp>
     </p:spTree>
-    <p:extLst>
-      <p:ext uri="{BB962C8B-B14F-4D97-AF65-F5344CB8AC3E}">
-        <p14:creationId xmlns:p14="http://schemas.microsoft.com/office/powerpoint/2010/main" val="2566417626"/>
-      </p:ext>
-    </p:extLst>
   </p:cSld>
   <p:clrMapOvr>
     <a:masterClrMapping/>
@@ -2610,18 +2714,12 @@
           <a:p>
             <a:fld id="{767D5E9F-B836-4D96-ABE1-C42C01557198}" type="slidenum">
               <a:rPr lang="zh-CN" altLang="en-US" smtClean="0"/>
-              <a:t>8</a:t>
             </a:fld>
             <a:endParaRPr lang="zh-CN" altLang="en-US"/>
           </a:p>
         </p:txBody>
       </p:sp>
     </p:spTree>
-    <p:extLst>
-      <p:ext uri="{BB962C8B-B14F-4D97-AF65-F5344CB8AC3E}">
-        <p14:creationId xmlns:p14="http://schemas.microsoft.com/office/powerpoint/2010/main" val="3289133578"/>
-      </p:ext>
-    </p:extLst>
   </p:cSld>
   <p:clrMapOvr>
     <a:masterClrMapping/>
@@ -2694,18 +2792,12 @@
           <a:p>
             <a:fld id="{767D5E9F-B836-4D96-ABE1-C42C01557198}" type="slidenum">
               <a:rPr lang="zh-CN" altLang="en-US" smtClean="0"/>
-              <a:t>10</a:t>
             </a:fld>
             <a:endParaRPr lang="zh-CN" altLang="en-US"/>
           </a:p>
         </p:txBody>
       </p:sp>
     </p:spTree>
-    <p:extLst>
-      <p:ext uri="{BB962C8B-B14F-4D97-AF65-F5344CB8AC3E}">
-        <p14:creationId xmlns:p14="http://schemas.microsoft.com/office/powerpoint/2010/main" val="966345656"/>
-      </p:ext>
-    </p:extLst>
   </p:cSld>
   <p:clrMapOvr>
     <a:masterClrMapping/>
@@ -2778,18 +2870,12 @@
           <a:p>
             <a:fld id="{767D5E9F-B836-4D96-ABE1-C42C01557198}" type="slidenum">
               <a:rPr lang="zh-CN" altLang="en-US" smtClean="0"/>
-              <a:t>11</a:t>
             </a:fld>
             <a:endParaRPr lang="zh-CN" altLang="en-US"/>
           </a:p>
         </p:txBody>
       </p:sp>
     </p:spTree>
-    <p:extLst>
-      <p:ext uri="{BB962C8B-B14F-4D97-AF65-F5344CB8AC3E}">
-        <p14:creationId xmlns:p14="http://schemas.microsoft.com/office/powerpoint/2010/main" val="641886365"/>
-      </p:ext>
-    </p:extLst>
   </p:cSld>
   <p:clrMapOvr>
     <a:masterClrMapping/>
@@ -2862,18 +2948,12 @@
           <a:p>
             <a:fld id="{767D5E9F-B836-4D96-ABE1-C42C01557198}" type="slidenum">
               <a:rPr lang="zh-CN" altLang="en-US" smtClean="0"/>
-              <a:t>13</a:t>
             </a:fld>
             <a:endParaRPr lang="zh-CN" altLang="en-US"/>
           </a:p>
         </p:txBody>
       </p:sp>
     </p:spTree>
-    <p:extLst>
-      <p:ext uri="{BB962C8B-B14F-4D97-AF65-F5344CB8AC3E}">
-        <p14:creationId xmlns:p14="http://schemas.microsoft.com/office/powerpoint/2010/main" val="1197017035"/>
-      </p:ext>
-    </p:extLst>
   </p:cSld>
   <p:clrMapOvr>
     <a:masterClrMapping/>
@@ -3341,18 +3421,12 @@
           <a:p>
             <a:fld id="{767D5E9F-B836-4D96-ABE1-C42C01557198}" type="slidenum">
               <a:rPr lang="zh-CN" altLang="en-US" smtClean="0"/>
-              <a:t>14</a:t>
             </a:fld>
             <a:endParaRPr lang="zh-CN" altLang="en-US"/>
           </a:p>
         </p:txBody>
       </p:sp>
     </p:spTree>
-    <p:extLst>
-      <p:ext uri="{BB962C8B-B14F-4D97-AF65-F5344CB8AC3E}">
-        <p14:creationId xmlns:p14="http://schemas.microsoft.com/office/powerpoint/2010/main" val="1113534918"/>
-      </p:ext>
-    </p:extLst>
   </p:cSld>
   <p:clrMapOvr>
     <a:masterClrMapping/>
@@ -3402,18 +3476,12 @@
           <a:p>
             <a:fld id="{CAB00AE0-F9D8-440E-9745-FF83361FB695}" type="slidenum">
               <a:rPr lang="zh-CN" altLang="en-US" smtClean="0"/>
-              <a:t>‹#›</a:t>
             </a:fld>
             <a:endParaRPr lang="zh-CN" altLang="en-US"/>
           </a:p>
         </p:txBody>
       </p:sp>
     </p:spTree>
-    <p:extLst>
-      <p:ext uri="{BB962C8B-B14F-4D97-AF65-F5344CB8AC3E}">
-        <p14:creationId xmlns:p14="http://schemas.microsoft.com/office/powerpoint/2010/main" val="2856038597"/>
-      </p:ext>
-    </p:extLst>
   </p:cSld>
   <p:clrMapOvr>
     <a:masterClrMapping/>
@@ -3455,7 +3523,6 @@
           <a:p>
             <a:fld id="{4B2060D7-D4D1-4A35-B085-9935BA338CBD}" type="datetime1">
               <a:rPr lang="zh-CN" altLang="en-US" smtClean="0"/>
-              <a:t>2021/2/18</a:t>
             </a:fld>
             <a:endParaRPr lang="zh-CN" altLang="en-US"/>
           </a:p>
@@ -3497,18 +3564,12 @@
           <a:p>
             <a:fld id="{CAB00AE0-F9D8-440E-9745-FF83361FB695}" type="slidenum">
               <a:rPr lang="zh-CN" altLang="en-US" smtClean="0"/>
-              <a:t>‹#›</a:t>
             </a:fld>
             <a:endParaRPr lang="zh-CN" altLang="en-US"/>
           </a:p>
         </p:txBody>
       </p:sp>
     </p:spTree>
-    <p:extLst>
-      <p:ext uri="{BB962C8B-B14F-4D97-AF65-F5344CB8AC3E}">
-        <p14:creationId xmlns:p14="http://schemas.microsoft.com/office/powerpoint/2010/main" val="1228760343"/>
-      </p:ext>
-    </p:extLst>
   </p:cSld>
   <p:clrMapOvr>
     <a:masterClrMapping/>
@@ -3561,6 +3622,7 @@
               <a:rPr lang="zh-CN" altLang="en-US"/>
               <a:t>单击此处编辑母版标题样式</a:t>
             </a:r>
+            <a:endParaRPr lang="zh-CN" altLang="en-US"/>
           </a:p>
         </p:txBody>
       </p:sp>
@@ -3617,6 +3679,7 @@
               <a:rPr lang="zh-CN" altLang="en-US"/>
               <a:t>单击此处编辑母版文本样式</a:t>
             </a:r>
+            <a:endParaRPr lang="zh-CN" altLang="en-US"/>
           </a:p>
           <a:p>
             <a:pPr lvl="1"/>
@@ -3624,6 +3687,7 @@
               <a:rPr lang="zh-CN" altLang="en-US"/>
               <a:t>第二级</a:t>
             </a:r>
+            <a:endParaRPr lang="zh-CN" altLang="en-US"/>
           </a:p>
           <a:p>
             <a:pPr lvl="2"/>
@@ -3631,6 +3695,7 @@
               <a:rPr lang="zh-CN" altLang="en-US"/>
               <a:t>第三级</a:t>
             </a:r>
+            <a:endParaRPr lang="zh-CN" altLang="en-US"/>
           </a:p>
           <a:p>
             <a:pPr lvl="3"/>
@@ -3638,6 +3703,7 @@
               <a:rPr lang="zh-CN" altLang="en-US"/>
               <a:t>第四级</a:t>
             </a:r>
+            <a:endParaRPr lang="zh-CN" altLang="en-US"/>
           </a:p>
           <a:p>
             <a:pPr lvl="4"/>
@@ -3645,6 +3711,7 @@
               <a:rPr lang="zh-CN" altLang="en-US"/>
               <a:t>第五级</a:t>
             </a:r>
+            <a:endParaRPr lang="zh-CN" altLang="en-US"/>
           </a:p>
         </p:txBody>
       </p:sp>
@@ -3710,6 +3777,7 @@
               <a:rPr lang="zh-CN" altLang="en-US"/>
               <a:t>单击此处编辑母版文本样式</a:t>
             </a:r>
+            <a:endParaRPr lang="zh-CN" altLang="en-US"/>
           </a:p>
         </p:txBody>
       </p:sp>
@@ -3730,7 +3798,6 @@
           <a:p>
             <a:fld id="{6B47C370-14AC-4977-916D-F1875C8E06D3}" type="datetime1">
               <a:rPr lang="zh-CN" altLang="en-US" smtClean="0"/>
-              <a:t>2021/2/18</a:t>
             </a:fld>
             <a:endParaRPr lang="zh-CN" altLang="en-US"/>
           </a:p>
@@ -3772,18 +3839,12 @@
           <a:p>
             <a:fld id="{CAB00AE0-F9D8-440E-9745-FF83361FB695}" type="slidenum">
               <a:rPr lang="zh-CN" altLang="en-US" smtClean="0"/>
-              <a:t>‹#›</a:t>
             </a:fld>
             <a:endParaRPr lang="zh-CN" altLang="en-US"/>
           </a:p>
         </p:txBody>
       </p:sp>
     </p:spTree>
-    <p:extLst>
-      <p:ext uri="{BB962C8B-B14F-4D97-AF65-F5344CB8AC3E}">
-        <p14:creationId xmlns:p14="http://schemas.microsoft.com/office/powerpoint/2010/main" val="3450142608"/>
-      </p:ext>
-    </p:extLst>
   </p:cSld>
   <p:clrMapOvr>
     <a:masterClrMapping/>
@@ -3836,6 +3897,7 @@
               <a:rPr lang="zh-CN" altLang="en-US"/>
               <a:t>单击此处编辑母版标题样式</a:t>
             </a:r>
+            <a:endParaRPr lang="zh-CN" altLang="en-US"/>
           </a:p>
         </p:txBody>
       </p:sp>
@@ -3962,6 +4024,7 @@
               <a:rPr lang="zh-CN" altLang="en-US"/>
               <a:t>单击此处编辑母版文本样式</a:t>
             </a:r>
+            <a:endParaRPr lang="zh-CN" altLang="en-US"/>
           </a:p>
         </p:txBody>
       </p:sp>
@@ -3982,7 +4045,6 @@
           <a:p>
             <a:fld id="{D41B49CA-CA82-4FB1-B2D0-E3E0FC77B52E}" type="datetime1">
               <a:rPr lang="zh-CN" altLang="en-US" smtClean="0"/>
-              <a:t>2021/2/18</a:t>
             </a:fld>
             <a:endParaRPr lang="zh-CN" altLang="en-US"/>
           </a:p>
@@ -4024,18 +4086,12 @@
           <a:p>
             <a:fld id="{CAB00AE0-F9D8-440E-9745-FF83361FB695}" type="slidenum">
               <a:rPr lang="zh-CN" altLang="en-US" smtClean="0"/>
-              <a:t>‹#›</a:t>
             </a:fld>
             <a:endParaRPr lang="zh-CN" altLang="en-US"/>
           </a:p>
         </p:txBody>
       </p:sp>
     </p:spTree>
-    <p:extLst>
-      <p:ext uri="{BB962C8B-B14F-4D97-AF65-F5344CB8AC3E}">
-        <p14:creationId xmlns:p14="http://schemas.microsoft.com/office/powerpoint/2010/main" val="3754412938"/>
-      </p:ext>
-    </p:extLst>
   </p:cSld>
   <p:clrMapOvr>
     <a:masterClrMapping/>
@@ -4079,6 +4135,7 @@
               <a:rPr lang="zh-CN" altLang="en-US"/>
               <a:t>单击此处编辑母版标题样式</a:t>
             </a:r>
+            <a:endParaRPr lang="zh-CN" altLang="en-US"/>
           </a:p>
         </p:txBody>
       </p:sp>
@@ -4102,6 +4159,7 @@
               <a:rPr lang="zh-CN" altLang="en-US"/>
               <a:t>单击此处编辑母版文本样式</a:t>
             </a:r>
+            <a:endParaRPr lang="zh-CN" altLang="en-US"/>
           </a:p>
           <a:p>
             <a:pPr lvl="1"/>
@@ -4109,6 +4167,7 @@
               <a:rPr lang="zh-CN" altLang="en-US"/>
               <a:t>第二级</a:t>
             </a:r>
+            <a:endParaRPr lang="zh-CN" altLang="en-US"/>
           </a:p>
           <a:p>
             <a:pPr lvl="2"/>
@@ -4116,6 +4175,7 @@
               <a:rPr lang="zh-CN" altLang="en-US"/>
               <a:t>第三级</a:t>
             </a:r>
+            <a:endParaRPr lang="zh-CN" altLang="en-US"/>
           </a:p>
           <a:p>
             <a:pPr lvl="3"/>
@@ -4123,6 +4183,7 @@
               <a:rPr lang="zh-CN" altLang="en-US"/>
               <a:t>第四级</a:t>
             </a:r>
+            <a:endParaRPr lang="zh-CN" altLang="en-US"/>
           </a:p>
           <a:p>
             <a:pPr lvl="4"/>
@@ -4130,6 +4191,7 @@
               <a:rPr lang="zh-CN" altLang="en-US"/>
               <a:t>第五级</a:t>
             </a:r>
+            <a:endParaRPr lang="zh-CN" altLang="en-US"/>
           </a:p>
         </p:txBody>
       </p:sp>
@@ -4150,7 +4212,6 @@
           <a:p>
             <a:fld id="{0D15204C-63FB-46E3-8362-11FF000FA706}" type="datetime1">
               <a:rPr lang="zh-CN" altLang="en-US" smtClean="0"/>
-              <a:t>2021/2/18</a:t>
             </a:fld>
             <a:endParaRPr lang="zh-CN" altLang="en-US"/>
           </a:p>
@@ -4192,18 +4253,12 @@
           <a:p>
             <a:fld id="{CAB00AE0-F9D8-440E-9745-FF83361FB695}" type="slidenum">
               <a:rPr lang="zh-CN" altLang="en-US" smtClean="0"/>
-              <a:t>‹#›</a:t>
             </a:fld>
             <a:endParaRPr lang="zh-CN" altLang="en-US"/>
           </a:p>
         </p:txBody>
       </p:sp>
     </p:spTree>
-    <p:extLst>
-      <p:ext uri="{BB962C8B-B14F-4D97-AF65-F5344CB8AC3E}">
-        <p14:creationId xmlns:p14="http://schemas.microsoft.com/office/powerpoint/2010/main" val="1455670989"/>
-      </p:ext>
-    </p:extLst>
   </p:cSld>
   <p:clrMapOvr>
     <a:masterClrMapping/>
@@ -4252,6 +4307,7 @@
               <a:rPr lang="zh-CN" altLang="en-US"/>
               <a:t>单击此处编辑母版标题样式</a:t>
             </a:r>
+            <a:endParaRPr lang="zh-CN" altLang="en-US"/>
           </a:p>
         </p:txBody>
       </p:sp>
@@ -4280,6 +4336,7 @@
               <a:rPr lang="zh-CN" altLang="en-US"/>
               <a:t>单击此处编辑母版文本样式</a:t>
             </a:r>
+            <a:endParaRPr lang="zh-CN" altLang="en-US"/>
           </a:p>
           <a:p>
             <a:pPr lvl="1"/>
@@ -4287,6 +4344,7 @@
               <a:rPr lang="zh-CN" altLang="en-US"/>
               <a:t>第二级</a:t>
             </a:r>
+            <a:endParaRPr lang="zh-CN" altLang="en-US"/>
           </a:p>
           <a:p>
             <a:pPr lvl="2"/>
@@ -4294,6 +4352,7 @@
               <a:rPr lang="zh-CN" altLang="en-US"/>
               <a:t>第三级</a:t>
             </a:r>
+            <a:endParaRPr lang="zh-CN" altLang="en-US"/>
           </a:p>
           <a:p>
             <a:pPr lvl="3"/>
@@ -4301,6 +4360,7 @@
               <a:rPr lang="zh-CN" altLang="en-US"/>
               <a:t>第四级</a:t>
             </a:r>
+            <a:endParaRPr lang="zh-CN" altLang="en-US"/>
           </a:p>
           <a:p>
             <a:pPr lvl="4"/>
@@ -4308,6 +4368,7 @@
               <a:rPr lang="zh-CN" altLang="en-US"/>
               <a:t>第五级</a:t>
             </a:r>
+            <a:endParaRPr lang="zh-CN" altLang="en-US"/>
           </a:p>
         </p:txBody>
       </p:sp>
@@ -4328,7 +4389,6 @@
           <a:p>
             <a:fld id="{854A2D7D-3654-4D0B-B4A5-C0D9DEAF154E}" type="datetime1">
               <a:rPr lang="zh-CN" altLang="en-US" smtClean="0"/>
-              <a:t>2021/2/18</a:t>
             </a:fld>
             <a:endParaRPr lang="zh-CN" altLang="en-US"/>
           </a:p>
@@ -4370,18 +4430,12 @@
           <a:p>
             <a:fld id="{CAB00AE0-F9D8-440E-9745-FF83361FB695}" type="slidenum">
               <a:rPr lang="zh-CN" altLang="en-US" smtClean="0"/>
-              <a:t>‹#›</a:t>
             </a:fld>
             <a:endParaRPr lang="zh-CN" altLang="en-US"/>
           </a:p>
         </p:txBody>
       </p:sp>
     </p:spTree>
-    <p:extLst>
-      <p:ext uri="{BB962C8B-B14F-4D97-AF65-F5344CB8AC3E}">
-        <p14:creationId xmlns:p14="http://schemas.microsoft.com/office/powerpoint/2010/main" val="2063561862"/>
-      </p:ext>
-    </p:extLst>
   </p:cSld>
   <p:clrMapOvr>
     <a:masterClrMapping/>
@@ -4433,6 +4487,7 @@
               <a:rPr lang="zh-CN" altLang="en-US"/>
               <a:t>单击此处编辑母版标题样式</a:t>
             </a:r>
+            <a:endParaRPr lang="zh-CN" altLang="en-US"/>
           </a:p>
         </p:txBody>
       </p:sp>
@@ -4453,7 +4508,6 @@
           <a:p>
             <a:fld id="{0A812ED9-E694-45F2-B445-2B4C421D8C92}" type="datetime1">
               <a:rPr lang="zh-CN" altLang="en-US" smtClean="0"/>
-              <a:t>2021/2/18</a:t>
             </a:fld>
             <a:endParaRPr lang="zh-CN" altLang="en-US"/>
           </a:p>
@@ -4495,18 +4549,12 @@
           <a:p>
             <a:fld id="{CAB00AE0-F9D8-440E-9745-FF83361FB695}" type="slidenum">
               <a:rPr lang="zh-CN" altLang="en-US" smtClean="0"/>
-              <a:t>‹#›</a:t>
             </a:fld>
             <a:endParaRPr lang="zh-CN" altLang="en-US"/>
           </a:p>
         </p:txBody>
       </p:sp>
     </p:spTree>
-    <p:extLst>
-      <p:ext uri="{BB962C8B-B14F-4D97-AF65-F5344CB8AC3E}">
-        <p14:creationId xmlns:p14="http://schemas.microsoft.com/office/powerpoint/2010/main" val="2237477937"/>
-      </p:ext>
-    </p:extLst>
   </p:cSld>
   <p:clrMapOvr>
     <a:masterClrMapping/>
@@ -4558,6 +4606,7 @@
               <a:rPr lang="zh-CN" altLang="en-US"/>
               <a:t>单击此处编辑母版标题样式</a:t>
             </a:r>
+            <a:endParaRPr lang="zh-CN" altLang="en-US"/>
           </a:p>
         </p:txBody>
       </p:sp>
@@ -4581,6 +4630,7 @@
               <a:rPr lang="zh-CN" altLang="en-US"/>
               <a:t>单击此处编辑母版文本样式</a:t>
             </a:r>
+            <a:endParaRPr lang="zh-CN" altLang="en-US"/>
           </a:p>
           <a:p>
             <a:pPr lvl="1"/>
@@ -4588,6 +4638,7 @@
               <a:rPr lang="zh-CN" altLang="en-US"/>
               <a:t>第二级</a:t>
             </a:r>
+            <a:endParaRPr lang="zh-CN" altLang="en-US"/>
           </a:p>
           <a:p>
             <a:pPr lvl="2"/>
@@ -4595,6 +4646,7 @@
               <a:rPr lang="zh-CN" altLang="en-US"/>
               <a:t>第三级</a:t>
             </a:r>
+            <a:endParaRPr lang="zh-CN" altLang="en-US"/>
           </a:p>
           <a:p>
             <a:pPr lvl="3"/>
@@ -4602,6 +4654,7 @@
               <a:rPr lang="zh-CN" altLang="en-US"/>
               <a:t>第四级</a:t>
             </a:r>
+            <a:endParaRPr lang="zh-CN" altLang="en-US"/>
           </a:p>
           <a:p>
             <a:pPr lvl="4"/>
@@ -4609,6 +4662,7 @@
               <a:rPr lang="zh-CN" altLang="en-US"/>
               <a:t>第五级</a:t>
             </a:r>
+            <a:endParaRPr lang="zh-CN" altLang="en-US"/>
           </a:p>
         </p:txBody>
       </p:sp>
@@ -4629,7 +4683,6 @@
           <a:p>
             <a:fld id="{0BC7ADD1-431B-4486-8BB7-28EB947245B5}" type="datetime1">
               <a:rPr lang="zh-CN" altLang="en-US" smtClean="0"/>
-              <a:t>2021/2/18</a:t>
             </a:fld>
             <a:endParaRPr lang="zh-CN" altLang="en-US" dirty="0"/>
           </a:p>
@@ -4679,19 +4732,12 @@
           <a:p>
             <a:fld id="{CAB00AE0-F9D8-440E-9745-FF83361FB695}" type="slidenum">
               <a:rPr lang="zh-CN" altLang="en-US" smtClean="0"/>
-              <a:pPr/>
-              <a:t>‹#›</a:t>
             </a:fld>
             <a:endParaRPr lang="zh-CN" altLang="en-US"/>
           </a:p>
         </p:txBody>
       </p:sp>
     </p:spTree>
-    <p:extLst>
-      <p:ext uri="{BB962C8B-B14F-4D97-AF65-F5344CB8AC3E}">
-        <p14:creationId xmlns:p14="http://schemas.microsoft.com/office/powerpoint/2010/main" val="3061063744"/>
-      </p:ext>
-    </p:extLst>
   </p:cSld>
   <p:clrMapOvr>
     <a:masterClrMapping/>
@@ -4784,19 +4830,12 @@
           <a:p>
             <a:fld id="{CAB00AE0-F9D8-440E-9745-FF83361FB695}" type="slidenum">
               <a:rPr lang="zh-CN" altLang="en-US" smtClean="0"/>
-              <a:pPr/>
-              <a:t>‹#›</a:t>
             </a:fld>
             <a:endParaRPr lang="zh-CN" altLang="en-US"/>
           </a:p>
         </p:txBody>
       </p:sp>
     </p:spTree>
-    <p:extLst>
-      <p:ext uri="{BB962C8B-B14F-4D97-AF65-F5344CB8AC3E}">
-        <p14:creationId xmlns:p14="http://schemas.microsoft.com/office/powerpoint/2010/main" val="3073802440"/>
-      </p:ext>
-    </p:extLst>
   </p:cSld>
   <p:clrMapOvr>
     <a:masterClrMapping/>
@@ -4876,7 +4915,6 @@
           <a:p>
             <a:fld id="{B320EE77-A6EF-458A-BA14-E3162CF292E0}" type="datetime1">
               <a:rPr lang="zh-CN" altLang="en-US" smtClean="0"/>
-              <a:t>2021/2/18</a:t>
             </a:fld>
             <a:endParaRPr lang="zh-CN" altLang="en-US"/>
           </a:p>
@@ -4903,13 +4941,7 @@
       </p:sp>
       <p:sp>
         <p:nvSpPr>
-          <p:cNvPr id="2" name="文本框 1">
-            <a:extLst>
-              <a:ext uri="{FF2B5EF4-FFF2-40B4-BE49-F238E27FC236}">
-                <a16:creationId xmlns="" xmlns:a16="http://schemas.microsoft.com/office/drawing/2014/main" id="{A3938D48-0278-46F3-A986-309F3A639D64}"/>
-              </a:ext>
-            </a:extLst>
-          </p:cNvPr>
+          <p:cNvPr id="2" name="文本框 1"/>
           <p:cNvSpPr txBox="1"/>
           <p:nvPr userDrawn="1"/>
         </p:nvSpPr>
@@ -4968,11 +5000,6 @@
         </p:txBody>
       </p:sp>
     </p:spTree>
-    <p:extLst>
-      <p:ext uri="{BB962C8B-B14F-4D97-AF65-F5344CB8AC3E}">
-        <p14:creationId xmlns:p14="http://schemas.microsoft.com/office/powerpoint/2010/main" val="333067817"/>
-      </p:ext>
-    </p:extLst>
   </p:cSld>
   <p:clrMapOvr>
     <a:masterClrMapping/>
@@ -5022,7 +5049,6 @@
           <a:p>
             <a:fld id="{CAB00AE0-F9D8-440E-9745-FF83361FB695}" type="slidenum">
               <a:rPr lang="zh-CN" altLang="en-US" smtClean="0"/>
-              <a:t>‹#›</a:t>
             </a:fld>
             <a:endParaRPr lang="zh-CN" altLang="en-US"/>
           </a:p>
@@ -5059,11 +5085,6 @@
         </p:spPr>
       </p:pic>
     </p:spTree>
-    <p:extLst>
-      <p:ext uri="{BB962C8B-B14F-4D97-AF65-F5344CB8AC3E}">
-        <p14:creationId xmlns:p14="http://schemas.microsoft.com/office/powerpoint/2010/main" val="3450881982"/>
-      </p:ext>
-    </p:extLst>
   </p:cSld>
   <p:clrMapOvr>
     <a:masterClrMapping/>
@@ -5115,6 +5136,7 @@
               <a:rPr lang="zh-CN" altLang="en-US"/>
               <a:t>单击此处编辑母版标题样式</a:t>
             </a:r>
+            <a:endParaRPr lang="zh-CN" altLang="en-US"/>
           </a:p>
         </p:txBody>
       </p:sp>
@@ -5143,6 +5165,7 @@
               <a:rPr lang="zh-CN" altLang="en-US"/>
               <a:t>单击此处编辑母版文本样式</a:t>
             </a:r>
+            <a:endParaRPr lang="zh-CN" altLang="en-US"/>
           </a:p>
           <a:p>
             <a:pPr lvl="1"/>
@@ -5150,6 +5173,7 @@
               <a:rPr lang="zh-CN" altLang="en-US"/>
               <a:t>第二级</a:t>
             </a:r>
+            <a:endParaRPr lang="zh-CN" altLang="en-US"/>
           </a:p>
           <a:p>
             <a:pPr lvl="2"/>
@@ -5157,6 +5181,7 @@
               <a:rPr lang="zh-CN" altLang="en-US"/>
               <a:t>第三级</a:t>
             </a:r>
+            <a:endParaRPr lang="zh-CN" altLang="en-US"/>
           </a:p>
           <a:p>
             <a:pPr lvl="3"/>
@@ -5164,6 +5189,7 @@
               <a:rPr lang="zh-CN" altLang="en-US"/>
               <a:t>第四级</a:t>
             </a:r>
+            <a:endParaRPr lang="zh-CN" altLang="en-US"/>
           </a:p>
           <a:p>
             <a:pPr lvl="4"/>
@@ -5171,6 +5197,7 @@
               <a:rPr lang="zh-CN" altLang="en-US"/>
               <a:t>第五级</a:t>
             </a:r>
+            <a:endParaRPr lang="zh-CN" altLang="en-US"/>
           </a:p>
         </p:txBody>
       </p:sp>
@@ -5199,6 +5226,7 @@
               <a:rPr lang="zh-CN" altLang="en-US"/>
               <a:t>单击此处编辑母版文本样式</a:t>
             </a:r>
+            <a:endParaRPr lang="zh-CN" altLang="en-US"/>
           </a:p>
           <a:p>
             <a:pPr lvl="1"/>
@@ -5206,6 +5234,7 @@
               <a:rPr lang="zh-CN" altLang="en-US"/>
               <a:t>第二级</a:t>
             </a:r>
+            <a:endParaRPr lang="zh-CN" altLang="en-US"/>
           </a:p>
           <a:p>
             <a:pPr lvl="2"/>
@@ -5213,6 +5242,7 @@
               <a:rPr lang="zh-CN" altLang="en-US"/>
               <a:t>第三级</a:t>
             </a:r>
+            <a:endParaRPr lang="zh-CN" altLang="en-US"/>
           </a:p>
           <a:p>
             <a:pPr lvl="3"/>
@@ -5220,6 +5250,7 @@
               <a:rPr lang="zh-CN" altLang="en-US"/>
               <a:t>第四级</a:t>
             </a:r>
+            <a:endParaRPr lang="zh-CN" altLang="en-US"/>
           </a:p>
           <a:p>
             <a:pPr lvl="4"/>
@@ -5227,6 +5258,7 @@
               <a:rPr lang="zh-CN" altLang="en-US"/>
               <a:t>第五级</a:t>
             </a:r>
+            <a:endParaRPr lang="zh-CN" altLang="en-US"/>
           </a:p>
         </p:txBody>
       </p:sp>
@@ -5247,7 +5279,6 @@
           <a:p>
             <a:fld id="{1054D02C-597A-4DFE-87C7-FCA2505A5380}" type="datetime1">
               <a:rPr lang="zh-CN" altLang="en-US" smtClean="0"/>
-              <a:t>2021/2/18</a:t>
             </a:fld>
             <a:endParaRPr lang="zh-CN" altLang="en-US"/>
           </a:p>
@@ -5289,18 +5320,12 @@
           <a:p>
             <a:fld id="{CAB00AE0-F9D8-440E-9745-FF83361FB695}" type="slidenum">
               <a:rPr lang="zh-CN" altLang="en-US" smtClean="0"/>
-              <a:t>‹#›</a:t>
             </a:fld>
             <a:endParaRPr lang="zh-CN" altLang="en-US"/>
           </a:p>
         </p:txBody>
       </p:sp>
     </p:spTree>
-    <p:extLst>
-      <p:ext uri="{BB962C8B-B14F-4D97-AF65-F5344CB8AC3E}">
-        <p14:creationId xmlns:p14="http://schemas.microsoft.com/office/powerpoint/2010/main" val="572161564"/>
-      </p:ext>
-    </p:extLst>
   </p:cSld>
   <p:clrMapOvr>
     <a:masterClrMapping/>
@@ -5349,6 +5374,7 @@
               <a:rPr lang="zh-CN" altLang="en-US"/>
               <a:t>单击此处编辑母版标题样式</a:t>
             </a:r>
+            <a:endParaRPr lang="zh-CN" altLang="en-US"/>
           </a:p>
         </p:txBody>
       </p:sp>
@@ -5414,6 +5440,7 @@
               <a:rPr lang="zh-CN" altLang="en-US"/>
               <a:t>单击此处编辑母版文本样式</a:t>
             </a:r>
+            <a:endParaRPr lang="zh-CN" altLang="en-US"/>
           </a:p>
         </p:txBody>
       </p:sp>
@@ -5442,6 +5469,7 @@
               <a:rPr lang="zh-CN" altLang="en-US"/>
               <a:t>单击此处编辑母版文本样式</a:t>
             </a:r>
+            <a:endParaRPr lang="zh-CN" altLang="en-US"/>
           </a:p>
           <a:p>
             <a:pPr lvl="1"/>
@@ -5449,6 +5477,7 @@
               <a:rPr lang="zh-CN" altLang="en-US"/>
               <a:t>第二级</a:t>
             </a:r>
+            <a:endParaRPr lang="zh-CN" altLang="en-US"/>
           </a:p>
           <a:p>
             <a:pPr lvl="2"/>
@@ -5456,6 +5485,7 @@
               <a:rPr lang="zh-CN" altLang="en-US"/>
               <a:t>第三级</a:t>
             </a:r>
+            <a:endParaRPr lang="zh-CN" altLang="en-US"/>
           </a:p>
           <a:p>
             <a:pPr lvl="3"/>
@@ -5463,6 +5493,7 @@
               <a:rPr lang="zh-CN" altLang="en-US"/>
               <a:t>第四级</a:t>
             </a:r>
+            <a:endParaRPr lang="zh-CN" altLang="en-US"/>
           </a:p>
           <a:p>
             <a:pPr lvl="4"/>
@@ -5470,6 +5501,7 @@
               <a:rPr lang="zh-CN" altLang="en-US"/>
               <a:t>第五级</a:t>
             </a:r>
+            <a:endParaRPr lang="zh-CN" altLang="en-US"/>
           </a:p>
         </p:txBody>
       </p:sp>
@@ -5535,6 +5567,7 @@
               <a:rPr lang="zh-CN" altLang="en-US"/>
               <a:t>单击此处编辑母版文本样式</a:t>
             </a:r>
+            <a:endParaRPr lang="zh-CN" altLang="en-US"/>
           </a:p>
         </p:txBody>
       </p:sp>
@@ -5563,6 +5596,7 @@
               <a:rPr lang="zh-CN" altLang="en-US"/>
               <a:t>单击此处编辑母版文本样式</a:t>
             </a:r>
+            <a:endParaRPr lang="zh-CN" altLang="en-US"/>
           </a:p>
           <a:p>
             <a:pPr lvl="1"/>
@@ -5570,6 +5604,7 @@
               <a:rPr lang="zh-CN" altLang="en-US"/>
               <a:t>第二级</a:t>
             </a:r>
+            <a:endParaRPr lang="zh-CN" altLang="en-US"/>
           </a:p>
           <a:p>
             <a:pPr lvl="2"/>
@@ -5577,6 +5612,7 @@
               <a:rPr lang="zh-CN" altLang="en-US"/>
               <a:t>第三级</a:t>
             </a:r>
+            <a:endParaRPr lang="zh-CN" altLang="en-US"/>
           </a:p>
           <a:p>
             <a:pPr lvl="3"/>
@@ -5584,6 +5620,7 @@
               <a:rPr lang="zh-CN" altLang="en-US"/>
               <a:t>第四级</a:t>
             </a:r>
+            <a:endParaRPr lang="zh-CN" altLang="en-US"/>
           </a:p>
           <a:p>
             <a:pPr lvl="4"/>
@@ -5591,6 +5628,7 @@
               <a:rPr lang="zh-CN" altLang="en-US"/>
               <a:t>第五级</a:t>
             </a:r>
+            <a:endParaRPr lang="zh-CN" altLang="en-US"/>
           </a:p>
         </p:txBody>
       </p:sp>
@@ -5611,7 +5649,6 @@
           <a:p>
             <a:fld id="{9578A23B-DE5B-444A-8499-DA042FD12182}" type="datetime1">
               <a:rPr lang="zh-CN" altLang="en-US" smtClean="0"/>
-              <a:t>2021/2/18</a:t>
             </a:fld>
             <a:endParaRPr lang="zh-CN" altLang="en-US"/>
           </a:p>
@@ -5653,18 +5690,12 @@
           <a:p>
             <a:fld id="{CAB00AE0-F9D8-440E-9745-FF83361FB695}" type="slidenum">
               <a:rPr lang="zh-CN" altLang="en-US" smtClean="0"/>
-              <a:t>‹#›</a:t>
             </a:fld>
             <a:endParaRPr lang="zh-CN" altLang="en-US"/>
           </a:p>
         </p:txBody>
       </p:sp>
     </p:spTree>
-    <p:extLst>
-      <p:ext uri="{BB962C8B-B14F-4D97-AF65-F5344CB8AC3E}">
-        <p14:creationId xmlns:p14="http://schemas.microsoft.com/office/powerpoint/2010/main" val="2112133147"/>
-      </p:ext>
-    </p:extLst>
   </p:cSld>
   <p:clrMapOvr>
     <a:masterClrMapping/>
@@ -5708,6 +5739,7 @@
               <a:rPr lang="zh-CN" altLang="en-US"/>
               <a:t>单击此处编辑母版标题样式</a:t>
             </a:r>
+            <a:endParaRPr lang="zh-CN" altLang="en-US"/>
           </a:p>
         </p:txBody>
       </p:sp>
@@ -5728,7 +5760,6 @@
           <a:p>
             <a:fld id="{20D398F4-5A17-4D91-814C-71EE47096A27}" type="datetime1">
               <a:rPr lang="zh-CN" altLang="en-US" smtClean="0"/>
-              <a:t>2021/2/18</a:t>
             </a:fld>
             <a:endParaRPr lang="zh-CN" altLang="en-US"/>
           </a:p>
@@ -5770,18 +5801,12 @@
           <a:p>
             <a:fld id="{CAB00AE0-F9D8-440E-9745-FF83361FB695}" type="slidenum">
               <a:rPr lang="zh-CN" altLang="en-US" smtClean="0"/>
-              <a:t>‹#›</a:t>
             </a:fld>
             <a:endParaRPr lang="zh-CN" altLang="en-US"/>
           </a:p>
         </p:txBody>
       </p:sp>
     </p:spTree>
-    <p:extLst>
-      <p:ext uri="{BB962C8B-B14F-4D97-AF65-F5344CB8AC3E}">
-        <p14:creationId xmlns:p14="http://schemas.microsoft.com/office/powerpoint/2010/main" val="2966589089"/>
-      </p:ext>
-    </p:extLst>
   </p:cSld>
   <p:clrMapOvr>
     <a:masterClrMapping/>
@@ -5840,6 +5865,7 @@
               <a:rPr lang="zh-CN" altLang="en-US"/>
               <a:t>单击此处编辑母版标题样式</a:t>
             </a:r>
+            <a:endParaRPr lang="zh-CN" altLang="en-US"/>
           </a:p>
         </p:txBody>
       </p:sp>
@@ -5873,6 +5899,7 @@
               <a:rPr lang="zh-CN" altLang="en-US"/>
               <a:t>单击此处编辑母版文本样式</a:t>
             </a:r>
+            <a:endParaRPr lang="zh-CN" altLang="en-US"/>
           </a:p>
           <a:p>
             <a:pPr lvl="1"/>
@@ -5880,6 +5907,7 @@
               <a:rPr lang="zh-CN" altLang="en-US"/>
               <a:t>第二级</a:t>
             </a:r>
+            <a:endParaRPr lang="zh-CN" altLang="en-US"/>
           </a:p>
           <a:p>
             <a:pPr lvl="2"/>
@@ -5887,6 +5915,7 @@
               <a:rPr lang="zh-CN" altLang="en-US"/>
               <a:t>第三级</a:t>
             </a:r>
+            <a:endParaRPr lang="zh-CN" altLang="en-US"/>
           </a:p>
           <a:p>
             <a:pPr lvl="3"/>
@@ -5894,6 +5923,7 @@
               <a:rPr lang="zh-CN" altLang="en-US"/>
               <a:t>第四级</a:t>
             </a:r>
+            <a:endParaRPr lang="zh-CN" altLang="en-US"/>
           </a:p>
           <a:p>
             <a:pPr lvl="4"/>
@@ -5901,6 +5931,7 @@
               <a:rPr lang="zh-CN" altLang="en-US"/>
               <a:t>第五级</a:t>
             </a:r>
+            <a:endParaRPr lang="zh-CN" altLang="en-US"/>
           </a:p>
         </p:txBody>
       </p:sp>
@@ -5939,7 +5970,6 @@
           <a:p>
             <a:fld id="{F0097F28-54CF-4F93-9ACB-A92C45095708}" type="datetime1">
               <a:rPr lang="zh-CN" altLang="en-US" smtClean="0"/>
-              <a:t>2021/2/18</a:t>
             </a:fld>
             <a:endParaRPr lang="zh-CN" altLang="en-US"/>
           </a:p>
@@ -6017,35 +6047,29 @@
           <a:p>
             <a:fld id="{CAB00AE0-F9D8-440E-9745-FF83361FB695}" type="slidenum">
               <a:rPr lang="zh-CN" altLang="en-US" smtClean="0"/>
-              <a:t>‹#›</a:t>
             </a:fld>
             <a:endParaRPr lang="zh-CN" altLang="en-US"/>
           </a:p>
         </p:txBody>
       </p:sp>
     </p:spTree>
-    <p:extLst>
-      <p:ext uri="{BB962C8B-B14F-4D97-AF65-F5344CB8AC3E}">
-        <p14:creationId xmlns:p14="http://schemas.microsoft.com/office/powerpoint/2010/main" val="3285959801"/>
-      </p:ext>
-    </p:extLst>
   </p:cSld>
   <p:clrMap bg1="lt1" tx1="dk1" bg2="lt2" tx2="dk2" accent1="accent1" accent2="accent2" accent3="accent3" accent4="accent4" accent5="accent5" accent6="accent6" hlink="hlink" folHlink="folHlink"/>
   <p:sldLayoutIdLst>
-    <p:sldLayoutId id="2147483663" r:id="rId1"/>
-    <p:sldLayoutId id="2147483662" r:id="rId2"/>
-    <p:sldLayoutId id="2147483650" r:id="rId3"/>
-    <p:sldLayoutId id="2147483661" r:id="rId4"/>
-    <p:sldLayoutId id="2147483649" r:id="rId5"/>
-    <p:sldLayoutId id="2147483651" r:id="rId6"/>
-    <p:sldLayoutId id="2147483652" r:id="rId7"/>
-    <p:sldLayoutId id="2147483653" r:id="rId8"/>
-    <p:sldLayoutId id="2147483654" r:id="rId9"/>
-    <p:sldLayoutId id="2147483655" r:id="rId10"/>
-    <p:sldLayoutId id="2147483656" r:id="rId11"/>
-    <p:sldLayoutId id="2147483657" r:id="rId12"/>
-    <p:sldLayoutId id="2147483658" r:id="rId13"/>
-    <p:sldLayoutId id="2147483659" r:id="rId14"/>
+    <p:sldLayoutId id="2147483649" r:id="rId1"/>
+    <p:sldLayoutId id="2147483650" r:id="rId2"/>
+    <p:sldLayoutId id="2147483651" r:id="rId3"/>
+    <p:sldLayoutId id="2147483652" r:id="rId4"/>
+    <p:sldLayoutId id="2147483653" r:id="rId5"/>
+    <p:sldLayoutId id="2147483654" r:id="rId6"/>
+    <p:sldLayoutId id="2147483655" r:id="rId7"/>
+    <p:sldLayoutId id="2147483656" r:id="rId8"/>
+    <p:sldLayoutId id="2147483657" r:id="rId9"/>
+    <p:sldLayoutId id="2147483658" r:id="rId10"/>
+    <p:sldLayoutId id="2147483659" r:id="rId11"/>
+    <p:sldLayoutId id="2147483660" r:id="rId12"/>
+    <p:sldLayoutId id="2147483661" r:id="rId13"/>
+    <p:sldLayoutId id="2147483662" r:id="rId14"/>
   </p:sldLayoutIdLst>
   <p:hf hdr="0" ftr="0"/>
   <p:txStyles>
@@ -6357,7 +6381,7 @@
           <p:nvPr/>
         </p:nvPicPr>
         <p:blipFill rotWithShape="1">
-          <a:blip r:embed="rId2" cstate="print">
+          <a:blip r:embed="rId1" cstate="print">
             <a:extLst>
               <a:ext uri="{28A0092B-C50C-407E-A947-70E740481C1C}">
                 <a14:useLocalDpi xmlns:a14="http://schemas.microsoft.com/office/drawing/2010/main" val="0"/>
@@ -6365,7 +6389,9 @@
             </a:extLst>
           </a:blip>
           <a:srcRect l="37699" r="14274"/>
-          <a:stretch/>
+          <a:stretch>
+            <a:fillRect/>
+          </a:stretch>
         </p:blipFill>
         <p:spPr>
           <a:xfrm>
@@ -6386,7 +6412,7 @@
           <p:nvPr/>
         </p:nvPicPr>
         <p:blipFill>
-          <a:blip r:embed="rId3" cstate="print">
+          <a:blip r:embed="rId2" cstate="print">
             <a:extLst>
               <a:ext uri="{28A0092B-C50C-407E-A947-70E740481C1C}">
                 <a14:useLocalDpi xmlns:a14="http://schemas.microsoft.com/office/drawing/2010/main" val="0"/>
@@ -6416,7 +6442,7 @@
           <p:nvPr/>
         </p:nvPicPr>
         <p:blipFill>
-          <a:blip r:embed="rId4" cstate="print">
+          <a:blip r:embed="rId3" cstate="print">
             <a:extLst>
               <a:ext uri="{28A0092B-C50C-407E-A947-70E740481C1C}">
                 <a14:useLocalDpi xmlns:a14="http://schemas.microsoft.com/office/drawing/2010/main" val="0"/>
@@ -6683,20 +6709,15 @@
         </p:txBody>
       </p:sp>
     </p:spTree>
-    <p:extLst>
-      <p:ext uri="{BB962C8B-B14F-4D97-AF65-F5344CB8AC3E}">
-        <p14:creationId xmlns:p14="http://schemas.microsoft.com/office/powerpoint/2010/main" val="3580821844"/>
-      </p:ext>
-    </p:extLst>
   </p:cSld>
   <p:clrMapOvr>
     <a:masterClrMapping/>
   </p:clrMapOvr>
-  <mc:AlternateContent xmlns:mc="http://schemas.openxmlformats.org/markup-compatibility/2006" xmlns:p14="http://schemas.microsoft.com/office/powerpoint/2010/main">
-    <mc:Choice Requires="p14">
+  <mc:AlternateContent xmlns:mc="http://schemas.openxmlformats.org/markup-compatibility/2006">
+    <mc:Choice xmlns:p14="http://schemas.microsoft.com/office/powerpoint/2010/main" Requires="p14">
       <p:transition p14:dur="0"/>
     </mc:Choice>
-    <mc:Fallback xmlns="">
+    <mc:Fallback>
       <p:transition/>
     </mc:Fallback>
   </mc:AlternateContent>
@@ -7684,11 +7705,6 @@
         </p:txBody>
       </p:sp>
     </p:spTree>
-    <p:extLst>
-      <p:ext uri="{BB962C8B-B14F-4D97-AF65-F5344CB8AC3E}">
-        <p14:creationId xmlns:p14="http://schemas.microsoft.com/office/powerpoint/2010/main" val="3780552436"/>
-      </p:ext>
-    </p:extLst>
   </p:cSld>
   <p:clrMapOvr>
     <a:masterClrMapping/>
@@ -8241,13 +8257,7 @@
       </p:sp>
       <p:sp>
         <p:nvSpPr>
-          <p:cNvPr id="2" name="文本框 1">
-            <a:extLst>
-              <a:ext uri="{FF2B5EF4-FFF2-40B4-BE49-F238E27FC236}">
-                <a16:creationId xmlns="" xmlns:a16="http://schemas.microsoft.com/office/drawing/2014/main" id="{851CDFD7-5C9E-4E8C-82E9-E31F55931347}"/>
-              </a:ext>
-            </a:extLst>
-          </p:cNvPr>
+          <p:cNvPr id="2" name="文本框 1"/>
           <p:cNvSpPr txBox="1"/>
           <p:nvPr/>
         </p:nvSpPr>
@@ -8465,13 +8475,7 @@
       </p:sp>
       <p:sp>
         <p:nvSpPr>
-          <p:cNvPr id="27" name="箭头: 五边形 29">
-            <a:extLst>
-              <a:ext uri="{FF2B5EF4-FFF2-40B4-BE49-F238E27FC236}">
-                <a16:creationId xmlns="" xmlns:a16="http://schemas.microsoft.com/office/drawing/2014/main" id="{DAB6CC48-B0D6-471B-B188-D7433129D682}"/>
-              </a:ext>
-            </a:extLst>
-          </p:cNvPr>
+          <p:cNvPr id="27" name="箭头: 五边形 29"/>
           <p:cNvSpPr/>
           <p:nvPr/>
         </p:nvSpPr>
@@ -8535,7 +8539,7 @@
           <p:nvPr/>
         </p:nvPicPr>
         <p:blipFill>
-          <a:blip r:embed="rId3">
+          <a:blip r:embed="rId1">
             <a:extLst>
               <a:ext uri="{28A0092B-C50C-407E-A947-70E740481C1C}">
                 <a14:useLocalDpi xmlns:a14="http://schemas.microsoft.com/office/drawing/2010/main" val="0"/>
@@ -8565,7 +8569,7 @@
           <p:nvPr/>
         </p:nvPicPr>
         <p:blipFill>
-          <a:blip r:embed="rId4">
+          <a:blip r:embed="rId2">
             <a:extLst>
               <a:ext uri="{28A0092B-C50C-407E-A947-70E740481C1C}">
                 <a14:useLocalDpi xmlns:a14="http://schemas.microsoft.com/office/drawing/2010/main" val="0"/>
@@ -8587,11 +8591,6 @@
         </p:spPr>
       </p:pic>
     </p:spTree>
-    <p:extLst>
-      <p:ext uri="{BB962C8B-B14F-4D97-AF65-F5344CB8AC3E}">
-        <p14:creationId xmlns:p14="http://schemas.microsoft.com/office/powerpoint/2010/main" val="1690519620"/>
-      </p:ext>
-    </p:extLst>
   </p:cSld>
   <p:clrMapOvr>
     <a:masterClrMapping/>
@@ -8647,8 +8646,6 @@
                   <a:srgbClr val="BDBDBD"/>
                 </a:solidFill>
               </a:rPr>
-              <a:pPr/>
-              <a:t>12</a:t>
             </a:fld>
             <a:endParaRPr lang="zh-CN" altLang="en-US">
               <a:solidFill>
@@ -8778,7 +8775,7 @@
           <p:nvPr/>
         </p:nvPicPr>
         <p:blipFill rotWithShape="1">
-          <a:blip r:embed="rId2" cstate="print">
+          <a:blip r:embed="rId1" cstate="print">
             <a:extLst>
               <a:ext uri="{28A0092B-C50C-407E-A947-70E740481C1C}">
                 <a14:useLocalDpi xmlns:a14="http://schemas.microsoft.com/office/drawing/2010/main" val="0"/>
@@ -8786,7 +8783,9 @@
             </a:extLst>
           </a:blip>
           <a:srcRect t="46436"/>
-          <a:stretch/>
+          <a:stretch>
+            <a:fillRect/>
+          </a:stretch>
         </p:blipFill>
         <p:spPr>
           <a:xfrm>
@@ -8807,7 +8806,7 @@
           <p:nvPr/>
         </p:nvPicPr>
         <p:blipFill>
-          <a:blip r:embed="rId3" cstate="print">
+          <a:blip r:embed="rId2" cstate="print">
             <a:extLst>
               <a:ext uri="{28A0092B-C50C-407E-A947-70E740481C1C}">
                 <a14:useLocalDpi xmlns:a14="http://schemas.microsoft.com/office/drawing/2010/main" val="0"/>
@@ -9001,11 +9000,6 @@
         </p:txBody>
       </p:sp>
     </p:spTree>
-    <p:extLst>
-      <p:ext uri="{BB962C8B-B14F-4D97-AF65-F5344CB8AC3E}">
-        <p14:creationId xmlns:p14="http://schemas.microsoft.com/office/powerpoint/2010/main" val="671369656"/>
-      </p:ext>
-    </p:extLst>
   </p:cSld>
   <p:clrMapOvr>
     <a:masterClrMapping/>
@@ -9558,13 +9552,7 @@
       </p:sp>
       <p:sp>
         <p:nvSpPr>
-          <p:cNvPr id="7" name="文本框 6">
-            <a:extLst>
-              <a:ext uri="{FF2B5EF4-FFF2-40B4-BE49-F238E27FC236}">
-                <a16:creationId xmlns="" xmlns:a16="http://schemas.microsoft.com/office/drawing/2014/main" id="{AFFCF1AD-71D0-456C-9CE1-90FE52800ED6}"/>
-              </a:ext>
-            </a:extLst>
-          </p:cNvPr>
+          <p:cNvPr id="7" name="文本框 6"/>
           <p:cNvSpPr txBox="1"/>
           <p:nvPr/>
         </p:nvSpPr>
@@ -9740,11 +9728,6 @@
         </p:txBody>
       </p:sp>
     </p:spTree>
-    <p:extLst>
-      <p:ext uri="{BB962C8B-B14F-4D97-AF65-F5344CB8AC3E}">
-        <p14:creationId xmlns:p14="http://schemas.microsoft.com/office/powerpoint/2010/main" val="1142781965"/>
-      </p:ext>
-    </p:extLst>
   </p:cSld>
   <p:clrMapOvr>
     <a:masterClrMapping/>
@@ -10297,13 +10280,7 @@
       </p:sp>
       <p:sp>
         <p:nvSpPr>
-          <p:cNvPr id="7" name="文本框 6">
-            <a:extLst>
-              <a:ext uri="{FF2B5EF4-FFF2-40B4-BE49-F238E27FC236}">
-                <a16:creationId xmlns="" xmlns:a16="http://schemas.microsoft.com/office/drawing/2014/main" id="{AFFCF1AD-71D0-456C-9CE1-90FE52800ED6}"/>
-              </a:ext>
-            </a:extLst>
-          </p:cNvPr>
+          <p:cNvPr id="7" name="文本框 6"/>
           <p:cNvSpPr txBox="1"/>
           <p:nvPr/>
         </p:nvSpPr>
@@ -10360,7 +10337,7 @@
           <p:nvPr/>
         </p:nvPicPr>
         <p:blipFill>
-          <a:blip r:embed="rId3">
+          <a:blip r:embed="rId1">
             <a:extLst>
               <a:ext uri="{28A0092B-C50C-407E-A947-70E740481C1C}">
                 <a14:useLocalDpi xmlns:a14="http://schemas.microsoft.com/office/drawing/2010/main" val="0"/>
@@ -10382,11 +10359,6 @@
         </p:spPr>
       </p:pic>
     </p:spTree>
-    <p:extLst>
-      <p:ext uri="{BB962C8B-B14F-4D97-AF65-F5344CB8AC3E}">
-        <p14:creationId xmlns:p14="http://schemas.microsoft.com/office/powerpoint/2010/main" val="2231549898"/>
-      </p:ext>
-    </p:extLst>
   </p:cSld>
   <p:clrMapOvr>
     <a:masterClrMapping/>
@@ -10939,13 +10911,7 @@
       </p:sp>
       <p:sp>
         <p:nvSpPr>
-          <p:cNvPr id="7" name="文本框 6">
-            <a:extLst>
-              <a:ext uri="{FF2B5EF4-FFF2-40B4-BE49-F238E27FC236}">
-                <a16:creationId xmlns="" xmlns:a16="http://schemas.microsoft.com/office/drawing/2014/main" id="{AFFCF1AD-71D0-456C-9CE1-90FE52800ED6}"/>
-              </a:ext>
-            </a:extLst>
-          </p:cNvPr>
+          <p:cNvPr id="7" name="文本框 6"/>
           <p:cNvSpPr txBox="1"/>
           <p:nvPr/>
         </p:nvSpPr>
@@ -11009,7 +10975,7 @@
           <p:nvPr/>
         </p:nvPicPr>
         <p:blipFill>
-          <a:blip r:embed="rId3">
+          <a:blip r:embed="rId1">
             <a:extLst>
               <a:ext uri="{28A0092B-C50C-407E-A947-70E740481C1C}">
                 <a14:useLocalDpi xmlns:a14="http://schemas.microsoft.com/office/drawing/2010/main" val="0"/>
@@ -11031,11 +10997,6 @@
         </p:spPr>
       </p:pic>
     </p:spTree>
-    <p:extLst>
-      <p:ext uri="{BB962C8B-B14F-4D97-AF65-F5344CB8AC3E}">
-        <p14:creationId xmlns:p14="http://schemas.microsoft.com/office/powerpoint/2010/main" val="1354420801"/>
-      </p:ext>
-    </p:extLst>
   </p:cSld>
   <p:clrMapOvr>
     <a:masterClrMapping/>
@@ -11588,13 +11549,7 @@
       </p:sp>
       <p:sp>
         <p:nvSpPr>
-          <p:cNvPr id="7" name="文本框 6">
-            <a:extLst>
-              <a:ext uri="{FF2B5EF4-FFF2-40B4-BE49-F238E27FC236}">
-                <a16:creationId xmlns="" xmlns:a16="http://schemas.microsoft.com/office/drawing/2014/main" id="{AFFCF1AD-71D0-456C-9CE1-90FE52800ED6}"/>
-              </a:ext>
-            </a:extLst>
-          </p:cNvPr>
+          <p:cNvPr id="7" name="文本框 6"/>
           <p:cNvSpPr txBox="1"/>
           <p:nvPr/>
         </p:nvSpPr>
@@ -11651,7 +11606,7 @@
           <p:nvPr/>
         </p:nvPicPr>
         <p:blipFill>
-          <a:blip r:embed="rId3">
+          <a:blip r:embed="rId1">
             <a:extLst>
               <a:ext uri="{28A0092B-C50C-407E-A947-70E740481C1C}">
                 <a14:useLocalDpi xmlns:a14="http://schemas.microsoft.com/office/drawing/2010/main" val="0"/>
@@ -11673,11 +11628,6 @@
         </p:spPr>
       </p:pic>
     </p:spTree>
-    <p:extLst>
-      <p:ext uri="{BB962C8B-B14F-4D97-AF65-F5344CB8AC3E}">
-        <p14:creationId xmlns:p14="http://schemas.microsoft.com/office/powerpoint/2010/main" val="826757248"/>
-      </p:ext>
-    </p:extLst>
   </p:cSld>
   <p:clrMapOvr>
     <a:masterClrMapping/>
@@ -11733,8 +11683,6 @@
                   <a:srgbClr val="BDBDBD"/>
                 </a:solidFill>
               </a:rPr>
-              <a:pPr/>
-              <a:t>17</a:t>
             </a:fld>
             <a:endParaRPr lang="zh-CN" altLang="en-US">
               <a:solidFill>
@@ -11864,7 +11812,7 @@
           <p:nvPr/>
         </p:nvPicPr>
         <p:blipFill rotWithShape="1">
-          <a:blip r:embed="rId2" cstate="print">
+          <a:blip r:embed="rId1" cstate="print">
             <a:extLst>
               <a:ext uri="{28A0092B-C50C-407E-A947-70E740481C1C}">
                 <a14:useLocalDpi xmlns:a14="http://schemas.microsoft.com/office/drawing/2010/main" val="0"/>
@@ -11872,7 +11820,9 @@
             </a:extLst>
           </a:blip>
           <a:srcRect t="46436"/>
-          <a:stretch/>
+          <a:stretch>
+            <a:fillRect/>
+          </a:stretch>
         </p:blipFill>
         <p:spPr>
           <a:xfrm>
@@ -11893,7 +11843,7 @@
           <p:nvPr/>
         </p:nvPicPr>
         <p:blipFill>
-          <a:blip r:embed="rId3" cstate="print">
+          <a:blip r:embed="rId2" cstate="print">
             <a:extLst>
               <a:ext uri="{28A0092B-C50C-407E-A947-70E740481C1C}">
                 <a14:useLocalDpi xmlns:a14="http://schemas.microsoft.com/office/drawing/2010/main" val="0"/>
@@ -12097,11 +12047,6 @@
         </p:txBody>
       </p:sp>
     </p:spTree>
-    <p:extLst>
-      <p:ext uri="{BB962C8B-B14F-4D97-AF65-F5344CB8AC3E}">
-        <p14:creationId xmlns:p14="http://schemas.microsoft.com/office/powerpoint/2010/main" val="1500773776"/>
-      </p:ext>
-    </p:extLst>
   </p:cSld>
   <p:clrMapOvr>
     <a:masterClrMapping/>
@@ -12661,7 +12606,7 @@
         <p:spPr>
           <a:xfrm>
             <a:off x="509155" y="904009"/>
-            <a:ext cx="10380518" cy="2031325"/>
+            <a:ext cx="10380518" cy="1476375"/>
           </a:xfrm>
           <a:prstGeom prst="rect">
             <a:avLst/>
@@ -12742,7 +12687,19 @@
             </a:r>
             <a:r>
               <a:rPr lang="zh-CN" altLang="en-US" dirty="0" smtClean="0"/>
-              <a:t>（参数封裝、启动流程）</a:t>
+              <a:t>（参数封裝、启动流程、反射创建</a:t>
+            </a:r>
+            <a:r>
+              <a:rPr lang="en-US" altLang="zh-CN" dirty="0" smtClean="0"/>
+              <a:t>channel</a:t>
+            </a:r>
+            <a:r>
+              <a:rPr lang="zh-CN" altLang="en-US" dirty="0" smtClean="0"/>
+              <a:t>流程</a:t>
+            </a:r>
+            <a:r>
+              <a:rPr lang="zh-CN" altLang="en-US" dirty="0" smtClean="0"/>
+              <a:t>）</a:t>
             </a:r>
             <a:endParaRPr lang="en-US" altLang="zh-CN" dirty="0" smtClean="0"/>
           </a:p>
@@ -12846,34 +12803,35 @@
               <a:rPr lang="zh-CN" altLang="en-US" dirty="0" smtClean="0"/>
               <a:t>）</a:t>
             </a:r>
-            <a:endParaRPr lang="en-US" altLang="zh-CN" dirty="0" smtClean="0"/>
-          </a:p>
-          <a:p>
-            <a:r>
-              <a:rPr lang="en-US" altLang="zh-CN" dirty="0" smtClean="0"/>
-              <a:t>5</a:t>
-            </a:r>
-            <a:r>
-              <a:rPr lang="zh-CN" altLang="en-US" dirty="0" smtClean="0"/>
-              <a:t>、</a:t>
-            </a:r>
-            <a:r>
-              <a:rPr lang="en-US" altLang="zh-CN" dirty="0" err="1" smtClean="0"/>
-              <a:t>Bytebuf</a:t>
-            </a:r>
-            <a:endParaRPr lang="en-US" altLang="zh-CN" dirty="0" smtClean="0"/>
-          </a:p>
-          <a:p>
             <a:endParaRPr lang="zh-CN" altLang="en-US" dirty="0"/>
           </a:p>
         </p:txBody>
       </p:sp>
+      <p:pic>
+        <p:nvPicPr>
+          <p:cNvPr id="5" name="图片 4" descr="reactor在netty中运用 (2)"/>
+          <p:cNvPicPr>
+            <a:picLocks noChangeAspect="1"/>
+          </p:cNvPicPr>
+          <p:nvPr/>
+        </p:nvPicPr>
+        <p:blipFill>
+          <a:blip r:embed="rId1"/>
+          <a:stretch>
+            <a:fillRect/>
+          </a:stretch>
+        </p:blipFill>
+        <p:spPr>
+          <a:xfrm>
+            <a:off x="2065020" y="2707005"/>
+            <a:ext cx="7437755" cy="3419475"/>
+          </a:xfrm>
+          <a:prstGeom prst="rect">
+            <a:avLst/>
+          </a:prstGeom>
+        </p:spPr>
+      </p:pic>
     </p:spTree>
-    <p:extLst>
-      <p:ext uri="{BB962C8B-B14F-4D97-AF65-F5344CB8AC3E}">
-        <p14:creationId xmlns:p14="http://schemas.microsoft.com/office/powerpoint/2010/main" val="2203330744"/>
-      </p:ext>
-    </p:extLst>
   </p:cSld>
   <p:clrMapOvr>
     <a:masterClrMapping/>
@@ -13380,7 +13338,7 @@
         <p:spPr>
           <a:xfrm>
             <a:off x="312577" y="210791"/>
-            <a:ext cx="1638938" cy="369332"/>
+            <a:ext cx="1638938" cy="368300"/>
           </a:xfrm>
           <a:prstGeom prst="rect">
             <a:avLst/>
@@ -13401,8 +13359,9 @@
                 </a:solidFill>
                 <a:latin typeface="微软雅黑" panose="020B0503020204020204" pitchFamily="34" charset="-122"/>
                 <a:ea typeface="微软雅黑" panose="020B0503020204020204" pitchFamily="34" charset="-122"/>
-              </a:rPr>
-              <a:t>Reactor</a:t>
+                <a:sym typeface="+mn-ea"/>
+              </a:rPr>
+              <a:t>Netty</a:t>
             </a:r>
             <a:r>
               <a:rPr lang="zh-CN" altLang="en-US" b="1" smtClean="0">
@@ -13411,8 +13370,9 @@
                 </a:solidFill>
                 <a:latin typeface="微软雅黑" panose="020B0503020204020204" pitchFamily="34" charset="-122"/>
                 <a:ea typeface="微软雅黑" panose="020B0503020204020204" pitchFamily="34" charset="-122"/>
-              </a:rPr>
-              <a:t>模型</a:t>
+                <a:sym typeface="+mn-ea"/>
+              </a:rPr>
+              <a:t>实战</a:t>
             </a:r>
             <a:endParaRPr lang="zh-CN" altLang="en-US" b="1" dirty="0">
               <a:solidFill>
@@ -13426,13 +13386,7 @@
       </p:sp>
       <p:sp>
         <p:nvSpPr>
-          <p:cNvPr id="7" name="文本框 6">
-            <a:extLst>
-              <a:ext uri="{FF2B5EF4-FFF2-40B4-BE49-F238E27FC236}">
-                <a16:creationId xmlns="" xmlns:a16="http://schemas.microsoft.com/office/drawing/2014/main" id="{AFFCF1AD-71D0-456C-9CE1-90FE52800ED6}"/>
-              </a:ext>
-            </a:extLst>
-          </p:cNvPr>
+          <p:cNvPr id="7" name="文本框 6"/>
           <p:cNvSpPr txBox="1"/>
           <p:nvPr/>
         </p:nvSpPr>
@@ -13465,20 +13419,14 @@
       </p:sp>
       <p:sp>
         <p:nvSpPr>
-          <p:cNvPr id="27" name="文本框 1">
-            <a:extLst>
-              <a:ext uri="{FF2B5EF4-FFF2-40B4-BE49-F238E27FC236}">
-                <a16:creationId xmlns="" xmlns:a16="http://schemas.microsoft.com/office/drawing/2014/main" id="{851CDFD7-5C9E-4E8C-82E9-E31F55931347}"/>
-              </a:ext>
-            </a:extLst>
-          </p:cNvPr>
+          <p:cNvPr id="27" name="文本框 1"/>
           <p:cNvSpPr txBox="1"/>
           <p:nvPr/>
         </p:nvSpPr>
         <p:spPr>
           <a:xfrm>
-            <a:off x="292340" y="1452424"/>
-            <a:ext cx="11408367" cy="1477328"/>
+            <a:off x="292340" y="1462584"/>
+            <a:ext cx="11408367" cy="1476375"/>
           </a:xfrm>
           <a:prstGeom prst="rect">
             <a:avLst/>
@@ -13492,7 +13440,7 @@
           <a:lstStyle/>
           <a:p>
             <a:pPr marL="285750" indent="-285750">
-              <a:buFont typeface="Arial" pitchFamily="34" charset="0"/>
+              <a:buFont typeface="Arial" panose="020B0604020202020204" pitchFamily="34" charset="0"/>
               <a:buChar char="•"/>
             </a:pPr>
             <a:r>
@@ -13515,7 +13463,7 @@
           </a:p>
           <a:p>
             <a:pPr marL="285750" indent="-285750">
-              <a:buFont typeface="Arial" pitchFamily="34" charset="0"/>
+              <a:buFont typeface="Arial" panose="020B0604020202020204" pitchFamily="34" charset="0"/>
               <a:buChar char="•"/>
             </a:pPr>
             <a:r>
@@ -13550,7 +13498,7 @@
           </a:p>
           <a:p>
             <a:pPr marL="285750" indent="-285750">
-              <a:buFont typeface="Arial" pitchFamily="34" charset="0"/>
+              <a:buFont typeface="Arial" panose="020B0604020202020204" pitchFamily="34" charset="0"/>
               <a:buChar char="•"/>
             </a:pPr>
             <a:r>
@@ -13573,7 +13521,7 @@
           </a:p>
           <a:p>
             <a:pPr marL="285750" indent="-285750">
-              <a:buFont typeface="Arial" pitchFamily="34" charset="0"/>
+              <a:buFont typeface="Arial" panose="020B0604020202020204" pitchFamily="34" charset="0"/>
               <a:buChar char="•"/>
             </a:pPr>
             <a:r>
@@ -13596,25 +13544,46 @@
               <a:rPr lang="zh-CN" altLang="en-US" dirty="0" smtClean="0"/>
               <a:t>方法的性能优化（位与和取余）</a:t>
             </a:r>
-            <a:endParaRPr lang="en-US" altLang="zh-CN" dirty="0" smtClean="0"/>
+            <a:endParaRPr lang="zh-CN" altLang="en-US" dirty="0" smtClean="0"/>
           </a:p>
           <a:p>
             <a:pPr marL="285750" indent="-285750">
-              <a:buFont typeface="Arial" pitchFamily="34" charset="0"/>
+              <a:buFont typeface="Arial" panose="020B0604020202020204" pitchFamily="34" charset="0"/>
               <a:buChar char="•"/>
             </a:pPr>
-            <a:endParaRPr lang="en-US" altLang="zh-CN" dirty="0">
-              <a:latin typeface="+mn-ea"/>
-            </a:endParaRPr>
+            <a:r>
+              <a:rPr dirty="0" smtClean="0"/>
+              <a:t>SingleThreadEventExecutor</a:t>
+            </a:r>
+            <a:r>
+              <a:rPr lang="zh-CN" dirty="0" smtClean="0"/>
+              <a:t>中的</a:t>
+            </a:r>
+            <a:r>
+              <a:rPr lang="en-US" altLang="zh-CN" dirty="0" smtClean="0"/>
+              <a:t>thread</a:t>
+            </a:r>
+            <a:r>
+              <a:rPr lang="zh-CN" altLang="en-US" dirty="0" smtClean="0"/>
+              <a:t>线程（处理</a:t>
+            </a:r>
+            <a:r>
+              <a:rPr lang="en-US" altLang="zh-CN" dirty="0" smtClean="0"/>
+              <a:t>select</a:t>
+            </a:r>
+            <a:r>
+              <a:rPr lang="zh-CN" altLang="en-US" dirty="0" smtClean="0"/>
+              <a:t>循环</a:t>
+            </a:r>
+            <a:r>
+              <a:rPr lang="zh-CN" altLang="en-US" dirty="0" smtClean="0"/>
+              <a:t>）和executor线程池（处理异步任务）</a:t>
+            </a:r>
+            <a:endParaRPr lang="zh-CN" altLang="en-US" dirty="0" smtClean="0"/>
           </a:p>
         </p:txBody>
       </p:sp>
     </p:spTree>
-    <p:extLst>
-      <p:ext uri="{BB962C8B-B14F-4D97-AF65-F5344CB8AC3E}">
-        <p14:creationId xmlns:p14="http://schemas.microsoft.com/office/powerpoint/2010/main" val="3983292409"/>
-      </p:ext>
-    </p:extLst>
   </p:cSld>
   <p:clrMapOvr>
     <a:masterClrMapping/>
@@ -13651,15 +13620,8 @@
       </p:grpSpPr>
       <p:cxnSp>
         <p:nvCxnSpPr>
-          <p:cNvPr id="19" name="直接连接符 18">
-            <a:extLst>
-              <a:ext uri="{FF2B5EF4-FFF2-40B4-BE49-F238E27FC236}">
-                <a16:creationId xmlns="" xmlns:a16="http://schemas.microsoft.com/office/drawing/2014/main" id="{4F82AEC9-8133-4E99-A3E8-17EDF383156A}"/>
-              </a:ext>
-            </a:extLst>
-          </p:cNvPr>
+          <p:cNvPr id="19" name="直接连接符 18"/>
           <p:cNvCxnSpPr>
-            <a:cxnSpLocks/>
             <a:stCxn id="2" idx="0"/>
             <a:endCxn id="18" idx="0"/>
           </p:cNvCxnSpPr>
@@ -13724,6 +13686,13 @@
               </a:rPr>
               <a:t>目 录</a:t>
             </a:r>
+            <a:endParaRPr lang="zh-CN" altLang="en-US" sz="3600" dirty="0">
+              <a:solidFill>
+                <a:srgbClr val="00A0FA"/>
+              </a:solidFill>
+              <a:latin typeface="微软雅黑" panose="020B0503020204020204" pitchFamily="34" charset="-122"/>
+              <a:ea typeface="微软雅黑" panose="020B0503020204020204" pitchFamily="34" charset="-122"/>
+            </a:endParaRPr>
           </a:p>
         </p:txBody>
       </p:sp>
@@ -13748,7 +13717,6 @@
                   <a:schemeClr val="bg1"/>
                 </a:solidFill>
               </a:rPr>
-              <a:t>2</a:t>
             </a:fld>
             <a:endParaRPr lang="zh-CN" altLang="en-US">
               <a:solidFill>
@@ -13760,13 +13728,7 @@
       </p:sp>
       <p:sp>
         <p:nvSpPr>
-          <p:cNvPr id="2" name="椭圆 1">
-            <a:extLst>
-              <a:ext uri="{FF2B5EF4-FFF2-40B4-BE49-F238E27FC236}">
-                <a16:creationId xmlns="" xmlns:a16="http://schemas.microsoft.com/office/drawing/2014/main" id="{F6F496CA-19B2-4E5E-9689-0B78E17A5E9B}"/>
-              </a:ext>
-            </a:extLst>
-          </p:cNvPr>
+          <p:cNvPr id="2" name="椭圆 1"/>
           <p:cNvSpPr/>
           <p:nvPr/>
         </p:nvSpPr>
@@ -13819,13 +13781,7 @@
       </p:sp>
       <p:sp>
         <p:nvSpPr>
-          <p:cNvPr id="12" name="椭圆 11">
-            <a:extLst>
-              <a:ext uri="{FF2B5EF4-FFF2-40B4-BE49-F238E27FC236}">
-                <a16:creationId xmlns="" xmlns:a16="http://schemas.microsoft.com/office/drawing/2014/main" id="{F948F2CF-6BF4-4364-B94C-9C895F9D6EE3}"/>
-              </a:ext>
-            </a:extLst>
-          </p:cNvPr>
+          <p:cNvPr id="12" name="椭圆 11"/>
           <p:cNvSpPr/>
           <p:nvPr/>
         </p:nvSpPr>
@@ -13878,13 +13834,7 @@
       </p:sp>
       <p:sp>
         <p:nvSpPr>
-          <p:cNvPr id="16" name="椭圆 15">
-            <a:extLst>
-              <a:ext uri="{FF2B5EF4-FFF2-40B4-BE49-F238E27FC236}">
-                <a16:creationId xmlns="" xmlns:a16="http://schemas.microsoft.com/office/drawing/2014/main" id="{B960579D-4B18-4045-A7DF-5A5607CE4911}"/>
-              </a:ext>
-            </a:extLst>
-          </p:cNvPr>
+          <p:cNvPr id="16" name="椭圆 15"/>
           <p:cNvSpPr/>
           <p:nvPr/>
         </p:nvSpPr>
@@ -13937,13 +13887,7 @@
       </p:sp>
       <p:sp>
         <p:nvSpPr>
-          <p:cNvPr id="18" name="椭圆 17">
-            <a:extLst>
-              <a:ext uri="{FF2B5EF4-FFF2-40B4-BE49-F238E27FC236}">
-                <a16:creationId xmlns="" xmlns:a16="http://schemas.microsoft.com/office/drawing/2014/main" id="{EBF22627-4B0D-4815-9CD7-70126627A3F2}"/>
-              </a:ext>
-            </a:extLst>
-          </p:cNvPr>
+          <p:cNvPr id="18" name="椭圆 17"/>
           <p:cNvSpPr/>
           <p:nvPr/>
         </p:nvSpPr>
@@ -13996,13 +13940,7 @@
       </p:sp>
       <p:sp>
         <p:nvSpPr>
-          <p:cNvPr id="23" name="文本框 22">
-            <a:extLst>
-              <a:ext uri="{FF2B5EF4-FFF2-40B4-BE49-F238E27FC236}">
-                <a16:creationId xmlns="" xmlns:a16="http://schemas.microsoft.com/office/drawing/2014/main" id="{162BAE3B-3985-4DE1-BDEC-CE283FEC7C9F}"/>
-              </a:ext>
-            </a:extLst>
-          </p:cNvPr>
+          <p:cNvPr id="23" name="文本框 22"/>
           <p:cNvSpPr txBox="1"/>
           <p:nvPr/>
         </p:nvSpPr>
@@ -14066,13 +14004,7 @@
       </p:sp>
       <p:sp>
         <p:nvSpPr>
-          <p:cNvPr id="25" name="文本框 24">
-            <a:extLst>
-              <a:ext uri="{FF2B5EF4-FFF2-40B4-BE49-F238E27FC236}">
-                <a16:creationId xmlns="" xmlns:a16="http://schemas.microsoft.com/office/drawing/2014/main" id="{BB02A754-638E-446B-8201-0308E849C701}"/>
-              </a:ext>
-            </a:extLst>
-          </p:cNvPr>
+          <p:cNvPr id="25" name="文本框 24"/>
           <p:cNvSpPr txBox="1"/>
           <p:nvPr/>
         </p:nvSpPr>
@@ -14115,13 +14047,7 @@
       </p:sp>
       <p:sp>
         <p:nvSpPr>
-          <p:cNvPr id="27" name="文本框 26">
-            <a:extLst>
-              <a:ext uri="{FF2B5EF4-FFF2-40B4-BE49-F238E27FC236}">
-                <a16:creationId xmlns="" xmlns:a16="http://schemas.microsoft.com/office/drawing/2014/main" id="{7509A0A5-F09B-4E46-AD58-F06EA84CDE63}"/>
-              </a:ext>
-            </a:extLst>
-          </p:cNvPr>
+          <p:cNvPr id="27" name="文本框 26"/>
           <p:cNvSpPr txBox="1"/>
           <p:nvPr/>
         </p:nvSpPr>
@@ -14164,13 +14090,7 @@
       </p:sp>
       <p:sp>
         <p:nvSpPr>
-          <p:cNvPr id="29" name="文本框 28">
-            <a:extLst>
-              <a:ext uri="{FF2B5EF4-FFF2-40B4-BE49-F238E27FC236}">
-                <a16:creationId xmlns="" xmlns:a16="http://schemas.microsoft.com/office/drawing/2014/main" id="{702BE785-F4A2-4751-9B5B-9D0686289990}"/>
-              </a:ext>
-            </a:extLst>
-          </p:cNvPr>
+          <p:cNvPr id="29" name="文本框 28"/>
           <p:cNvSpPr txBox="1"/>
           <p:nvPr/>
         </p:nvSpPr>
@@ -14212,11 +14132,6 @@
         </p:txBody>
       </p:sp>
     </p:spTree>
-    <p:extLst>
-      <p:ext uri="{BB962C8B-B14F-4D97-AF65-F5344CB8AC3E}">
-        <p14:creationId xmlns:p14="http://schemas.microsoft.com/office/powerpoint/2010/main" val="333478848"/>
-      </p:ext>
-    </p:extLst>
   </p:cSld>
   <p:clrMapOvr>
     <a:masterClrMapping/>
@@ -14723,7 +14638,7 @@
         <p:spPr>
           <a:xfrm>
             <a:off x="312577" y="210791"/>
-            <a:ext cx="1638938" cy="369332"/>
+            <a:ext cx="1638938" cy="368300"/>
           </a:xfrm>
           <a:prstGeom prst="rect">
             <a:avLst/>
@@ -14744,8 +14659,9 @@
                 </a:solidFill>
                 <a:latin typeface="微软雅黑" panose="020B0503020204020204" pitchFamily="34" charset="-122"/>
                 <a:ea typeface="微软雅黑" panose="020B0503020204020204" pitchFamily="34" charset="-122"/>
-              </a:rPr>
-              <a:t>Reactor</a:t>
+                <a:sym typeface="+mn-ea"/>
+              </a:rPr>
+              <a:t>Netty</a:t>
             </a:r>
             <a:r>
               <a:rPr lang="zh-CN" altLang="en-US" b="1" smtClean="0">
@@ -14754,8 +14670,9 @@
                 </a:solidFill>
                 <a:latin typeface="微软雅黑" panose="020B0503020204020204" pitchFamily="34" charset="-122"/>
                 <a:ea typeface="微软雅黑" panose="020B0503020204020204" pitchFamily="34" charset="-122"/>
-              </a:rPr>
-              <a:t>模型</a:t>
+                <a:sym typeface="+mn-ea"/>
+              </a:rPr>
+              <a:t>实战</a:t>
             </a:r>
             <a:endParaRPr lang="zh-CN" altLang="en-US" b="1" dirty="0">
               <a:solidFill>
@@ -14769,20 +14686,14 @@
       </p:sp>
       <p:sp>
         <p:nvSpPr>
-          <p:cNvPr id="7" name="文本框 6">
-            <a:extLst>
-              <a:ext uri="{FF2B5EF4-FFF2-40B4-BE49-F238E27FC236}">
-                <a16:creationId xmlns="" xmlns:a16="http://schemas.microsoft.com/office/drawing/2014/main" id="{AFFCF1AD-71D0-456C-9CE1-90FE52800ED6}"/>
-              </a:ext>
-            </a:extLst>
-          </p:cNvPr>
+          <p:cNvPr id="7" name="文本框 6"/>
           <p:cNvSpPr txBox="1"/>
           <p:nvPr/>
         </p:nvSpPr>
         <p:spPr>
           <a:xfrm>
             <a:off x="292340" y="810120"/>
-            <a:ext cx="5321315" cy="400110"/>
+            <a:ext cx="5321315" cy="398780"/>
           </a:xfrm>
           <a:prstGeom prst="rect">
             <a:avLst/>
@@ -14796,53 +14707,23 @@
           <a:lstStyle/>
           <a:p>
             <a:r>
-              <a:rPr lang="zh-CN" altLang="en-US" sz="2000" dirty="0"/>
-              <a:t>异步处理（ </a:t>
-            </a:r>
-            <a:r>
               <a:rPr lang="en-US" altLang="zh-CN" sz="2000" dirty="0" err="1"/>
-              <a:t>ChannelFuture</a:t>
-            </a:r>
-            <a:r>
-              <a:rPr lang="en-US" altLang="zh-CN" sz="2000" dirty="0"/>
-              <a:t> </a:t>
-            </a:r>
-            <a:r>
-              <a:rPr lang="zh-CN" altLang="en-US" sz="2000" dirty="0"/>
-              <a:t>、 </a:t>
-            </a:r>
-            <a:r>
-              <a:rPr lang="en-US" altLang="zh-CN" sz="2000" dirty="0" err="1"/>
-              <a:t>ChannelPromise</a:t>
-            </a:r>
-            <a:r>
-              <a:rPr lang="en-US" altLang="zh-CN" sz="2000" dirty="0"/>
-              <a:t> </a:t>
-            </a:r>
-            <a:r>
-              <a:rPr lang="zh-CN" altLang="en-US" sz="2000" dirty="0" smtClean="0"/>
-              <a:t>）</a:t>
-            </a:r>
-            <a:endParaRPr lang="zh-CN" altLang="en-US" sz="2000" dirty="0"/>
+              <a:t>Bootstrap</a:t>
+            </a:r>
+            <a:endParaRPr lang="en-US" altLang="zh-CN" sz="2000" dirty="0" err="1"/>
           </a:p>
         </p:txBody>
       </p:sp>
       <p:sp>
         <p:nvSpPr>
-          <p:cNvPr id="27" name="文本框 1">
-            <a:extLst>
-              <a:ext uri="{FF2B5EF4-FFF2-40B4-BE49-F238E27FC236}">
-                <a16:creationId xmlns="" xmlns:a16="http://schemas.microsoft.com/office/drawing/2014/main" id="{851CDFD7-5C9E-4E8C-82E9-E31F55931347}"/>
-              </a:ext>
-            </a:extLst>
-          </p:cNvPr>
+          <p:cNvPr id="27" name="文本框 1"/>
           <p:cNvSpPr txBox="1"/>
           <p:nvPr/>
         </p:nvSpPr>
         <p:spPr>
           <a:xfrm>
             <a:off x="292340" y="1452424"/>
-            <a:ext cx="11408367" cy="1200329"/>
+            <a:ext cx="11408367" cy="2306955"/>
           </a:xfrm>
           <a:prstGeom prst="rect">
             <a:avLst/>
@@ -14856,202 +14737,353 @@
           <a:lstStyle/>
           <a:p>
             <a:pPr marL="285750" indent="-285750">
-              <a:buFont typeface="Arial" pitchFamily="34" charset="0"/>
+              <a:buFont typeface="Arial" panose="020B0604020202020204" pitchFamily="34" charset="0"/>
               <a:buChar char="•"/>
             </a:pPr>
             <a:r>
-              <a:rPr lang="en-US" altLang="zh-CN" dirty="0"/>
-              <a:t>Future</a:t>
-            </a:r>
-            <a:r>
-              <a:rPr lang="zh-CN" altLang="en-US" dirty="0"/>
-              <a:t>：</a:t>
+              <a:rPr lang="en-US" altLang="zh-CN" dirty="0" err="1" smtClean="0"/>
+              <a:t>group</a:t>
             </a:r>
             <a:r>
               <a:rPr lang="zh-CN" altLang="en-US" dirty="0" smtClean="0"/>
-              <a:t>在</a:t>
+              <a:t>： 分配</a:t>
+            </a:r>
+            <a:r>
+              <a:rPr lang="en-US" altLang="zh-CN" dirty="0" smtClean="0"/>
+              <a:t>reactor</a:t>
+            </a:r>
+            <a:r>
+              <a:rPr lang="zh-CN" altLang="en-US" dirty="0" smtClean="0"/>
+              <a:t>（</a:t>
             </a:r>
             <a:r>
               <a:rPr lang="en-US" altLang="zh-CN" dirty="0" err="1" smtClean="0"/>
-              <a:t>jdk</a:t>
+              <a:t>mainReactor</a:t>
+            </a:r>
+            <a:r>
+              <a:rPr lang="zh-CN" altLang="en-US" dirty="0" err="1" smtClean="0"/>
+              <a:t>和</a:t>
+            </a:r>
+            <a:r>
+              <a:rPr lang="en-US" altLang="zh-CN" dirty="0" err="1">
+                <a:sym typeface="+mn-ea"/>
+              </a:rPr>
+              <a:t>sub</a:t>
+            </a:r>
+            <a:r>
+              <a:rPr lang="en-US" altLang="zh-CN" dirty="0" err="1" smtClean="0">
+                <a:sym typeface="+mn-ea"/>
+              </a:rPr>
+              <a:t>Reactor</a:t>
             </a:r>
             <a:r>
               <a:rPr lang="zh-CN" altLang="en-US" dirty="0" smtClean="0"/>
-              <a:t>的</a:t>
+              <a:t>），</a:t>
             </a:r>
             <a:r>
               <a:rPr lang="en-US" altLang="zh-CN" dirty="0" smtClean="0"/>
-              <a:t>Future</a:t>
-            </a:r>
-            <a:r>
-              <a:rPr lang="zh-CN" altLang="en-US" dirty="0"/>
-              <a:t>的基础上拓展了监听器（</a:t>
-            </a:r>
-            <a:r>
-              <a:rPr lang="en-US" altLang="zh-CN" dirty="0"/>
-              <a:t>Listener</a:t>
-            </a:r>
-            <a:r>
-              <a:rPr lang="zh-CN" altLang="en-US" dirty="0"/>
-              <a:t>）</a:t>
+              <a:t>3</a:t>
             </a:r>
             <a:r>
               <a:rPr lang="zh-CN" altLang="en-US" dirty="0" smtClean="0"/>
-              <a:t>接口</a:t>
+              <a:t>种模型的使用</a:t>
             </a:r>
             <a:endParaRPr lang="en-US" altLang="zh-CN" dirty="0" smtClean="0"/>
           </a:p>
           <a:p>
             <a:pPr marL="285750" indent="-285750">
-              <a:buFont typeface="Arial" pitchFamily="34" charset="0"/>
+              <a:buFont typeface="Arial" panose="020B0604020202020204" pitchFamily="34" charset="0"/>
               <a:buChar char="•"/>
             </a:pPr>
             <a:r>
-              <a:rPr lang="en-US" altLang="zh-CN" dirty="0" err="1"/>
-              <a:t>ChannelFuture</a:t>
+              <a:rPr lang="en-US" altLang="zh-CN" dirty="0" err="1" smtClean="0"/>
+              <a:t>channel</a:t>
+            </a:r>
+            <a:r>
+              <a:rPr lang="zh-CN" altLang="en-US" dirty="0" smtClean="0"/>
+              <a:t>：</a:t>
+            </a:r>
+            <a:r>
+              <a:rPr lang="zh-CN" dirty="0" smtClean="0"/>
+              <a:t>指定创建的</a:t>
+            </a:r>
+            <a:r>
+              <a:rPr lang="en-US" altLang="zh-CN" dirty="0" smtClean="0"/>
+              <a:t>channel</a:t>
+            </a:r>
+            <a:r>
+              <a:rPr lang="zh-CN" altLang="en-US" dirty="0" smtClean="0"/>
+              <a:t>类型，</a:t>
+            </a:r>
+            <a:r>
+              <a:rPr lang="en-US" altLang="zh-CN" dirty="0" smtClean="0"/>
+              <a:t>bind</a:t>
+            </a:r>
+            <a:r>
+              <a:rPr lang="zh-CN" altLang="en-US" dirty="0" smtClean="0"/>
+              <a:t>时通过反射实例化。实例化时开启</a:t>
+            </a:r>
+            <a:r>
+              <a:rPr lang="en-US" altLang="zh-CN" dirty="0" smtClean="0"/>
+              <a:t>socket</a:t>
+            </a:r>
+            <a:r>
+              <a:rPr lang="zh-CN" altLang="en-US" dirty="0" smtClean="0"/>
+              <a:t>并指定使用</a:t>
+            </a:r>
+            <a:r>
+              <a:rPr lang="en-US" altLang="zh-CN" dirty="0" smtClean="0"/>
+              <a:t>nio</a:t>
+            </a:r>
+            <a:r>
+              <a:rPr lang="zh-CN" altLang="en-US" dirty="0" smtClean="0"/>
+              <a:t>，指定关心的事件</a:t>
+            </a:r>
+            <a:r>
+              <a:rPr lang="en-US" altLang="zh-CN" dirty="0" smtClean="0"/>
+              <a:t>selectkey</a:t>
+            </a:r>
+            <a:r>
+              <a:rPr lang="zh-CN" altLang="en-US" dirty="0" smtClean="0"/>
+              <a:t>，初始化</a:t>
+            </a:r>
+            <a:r>
+              <a:rPr lang="en-US" altLang="zh-CN" dirty="0" smtClean="0"/>
+              <a:t>pipeline</a:t>
+            </a:r>
+            <a:endParaRPr lang="en-US" altLang="zh-CN" dirty="0" smtClean="0"/>
+          </a:p>
+          <a:p>
+            <a:pPr marL="285750" indent="-285750">
+              <a:buFont typeface="Arial" panose="020B0604020202020204" pitchFamily="34" charset="0"/>
+              <a:buChar char="•"/>
+            </a:pPr>
+            <a:r>
+              <a:rPr lang="en-US" altLang="zh-CN" dirty="0" err="1" smtClean="0"/>
+              <a:t>option/</a:t>
+            </a:r>
+            <a:r>
+              <a:rPr lang="en-US" altLang="zh-CN">
+                <a:sym typeface="+mn-ea"/>
+              </a:rPr>
+              <a:t>h</a:t>
+            </a:r>
+            <a:r>
+              <a:rPr lang="en-US" altLang="zh-CN">
+                <a:sym typeface="+mn-ea"/>
+              </a:rPr>
+              <a:t>andler</a:t>
+            </a:r>
+            <a:r>
+              <a:rPr lang="zh-CN" altLang="en-US" dirty="0" smtClean="0"/>
+              <a:t>：</a:t>
             </a:r>
             <a:r>
               <a:rPr lang="en-US" altLang="zh-CN" dirty="0"/>
               <a:t> </a:t>
             </a:r>
             <a:r>
-              <a:rPr lang="zh-CN" altLang="en-US" dirty="0"/>
-              <a:t>：扩展了</a:t>
-            </a:r>
-            <a:r>
-              <a:rPr lang="en-US" altLang="zh-CN" dirty="0" err="1"/>
-              <a:t>Netty</a:t>
-            </a:r>
-            <a:r>
-              <a:rPr lang="zh-CN" altLang="en-US" dirty="0"/>
-              <a:t>的</a:t>
-            </a:r>
-            <a:r>
-              <a:rPr lang="en-US" altLang="zh-CN" dirty="0"/>
-              <a:t>Future</a:t>
-            </a:r>
-            <a:r>
-              <a:rPr lang="zh-CN" altLang="en-US" dirty="0"/>
-              <a:t>接口，表示一种没有返回值的异步调用，同时和一个</a:t>
-            </a:r>
-            <a:r>
-              <a:rPr lang="en-US" altLang="zh-CN" dirty="0"/>
-              <a:t>Channel</a:t>
-            </a:r>
-            <a:r>
-              <a:rPr lang="zh-CN" altLang="en-US" dirty="0"/>
-              <a:t>进行</a:t>
-            </a:r>
-            <a:r>
-              <a:rPr lang="zh-CN" altLang="en-US" dirty="0" smtClean="0"/>
-              <a:t>绑定</a:t>
-            </a:r>
-            <a:endParaRPr lang="en-US" altLang="zh-CN" dirty="0" smtClean="0"/>
+              <a:rPr lang="en-US" altLang="zh-CN" dirty="0" err="1" smtClean="0"/>
+              <a:t>作用于main reactor</a:t>
+            </a:r>
+            <a:r>
+              <a:rPr lang="zh-CN" altLang="en-US" dirty="0" err="1" smtClean="0"/>
+              <a:t>（</a:t>
+            </a:r>
+            <a:r>
+              <a:rPr lang="en-US" altLang="zh-CN" dirty="0" err="1" smtClean="0"/>
+              <a:t>bossGroup</a:t>
+            </a:r>
+            <a:r>
+              <a:rPr lang="zh-CN" altLang="en-US" dirty="0" err="1" smtClean="0"/>
+              <a:t>）</a:t>
+            </a:r>
+            <a:endParaRPr lang="en-US" altLang="zh-CN" dirty="0" err="1" smtClean="0"/>
           </a:p>
           <a:p>
             <a:pPr marL="285750" indent="-285750">
-              <a:buFont typeface="Arial" pitchFamily="34" charset="0"/>
+              <a:buFont typeface="Arial" panose="020B0604020202020204" pitchFamily="34" charset="0"/>
               <a:buChar char="•"/>
             </a:pPr>
             <a:r>
-              <a:rPr lang="en-US" altLang="zh-CN" dirty="0" smtClean="0"/>
-              <a:t>Promise</a:t>
+              <a:rPr lang="en-US" altLang="zh-CN"/>
+              <a:t>childOption/childHandler</a:t>
             </a:r>
             <a:r>
               <a:rPr lang="zh-CN" altLang="en-US" dirty="0" smtClean="0"/>
               <a:t>：</a:t>
             </a:r>
             <a:r>
-              <a:rPr lang="en-US" altLang="zh-CN" dirty="0" err="1" smtClean="0"/>
-              <a:t>Netty</a:t>
-            </a:r>
-            <a:r>
-              <a:rPr lang="zh-CN" altLang="en-US" dirty="0" smtClean="0"/>
-              <a:t>的</a:t>
-            </a:r>
-            <a:r>
-              <a:rPr lang="en-US" altLang="zh-CN" dirty="0" smtClean="0"/>
-              <a:t>Future</a:t>
-            </a:r>
-            <a:r>
-              <a:rPr lang="zh-CN" altLang="en-US" dirty="0"/>
-              <a:t>的扩展，表示一种可写的</a:t>
-            </a:r>
-            <a:r>
-              <a:rPr lang="en-US" altLang="zh-CN" dirty="0"/>
-              <a:t>Future</a:t>
-            </a:r>
-            <a:endParaRPr lang="en-US" altLang="zh-CN" dirty="0" smtClean="0"/>
+              <a:rPr dirty="0" smtClean="0"/>
+              <a:t>作用于sub reactor</a:t>
+            </a:r>
+            <a:r>
+              <a:rPr lang="zh-CN" altLang="en-US" dirty="0" err="1" smtClean="0">
+                <a:sym typeface="+mn-ea"/>
+              </a:rPr>
+              <a:t>（</a:t>
+            </a:r>
+            <a:r>
+              <a:rPr lang="en-US" altLang="zh-CN" dirty="0" err="1" smtClean="0">
+                <a:sym typeface="+mn-ea"/>
+              </a:rPr>
+              <a:t>worker</a:t>
+            </a:r>
+            <a:r>
+              <a:rPr lang="en-US" altLang="zh-CN" dirty="0" err="1" smtClean="0">
+                <a:sym typeface="+mn-ea"/>
+              </a:rPr>
+              <a:t>Group</a:t>
+            </a:r>
+            <a:r>
+              <a:rPr lang="zh-CN" altLang="en-US" dirty="0" err="1" smtClean="0">
+                <a:sym typeface="+mn-ea"/>
+              </a:rPr>
+              <a:t>）</a:t>
+            </a:r>
+            <a:endParaRPr lang="zh-CN" altLang="en-US" dirty="0" err="1" smtClean="0">
+              <a:sym typeface="+mn-ea"/>
+            </a:endParaRPr>
           </a:p>
           <a:p>
             <a:pPr marL="285750" indent="-285750">
-              <a:buFont typeface="Arial" pitchFamily="34" charset="0"/>
+              <a:buFont typeface="Arial" panose="020B0604020202020204" pitchFamily="34" charset="0"/>
               <a:buChar char="•"/>
             </a:pPr>
             <a:r>
-              <a:rPr lang="en-US" altLang="zh-CN" dirty="0" err="1" smtClean="0"/>
-              <a:t>ChannelPromise</a:t>
-            </a:r>
-            <a:r>
-              <a:rPr lang="en-US" altLang="zh-CN" dirty="0" smtClean="0"/>
-              <a:t> </a:t>
-            </a:r>
-            <a:r>
-              <a:rPr lang="zh-CN" altLang="en-US" dirty="0" smtClean="0"/>
-              <a:t>：</a:t>
-            </a:r>
-            <a:r>
-              <a:rPr lang="zh-CN" altLang="en-US" dirty="0"/>
-              <a:t>扩展了</a:t>
-            </a:r>
-            <a:r>
-              <a:rPr lang="en-US" altLang="zh-CN" dirty="0" err="1"/>
-              <a:t>Netty</a:t>
-            </a:r>
-            <a:r>
-              <a:rPr lang="zh-CN" altLang="en-US" dirty="0" smtClean="0"/>
-              <a:t>的</a:t>
-            </a:r>
-            <a:r>
-              <a:rPr lang="en-US" altLang="zh-CN" dirty="0"/>
-              <a:t>Promise</a:t>
-            </a:r>
-            <a:r>
-              <a:rPr lang="zh-CN" altLang="en-US" dirty="0" smtClean="0"/>
-              <a:t>接口，绑定</a:t>
-            </a:r>
-            <a:r>
-              <a:rPr lang="zh-CN" altLang="en-US" dirty="0"/>
-              <a:t>了</a:t>
-            </a:r>
-            <a:r>
-              <a:rPr lang="en-US" altLang="zh-CN" dirty="0"/>
-              <a:t>Channel</a:t>
-            </a:r>
-            <a:r>
-              <a:rPr lang="zh-CN" altLang="en-US" dirty="0"/>
-              <a:t>，既可以写异步执行结果，</a:t>
-            </a:r>
-            <a:r>
-              <a:rPr lang="zh-CN" altLang="en-US" dirty="0" smtClean="0"/>
-              <a:t>又有监听</a:t>
-            </a:r>
-            <a:r>
-              <a:rPr lang="zh-CN" altLang="en-US" dirty="0"/>
-              <a:t>者的功能</a:t>
-            </a:r>
-            <a:endParaRPr lang="en-US" altLang="zh-CN" dirty="0">
-              <a:latin typeface="+mn-ea"/>
+              <a:rPr lang="zh-CN" altLang="en-US" dirty="0" err="1" smtClean="0">
+                <a:sym typeface="+mn-ea"/>
+              </a:rPr>
+              <a:t>注册</a:t>
+            </a:r>
+            <a:r>
+              <a:rPr lang="en-US" altLang="zh-CN" dirty="0" err="1" smtClean="0">
+                <a:sym typeface="+mn-ea"/>
+              </a:rPr>
+              <a:t>channel</a:t>
+            </a:r>
+            <a:r>
+              <a:rPr lang="zh-CN" altLang="en-US" dirty="0" err="1" smtClean="0">
+                <a:sym typeface="+mn-ea"/>
+              </a:rPr>
+              <a:t>时开启</a:t>
+            </a:r>
+            <a:r>
+              <a:rPr lang="en-US" altLang="zh-CN" dirty="0" err="1" smtClean="0">
+                <a:sym typeface="+mn-ea"/>
+              </a:rPr>
+              <a:t>eventloop</a:t>
+            </a:r>
+            <a:r>
+              <a:rPr lang="zh-CN" altLang="en-US" dirty="0" err="1" smtClean="0">
+                <a:sym typeface="+mn-ea"/>
+              </a:rPr>
+              <a:t>的线程监听</a:t>
+            </a:r>
+            <a:r>
+              <a:rPr lang="en-US" altLang="zh-CN" dirty="0" err="1" smtClean="0">
+                <a:sym typeface="+mn-ea"/>
+              </a:rPr>
+              <a:t>accept</a:t>
+            </a:r>
+            <a:endParaRPr lang="en-US" altLang="zh-CN" dirty="0" err="1" smtClean="0">
+              <a:sym typeface="+mn-ea"/>
             </a:endParaRPr>
+          </a:p>
+          <a:p>
+            <a:pPr marL="285750" indent="-285750">
+              <a:buFont typeface="Arial" panose="020B0604020202020204" pitchFamily="34" charset="0"/>
+              <a:buChar char="•"/>
+            </a:pPr>
+            <a:r>
+              <a:rPr lang="en-US" altLang="zh-CN" dirty="0" err="1" smtClean="0">
+                <a:sym typeface="+mn-ea"/>
+              </a:rPr>
+              <a:t>bossgroup</a:t>
+            </a:r>
+            <a:r>
+              <a:rPr lang="zh-CN" altLang="en-US" dirty="0" err="1" smtClean="0">
+                <a:sym typeface="+mn-ea"/>
+              </a:rPr>
+              <a:t>只在绑定多端口时才会使用多个线程（一个端口一个线程），否则只会使用一个线程（</a:t>
+            </a:r>
+            <a:r>
+              <a:rPr lang="en-US" altLang="zh-CN" dirty="0" err="1" smtClean="0">
+                <a:sym typeface="+mn-ea"/>
+              </a:rPr>
+              <a:t>eventloop</a:t>
+            </a:r>
+            <a:r>
+              <a:rPr lang="zh-CN" altLang="en-US" dirty="0" err="1" smtClean="0">
+                <a:sym typeface="+mn-ea"/>
+              </a:rPr>
+              <a:t>）</a:t>
+            </a:r>
+            <a:endParaRPr lang="en-US" altLang="zh-CN" dirty="0" err="1" smtClean="0"/>
+          </a:p>
+          <a:p>
+            <a:pPr marL="285750" indent="-285750">
+              <a:buFont typeface="Arial" panose="020B0604020202020204" pitchFamily="34" charset="0"/>
+              <a:buChar char="•"/>
+            </a:pPr>
+            <a:endParaRPr dirty="0" smtClean="0"/>
+          </a:p>
+        </p:txBody>
+      </p:sp>
+      <p:pic>
+        <p:nvPicPr>
+          <p:cNvPr id="2" name="图片 1" descr="启动注册流程"/>
+          <p:cNvPicPr>
+            <a:picLocks noChangeAspect="1"/>
+          </p:cNvPicPr>
+          <p:nvPr/>
+        </p:nvPicPr>
+        <p:blipFill>
+          <a:blip r:embed="rId1"/>
+          <a:stretch>
+            <a:fillRect/>
+          </a:stretch>
+        </p:blipFill>
+        <p:spPr>
+          <a:xfrm>
+            <a:off x="1951355" y="4958080"/>
+            <a:ext cx="5362575" cy="855980"/>
+          </a:xfrm>
+          <a:prstGeom prst="rect">
+            <a:avLst/>
+          </a:prstGeom>
+        </p:spPr>
+      </p:pic>
+      <p:sp>
+        <p:nvSpPr>
+          <p:cNvPr id="4" name="文本框 3"/>
+          <p:cNvSpPr txBox="1"/>
+          <p:nvPr/>
+        </p:nvSpPr>
+        <p:spPr>
+          <a:xfrm>
+            <a:off x="312420" y="5201920"/>
+            <a:ext cx="1463040" cy="368300"/>
+          </a:xfrm>
+          <a:prstGeom prst="rect">
+            <a:avLst/>
+          </a:prstGeom>
+          <a:noFill/>
+        </p:spPr>
+        <p:txBody>
+          <a:bodyPr wrap="square" rtlCol="0">
+            <a:spAutoFit/>
+          </a:bodyPr>
+          <a:p>
+            <a:r>
+              <a:rPr lang="zh-CN" altLang="en-US"/>
+              <a:t>注册流程：</a:t>
+            </a:r>
+            <a:endParaRPr lang="zh-CN" altLang="en-US"/>
           </a:p>
         </p:txBody>
       </p:sp>
     </p:spTree>
-    <p:extLst>
-      <p:ext uri="{BB962C8B-B14F-4D97-AF65-F5344CB8AC3E}">
-        <p14:creationId xmlns:p14="http://schemas.microsoft.com/office/powerpoint/2010/main" val="2141777911"/>
-      </p:ext>
-    </p:extLst>
   </p:cSld>
   <p:clrMapOvr>
     <a:masterClrMapping/>
@@ -15558,7 +15590,7 @@
         <p:spPr>
           <a:xfrm>
             <a:off x="312577" y="210791"/>
-            <a:ext cx="1638938" cy="369332"/>
+            <a:ext cx="1638938" cy="368300"/>
           </a:xfrm>
           <a:prstGeom prst="rect">
             <a:avLst/>
@@ -15579,8 +15611,9 @@
                 </a:solidFill>
                 <a:latin typeface="微软雅黑" panose="020B0503020204020204" pitchFamily="34" charset="-122"/>
                 <a:ea typeface="微软雅黑" panose="020B0503020204020204" pitchFamily="34" charset="-122"/>
-              </a:rPr>
-              <a:t>Reactor</a:t>
+                <a:sym typeface="+mn-ea"/>
+              </a:rPr>
+              <a:t>Netty</a:t>
             </a:r>
             <a:r>
               <a:rPr lang="zh-CN" altLang="en-US" b="1" smtClean="0">
@@ -15589,8 +15622,9 @@
                 </a:solidFill>
                 <a:latin typeface="微软雅黑" panose="020B0503020204020204" pitchFamily="34" charset="-122"/>
                 <a:ea typeface="微软雅黑" panose="020B0503020204020204" pitchFamily="34" charset="-122"/>
-              </a:rPr>
-              <a:t>模型</a:t>
+                <a:sym typeface="+mn-ea"/>
+              </a:rPr>
+              <a:t>实战</a:t>
             </a:r>
             <a:endParaRPr lang="zh-CN" altLang="en-US" b="1" dirty="0">
               <a:solidFill>
@@ -15604,20 +15638,14 @@
       </p:sp>
       <p:sp>
         <p:nvSpPr>
-          <p:cNvPr id="7" name="文本框 6">
-            <a:extLst>
-              <a:ext uri="{FF2B5EF4-FFF2-40B4-BE49-F238E27FC236}">
-                <a16:creationId xmlns="" xmlns:a16="http://schemas.microsoft.com/office/drawing/2014/main" id="{AFFCF1AD-71D0-456C-9CE1-90FE52800ED6}"/>
-              </a:ext>
-            </a:extLst>
-          </p:cNvPr>
+          <p:cNvPr id="7" name="文本框 6"/>
           <p:cNvSpPr txBox="1"/>
           <p:nvPr/>
         </p:nvSpPr>
         <p:spPr>
           <a:xfrm>
             <a:off x="292340" y="810120"/>
-            <a:ext cx="5321315" cy="400110"/>
+            <a:ext cx="5321315" cy="398780"/>
           </a:xfrm>
           <a:prstGeom prst="rect">
             <a:avLst/>
@@ -15632,41 +15660,24 @@
           <a:p>
             <a:r>
               <a:rPr lang="en-US" altLang="zh-CN" sz="2000" dirty="0" smtClean="0">
-                <a:latin typeface="华文中宋" panose="02010600040101010101" pitchFamily="2" charset="-122"/>
-                <a:ea typeface="华文中宋" panose="02010600040101010101" pitchFamily="2" charset="-122"/>
-              </a:rPr>
-              <a:t>TCP</a:t>
-            </a:r>
-            <a:r>
-              <a:rPr lang="zh-CN" altLang="en-US" sz="2000" dirty="0" smtClean="0">
-                <a:latin typeface="华文中宋" panose="02010600040101010101" pitchFamily="2" charset="-122"/>
-                <a:ea typeface="华文中宋" panose="02010600040101010101" pitchFamily="2" charset="-122"/>
-              </a:rPr>
-              <a:t>粘包、拆包</a:t>
-            </a:r>
-            <a:endParaRPr lang="en-US" altLang="zh-CN" sz="2000" dirty="0">
-              <a:latin typeface="华文中宋" panose="02010600040101010101" pitchFamily="2" charset="-122"/>
-              <a:ea typeface="华文中宋" panose="02010600040101010101" pitchFamily="2" charset="-122"/>
-            </a:endParaRPr>
+                <a:sym typeface="+mn-ea"/>
+              </a:rPr>
+              <a:t>Pipeline</a:t>
+            </a:r>
+            <a:endParaRPr lang="en-US" altLang="zh-CN" sz="2000" dirty="0" err="1"/>
           </a:p>
         </p:txBody>
       </p:sp>
       <p:sp>
         <p:nvSpPr>
-          <p:cNvPr id="27" name="文本框 1">
-            <a:extLst>
-              <a:ext uri="{FF2B5EF4-FFF2-40B4-BE49-F238E27FC236}">
-                <a16:creationId xmlns="" xmlns:a16="http://schemas.microsoft.com/office/drawing/2014/main" id="{851CDFD7-5C9E-4E8C-82E9-E31F55931347}"/>
-              </a:ext>
-            </a:extLst>
-          </p:cNvPr>
+          <p:cNvPr id="27" name="文本框 1"/>
           <p:cNvSpPr txBox="1"/>
           <p:nvPr/>
         </p:nvSpPr>
         <p:spPr>
           <a:xfrm>
-            <a:off x="292340" y="1452424"/>
-            <a:ext cx="11408367" cy="1200329"/>
+            <a:off x="292100" y="1452245"/>
+            <a:ext cx="7192010" cy="2030095"/>
           </a:xfrm>
           <a:prstGeom prst="rect">
             <a:avLst/>
@@ -15679,96 +15690,186 @@
           </a:bodyPr>
           <a:lstStyle/>
           <a:p>
+            <a:pPr marL="285750" indent="-285750">
+              <a:buFont typeface="Arial" panose="020B0604020202020204" pitchFamily="34" charset="0"/>
+              <a:buChar char="•"/>
+            </a:pPr>
+            <a:r>
+              <a:rPr lang="zh-CN" altLang="en-US" dirty="0" err="1" smtClean="0"/>
+              <a:t>与</a:t>
+            </a:r>
+            <a:r>
+              <a:rPr lang="en-US" altLang="zh-CN" dirty="0" err="1" smtClean="0"/>
+              <a:t>channel</a:t>
+            </a:r>
+            <a:r>
+              <a:rPr lang="zh-CN" altLang="en-US" dirty="0" err="1" smtClean="0"/>
+              <a:t>的关系</a:t>
+            </a:r>
+            <a:r>
+              <a:rPr lang="zh-CN" altLang="en-US" dirty="0" smtClean="0"/>
+              <a:t>： </a:t>
+            </a:r>
+            <a:r>
+              <a:rPr lang="zh-CN" dirty="0" smtClean="0"/>
+              <a:t>一个</a:t>
+            </a:r>
+            <a:r>
+              <a:rPr lang="en-US" altLang="zh-CN" dirty="0" smtClean="0"/>
+              <a:t>channel</a:t>
+            </a:r>
+            <a:r>
+              <a:rPr lang="zh-CN" altLang="en-US" dirty="0" smtClean="0"/>
+              <a:t>对应一个</a:t>
+            </a:r>
+            <a:r>
+              <a:rPr lang="en-US" altLang="zh-CN" dirty="0" smtClean="0"/>
+              <a:t>pipeline</a:t>
+            </a:r>
+            <a:r>
+              <a:rPr lang="zh-CN" altLang="en-US" dirty="0" smtClean="0"/>
+              <a:t>，互相拥有实例</a:t>
+            </a:r>
+            <a:endParaRPr lang="zh-CN" altLang="en-US" dirty="0" smtClean="0"/>
+          </a:p>
+          <a:p>
+            <a:pPr marL="285750" indent="-285750">
+              <a:buFont typeface="Arial" panose="020B0604020202020204" pitchFamily="34" charset="0"/>
+              <a:buChar char="•"/>
+            </a:pPr>
+            <a:r>
+              <a:rPr lang="en-US" altLang="zh-CN" dirty="0" smtClean="0"/>
+              <a:t>head</a:t>
+            </a:r>
+            <a:r>
+              <a:rPr lang="zh-CN" altLang="en-US" dirty="0" smtClean="0"/>
+              <a:t>和</a:t>
+            </a:r>
+            <a:r>
+              <a:rPr lang="en-US" altLang="zh-CN" dirty="0" smtClean="0"/>
+              <a:t>tail</a:t>
+            </a:r>
+            <a:r>
+              <a:rPr lang="zh-CN" altLang="en-US" dirty="0" smtClean="0"/>
+              <a:t>节点：AbstractChannelHandlerContext</a:t>
+            </a:r>
+            <a:endParaRPr lang="zh-CN" altLang="en-US" dirty="0" smtClean="0"/>
+          </a:p>
+          <a:p>
+            <a:pPr marL="285750" indent="-285750">
+              <a:buFont typeface="Arial" panose="020B0604020202020204" pitchFamily="34" charset="0"/>
+              <a:buChar char="•"/>
+            </a:pPr>
+            <a:r>
+              <a:rPr lang="en-US" altLang="zh-CN" dirty="0" smtClean="0"/>
+              <a:t>head</a:t>
+            </a:r>
+            <a:r>
+              <a:rPr lang="zh-CN" altLang="en-US" dirty="0" smtClean="0"/>
+              <a:t>节点：ChannelOutboundHandler, ChannelInboundHandler</a:t>
+            </a:r>
+            <a:endParaRPr lang="zh-CN" altLang="en-US" dirty="0" smtClean="0"/>
+          </a:p>
+          <a:p>
+            <a:pPr marL="285750" indent="-285750">
+              <a:buFont typeface="Arial" panose="020B0604020202020204" pitchFamily="34" charset="0"/>
+              <a:buChar char="•"/>
+            </a:pPr>
+            <a:r>
+              <a:rPr lang="en-US" altLang="zh-CN" dirty="0" smtClean="0"/>
+              <a:t>tail</a:t>
+            </a:r>
+            <a:r>
+              <a:rPr lang="zh-CN" altLang="en-US" dirty="0" smtClean="0"/>
+              <a:t>节点：ChannelInboundHandler</a:t>
+            </a:r>
+            <a:endParaRPr lang="zh-CN" altLang="en-US" dirty="0" smtClean="0"/>
+          </a:p>
+          <a:p>
+            <a:pPr marL="285750" indent="-285750">
+              <a:buFont typeface="Arial" panose="020B0604020202020204" pitchFamily="34" charset="0"/>
+              <a:buChar char="•"/>
+            </a:pPr>
             <a:r>
               <a:rPr lang="en-US" altLang="zh-CN" dirty="0" smtClean="0">
-                <a:latin typeface="+mn-ea"/>
-              </a:rPr>
-              <a:t>    TCP</a:t>
-            </a:r>
-            <a:r>
-              <a:rPr lang="zh-CN" altLang="en-US" dirty="0">
-                <a:latin typeface="+mn-ea"/>
-              </a:rPr>
-              <a:t>是一个“流”协议。所谓流，就是没有界限的一长串二进制数据。</a:t>
-            </a:r>
-            <a:r>
-              <a:rPr lang="en-US" altLang="zh-CN" dirty="0">
-                <a:latin typeface="+mn-ea"/>
-              </a:rPr>
-              <a:t>TCP</a:t>
-            </a:r>
-            <a:r>
-              <a:rPr lang="zh-CN" altLang="en-US" dirty="0">
-                <a:latin typeface="+mn-ea"/>
-              </a:rPr>
-              <a:t>作为传输层协议，并不了解上层业务数据的具体含义，它会根据</a:t>
-            </a:r>
-            <a:r>
-              <a:rPr lang="en-US" altLang="zh-CN" dirty="0">
-                <a:latin typeface="+mn-ea"/>
-              </a:rPr>
-              <a:t>TCP</a:t>
-            </a:r>
-            <a:r>
-              <a:rPr lang="zh-CN" altLang="en-US" dirty="0">
-                <a:latin typeface="+mn-ea"/>
-              </a:rPr>
-              <a:t>缓冲区的实际情况进行数据包的划分，所以在业务上认为是一个完整包的，可能会被</a:t>
-            </a:r>
-            <a:r>
-              <a:rPr lang="en-US" altLang="zh-CN" dirty="0">
-                <a:latin typeface="+mn-ea"/>
-              </a:rPr>
-              <a:t>TCP</a:t>
-            </a:r>
-            <a:r>
-              <a:rPr lang="zh-CN" altLang="en-US" dirty="0">
-                <a:latin typeface="+mn-ea"/>
-              </a:rPr>
-              <a:t>拆分成多个包进行发送，也有可能把多个小的包封装成一个大的数据包发送，这就是所谓的</a:t>
-            </a:r>
-            <a:r>
-              <a:rPr lang="en-US" altLang="zh-CN" dirty="0">
-                <a:latin typeface="+mn-ea"/>
-              </a:rPr>
-              <a:t>TCP</a:t>
-            </a:r>
-            <a:r>
-              <a:rPr lang="zh-CN" altLang="en-US" dirty="0">
-                <a:latin typeface="+mn-ea"/>
-              </a:rPr>
-              <a:t>拆包和粘包问题。</a:t>
-            </a:r>
-            <a:endParaRPr lang="en-US" altLang="zh-CN" dirty="0">
-              <a:latin typeface="+mn-ea"/>
-            </a:endParaRPr>
+                <a:sym typeface="+mn-ea"/>
+              </a:rPr>
+              <a:t>in</a:t>
+            </a:r>
+            <a:r>
+              <a:rPr lang="zh-CN" altLang="en-US" dirty="0" smtClean="0">
+                <a:sym typeface="+mn-ea"/>
+              </a:rPr>
+              <a:t>和</a:t>
+            </a:r>
+            <a:r>
+              <a:rPr lang="en-US" altLang="zh-CN" dirty="0" smtClean="0">
+                <a:sym typeface="+mn-ea"/>
+              </a:rPr>
+              <a:t>out</a:t>
+            </a:r>
+            <a:r>
+              <a:rPr lang="zh-CN" altLang="en-US" dirty="0" smtClean="0">
+                <a:sym typeface="+mn-ea"/>
+              </a:rPr>
+              <a:t>的关系</a:t>
+            </a:r>
+            <a:r>
+              <a:rPr lang="zh-CN" altLang="en-US" dirty="0" smtClean="0"/>
+              <a:t>：</a:t>
+            </a:r>
+            <a:r>
+              <a:rPr lang="en-US" altLang="zh-CN" dirty="0" smtClean="0"/>
+              <a:t>in</a:t>
+            </a:r>
+            <a:r>
+              <a:rPr lang="zh-CN" altLang="en-US" dirty="0" smtClean="0"/>
+              <a:t>按注册顺序，</a:t>
+            </a:r>
+            <a:r>
+              <a:rPr lang="en-US" altLang="zh-CN" dirty="0" smtClean="0"/>
+              <a:t>out</a:t>
+            </a:r>
+            <a:r>
+              <a:rPr lang="zh-CN" altLang="en-US" dirty="0" smtClean="0"/>
+              <a:t>按注册顺序倒序</a:t>
+            </a:r>
+            <a:endParaRPr lang="zh-CN" altLang="en-US" dirty="0" smtClean="0"/>
+          </a:p>
+          <a:p>
+            <a:pPr marL="285750" indent="-285750">
+              <a:buFont typeface="Arial" panose="020B0604020202020204" pitchFamily="34" charset="0"/>
+              <a:buChar char="•"/>
+            </a:pPr>
+            <a:endParaRPr lang="zh-CN" altLang="en-US" dirty="0" smtClean="0"/>
+          </a:p>
+          <a:p>
+            <a:pPr marL="285750" indent="-285750">
+              <a:buFont typeface="Arial" panose="020B0604020202020204" pitchFamily="34" charset="0"/>
+              <a:buChar char="•"/>
+            </a:pPr>
+            <a:endParaRPr dirty="0" smtClean="0"/>
           </a:p>
         </p:txBody>
       </p:sp>
       <p:pic>
         <p:nvPicPr>
-          <p:cNvPr id="2" name="图片 1"/>
+          <p:cNvPr id="2" name="图片 1" descr="inout"/>
           <p:cNvPicPr>
             <a:picLocks noChangeAspect="1"/>
           </p:cNvPicPr>
           <p:nvPr/>
         </p:nvPicPr>
         <p:blipFill>
-          <a:blip r:embed="rId3">
-            <a:extLst>
-              <a:ext uri="{28A0092B-C50C-407E-A947-70E740481C1C}">
-                <a14:useLocalDpi xmlns:a14="http://schemas.microsoft.com/office/drawing/2010/main" val="0"/>
-              </a:ext>
-            </a:extLst>
-          </a:blip>
+          <a:blip r:embed="rId1"/>
           <a:stretch>
             <a:fillRect/>
           </a:stretch>
         </p:blipFill>
         <p:spPr>
           <a:xfrm>
-            <a:off x="1994715" y="2834987"/>
-            <a:ext cx="8003615" cy="3357994"/>
+            <a:off x="7720330" y="1452245"/>
+            <a:ext cx="3980180" cy="4534535"/>
           </a:xfrm>
           <a:prstGeom prst="rect">
             <a:avLst/>
@@ -15776,11 +15877,6 @@
         </p:spPr>
       </p:pic>
     </p:spTree>
-    <p:extLst>
-      <p:ext uri="{BB962C8B-B14F-4D97-AF65-F5344CB8AC3E}">
-        <p14:creationId xmlns:p14="http://schemas.microsoft.com/office/powerpoint/2010/main" val="1361582990"/>
-      </p:ext>
-    </p:extLst>
   </p:cSld>
   <p:clrMapOvr>
     <a:masterClrMapping/>
@@ -15815,6 +15911,1540 @@
           <a:chExt cx="0" cy="0"/>
         </a:xfrm>
       </p:grpSpPr>
+      <p:grpSp>
+        <p:nvGrpSpPr>
+          <p:cNvPr id="26" name="组合 25"/>
+          <p:cNvGrpSpPr/>
+          <p:nvPr/>
+        </p:nvGrpSpPr>
+        <p:grpSpPr>
+          <a:xfrm>
+            <a:off x="312577" y="210791"/>
+            <a:ext cx="3026655" cy="354181"/>
+            <a:chOff x="2147314" y="804555"/>
+            <a:chExt cx="3026655" cy="354181"/>
+          </a:xfrm>
+        </p:grpSpPr>
+        <p:grpSp>
+          <p:nvGrpSpPr>
+            <p:cNvPr id="22" name="组合 21"/>
+            <p:cNvGrpSpPr/>
+            <p:nvPr/>
+          </p:nvGrpSpPr>
+          <p:grpSpPr>
+            <a:xfrm>
+              <a:off x="3534889" y="1040577"/>
+              <a:ext cx="1639080" cy="117268"/>
+              <a:chOff x="573689" y="222664"/>
+              <a:chExt cx="1639080" cy="353287"/>
+            </a:xfrm>
+            <a:solidFill>
+              <a:srgbClr val="D9E026"/>
+            </a:solidFill>
+          </p:grpSpPr>
+          <p:sp>
+            <p:nvSpPr>
+              <p:cNvPr id="23" name="圆角矩形 22"/>
+              <p:cNvSpPr/>
+              <p:nvPr/>
+            </p:nvSpPr>
+            <p:spPr>
+              <a:xfrm>
+                <a:off x="573689" y="222664"/>
+                <a:ext cx="1639080" cy="353287"/>
+              </a:xfrm>
+              <a:prstGeom prst="roundRect">
+                <a:avLst>
+                  <a:gd name="adj" fmla="val 32457"/>
+                </a:avLst>
+              </a:prstGeom>
+              <a:grpFill/>
+              <a:ln>
+                <a:noFill/>
+              </a:ln>
+            </p:spPr>
+            <p:style>
+              <a:lnRef idx="2">
+                <a:schemeClr val="accent1">
+                  <a:shade val="50000"/>
+                </a:schemeClr>
+              </a:lnRef>
+              <a:fillRef idx="1">
+                <a:schemeClr val="accent1"/>
+              </a:fillRef>
+              <a:effectRef idx="0">
+                <a:schemeClr val="accent1"/>
+              </a:effectRef>
+              <a:fontRef idx="minor">
+                <a:schemeClr val="lt1"/>
+              </a:fontRef>
+            </p:style>
+            <p:txBody>
+              <a:bodyPr rtlCol="0" anchor="ctr"/>
+              <a:lstStyle/>
+              <a:p>
+                <a:pPr algn="ctr"/>
+                <a:endParaRPr lang="zh-CN" altLang="en-US"/>
+              </a:p>
+            </p:txBody>
+          </p:sp>
+          <p:sp>
+            <p:nvSpPr>
+              <p:cNvPr id="24" name="矩形 23"/>
+              <p:cNvSpPr/>
+              <p:nvPr/>
+            </p:nvSpPr>
+            <p:spPr>
+              <a:xfrm>
+                <a:off x="573689" y="438216"/>
+                <a:ext cx="1639080" cy="137735"/>
+              </a:xfrm>
+              <a:prstGeom prst="rect">
+                <a:avLst/>
+              </a:prstGeom>
+              <a:grpFill/>
+              <a:ln>
+                <a:noFill/>
+              </a:ln>
+            </p:spPr>
+            <p:style>
+              <a:lnRef idx="2">
+                <a:schemeClr val="accent1">
+                  <a:shade val="50000"/>
+                </a:schemeClr>
+              </a:lnRef>
+              <a:fillRef idx="1">
+                <a:schemeClr val="accent1"/>
+              </a:fillRef>
+              <a:effectRef idx="0">
+                <a:schemeClr val="accent1"/>
+              </a:effectRef>
+              <a:fontRef idx="minor">
+                <a:schemeClr val="lt1"/>
+              </a:fontRef>
+            </p:style>
+            <p:txBody>
+              <a:bodyPr rtlCol="0" anchor="ctr"/>
+              <a:lstStyle/>
+              <a:p>
+                <a:pPr algn="ctr"/>
+                <a:endParaRPr lang="zh-CN" altLang="en-US"/>
+              </a:p>
+            </p:txBody>
+          </p:sp>
+        </p:grpSp>
+        <p:grpSp>
+          <p:nvGrpSpPr>
+            <p:cNvPr id="19" name="组合 18"/>
+            <p:cNvGrpSpPr/>
+            <p:nvPr/>
+          </p:nvGrpSpPr>
+          <p:grpSpPr>
+            <a:xfrm>
+              <a:off x="3148655" y="1041468"/>
+              <a:ext cx="1639080" cy="117268"/>
+              <a:chOff x="573689" y="222664"/>
+              <a:chExt cx="1639080" cy="353287"/>
+            </a:xfrm>
+            <a:solidFill>
+              <a:srgbClr val="91338C"/>
+            </a:solidFill>
+          </p:grpSpPr>
+          <p:sp>
+            <p:nvSpPr>
+              <p:cNvPr id="20" name="圆角矩形 19"/>
+              <p:cNvSpPr/>
+              <p:nvPr/>
+            </p:nvSpPr>
+            <p:spPr>
+              <a:xfrm>
+                <a:off x="573689" y="222664"/>
+                <a:ext cx="1639080" cy="353287"/>
+              </a:xfrm>
+              <a:prstGeom prst="roundRect">
+                <a:avLst>
+                  <a:gd name="adj" fmla="val 32457"/>
+                </a:avLst>
+              </a:prstGeom>
+              <a:grpFill/>
+              <a:ln>
+                <a:noFill/>
+              </a:ln>
+            </p:spPr>
+            <p:style>
+              <a:lnRef idx="2">
+                <a:schemeClr val="accent1">
+                  <a:shade val="50000"/>
+                </a:schemeClr>
+              </a:lnRef>
+              <a:fillRef idx="1">
+                <a:schemeClr val="accent1"/>
+              </a:fillRef>
+              <a:effectRef idx="0">
+                <a:schemeClr val="accent1"/>
+              </a:effectRef>
+              <a:fontRef idx="minor">
+                <a:schemeClr val="lt1"/>
+              </a:fontRef>
+            </p:style>
+            <p:txBody>
+              <a:bodyPr rtlCol="0" anchor="ctr"/>
+              <a:lstStyle/>
+              <a:p>
+                <a:pPr algn="ctr"/>
+                <a:endParaRPr lang="zh-CN" altLang="en-US"/>
+              </a:p>
+            </p:txBody>
+          </p:sp>
+          <p:sp>
+            <p:nvSpPr>
+              <p:cNvPr id="21" name="矩形 20"/>
+              <p:cNvSpPr/>
+              <p:nvPr/>
+            </p:nvSpPr>
+            <p:spPr>
+              <a:xfrm>
+                <a:off x="573689" y="438216"/>
+                <a:ext cx="1639080" cy="137735"/>
+              </a:xfrm>
+              <a:prstGeom prst="rect">
+                <a:avLst/>
+              </a:prstGeom>
+              <a:grpFill/>
+              <a:ln>
+                <a:noFill/>
+              </a:ln>
+            </p:spPr>
+            <p:style>
+              <a:lnRef idx="2">
+                <a:schemeClr val="accent1">
+                  <a:shade val="50000"/>
+                </a:schemeClr>
+              </a:lnRef>
+              <a:fillRef idx="1">
+                <a:schemeClr val="accent1"/>
+              </a:fillRef>
+              <a:effectRef idx="0">
+                <a:schemeClr val="accent1"/>
+              </a:effectRef>
+              <a:fontRef idx="minor">
+                <a:schemeClr val="lt1"/>
+              </a:fontRef>
+            </p:style>
+            <p:txBody>
+              <a:bodyPr rtlCol="0" anchor="ctr"/>
+              <a:lstStyle/>
+              <a:p>
+                <a:pPr algn="ctr"/>
+                <a:endParaRPr lang="zh-CN" altLang="en-US"/>
+              </a:p>
+            </p:txBody>
+          </p:sp>
+        </p:grpSp>
+        <p:grpSp>
+          <p:nvGrpSpPr>
+            <p:cNvPr id="25" name="组合 24"/>
+            <p:cNvGrpSpPr/>
+            <p:nvPr/>
+          </p:nvGrpSpPr>
+          <p:grpSpPr>
+            <a:xfrm>
+              <a:off x="2147314" y="804555"/>
+              <a:ext cx="2207115" cy="353290"/>
+              <a:chOff x="330245" y="804555"/>
+              <a:chExt cx="2207115" cy="353290"/>
+            </a:xfrm>
+          </p:grpSpPr>
+          <p:grpSp>
+            <p:nvGrpSpPr>
+              <p:cNvPr id="16" name="组合 15"/>
+              <p:cNvGrpSpPr/>
+              <p:nvPr/>
+            </p:nvGrpSpPr>
+            <p:grpSpPr>
+              <a:xfrm>
+                <a:off x="898280" y="1040577"/>
+                <a:ext cx="1639080" cy="117268"/>
+                <a:chOff x="573689" y="222664"/>
+                <a:chExt cx="1639080" cy="353287"/>
+              </a:xfrm>
+              <a:solidFill>
+                <a:srgbClr val="049FFA"/>
+              </a:solidFill>
+            </p:grpSpPr>
+            <p:sp>
+              <p:nvSpPr>
+                <p:cNvPr id="17" name="圆角矩形 16"/>
+                <p:cNvSpPr/>
+                <p:nvPr/>
+              </p:nvSpPr>
+              <p:spPr>
+                <a:xfrm>
+                  <a:off x="573689" y="222664"/>
+                  <a:ext cx="1639080" cy="353287"/>
+                </a:xfrm>
+                <a:prstGeom prst="roundRect">
+                  <a:avLst>
+                    <a:gd name="adj" fmla="val 32457"/>
+                  </a:avLst>
+                </a:prstGeom>
+                <a:grpFill/>
+                <a:ln>
+                  <a:noFill/>
+                </a:ln>
+              </p:spPr>
+              <p:style>
+                <a:lnRef idx="2">
+                  <a:schemeClr val="accent1">
+                    <a:shade val="50000"/>
+                  </a:schemeClr>
+                </a:lnRef>
+                <a:fillRef idx="1">
+                  <a:schemeClr val="accent1"/>
+                </a:fillRef>
+                <a:effectRef idx="0">
+                  <a:schemeClr val="accent1"/>
+                </a:effectRef>
+                <a:fontRef idx="minor">
+                  <a:schemeClr val="lt1"/>
+                </a:fontRef>
+              </p:style>
+              <p:txBody>
+                <a:bodyPr rtlCol="0" anchor="ctr"/>
+                <a:lstStyle/>
+                <a:p>
+                  <a:pPr algn="ctr"/>
+                  <a:endParaRPr lang="zh-CN" altLang="en-US"/>
+                </a:p>
+              </p:txBody>
+            </p:sp>
+            <p:sp>
+              <p:nvSpPr>
+                <p:cNvPr id="18" name="矩形 17"/>
+                <p:cNvSpPr/>
+                <p:nvPr/>
+              </p:nvSpPr>
+              <p:spPr>
+                <a:xfrm>
+                  <a:off x="573689" y="438216"/>
+                  <a:ext cx="1639080" cy="137735"/>
+                </a:xfrm>
+                <a:prstGeom prst="rect">
+                  <a:avLst/>
+                </a:prstGeom>
+                <a:grpFill/>
+                <a:ln>
+                  <a:noFill/>
+                </a:ln>
+              </p:spPr>
+              <p:style>
+                <a:lnRef idx="2">
+                  <a:schemeClr val="accent1">
+                    <a:shade val="50000"/>
+                  </a:schemeClr>
+                </a:lnRef>
+                <a:fillRef idx="1">
+                  <a:schemeClr val="accent1"/>
+                </a:fillRef>
+                <a:effectRef idx="0">
+                  <a:schemeClr val="accent1"/>
+                </a:effectRef>
+                <a:fontRef idx="minor">
+                  <a:schemeClr val="lt1"/>
+                </a:fontRef>
+              </p:style>
+              <p:txBody>
+                <a:bodyPr rtlCol="0" anchor="ctr"/>
+                <a:lstStyle/>
+                <a:p>
+                  <a:pPr algn="ctr"/>
+                  <a:endParaRPr lang="zh-CN" altLang="en-US"/>
+                </a:p>
+              </p:txBody>
+            </p:sp>
+          </p:grpSp>
+          <p:grpSp>
+            <p:nvGrpSpPr>
+              <p:cNvPr id="15" name="组合 14"/>
+              <p:cNvGrpSpPr/>
+              <p:nvPr/>
+            </p:nvGrpSpPr>
+            <p:grpSpPr>
+              <a:xfrm>
+                <a:off x="330245" y="804555"/>
+                <a:ext cx="1639080" cy="353290"/>
+                <a:chOff x="573689" y="222664"/>
+                <a:chExt cx="1639080" cy="353290"/>
+              </a:xfrm>
+            </p:grpSpPr>
+            <p:sp>
+              <p:nvSpPr>
+                <p:cNvPr id="13" name="圆角矩形 12"/>
+                <p:cNvSpPr/>
+                <p:nvPr/>
+              </p:nvSpPr>
+              <p:spPr>
+                <a:xfrm>
+                  <a:off x="573689" y="222664"/>
+                  <a:ext cx="1639080" cy="234537"/>
+                </a:xfrm>
+                <a:prstGeom prst="roundRect">
+                  <a:avLst>
+                    <a:gd name="adj" fmla="val 32457"/>
+                  </a:avLst>
+                </a:prstGeom>
+                <a:solidFill>
+                  <a:srgbClr val="FCC716"/>
+                </a:solidFill>
+                <a:ln>
+                  <a:noFill/>
+                </a:ln>
+              </p:spPr>
+              <p:style>
+                <a:lnRef idx="2">
+                  <a:schemeClr val="accent1">
+                    <a:shade val="50000"/>
+                  </a:schemeClr>
+                </a:lnRef>
+                <a:fillRef idx="1">
+                  <a:schemeClr val="accent1"/>
+                </a:fillRef>
+                <a:effectRef idx="0">
+                  <a:schemeClr val="accent1"/>
+                </a:effectRef>
+                <a:fontRef idx="minor">
+                  <a:schemeClr val="lt1"/>
+                </a:fontRef>
+              </p:style>
+              <p:txBody>
+                <a:bodyPr rtlCol="0" anchor="ctr"/>
+                <a:lstStyle/>
+                <a:p>
+                  <a:pPr algn="ctr"/>
+                  <a:endParaRPr lang="zh-CN" altLang="en-US"/>
+                </a:p>
+              </p:txBody>
+            </p:sp>
+            <p:sp>
+              <p:nvSpPr>
+                <p:cNvPr id="14" name="矩形 13"/>
+                <p:cNvSpPr/>
+                <p:nvPr/>
+              </p:nvSpPr>
+              <p:spPr>
+                <a:xfrm>
+                  <a:off x="573689" y="326572"/>
+                  <a:ext cx="1639080" cy="249382"/>
+                </a:xfrm>
+                <a:prstGeom prst="rect">
+                  <a:avLst/>
+                </a:prstGeom>
+                <a:solidFill>
+                  <a:srgbClr val="FCC716"/>
+                </a:solidFill>
+                <a:ln>
+                  <a:noFill/>
+                </a:ln>
+              </p:spPr>
+              <p:style>
+                <a:lnRef idx="2">
+                  <a:schemeClr val="accent1">
+                    <a:shade val="50000"/>
+                  </a:schemeClr>
+                </a:lnRef>
+                <a:fillRef idx="1">
+                  <a:schemeClr val="accent1"/>
+                </a:fillRef>
+                <a:effectRef idx="0">
+                  <a:schemeClr val="accent1"/>
+                </a:effectRef>
+                <a:fontRef idx="minor">
+                  <a:schemeClr val="lt1"/>
+                </a:fontRef>
+              </p:style>
+              <p:txBody>
+                <a:bodyPr rtlCol="0" anchor="ctr"/>
+                <a:lstStyle/>
+                <a:p>
+                  <a:pPr algn="ctr"/>
+                  <a:endParaRPr lang="zh-CN" altLang="en-US"/>
+                </a:p>
+              </p:txBody>
+            </p:sp>
+          </p:grpSp>
+        </p:grpSp>
+      </p:grpSp>
+      <p:sp>
+        <p:nvSpPr>
+          <p:cNvPr id="3" name="文本框 2"/>
+          <p:cNvSpPr txBox="1"/>
+          <p:nvPr/>
+        </p:nvSpPr>
+        <p:spPr>
+          <a:xfrm>
+            <a:off x="312577" y="210791"/>
+            <a:ext cx="1638938" cy="368300"/>
+          </a:xfrm>
+          <a:prstGeom prst="rect">
+            <a:avLst/>
+          </a:prstGeom>
+          <a:noFill/>
+        </p:spPr>
+        <p:txBody>
+          <a:bodyPr wrap="square" rtlCol="0">
+            <a:spAutoFit/>
+          </a:bodyPr>
+          <a:lstStyle/>
+          <a:p>
+            <a:pPr algn="ctr"/>
+            <a:r>
+              <a:rPr lang="en-US" altLang="zh-CN" b="1" smtClean="0">
+                <a:solidFill>
+                  <a:schemeClr val="bg1"/>
+                </a:solidFill>
+                <a:latin typeface="微软雅黑" panose="020B0503020204020204" pitchFamily="34" charset="-122"/>
+                <a:ea typeface="微软雅黑" panose="020B0503020204020204" pitchFamily="34" charset="-122"/>
+                <a:sym typeface="+mn-ea"/>
+              </a:rPr>
+              <a:t>Netty</a:t>
+            </a:r>
+            <a:r>
+              <a:rPr lang="zh-CN" altLang="en-US" b="1" smtClean="0">
+                <a:solidFill>
+                  <a:schemeClr val="bg1"/>
+                </a:solidFill>
+                <a:latin typeface="微软雅黑" panose="020B0503020204020204" pitchFamily="34" charset="-122"/>
+                <a:ea typeface="微软雅黑" panose="020B0503020204020204" pitchFamily="34" charset="-122"/>
+                <a:sym typeface="+mn-ea"/>
+              </a:rPr>
+              <a:t>实战</a:t>
+            </a:r>
+            <a:endParaRPr lang="zh-CN" altLang="en-US" b="1" dirty="0">
+              <a:solidFill>
+                <a:schemeClr val="bg1"/>
+              </a:solidFill>
+              <a:latin typeface="微软雅黑" panose="020B0503020204020204" pitchFamily="34" charset="-122"/>
+              <a:ea typeface="微软雅黑" panose="020B0503020204020204" pitchFamily="34" charset="-122"/>
+            </a:endParaRPr>
+          </a:p>
+        </p:txBody>
+      </p:sp>
+      <p:sp>
+        <p:nvSpPr>
+          <p:cNvPr id="7" name="文本框 6"/>
+          <p:cNvSpPr txBox="1"/>
+          <p:nvPr/>
+        </p:nvSpPr>
+        <p:spPr>
+          <a:xfrm>
+            <a:off x="292340" y="810120"/>
+            <a:ext cx="5321315" cy="400110"/>
+          </a:xfrm>
+          <a:prstGeom prst="rect">
+            <a:avLst/>
+          </a:prstGeom>
+          <a:noFill/>
+        </p:spPr>
+        <p:txBody>
+          <a:bodyPr wrap="square">
+            <a:spAutoFit/>
+          </a:bodyPr>
+          <a:lstStyle/>
+          <a:p>
+            <a:r>
+              <a:rPr lang="zh-CN" altLang="en-US" sz="2000" dirty="0"/>
+              <a:t>异步处理（ </a:t>
+            </a:r>
+            <a:r>
+              <a:rPr lang="en-US" altLang="zh-CN" sz="2000" dirty="0" err="1"/>
+              <a:t>ChannelFuture</a:t>
+            </a:r>
+            <a:r>
+              <a:rPr lang="en-US" altLang="zh-CN" sz="2000" dirty="0"/>
+              <a:t> </a:t>
+            </a:r>
+            <a:r>
+              <a:rPr lang="zh-CN" altLang="en-US" sz="2000" dirty="0"/>
+              <a:t>、 </a:t>
+            </a:r>
+            <a:r>
+              <a:rPr lang="en-US" altLang="zh-CN" sz="2000" dirty="0" err="1"/>
+              <a:t>ChannelPromise</a:t>
+            </a:r>
+            <a:r>
+              <a:rPr lang="en-US" altLang="zh-CN" sz="2000" dirty="0"/>
+              <a:t> </a:t>
+            </a:r>
+            <a:r>
+              <a:rPr lang="zh-CN" altLang="en-US" sz="2000" dirty="0" smtClean="0"/>
+              <a:t>）</a:t>
+            </a:r>
+            <a:endParaRPr lang="zh-CN" altLang="en-US" sz="2000" dirty="0"/>
+          </a:p>
+        </p:txBody>
+      </p:sp>
+      <p:sp>
+        <p:nvSpPr>
+          <p:cNvPr id="27" name="文本框 1"/>
+          <p:cNvSpPr txBox="1"/>
+          <p:nvPr/>
+        </p:nvSpPr>
+        <p:spPr>
+          <a:xfrm>
+            <a:off x="292340" y="1452424"/>
+            <a:ext cx="11408367" cy="1200329"/>
+          </a:xfrm>
+          <a:prstGeom prst="rect">
+            <a:avLst/>
+          </a:prstGeom>
+          <a:noFill/>
+        </p:spPr>
+        <p:txBody>
+          <a:bodyPr wrap="square" rtlCol="0">
+            <a:spAutoFit/>
+          </a:bodyPr>
+          <a:lstStyle/>
+          <a:p>
+            <a:pPr marL="285750" indent="-285750">
+              <a:buFont typeface="Arial" panose="020B0604020202020204" pitchFamily="34" charset="0"/>
+              <a:buChar char="•"/>
+            </a:pPr>
+            <a:r>
+              <a:rPr lang="en-US" altLang="zh-CN" dirty="0"/>
+              <a:t>Future</a:t>
+            </a:r>
+            <a:r>
+              <a:rPr lang="zh-CN" altLang="en-US" dirty="0"/>
+              <a:t>：</a:t>
+            </a:r>
+            <a:r>
+              <a:rPr lang="zh-CN" altLang="en-US" dirty="0" smtClean="0"/>
+              <a:t>在</a:t>
+            </a:r>
+            <a:r>
+              <a:rPr lang="en-US" altLang="zh-CN" dirty="0" err="1" smtClean="0"/>
+              <a:t>jdk</a:t>
+            </a:r>
+            <a:r>
+              <a:rPr lang="zh-CN" altLang="en-US" dirty="0" smtClean="0"/>
+              <a:t>的</a:t>
+            </a:r>
+            <a:r>
+              <a:rPr lang="en-US" altLang="zh-CN" dirty="0" smtClean="0"/>
+              <a:t>Future</a:t>
+            </a:r>
+            <a:r>
+              <a:rPr lang="zh-CN" altLang="en-US" dirty="0"/>
+              <a:t>的基础上拓展了监听器（</a:t>
+            </a:r>
+            <a:r>
+              <a:rPr lang="en-US" altLang="zh-CN" dirty="0"/>
+              <a:t>Listener</a:t>
+            </a:r>
+            <a:r>
+              <a:rPr lang="zh-CN" altLang="en-US" dirty="0"/>
+              <a:t>）</a:t>
+            </a:r>
+            <a:r>
+              <a:rPr lang="zh-CN" altLang="en-US" dirty="0" smtClean="0"/>
+              <a:t>接口</a:t>
+            </a:r>
+            <a:endParaRPr lang="en-US" altLang="zh-CN" dirty="0" smtClean="0"/>
+          </a:p>
+          <a:p>
+            <a:pPr marL="285750" indent="-285750">
+              <a:buFont typeface="Arial" panose="020B0604020202020204" pitchFamily="34" charset="0"/>
+              <a:buChar char="•"/>
+            </a:pPr>
+            <a:r>
+              <a:rPr lang="en-US" altLang="zh-CN" dirty="0" err="1"/>
+              <a:t>ChannelFuture</a:t>
+            </a:r>
+            <a:r>
+              <a:rPr lang="en-US" altLang="zh-CN" dirty="0"/>
+              <a:t> </a:t>
+            </a:r>
+            <a:r>
+              <a:rPr lang="zh-CN" altLang="en-US" dirty="0"/>
+              <a:t>：扩展了</a:t>
+            </a:r>
+            <a:r>
+              <a:rPr lang="en-US" altLang="zh-CN" dirty="0" err="1"/>
+              <a:t>Netty</a:t>
+            </a:r>
+            <a:r>
+              <a:rPr lang="zh-CN" altLang="en-US" dirty="0"/>
+              <a:t>的</a:t>
+            </a:r>
+            <a:r>
+              <a:rPr lang="en-US" altLang="zh-CN" dirty="0"/>
+              <a:t>Future</a:t>
+            </a:r>
+            <a:r>
+              <a:rPr lang="zh-CN" altLang="en-US" dirty="0"/>
+              <a:t>接口，表示一种没有返回值的异步调用，同时和一个</a:t>
+            </a:r>
+            <a:r>
+              <a:rPr lang="en-US" altLang="zh-CN" dirty="0"/>
+              <a:t>Channel</a:t>
+            </a:r>
+            <a:r>
+              <a:rPr lang="zh-CN" altLang="en-US" dirty="0"/>
+              <a:t>进行</a:t>
+            </a:r>
+            <a:r>
+              <a:rPr lang="zh-CN" altLang="en-US" dirty="0" smtClean="0"/>
+              <a:t>绑定</a:t>
+            </a:r>
+            <a:endParaRPr lang="en-US" altLang="zh-CN" dirty="0" smtClean="0"/>
+          </a:p>
+          <a:p>
+            <a:pPr marL="285750" indent="-285750">
+              <a:buFont typeface="Arial" panose="020B0604020202020204" pitchFamily="34" charset="0"/>
+              <a:buChar char="•"/>
+            </a:pPr>
+            <a:r>
+              <a:rPr lang="en-US" altLang="zh-CN" dirty="0" smtClean="0"/>
+              <a:t>Promise</a:t>
+            </a:r>
+            <a:r>
+              <a:rPr lang="zh-CN" altLang="en-US" dirty="0" smtClean="0"/>
+              <a:t>：</a:t>
+            </a:r>
+            <a:r>
+              <a:rPr lang="en-US" altLang="zh-CN" dirty="0" err="1" smtClean="0"/>
+              <a:t>Netty</a:t>
+            </a:r>
+            <a:r>
+              <a:rPr lang="zh-CN" altLang="en-US" dirty="0" smtClean="0"/>
+              <a:t>的</a:t>
+            </a:r>
+            <a:r>
+              <a:rPr lang="en-US" altLang="zh-CN" dirty="0" smtClean="0"/>
+              <a:t>Future</a:t>
+            </a:r>
+            <a:r>
+              <a:rPr lang="zh-CN" altLang="en-US" dirty="0"/>
+              <a:t>的扩展，表示一种可写的</a:t>
+            </a:r>
+            <a:r>
+              <a:rPr lang="en-US" altLang="zh-CN" dirty="0"/>
+              <a:t>Future</a:t>
+            </a:r>
+            <a:endParaRPr lang="en-US" altLang="zh-CN" dirty="0" smtClean="0"/>
+          </a:p>
+          <a:p>
+            <a:pPr marL="285750" indent="-285750">
+              <a:buFont typeface="Arial" panose="020B0604020202020204" pitchFamily="34" charset="0"/>
+              <a:buChar char="•"/>
+            </a:pPr>
+            <a:r>
+              <a:rPr lang="en-US" altLang="zh-CN" dirty="0" err="1" smtClean="0"/>
+              <a:t>ChannelPromise</a:t>
+            </a:r>
+            <a:r>
+              <a:rPr lang="en-US" altLang="zh-CN" dirty="0" smtClean="0"/>
+              <a:t> </a:t>
+            </a:r>
+            <a:r>
+              <a:rPr lang="zh-CN" altLang="en-US" dirty="0" smtClean="0"/>
+              <a:t>：</a:t>
+            </a:r>
+            <a:r>
+              <a:rPr lang="zh-CN" altLang="en-US" dirty="0"/>
+              <a:t>扩展了</a:t>
+            </a:r>
+            <a:r>
+              <a:rPr lang="en-US" altLang="zh-CN" dirty="0" err="1"/>
+              <a:t>Netty</a:t>
+            </a:r>
+            <a:r>
+              <a:rPr lang="zh-CN" altLang="en-US" dirty="0" smtClean="0"/>
+              <a:t>的</a:t>
+            </a:r>
+            <a:r>
+              <a:rPr lang="en-US" altLang="zh-CN" dirty="0"/>
+              <a:t>Promise</a:t>
+            </a:r>
+            <a:r>
+              <a:rPr lang="zh-CN" altLang="en-US" dirty="0" smtClean="0"/>
+              <a:t>接口，绑定</a:t>
+            </a:r>
+            <a:r>
+              <a:rPr lang="zh-CN" altLang="en-US" dirty="0"/>
+              <a:t>了</a:t>
+            </a:r>
+            <a:r>
+              <a:rPr lang="en-US" altLang="zh-CN" dirty="0"/>
+              <a:t>Channel</a:t>
+            </a:r>
+            <a:r>
+              <a:rPr lang="zh-CN" altLang="en-US" dirty="0"/>
+              <a:t>，既可以写异步执行结果，</a:t>
+            </a:r>
+            <a:r>
+              <a:rPr lang="zh-CN" altLang="en-US" dirty="0" smtClean="0"/>
+              <a:t>又有监听</a:t>
+            </a:r>
+            <a:r>
+              <a:rPr lang="zh-CN" altLang="en-US" dirty="0"/>
+              <a:t>者的功能</a:t>
+            </a:r>
+            <a:endParaRPr lang="en-US" altLang="zh-CN" dirty="0">
+              <a:latin typeface="+mn-ea"/>
+            </a:endParaRPr>
+          </a:p>
+        </p:txBody>
+      </p:sp>
+    </p:spTree>
+  </p:cSld>
+  <p:clrMapOvr>
+    <a:masterClrMapping/>
+  </p:clrMapOvr>
+  <p:transition spd="slow">
+    <p:push dir="u"/>
+  </p:transition>
+  <p:timing>
+    <p:tnLst>
+      <p:par>
+        <p:cTn id="1" dur="indefinite" restart="never" nodeType="tmRoot"/>
+      </p:par>
+    </p:tnLst>
+  </p:timing>
+</p:sld>
+</file>
+
+<file path=ppt/slides/slide23.xml><?xml version="1.0" encoding="utf-8"?>
+<p:sld xmlns:a="http://schemas.openxmlformats.org/drawingml/2006/main" xmlns:r="http://schemas.openxmlformats.org/officeDocument/2006/relationships" xmlns:p="http://schemas.openxmlformats.org/presentationml/2006/main">
+  <p:cSld>
+    <p:spTree>
+      <p:nvGrpSpPr>
+        <p:cNvPr id="1" name=""/>
+        <p:cNvGrpSpPr/>
+        <p:nvPr/>
+      </p:nvGrpSpPr>
+      <p:grpSpPr>
+        <a:xfrm>
+          <a:off x="0" y="0"/>
+          <a:ext cx="0" cy="0"/>
+          <a:chOff x="0" y="0"/>
+          <a:chExt cx="0" cy="0"/>
+        </a:xfrm>
+      </p:grpSpPr>
+      <p:grpSp>
+        <p:nvGrpSpPr>
+          <p:cNvPr id="26" name="组合 25"/>
+          <p:cNvGrpSpPr/>
+          <p:nvPr/>
+        </p:nvGrpSpPr>
+        <p:grpSpPr>
+          <a:xfrm>
+            <a:off x="312577" y="210791"/>
+            <a:ext cx="3026655" cy="354181"/>
+            <a:chOff x="2147314" y="804555"/>
+            <a:chExt cx="3026655" cy="354181"/>
+          </a:xfrm>
+        </p:grpSpPr>
+        <p:grpSp>
+          <p:nvGrpSpPr>
+            <p:cNvPr id="22" name="组合 21"/>
+            <p:cNvGrpSpPr/>
+            <p:nvPr/>
+          </p:nvGrpSpPr>
+          <p:grpSpPr>
+            <a:xfrm>
+              <a:off x="3534889" y="1040577"/>
+              <a:ext cx="1639080" cy="117268"/>
+              <a:chOff x="573689" y="222664"/>
+              <a:chExt cx="1639080" cy="353287"/>
+            </a:xfrm>
+            <a:solidFill>
+              <a:srgbClr val="D9E026"/>
+            </a:solidFill>
+          </p:grpSpPr>
+          <p:sp>
+            <p:nvSpPr>
+              <p:cNvPr id="23" name="圆角矩形 22"/>
+              <p:cNvSpPr/>
+              <p:nvPr/>
+            </p:nvSpPr>
+            <p:spPr>
+              <a:xfrm>
+                <a:off x="573689" y="222664"/>
+                <a:ext cx="1639080" cy="353287"/>
+              </a:xfrm>
+              <a:prstGeom prst="roundRect">
+                <a:avLst>
+                  <a:gd name="adj" fmla="val 32457"/>
+                </a:avLst>
+              </a:prstGeom>
+              <a:grpFill/>
+              <a:ln>
+                <a:noFill/>
+              </a:ln>
+            </p:spPr>
+            <p:style>
+              <a:lnRef idx="2">
+                <a:schemeClr val="accent1">
+                  <a:shade val="50000"/>
+                </a:schemeClr>
+              </a:lnRef>
+              <a:fillRef idx="1">
+                <a:schemeClr val="accent1"/>
+              </a:fillRef>
+              <a:effectRef idx="0">
+                <a:schemeClr val="accent1"/>
+              </a:effectRef>
+              <a:fontRef idx="minor">
+                <a:schemeClr val="lt1"/>
+              </a:fontRef>
+            </p:style>
+            <p:txBody>
+              <a:bodyPr rtlCol="0" anchor="ctr"/>
+              <a:lstStyle/>
+              <a:p>
+                <a:pPr algn="ctr"/>
+                <a:endParaRPr lang="zh-CN" altLang="en-US"/>
+              </a:p>
+            </p:txBody>
+          </p:sp>
+          <p:sp>
+            <p:nvSpPr>
+              <p:cNvPr id="24" name="矩形 23"/>
+              <p:cNvSpPr/>
+              <p:nvPr/>
+            </p:nvSpPr>
+            <p:spPr>
+              <a:xfrm>
+                <a:off x="573689" y="438216"/>
+                <a:ext cx="1639080" cy="137735"/>
+              </a:xfrm>
+              <a:prstGeom prst="rect">
+                <a:avLst/>
+              </a:prstGeom>
+              <a:grpFill/>
+              <a:ln>
+                <a:noFill/>
+              </a:ln>
+            </p:spPr>
+            <p:style>
+              <a:lnRef idx="2">
+                <a:schemeClr val="accent1">
+                  <a:shade val="50000"/>
+                </a:schemeClr>
+              </a:lnRef>
+              <a:fillRef idx="1">
+                <a:schemeClr val="accent1"/>
+              </a:fillRef>
+              <a:effectRef idx="0">
+                <a:schemeClr val="accent1"/>
+              </a:effectRef>
+              <a:fontRef idx="minor">
+                <a:schemeClr val="lt1"/>
+              </a:fontRef>
+            </p:style>
+            <p:txBody>
+              <a:bodyPr rtlCol="0" anchor="ctr"/>
+              <a:lstStyle/>
+              <a:p>
+                <a:pPr algn="ctr"/>
+                <a:endParaRPr lang="zh-CN" altLang="en-US"/>
+              </a:p>
+            </p:txBody>
+          </p:sp>
+        </p:grpSp>
+        <p:grpSp>
+          <p:nvGrpSpPr>
+            <p:cNvPr id="19" name="组合 18"/>
+            <p:cNvGrpSpPr/>
+            <p:nvPr/>
+          </p:nvGrpSpPr>
+          <p:grpSpPr>
+            <a:xfrm>
+              <a:off x="3148655" y="1041468"/>
+              <a:ext cx="1639080" cy="117268"/>
+              <a:chOff x="573689" y="222664"/>
+              <a:chExt cx="1639080" cy="353287"/>
+            </a:xfrm>
+            <a:solidFill>
+              <a:srgbClr val="91338C"/>
+            </a:solidFill>
+          </p:grpSpPr>
+          <p:sp>
+            <p:nvSpPr>
+              <p:cNvPr id="20" name="圆角矩形 19"/>
+              <p:cNvSpPr/>
+              <p:nvPr/>
+            </p:nvSpPr>
+            <p:spPr>
+              <a:xfrm>
+                <a:off x="573689" y="222664"/>
+                <a:ext cx="1639080" cy="353287"/>
+              </a:xfrm>
+              <a:prstGeom prst="roundRect">
+                <a:avLst>
+                  <a:gd name="adj" fmla="val 32457"/>
+                </a:avLst>
+              </a:prstGeom>
+              <a:grpFill/>
+              <a:ln>
+                <a:noFill/>
+              </a:ln>
+            </p:spPr>
+            <p:style>
+              <a:lnRef idx="2">
+                <a:schemeClr val="accent1">
+                  <a:shade val="50000"/>
+                </a:schemeClr>
+              </a:lnRef>
+              <a:fillRef idx="1">
+                <a:schemeClr val="accent1"/>
+              </a:fillRef>
+              <a:effectRef idx="0">
+                <a:schemeClr val="accent1"/>
+              </a:effectRef>
+              <a:fontRef idx="minor">
+                <a:schemeClr val="lt1"/>
+              </a:fontRef>
+            </p:style>
+            <p:txBody>
+              <a:bodyPr rtlCol="0" anchor="ctr"/>
+              <a:lstStyle/>
+              <a:p>
+                <a:pPr algn="ctr"/>
+                <a:endParaRPr lang="zh-CN" altLang="en-US"/>
+              </a:p>
+            </p:txBody>
+          </p:sp>
+          <p:sp>
+            <p:nvSpPr>
+              <p:cNvPr id="21" name="矩形 20"/>
+              <p:cNvSpPr/>
+              <p:nvPr/>
+            </p:nvSpPr>
+            <p:spPr>
+              <a:xfrm>
+                <a:off x="573689" y="438216"/>
+                <a:ext cx="1639080" cy="137735"/>
+              </a:xfrm>
+              <a:prstGeom prst="rect">
+                <a:avLst/>
+              </a:prstGeom>
+              <a:grpFill/>
+              <a:ln>
+                <a:noFill/>
+              </a:ln>
+            </p:spPr>
+            <p:style>
+              <a:lnRef idx="2">
+                <a:schemeClr val="accent1">
+                  <a:shade val="50000"/>
+                </a:schemeClr>
+              </a:lnRef>
+              <a:fillRef idx="1">
+                <a:schemeClr val="accent1"/>
+              </a:fillRef>
+              <a:effectRef idx="0">
+                <a:schemeClr val="accent1"/>
+              </a:effectRef>
+              <a:fontRef idx="minor">
+                <a:schemeClr val="lt1"/>
+              </a:fontRef>
+            </p:style>
+            <p:txBody>
+              <a:bodyPr rtlCol="0" anchor="ctr"/>
+              <a:lstStyle/>
+              <a:p>
+                <a:pPr algn="ctr"/>
+                <a:endParaRPr lang="zh-CN" altLang="en-US"/>
+              </a:p>
+            </p:txBody>
+          </p:sp>
+        </p:grpSp>
+        <p:grpSp>
+          <p:nvGrpSpPr>
+            <p:cNvPr id="25" name="组合 24"/>
+            <p:cNvGrpSpPr/>
+            <p:nvPr/>
+          </p:nvGrpSpPr>
+          <p:grpSpPr>
+            <a:xfrm>
+              <a:off x="2147314" y="804555"/>
+              <a:ext cx="2207115" cy="353290"/>
+              <a:chOff x="330245" y="804555"/>
+              <a:chExt cx="2207115" cy="353290"/>
+            </a:xfrm>
+          </p:grpSpPr>
+          <p:grpSp>
+            <p:nvGrpSpPr>
+              <p:cNvPr id="16" name="组合 15"/>
+              <p:cNvGrpSpPr/>
+              <p:nvPr/>
+            </p:nvGrpSpPr>
+            <p:grpSpPr>
+              <a:xfrm>
+                <a:off x="898280" y="1040577"/>
+                <a:ext cx="1639080" cy="117268"/>
+                <a:chOff x="573689" y="222664"/>
+                <a:chExt cx="1639080" cy="353287"/>
+              </a:xfrm>
+              <a:solidFill>
+                <a:srgbClr val="049FFA"/>
+              </a:solidFill>
+            </p:grpSpPr>
+            <p:sp>
+              <p:nvSpPr>
+                <p:cNvPr id="17" name="圆角矩形 16"/>
+                <p:cNvSpPr/>
+                <p:nvPr/>
+              </p:nvSpPr>
+              <p:spPr>
+                <a:xfrm>
+                  <a:off x="573689" y="222664"/>
+                  <a:ext cx="1639080" cy="353287"/>
+                </a:xfrm>
+                <a:prstGeom prst="roundRect">
+                  <a:avLst>
+                    <a:gd name="adj" fmla="val 32457"/>
+                  </a:avLst>
+                </a:prstGeom>
+                <a:grpFill/>
+                <a:ln>
+                  <a:noFill/>
+                </a:ln>
+              </p:spPr>
+              <p:style>
+                <a:lnRef idx="2">
+                  <a:schemeClr val="accent1">
+                    <a:shade val="50000"/>
+                  </a:schemeClr>
+                </a:lnRef>
+                <a:fillRef idx="1">
+                  <a:schemeClr val="accent1"/>
+                </a:fillRef>
+                <a:effectRef idx="0">
+                  <a:schemeClr val="accent1"/>
+                </a:effectRef>
+                <a:fontRef idx="minor">
+                  <a:schemeClr val="lt1"/>
+                </a:fontRef>
+              </p:style>
+              <p:txBody>
+                <a:bodyPr rtlCol="0" anchor="ctr"/>
+                <a:lstStyle/>
+                <a:p>
+                  <a:pPr algn="ctr"/>
+                  <a:endParaRPr lang="zh-CN" altLang="en-US"/>
+                </a:p>
+              </p:txBody>
+            </p:sp>
+            <p:sp>
+              <p:nvSpPr>
+                <p:cNvPr id="18" name="矩形 17"/>
+                <p:cNvSpPr/>
+                <p:nvPr/>
+              </p:nvSpPr>
+              <p:spPr>
+                <a:xfrm>
+                  <a:off x="573689" y="438216"/>
+                  <a:ext cx="1639080" cy="137735"/>
+                </a:xfrm>
+                <a:prstGeom prst="rect">
+                  <a:avLst/>
+                </a:prstGeom>
+                <a:grpFill/>
+                <a:ln>
+                  <a:noFill/>
+                </a:ln>
+              </p:spPr>
+              <p:style>
+                <a:lnRef idx="2">
+                  <a:schemeClr val="accent1">
+                    <a:shade val="50000"/>
+                  </a:schemeClr>
+                </a:lnRef>
+                <a:fillRef idx="1">
+                  <a:schemeClr val="accent1"/>
+                </a:fillRef>
+                <a:effectRef idx="0">
+                  <a:schemeClr val="accent1"/>
+                </a:effectRef>
+                <a:fontRef idx="minor">
+                  <a:schemeClr val="lt1"/>
+                </a:fontRef>
+              </p:style>
+              <p:txBody>
+                <a:bodyPr rtlCol="0" anchor="ctr"/>
+                <a:lstStyle/>
+                <a:p>
+                  <a:pPr algn="ctr"/>
+                  <a:endParaRPr lang="zh-CN" altLang="en-US"/>
+                </a:p>
+              </p:txBody>
+            </p:sp>
+          </p:grpSp>
+          <p:grpSp>
+            <p:nvGrpSpPr>
+              <p:cNvPr id="15" name="组合 14"/>
+              <p:cNvGrpSpPr/>
+              <p:nvPr/>
+            </p:nvGrpSpPr>
+            <p:grpSpPr>
+              <a:xfrm>
+                <a:off x="330245" y="804555"/>
+                <a:ext cx="1639080" cy="353290"/>
+                <a:chOff x="573689" y="222664"/>
+                <a:chExt cx="1639080" cy="353290"/>
+              </a:xfrm>
+            </p:grpSpPr>
+            <p:sp>
+              <p:nvSpPr>
+                <p:cNvPr id="13" name="圆角矩形 12"/>
+                <p:cNvSpPr/>
+                <p:nvPr/>
+              </p:nvSpPr>
+              <p:spPr>
+                <a:xfrm>
+                  <a:off x="573689" y="222664"/>
+                  <a:ext cx="1639080" cy="234537"/>
+                </a:xfrm>
+                <a:prstGeom prst="roundRect">
+                  <a:avLst>
+                    <a:gd name="adj" fmla="val 32457"/>
+                  </a:avLst>
+                </a:prstGeom>
+                <a:solidFill>
+                  <a:srgbClr val="FCC716"/>
+                </a:solidFill>
+                <a:ln>
+                  <a:noFill/>
+                </a:ln>
+              </p:spPr>
+              <p:style>
+                <a:lnRef idx="2">
+                  <a:schemeClr val="accent1">
+                    <a:shade val="50000"/>
+                  </a:schemeClr>
+                </a:lnRef>
+                <a:fillRef idx="1">
+                  <a:schemeClr val="accent1"/>
+                </a:fillRef>
+                <a:effectRef idx="0">
+                  <a:schemeClr val="accent1"/>
+                </a:effectRef>
+                <a:fontRef idx="minor">
+                  <a:schemeClr val="lt1"/>
+                </a:fontRef>
+              </p:style>
+              <p:txBody>
+                <a:bodyPr rtlCol="0" anchor="ctr"/>
+                <a:lstStyle/>
+                <a:p>
+                  <a:pPr algn="ctr"/>
+                  <a:endParaRPr lang="zh-CN" altLang="en-US"/>
+                </a:p>
+              </p:txBody>
+            </p:sp>
+            <p:sp>
+              <p:nvSpPr>
+                <p:cNvPr id="14" name="矩形 13"/>
+                <p:cNvSpPr/>
+                <p:nvPr/>
+              </p:nvSpPr>
+              <p:spPr>
+                <a:xfrm>
+                  <a:off x="573689" y="326572"/>
+                  <a:ext cx="1639080" cy="249382"/>
+                </a:xfrm>
+                <a:prstGeom prst="rect">
+                  <a:avLst/>
+                </a:prstGeom>
+                <a:solidFill>
+                  <a:srgbClr val="FCC716"/>
+                </a:solidFill>
+                <a:ln>
+                  <a:noFill/>
+                </a:ln>
+              </p:spPr>
+              <p:style>
+                <a:lnRef idx="2">
+                  <a:schemeClr val="accent1">
+                    <a:shade val="50000"/>
+                  </a:schemeClr>
+                </a:lnRef>
+                <a:fillRef idx="1">
+                  <a:schemeClr val="accent1"/>
+                </a:fillRef>
+                <a:effectRef idx="0">
+                  <a:schemeClr val="accent1"/>
+                </a:effectRef>
+                <a:fontRef idx="minor">
+                  <a:schemeClr val="lt1"/>
+                </a:fontRef>
+              </p:style>
+              <p:txBody>
+                <a:bodyPr rtlCol="0" anchor="ctr"/>
+                <a:lstStyle/>
+                <a:p>
+                  <a:pPr algn="ctr"/>
+                  <a:endParaRPr lang="zh-CN" altLang="en-US"/>
+                </a:p>
+              </p:txBody>
+            </p:sp>
+          </p:grpSp>
+        </p:grpSp>
+      </p:grpSp>
+      <p:sp>
+        <p:nvSpPr>
+          <p:cNvPr id="3" name="文本框 2"/>
+          <p:cNvSpPr txBox="1"/>
+          <p:nvPr/>
+        </p:nvSpPr>
+        <p:spPr>
+          <a:xfrm>
+            <a:off x="312577" y="210791"/>
+            <a:ext cx="1638938" cy="368300"/>
+          </a:xfrm>
+          <a:prstGeom prst="rect">
+            <a:avLst/>
+          </a:prstGeom>
+          <a:noFill/>
+        </p:spPr>
+        <p:txBody>
+          <a:bodyPr wrap="square" rtlCol="0">
+            <a:spAutoFit/>
+          </a:bodyPr>
+          <a:lstStyle/>
+          <a:p>
+            <a:pPr algn="ctr"/>
+            <a:r>
+              <a:rPr lang="en-US" altLang="zh-CN" b="1" smtClean="0">
+                <a:solidFill>
+                  <a:schemeClr val="bg1"/>
+                </a:solidFill>
+                <a:latin typeface="微软雅黑" panose="020B0503020204020204" pitchFamily="34" charset="-122"/>
+                <a:ea typeface="微软雅黑" panose="020B0503020204020204" pitchFamily="34" charset="-122"/>
+                <a:sym typeface="+mn-ea"/>
+              </a:rPr>
+              <a:t>Netty</a:t>
+            </a:r>
+            <a:r>
+              <a:rPr lang="zh-CN" altLang="en-US" b="1" smtClean="0">
+                <a:solidFill>
+                  <a:schemeClr val="bg1"/>
+                </a:solidFill>
+                <a:latin typeface="微软雅黑" panose="020B0503020204020204" pitchFamily="34" charset="-122"/>
+                <a:ea typeface="微软雅黑" panose="020B0503020204020204" pitchFamily="34" charset="-122"/>
+                <a:sym typeface="+mn-ea"/>
+              </a:rPr>
+              <a:t>实战</a:t>
+            </a:r>
+            <a:endParaRPr lang="zh-CN" altLang="en-US" b="1" dirty="0">
+              <a:solidFill>
+                <a:schemeClr val="bg1"/>
+              </a:solidFill>
+              <a:latin typeface="微软雅黑" panose="020B0503020204020204" pitchFamily="34" charset="-122"/>
+              <a:ea typeface="微软雅黑" panose="020B0503020204020204" pitchFamily="34" charset="-122"/>
+            </a:endParaRPr>
+          </a:p>
+        </p:txBody>
+      </p:sp>
+      <p:sp>
+        <p:nvSpPr>
+          <p:cNvPr id="7" name="文本框 6"/>
+          <p:cNvSpPr txBox="1"/>
+          <p:nvPr/>
+        </p:nvSpPr>
+        <p:spPr>
+          <a:xfrm>
+            <a:off x="292340" y="810120"/>
+            <a:ext cx="5321315" cy="400110"/>
+          </a:xfrm>
+          <a:prstGeom prst="rect">
+            <a:avLst/>
+          </a:prstGeom>
+          <a:noFill/>
+        </p:spPr>
+        <p:txBody>
+          <a:bodyPr wrap="square">
+            <a:spAutoFit/>
+          </a:bodyPr>
+          <a:lstStyle/>
+          <a:p>
+            <a:r>
+              <a:rPr lang="en-US" altLang="zh-CN" sz="2000" dirty="0" smtClean="0">
+                <a:latin typeface="华文中宋" panose="02010600040101010101" pitchFamily="2" charset="-122"/>
+                <a:ea typeface="华文中宋" panose="02010600040101010101" pitchFamily="2" charset="-122"/>
+              </a:rPr>
+              <a:t>TCP</a:t>
+            </a:r>
+            <a:r>
+              <a:rPr lang="zh-CN" altLang="en-US" sz="2000" dirty="0" smtClean="0">
+                <a:latin typeface="华文中宋" panose="02010600040101010101" pitchFamily="2" charset="-122"/>
+                <a:ea typeface="华文中宋" panose="02010600040101010101" pitchFamily="2" charset="-122"/>
+              </a:rPr>
+              <a:t>粘包、拆包</a:t>
+            </a:r>
+            <a:endParaRPr lang="en-US" altLang="zh-CN" sz="2000" dirty="0">
+              <a:latin typeface="华文中宋" panose="02010600040101010101" pitchFamily="2" charset="-122"/>
+              <a:ea typeface="华文中宋" panose="02010600040101010101" pitchFamily="2" charset="-122"/>
+            </a:endParaRPr>
+          </a:p>
+        </p:txBody>
+      </p:sp>
+      <p:sp>
+        <p:nvSpPr>
+          <p:cNvPr id="27" name="文本框 1"/>
+          <p:cNvSpPr txBox="1"/>
+          <p:nvPr/>
+        </p:nvSpPr>
+        <p:spPr>
+          <a:xfrm>
+            <a:off x="292340" y="1452424"/>
+            <a:ext cx="11408367" cy="1200329"/>
+          </a:xfrm>
+          <a:prstGeom prst="rect">
+            <a:avLst/>
+          </a:prstGeom>
+          <a:noFill/>
+        </p:spPr>
+        <p:txBody>
+          <a:bodyPr wrap="square" rtlCol="0">
+            <a:spAutoFit/>
+          </a:bodyPr>
+          <a:lstStyle/>
+          <a:p>
+            <a:r>
+              <a:rPr lang="en-US" altLang="zh-CN" dirty="0" smtClean="0">
+                <a:latin typeface="+mn-ea"/>
+              </a:rPr>
+              <a:t>    TCP</a:t>
+            </a:r>
+            <a:r>
+              <a:rPr lang="zh-CN" altLang="en-US" dirty="0">
+                <a:latin typeface="+mn-ea"/>
+              </a:rPr>
+              <a:t>是一个“流”协议。所谓流，就是没有界限的一长串二进制数据。</a:t>
+            </a:r>
+            <a:r>
+              <a:rPr lang="en-US" altLang="zh-CN" dirty="0">
+                <a:latin typeface="+mn-ea"/>
+              </a:rPr>
+              <a:t>TCP</a:t>
+            </a:r>
+            <a:r>
+              <a:rPr lang="zh-CN" altLang="en-US" dirty="0">
+                <a:latin typeface="+mn-ea"/>
+              </a:rPr>
+              <a:t>作为传输层协议，并不了解上层业务数据的具体含义，它会根据</a:t>
+            </a:r>
+            <a:r>
+              <a:rPr lang="en-US" altLang="zh-CN" dirty="0">
+                <a:latin typeface="+mn-ea"/>
+              </a:rPr>
+              <a:t>TCP</a:t>
+            </a:r>
+            <a:r>
+              <a:rPr lang="zh-CN" altLang="en-US" dirty="0">
+                <a:latin typeface="+mn-ea"/>
+              </a:rPr>
+              <a:t>缓冲区的实际情况进行数据包的划分，所以在业务上认为是一个完整包的，可能会被</a:t>
+            </a:r>
+            <a:r>
+              <a:rPr lang="en-US" altLang="zh-CN" dirty="0">
+                <a:latin typeface="+mn-ea"/>
+              </a:rPr>
+              <a:t>TCP</a:t>
+            </a:r>
+            <a:r>
+              <a:rPr lang="zh-CN" altLang="en-US" dirty="0">
+                <a:latin typeface="+mn-ea"/>
+              </a:rPr>
+              <a:t>拆分成多个包进行发送，也有可能把多个小的包封装成一个大的数据包发送，这就是所谓的</a:t>
+            </a:r>
+            <a:r>
+              <a:rPr lang="en-US" altLang="zh-CN" dirty="0">
+                <a:latin typeface="+mn-ea"/>
+              </a:rPr>
+              <a:t>TCP</a:t>
+            </a:r>
+            <a:r>
+              <a:rPr lang="zh-CN" altLang="en-US" dirty="0">
+                <a:latin typeface="+mn-ea"/>
+              </a:rPr>
+              <a:t>拆包和粘包问题。</a:t>
+            </a:r>
+            <a:endParaRPr lang="en-US" altLang="zh-CN" dirty="0">
+              <a:latin typeface="+mn-ea"/>
+            </a:endParaRPr>
+          </a:p>
+        </p:txBody>
+      </p:sp>
+      <p:pic>
+        <p:nvPicPr>
+          <p:cNvPr id="2" name="图片 1"/>
+          <p:cNvPicPr>
+            <a:picLocks noChangeAspect="1"/>
+          </p:cNvPicPr>
+          <p:nvPr/>
+        </p:nvPicPr>
+        <p:blipFill>
+          <a:blip r:embed="rId1">
+            <a:extLst>
+              <a:ext uri="{28A0092B-C50C-407E-A947-70E740481C1C}">
+                <a14:useLocalDpi xmlns:a14="http://schemas.microsoft.com/office/drawing/2010/main" val="0"/>
+              </a:ext>
+            </a:extLst>
+          </a:blip>
+          <a:stretch>
+            <a:fillRect/>
+          </a:stretch>
+        </p:blipFill>
+        <p:spPr>
+          <a:xfrm>
+            <a:off x="1994715" y="2834987"/>
+            <a:ext cx="8003615" cy="3357994"/>
+          </a:xfrm>
+          <a:prstGeom prst="rect">
+            <a:avLst/>
+          </a:prstGeom>
+        </p:spPr>
+      </p:pic>
+    </p:spTree>
+  </p:cSld>
+  <p:clrMapOvr>
+    <a:masterClrMapping/>
+  </p:clrMapOvr>
+  <p:transition spd="slow">
+    <p:push dir="u"/>
+  </p:transition>
+  <p:timing>
+    <p:tnLst>
+      <p:par>
+        <p:cTn id="1" dur="indefinite" restart="never" nodeType="tmRoot"/>
+      </p:par>
+    </p:tnLst>
+  </p:timing>
+</p:sld>
+</file>
+
+<file path=ppt/slides/slide24.xml><?xml version="1.0" encoding="utf-8"?>
+<p:sld xmlns:a="http://schemas.openxmlformats.org/drawingml/2006/main" xmlns:r="http://schemas.openxmlformats.org/officeDocument/2006/relationships" xmlns:p="http://schemas.openxmlformats.org/presentationml/2006/main">
+  <p:cSld>
+    <p:spTree>
+      <p:nvGrpSpPr>
+        <p:cNvPr id="1" name=""/>
+        <p:cNvGrpSpPr/>
+        <p:nvPr/>
+      </p:nvGrpSpPr>
+      <p:grpSpPr>
+        <a:xfrm>
+          <a:off x="0" y="0"/>
+          <a:ext cx="0" cy="0"/>
+          <a:chOff x="0" y="0"/>
+          <a:chExt cx="0" cy="0"/>
+        </a:xfrm>
+      </p:grpSpPr>
       <p:sp>
         <p:nvSpPr>
           <p:cNvPr id="5" name="灯片编号占位符 4"/>
@@ -15836,7 +17466,6 @@
                   <a:schemeClr val="bg1"/>
                 </a:solidFill>
               </a:rPr>
-              <a:t>22</a:t>
             </a:fld>
             <a:endParaRPr lang="zh-CN" altLang="en-US">
               <a:solidFill>
@@ -15872,7 +17501,6 @@
                   <a:schemeClr val="bg1"/>
                 </a:solidFill>
               </a:rPr>
-              <a:t>2021/2/18</a:t>
             </a:fld>
             <a:endParaRPr lang="zh-CN" altLang="en-US" dirty="0">
               <a:solidFill>
@@ -15883,11 +17511,6 @@
         </p:txBody>
       </p:sp>
     </p:spTree>
-    <p:extLst>
-      <p:ext uri="{BB962C8B-B14F-4D97-AF65-F5344CB8AC3E}">
-        <p14:creationId xmlns:p14="http://schemas.microsoft.com/office/powerpoint/2010/main" val="2579901582"/>
-      </p:ext>
-    </p:extLst>
   </p:cSld>
   <p:clrMapOvr>
     <a:masterClrMapping/>
@@ -15943,8 +17566,6 @@
                   <a:srgbClr val="BDBDBD"/>
                 </a:solidFill>
               </a:rPr>
-              <a:pPr/>
-              <a:t>3</a:t>
             </a:fld>
             <a:endParaRPr lang="zh-CN" altLang="en-US">
               <a:solidFill>
@@ -16074,7 +17695,7 @@
           <p:nvPr/>
         </p:nvPicPr>
         <p:blipFill rotWithShape="1">
-          <a:blip r:embed="rId2" cstate="print">
+          <a:blip r:embed="rId1" cstate="print">
             <a:extLst>
               <a:ext uri="{28A0092B-C50C-407E-A947-70E740481C1C}">
                 <a14:useLocalDpi xmlns:a14="http://schemas.microsoft.com/office/drawing/2010/main" val="0"/>
@@ -16082,7 +17703,9 @@
             </a:extLst>
           </a:blip>
           <a:srcRect t="46436"/>
-          <a:stretch/>
+          <a:stretch>
+            <a:fillRect/>
+          </a:stretch>
         </p:blipFill>
         <p:spPr>
           <a:xfrm>
@@ -16103,7 +17726,7 @@
           <p:nvPr/>
         </p:nvPicPr>
         <p:blipFill>
-          <a:blip r:embed="rId3" cstate="print">
+          <a:blip r:embed="rId2" cstate="print">
             <a:extLst>
               <a:ext uri="{28A0092B-C50C-407E-A947-70E740481C1C}">
                 <a14:useLocalDpi xmlns:a14="http://schemas.microsoft.com/office/drawing/2010/main" val="0"/>
@@ -16282,11 +17905,6 @@
         </p:txBody>
       </p:sp>
     </p:spTree>
-    <p:extLst>
-      <p:ext uri="{BB962C8B-B14F-4D97-AF65-F5344CB8AC3E}">
-        <p14:creationId xmlns:p14="http://schemas.microsoft.com/office/powerpoint/2010/main" val="3559611410"/>
-      </p:ext>
-    </p:extLst>
   </p:cSld>
   <p:clrMapOvr>
     <a:masterClrMapping/>
@@ -16839,13 +18457,7 @@
       </p:sp>
       <p:sp>
         <p:nvSpPr>
-          <p:cNvPr id="29" name="文本框 28">
-            <a:extLst>
-              <a:ext uri="{FF2B5EF4-FFF2-40B4-BE49-F238E27FC236}">
-                <a16:creationId xmlns="" xmlns:a16="http://schemas.microsoft.com/office/drawing/2014/main" id="{C48D4BC0-0C46-4694-80B9-FCDFE5F4C3B5}"/>
-              </a:ext>
-            </a:extLst>
-          </p:cNvPr>
+          <p:cNvPr id="29" name="文本框 28"/>
           <p:cNvSpPr txBox="1"/>
           <p:nvPr/>
         </p:nvSpPr>
@@ -16955,6 +18567,10 @@
               </a:rPr>
               <a:t>IO </a:t>
             </a:r>
+            <a:endParaRPr lang="en-US" altLang="zh-CN" smtClean="0">
+              <a:latin typeface="+mj-ea"/>
+              <a:ea typeface="+mj-ea"/>
+            </a:endParaRPr>
           </a:p>
           <a:p>
             <a:pPr>
@@ -17175,123 +18791,127 @@
               </a:rPr>
               <a:t>操作发生时，它会经历两个阶段：</a:t>
             </a:r>
-          </a:p>
-          <a:p>
-            <a:pPr indent="457200"/>
-            <a:r>
-              <a:rPr lang="en-US" altLang="zh-CN" smtClean="0">
-                <a:latin typeface="宋体 (正文)"/>
-              </a:rPr>
-              <a:t>1 </a:t>
-            </a:r>
-            <a:r>
-              <a:rPr lang="zh-CN" altLang="en-US" smtClean="0">
-                <a:latin typeface="宋体 (正文)"/>
-              </a:rPr>
-              <a:t>、等待</a:t>
-            </a:r>
-            <a:r>
-              <a:rPr lang="zh-CN" altLang="en-US">
-                <a:latin typeface="宋体 (正文)"/>
-              </a:rPr>
-              <a:t>数据准备 </a:t>
-            </a:r>
-            <a:r>
-              <a:rPr lang="en-US" altLang="zh-CN">
-                <a:latin typeface="宋体 (正文)"/>
-              </a:rPr>
-              <a:t>(Waiting for the data to be ready)</a:t>
-            </a:r>
-          </a:p>
-          <a:p>
-            <a:pPr indent="457200"/>
-            <a:r>
-              <a:rPr lang="en-US" altLang="zh-CN" smtClean="0">
-                <a:latin typeface="宋体 (正文)"/>
-              </a:rPr>
-              <a:t>2 </a:t>
-            </a:r>
-            <a:r>
-              <a:rPr lang="zh-CN" altLang="en-US" smtClean="0">
-                <a:latin typeface="宋体 (正文)"/>
-              </a:rPr>
-              <a:t>、将</a:t>
-            </a:r>
-            <a:r>
-              <a:rPr lang="zh-CN" altLang="en-US">
-                <a:latin typeface="宋体 (正文)"/>
-              </a:rPr>
-              <a:t>数据从内核拷贝到进程中 </a:t>
-            </a:r>
-            <a:r>
-              <a:rPr lang="en-US" altLang="zh-CN">
-                <a:latin typeface="宋体 (正文)"/>
-              </a:rPr>
-              <a:t>(Copying the data from the kernel to the process</a:t>
-            </a:r>
-            <a:r>
-              <a:rPr lang="en-US" altLang="zh-CN" smtClean="0">
-                <a:latin typeface="宋体 (正文)"/>
-              </a:rPr>
-              <a:t>)</a:t>
-            </a:r>
-          </a:p>
-          <a:p>
-            <a:pPr indent="457200"/>
-            <a:r>
-              <a:rPr lang="zh-CN" altLang="en-US" smtClean="0">
-                <a:latin typeface="宋体 (正文)"/>
-              </a:rPr>
-              <a:t>而这些 </a:t>
-            </a:r>
-            <a:r>
-              <a:rPr lang="en-US" altLang="zh-CN" smtClean="0">
-                <a:latin typeface="宋体 (正文)"/>
-              </a:rPr>
-              <a:t>IO</a:t>
-            </a:r>
-            <a:r>
-              <a:rPr lang="zh-CN" altLang="en-US" smtClean="0">
-                <a:latin typeface="宋体 (正文)"/>
-              </a:rPr>
-              <a:t>模型之间的</a:t>
-            </a:r>
-            <a:r>
-              <a:rPr lang="zh-CN" altLang="en-US">
-                <a:latin typeface="宋体 (正文)"/>
-              </a:rPr>
-              <a:t>区别</a:t>
-            </a:r>
-            <a:r>
-              <a:rPr lang="zh-CN" altLang="en-US" smtClean="0">
-                <a:latin typeface="宋体 (正文)"/>
-              </a:rPr>
-              <a:t>就是变现在</a:t>
-            </a:r>
-            <a:r>
-              <a:rPr lang="zh-CN" altLang="en-US">
-                <a:latin typeface="宋体 (正文)"/>
-              </a:rPr>
-              <a:t>两个阶段上各有</a:t>
-            </a:r>
-            <a:r>
-              <a:rPr lang="zh-CN" altLang="en-US" smtClean="0">
-                <a:latin typeface="宋体 (正文)"/>
-              </a:rPr>
-              <a:t>不同。</a:t>
-            </a:r>
             <a:endParaRPr lang="zh-CN" altLang="en-US">
               <a:latin typeface="宋体 (正文)"/>
             </a:endParaRPr>
           </a:p>
+          <a:p>
+            <a:pPr indent="457200"/>
+            <a:r>
+              <a:rPr lang="en-US" altLang="zh-CN" smtClean="0">
+                <a:latin typeface="宋体 (正文)"/>
+              </a:rPr>
+              <a:t>1 </a:t>
+            </a:r>
+            <a:r>
+              <a:rPr lang="zh-CN" altLang="en-US" smtClean="0">
+                <a:latin typeface="宋体 (正文)"/>
+              </a:rPr>
+              <a:t>、等待</a:t>
+            </a:r>
+            <a:r>
+              <a:rPr lang="zh-CN" altLang="en-US">
+                <a:latin typeface="宋体 (正文)"/>
+              </a:rPr>
+              <a:t>数据准备 </a:t>
+            </a:r>
+            <a:r>
+              <a:rPr lang="en-US" altLang="zh-CN">
+                <a:latin typeface="宋体 (正文)"/>
+              </a:rPr>
+              <a:t>(Waiting for the data to be ready)</a:t>
+            </a:r>
+            <a:endParaRPr lang="en-US" altLang="zh-CN">
+              <a:latin typeface="宋体 (正文)"/>
+            </a:endParaRPr>
+          </a:p>
+          <a:p>
+            <a:pPr indent="457200"/>
+            <a:r>
+              <a:rPr lang="en-US" altLang="zh-CN" smtClean="0">
+                <a:latin typeface="宋体 (正文)"/>
+              </a:rPr>
+              <a:t>2 </a:t>
+            </a:r>
+            <a:r>
+              <a:rPr lang="zh-CN" altLang="en-US" smtClean="0">
+                <a:latin typeface="宋体 (正文)"/>
+              </a:rPr>
+              <a:t>、将</a:t>
+            </a:r>
+            <a:r>
+              <a:rPr lang="zh-CN" altLang="en-US">
+                <a:latin typeface="宋体 (正文)"/>
+              </a:rPr>
+              <a:t>数据从内核拷贝到进程中 </a:t>
+            </a:r>
+            <a:r>
+              <a:rPr lang="en-US" altLang="zh-CN">
+                <a:latin typeface="宋体 (正文)"/>
+              </a:rPr>
+              <a:t>(Copying the data from the kernel to the process</a:t>
+            </a:r>
+            <a:r>
+              <a:rPr lang="en-US" altLang="zh-CN" smtClean="0">
+                <a:latin typeface="宋体 (正文)"/>
+              </a:rPr>
+              <a:t>)</a:t>
+            </a:r>
+            <a:endParaRPr lang="en-US" altLang="zh-CN" smtClean="0">
+              <a:latin typeface="宋体 (正文)"/>
+            </a:endParaRPr>
+          </a:p>
+          <a:p>
+            <a:pPr indent="457200"/>
+            <a:r>
+              <a:rPr lang="zh-CN" altLang="en-US" smtClean="0">
+                <a:latin typeface="宋体 (正文)"/>
+              </a:rPr>
+              <a:t>而这些 </a:t>
+            </a:r>
+            <a:r>
+              <a:rPr lang="en-US" altLang="zh-CN" smtClean="0">
+                <a:latin typeface="宋体 (正文)"/>
+              </a:rPr>
+              <a:t>IO</a:t>
+            </a:r>
+            <a:r>
+              <a:rPr lang="zh-CN" altLang="en-US" smtClean="0">
+                <a:latin typeface="宋体 (正文)"/>
+              </a:rPr>
+              <a:t>模型之间的</a:t>
+            </a:r>
+            <a:r>
+              <a:rPr lang="zh-CN" altLang="en-US">
+                <a:latin typeface="宋体 (正文)"/>
+              </a:rPr>
+              <a:t>区别</a:t>
+            </a:r>
+            <a:r>
+              <a:rPr lang="zh-CN" altLang="en-US" smtClean="0">
+                <a:latin typeface="宋体 (正文)"/>
+              </a:rPr>
+              <a:t>就是变现在</a:t>
+            </a:r>
+            <a:r>
+              <a:rPr lang="zh-CN" altLang="en-US">
+                <a:latin typeface="宋体 (正文)"/>
+              </a:rPr>
+              <a:t>两个阶段上各有</a:t>
+            </a:r>
+            <a:r>
+              <a:rPr lang="zh-CN" altLang="en-US" smtClean="0">
+                <a:latin typeface="宋体 (正文)"/>
+              </a:rPr>
+              <a:t>不同。</a:t>
+            </a:r>
+            <a:endParaRPr lang="zh-CN" altLang="en-US">
+              <a:latin typeface="宋体 (正文)"/>
+            </a:endParaRPr>
+          </a:p>
         </p:txBody>
       </p:sp>
     </p:spTree>
-    <p:extLst>
-      <p:ext uri="{BB962C8B-B14F-4D97-AF65-F5344CB8AC3E}">
-        <p14:creationId xmlns:p14="http://schemas.microsoft.com/office/powerpoint/2010/main" val="1396477779"/>
-      </p:ext>
-    </p:extLst>
   </p:cSld>
   <p:clrMapOvr>
     <a:masterClrMapping/>
@@ -17844,13 +19464,7 @@
       </p:sp>
       <p:sp>
         <p:nvSpPr>
-          <p:cNvPr id="29" name="文本框 28">
-            <a:extLst>
-              <a:ext uri="{FF2B5EF4-FFF2-40B4-BE49-F238E27FC236}">
-                <a16:creationId xmlns="" xmlns:a16="http://schemas.microsoft.com/office/drawing/2014/main" id="{C48D4BC0-0C46-4694-80B9-FCDFE5F4C3B5}"/>
-              </a:ext>
-            </a:extLst>
-          </p:cNvPr>
+          <p:cNvPr id="29" name="文本框 28"/>
           <p:cNvSpPr txBox="1"/>
           <p:nvPr/>
         </p:nvSpPr>
@@ -17884,13 +19498,7 @@
       </p:sp>
       <p:sp>
         <p:nvSpPr>
-          <p:cNvPr id="30" name="箭头: 五边形 29">
-            <a:extLst>
-              <a:ext uri="{FF2B5EF4-FFF2-40B4-BE49-F238E27FC236}">
-                <a16:creationId xmlns="" xmlns:a16="http://schemas.microsoft.com/office/drawing/2014/main" id="{DAB6CC48-B0D6-471B-B188-D7433129D682}"/>
-              </a:ext>
-            </a:extLst>
-          </p:cNvPr>
+          <p:cNvPr id="30" name="箭头: 五边形 29"/>
           <p:cNvSpPr/>
           <p:nvPr/>
         </p:nvSpPr>
@@ -17984,7 +19592,7 @@
           <p:nvPr/>
         </p:nvPicPr>
         <p:blipFill>
-          <a:blip r:embed="rId3">
+          <a:blip r:embed="rId1">
             <a:extLst>
               <a:ext uri="{28A0092B-C50C-407E-A947-70E740481C1C}">
                 <a14:useLocalDpi xmlns:a14="http://schemas.microsoft.com/office/drawing/2010/main" val="0"/>
@@ -18006,11 +19614,6 @@
         </p:spPr>
       </p:pic>
     </p:spTree>
-    <p:extLst>
-      <p:ext uri="{BB962C8B-B14F-4D97-AF65-F5344CB8AC3E}">
-        <p14:creationId xmlns:p14="http://schemas.microsoft.com/office/powerpoint/2010/main" val="3883772932"/>
-      </p:ext>
-    </p:extLst>
   </p:cSld>
   <p:clrMapOvr>
     <a:masterClrMapping/>
@@ -18563,13 +20166,7 @@
       </p:sp>
       <p:sp>
         <p:nvSpPr>
-          <p:cNvPr id="29" name="文本框 28">
-            <a:extLst>
-              <a:ext uri="{FF2B5EF4-FFF2-40B4-BE49-F238E27FC236}">
-                <a16:creationId xmlns="" xmlns:a16="http://schemas.microsoft.com/office/drawing/2014/main" id="{C48D4BC0-0C46-4694-80B9-FCDFE5F4C3B5}"/>
-              </a:ext>
-            </a:extLst>
-          </p:cNvPr>
+          <p:cNvPr id="29" name="文本框 28"/>
           <p:cNvSpPr txBox="1"/>
           <p:nvPr/>
         </p:nvSpPr>
@@ -18603,13 +20200,7 @@
       </p:sp>
       <p:sp>
         <p:nvSpPr>
-          <p:cNvPr id="30" name="箭头: 五边形 29">
-            <a:extLst>
-              <a:ext uri="{FF2B5EF4-FFF2-40B4-BE49-F238E27FC236}">
-                <a16:creationId xmlns="" xmlns:a16="http://schemas.microsoft.com/office/drawing/2014/main" id="{DAB6CC48-B0D6-471B-B188-D7433129D682}"/>
-              </a:ext>
-            </a:extLst>
-          </p:cNvPr>
+          <p:cNvPr id="30" name="箭头: 五边形 29"/>
           <p:cNvSpPr/>
           <p:nvPr/>
         </p:nvSpPr>
@@ -18703,7 +20294,7 @@
           <p:nvPr/>
         </p:nvPicPr>
         <p:blipFill>
-          <a:blip r:embed="rId3">
+          <a:blip r:embed="rId1">
             <a:extLst>
               <a:ext uri="{28A0092B-C50C-407E-A947-70E740481C1C}">
                 <a14:useLocalDpi xmlns:a14="http://schemas.microsoft.com/office/drawing/2010/main" val="0"/>
@@ -18725,11 +20316,6 @@
         </p:spPr>
       </p:pic>
     </p:spTree>
-    <p:extLst>
-      <p:ext uri="{BB962C8B-B14F-4D97-AF65-F5344CB8AC3E}">
-        <p14:creationId xmlns:p14="http://schemas.microsoft.com/office/powerpoint/2010/main" val="3927304373"/>
-      </p:ext>
-    </p:extLst>
   </p:cSld>
   <p:clrMapOvr>
     <a:masterClrMapping/>
@@ -19282,13 +20868,7 @@
       </p:sp>
       <p:sp>
         <p:nvSpPr>
-          <p:cNvPr id="29" name="文本框 28">
-            <a:extLst>
-              <a:ext uri="{FF2B5EF4-FFF2-40B4-BE49-F238E27FC236}">
-                <a16:creationId xmlns="" xmlns:a16="http://schemas.microsoft.com/office/drawing/2014/main" id="{C48D4BC0-0C46-4694-80B9-FCDFE5F4C3B5}"/>
-              </a:ext>
-            </a:extLst>
-          </p:cNvPr>
+          <p:cNvPr id="29" name="文本框 28"/>
           <p:cNvSpPr txBox="1"/>
           <p:nvPr/>
         </p:nvSpPr>
@@ -19322,13 +20902,7 @@
       </p:sp>
       <p:sp>
         <p:nvSpPr>
-          <p:cNvPr id="30" name="箭头: 五边形 29">
-            <a:extLst>
-              <a:ext uri="{FF2B5EF4-FFF2-40B4-BE49-F238E27FC236}">
-                <a16:creationId xmlns="" xmlns:a16="http://schemas.microsoft.com/office/drawing/2014/main" id="{DAB6CC48-B0D6-471B-B188-D7433129D682}"/>
-              </a:ext>
-            </a:extLst>
-          </p:cNvPr>
+          <p:cNvPr id="30" name="箭头: 五边形 29"/>
           <p:cNvSpPr/>
           <p:nvPr/>
         </p:nvSpPr>
@@ -19422,7 +20996,7 @@
           <p:nvPr/>
         </p:nvPicPr>
         <p:blipFill>
-          <a:blip r:embed="rId3">
+          <a:blip r:embed="rId1">
             <a:extLst>
               <a:ext uri="{28A0092B-C50C-407E-A947-70E740481C1C}">
                 <a14:useLocalDpi xmlns:a14="http://schemas.microsoft.com/office/drawing/2010/main" val="0"/>
@@ -19444,11 +21018,6 @@
         </p:spPr>
       </p:pic>
     </p:spTree>
-    <p:extLst>
-      <p:ext uri="{BB962C8B-B14F-4D97-AF65-F5344CB8AC3E}">
-        <p14:creationId xmlns:p14="http://schemas.microsoft.com/office/powerpoint/2010/main" val="3587639792"/>
-      </p:ext>
-    </p:extLst>
   </p:cSld>
   <p:clrMapOvr>
     <a:masterClrMapping/>
@@ -20001,13 +21570,7 @@
       </p:sp>
       <p:sp>
         <p:nvSpPr>
-          <p:cNvPr id="29" name="文本框 28">
-            <a:extLst>
-              <a:ext uri="{FF2B5EF4-FFF2-40B4-BE49-F238E27FC236}">
-                <a16:creationId xmlns="" xmlns:a16="http://schemas.microsoft.com/office/drawing/2014/main" id="{C48D4BC0-0C46-4694-80B9-FCDFE5F4C3B5}"/>
-              </a:ext>
-            </a:extLst>
-          </p:cNvPr>
+          <p:cNvPr id="29" name="文本框 28"/>
           <p:cNvSpPr txBox="1"/>
           <p:nvPr/>
         </p:nvSpPr>
@@ -20041,13 +21604,7 @@
       </p:sp>
       <p:sp>
         <p:nvSpPr>
-          <p:cNvPr id="30" name="箭头: 五边形 29">
-            <a:extLst>
-              <a:ext uri="{FF2B5EF4-FFF2-40B4-BE49-F238E27FC236}">
-                <a16:creationId xmlns="" xmlns:a16="http://schemas.microsoft.com/office/drawing/2014/main" id="{DAB6CC48-B0D6-471B-B188-D7433129D682}"/>
-              </a:ext>
-            </a:extLst>
-          </p:cNvPr>
+          <p:cNvPr id="30" name="箭头: 五边形 29"/>
           <p:cNvSpPr/>
           <p:nvPr/>
         </p:nvSpPr>
@@ -20141,7 +21698,7 @@
           <p:nvPr/>
         </p:nvPicPr>
         <p:blipFill>
-          <a:blip r:embed="rId3">
+          <a:blip r:embed="rId1">
             <a:extLst>
               <a:ext uri="{28A0092B-C50C-407E-A947-70E740481C1C}">
                 <a14:useLocalDpi xmlns:a14="http://schemas.microsoft.com/office/drawing/2010/main" val="0"/>
@@ -20163,11 +21720,6 @@
         </p:spPr>
       </p:pic>
     </p:spTree>
-    <p:extLst>
-      <p:ext uri="{BB962C8B-B14F-4D97-AF65-F5344CB8AC3E}">
-        <p14:creationId xmlns:p14="http://schemas.microsoft.com/office/powerpoint/2010/main" val="3246514526"/>
-      </p:ext>
-    </p:extLst>
   </p:cSld>
   <p:clrMapOvr>
     <a:masterClrMapping/>
@@ -20223,8 +21775,6 @@
                   <a:srgbClr val="BDBDBD"/>
                 </a:solidFill>
               </a:rPr>
-              <a:pPr/>
-              <a:t>9</a:t>
             </a:fld>
             <a:endParaRPr lang="zh-CN" altLang="en-US">
               <a:solidFill>
@@ -20354,7 +21904,7 @@
           <p:nvPr/>
         </p:nvPicPr>
         <p:blipFill rotWithShape="1">
-          <a:blip r:embed="rId2" cstate="print">
+          <a:blip r:embed="rId1" cstate="print">
             <a:extLst>
               <a:ext uri="{28A0092B-C50C-407E-A947-70E740481C1C}">
                 <a14:useLocalDpi xmlns:a14="http://schemas.microsoft.com/office/drawing/2010/main" val="0"/>
@@ -20362,7 +21912,9 @@
             </a:extLst>
           </a:blip>
           <a:srcRect t="46436"/>
-          <a:stretch/>
+          <a:stretch>
+            <a:fillRect/>
+          </a:stretch>
         </p:blipFill>
         <p:spPr>
           <a:xfrm>
@@ -20383,7 +21935,7 @@
           <p:nvPr/>
         </p:nvPicPr>
         <p:blipFill>
-          <a:blip r:embed="rId3" cstate="print">
+          <a:blip r:embed="rId2" cstate="print">
             <a:extLst>
               <a:ext uri="{28A0092B-C50C-407E-A947-70E740481C1C}">
                 <a14:useLocalDpi xmlns:a14="http://schemas.microsoft.com/office/drawing/2010/main" val="0"/>
@@ -20547,11 +22099,6 @@
         </p:txBody>
       </p:sp>
     </p:spTree>
-    <p:extLst>
-      <p:ext uri="{BB962C8B-B14F-4D97-AF65-F5344CB8AC3E}">
-        <p14:creationId xmlns:p14="http://schemas.microsoft.com/office/powerpoint/2010/main" val="2455524574"/>
-      </p:ext>
-    </p:extLst>
   </p:cSld>
   <p:clrMapOvr>
     <a:masterClrMapping/>
@@ -20820,11 +22367,9 @@
       </a:bgFillStyleLst>
     </a:fmtScheme>
   </a:themeElements>
-  <a:objectDefaults/>
-  <a:extraClrSchemeLst/>
   <a:extLst>
     <a:ext uri="{05A4C25C-085E-4340-85A3-A5531E510DB2}">
-      <thm15:themeFamily xmlns:thm15="http://schemas.microsoft.com/office/thememl/2012/main" xmlns="" name="Office Theme" id="{62F939B6-93AF-4DB8-9C6B-D6C7DFDC589F}" vid="{4A3C46E8-61CC-4603-A589-7422A47A8E4A}"/>
+      <thm15:themeFamily xmlns:thm15="http://schemas.microsoft.com/office/thememl/2012/main" name="Office Theme" id="{62F939B6-93AF-4DB8-9C6B-D6C7DFDC589F}" vid="{4A3C46E8-61CC-4603-A589-7422A47A8E4A}"/>
     </a:ext>
   </a:extLst>
 </a:theme>
@@ -21081,11 +22626,9 @@
       </a:bgFillStyleLst>
     </a:fmtScheme>
   </a:themeElements>
-  <a:objectDefaults/>
-  <a:extraClrSchemeLst/>
   <a:extLst>
     <a:ext uri="{05A4C25C-085E-4340-85A3-A5531E510DB2}">
-      <thm15:themeFamily xmlns:thm15="http://schemas.microsoft.com/office/thememl/2012/main" xmlns="" name="Office Theme" id="{62F939B6-93AF-4DB8-9C6B-D6C7DFDC589F}" vid="{4A3C46E8-61CC-4603-A589-7422A47A8E4A}"/>
+      <thm15:themeFamily xmlns:thm15="http://schemas.microsoft.com/office/thememl/2012/main" name="Office Theme" id="{62F939B6-93AF-4DB8-9C6B-D6C7DFDC589F}" vid="{4A3C46E8-61CC-4603-A589-7422A47A8E4A}"/>
     </a:ext>
   </a:extLst>
 </a:theme>

--- a/ppt/NIO&NETTY初窥.pptx
+++ b/ppt/NIO&NETTY初窥.pptx
@@ -29,8 +29,8 @@
     <p:sldId id="332" r:id="rId22"/>
     <p:sldId id="344" r:id="rId23"/>
     <p:sldId id="345" r:id="rId24"/>
-    <p:sldId id="334" r:id="rId25"/>
-    <p:sldId id="333" r:id="rId26"/>
+    <p:sldId id="333" r:id="rId25"/>
+    <p:sldId id="334" r:id="rId26"/>
     <p:sldId id="261" r:id="rId27"/>
   </p:sldIdLst>
   <p:sldSz cx="12192000" cy="6858000"/>
@@ -1535,6 +1535,10 @@
           <a:bodyPr/>
           <a:lstStyle/>
           <a:p>
+            <a:r>
+              <a:rPr lang="zh-CN" altLang="en-US" dirty="0"/>
+              <a:t>Netty对半包或者粘包的处理其实也很简单。Channel中的数据读取的时候经过解析，如果不是一个完整的数据包，则解析失败，将这个数据包进行保存，等下次解析时再和这个数据包进行组装解析，直到解析到完整的数据包，才会将数据包向下传递</a:t>
+            </a:r>
             <a:endParaRPr lang="zh-CN" altLang="en-US" dirty="0"/>
           </a:p>
         </p:txBody>
@@ -1613,10 +1617,6 @@
           <a:bodyPr/>
           <a:lstStyle/>
           <a:p>
-            <a:r>
-              <a:rPr lang="zh-CN" altLang="en-US" dirty="0"/>
-              <a:t>Netty对半包或者粘包的处理其实也很简单。Channel中的数据读取的时候经过解析，如果不是一个完整的数据包，则解析失败，将这个数据包进行保存，等下次解析时再和这个数据包进行组装解析，直到解析到完整的数据包，才会将数据包向下传递</a:t>
-            </a:r>
             <a:endParaRPr lang="zh-CN" altLang="en-US" dirty="0"/>
           </a:p>
         </p:txBody>
@@ -13426,7 +13426,7 @@
         <p:spPr>
           <a:xfrm>
             <a:off x="292340" y="1462584"/>
-            <a:ext cx="11408367" cy="1476375"/>
+            <a:ext cx="11408367" cy="2584450"/>
           </a:xfrm>
           <a:prstGeom prst="rect">
             <a:avLst/>
@@ -13580,6 +13580,115 @@
               <a:t>）和executor线程池（处理异步任务）</a:t>
             </a:r>
             <a:endParaRPr lang="zh-CN" altLang="en-US" dirty="0" smtClean="0"/>
+          </a:p>
+          <a:p>
+            <a:pPr marL="285750" indent="-285750">
+              <a:buFont typeface="Arial" panose="020B0604020202020204" pitchFamily="34" charset="0"/>
+              <a:buChar char="•"/>
+            </a:pPr>
+            <a:r>
+              <a:rPr lang="zh-CN" altLang="en-US" dirty="0" smtClean="0"/>
+              <a:t>processSelectedKeys方法处理</a:t>
+            </a:r>
+            <a:r>
+              <a:rPr lang="en-US" altLang="zh-CN" dirty="0" smtClean="0"/>
+              <a:t>IO</a:t>
+            </a:r>
+            <a:r>
+              <a:rPr lang="zh-CN" altLang="en-US" dirty="0" smtClean="0"/>
+              <a:t>事件 </a:t>
+            </a:r>
+            <a:r>
+              <a:rPr lang="en-US" altLang="zh-CN" dirty="0" smtClean="0"/>
+              <a:t>/ runAllTasks</a:t>
+            </a:r>
+            <a:r>
+              <a:rPr lang="zh-CN" altLang="en-US" dirty="0" smtClean="0"/>
+              <a:t>方法处理异步任务 （可通过</a:t>
+            </a:r>
+            <a:r>
+              <a:rPr lang="en-US" altLang="zh-CN" dirty="0" smtClean="0"/>
+              <a:t>ioRatio</a:t>
+            </a:r>
+            <a:r>
+              <a:rPr lang="zh-CN" altLang="en-US" dirty="0" smtClean="0"/>
+              <a:t>控制比例</a:t>
+            </a:r>
+            <a:r>
+              <a:rPr lang="zh-CN" altLang="en-US" dirty="0" smtClean="0"/>
+              <a:t>）</a:t>
+            </a:r>
+            <a:endParaRPr lang="zh-CN" altLang="en-US" dirty="0" smtClean="0"/>
+          </a:p>
+          <a:p>
+            <a:pPr marL="285750" indent="-285750">
+              <a:buFont typeface="Arial" panose="020B0604020202020204" pitchFamily="34" charset="0"/>
+              <a:buChar char="•"/>
+            </a:pPr>
+            <a:r>
+              <a:rPr lang="en-US" altLang="zh-CN" dirty="0" smtClean="0"/>
+              <a:t>rebuildSelector</a:t>
+            </a:r>
+            <a:r>
+              <a:rPr lang="zh-CN" altLang="en-US" dirty="0" smtClean="0"/>
+              <a:t>解决</a:t>
+            </a:r>
+            <a:r>
+              <a:rPr lang="en-US" altLang="zh-CN" dirty="0" smtClean="0"/>
+              <a:t>nio</a:t>
+            </a:r>
+            <a:r>
+              <a:rPr lang="zh-CN" altLang="en-US" dirty="0" smtClean="0"/>
+              <a:t>的</a:t>
+            </a:r>
+            <a:r>
+              <a:rPr lang="en-US" altLang="zh-CN" dirty="0" smtClean="0"/>
+              <a:t>select</a:t>
+            </a:r>
+            <a:r>
+              <a:rPr lang="zh-CN" altLang="en-US" dirty="0" smtClean="0"/>
+              <a:t>导致</a:t>
+            </a:r>
+            <a:r>
+              <a:rPr lang="en-US" altLang="zh-CN" dirty="0" smtClean="0"/>
+              <a:t>cpu占用100%的bug</a:t>
+            </a:r>
+            <a:r>
+              <a:rPr lang="zh-CN" altLang="en-US" dirty="0" smtClean="0"/>
+              <a:t>（设置了一个阀值</a:t>
+            </a:r>
+            <a:r>
+              <a:rPr lang="en-US" altLang="zh-CN" dirty="0" smtClean="0"/>
+              <a:t>512</a:t>
+            </a:r>
+            <a:r>
+              <a:rPr lang="zh-CN" altLang="en-US" dirty="0" smtClean="0"/>
+              <a:t>，超过阀值重新注册</a:t>
+            </a:r>
+            <a:r>
+              <a:rPr lang="en-US" altLang="zh-CN" dirty="0" smtClean="0"/>
+              <a:t>selector</a:t>
+            </a:r>
+            <a:r>
+              <a:rPr lang="zh-CN" altLang="en-US" dirty="0" smtClean="0"/>
+              <a:t>）</a:t>
+            </a:r>
+            <a:endParaRPr lang="en-US" altLang="zh-CN" dirty="0" smtClean="0"/>
+          </a:p>
+          <a:p>
+            <a:pPr marL="285750" indent="-285750">
+              <a:buFont typeface="Arial" panose="020B0604020202020204" pitchFamily="34" charset="0"/>
+              <a:buChar char="•"/>
+            </a:pPr>
+            <a:r>
+              <a:rPr lang="zh-CN" altLang="en-US" dirty="0" smtClean="0"/>
+              <a:t>childChannel的实现类是NioSocketChannel因此unsafe的实现类是NioByteUnsafe </a:t>
+            </a:r>
+            <a:r>
+              <a:rPr lang="en-US" altLang="zh-CN" dirty="0" smtClean="0"/>
+              <a:t>/ parentChannel的实现类是NioServerSocketChannel因此unsafe的实现类是NioMessageUnsafe</a:t>
+            </a:r>
+            <a:endParaRPr lang="en-US" altLang="zh-CN" dirty="0" smtClean="0"/>
           </a:p>
         </p:txBody>
       </p:sp>
@@ -15046,7 +15155,7 @@
         </p:blipFill>
         <p:spPr>
           <a:xfrm>
-            <a:off x="1951355" y="4958080"/>
+            <a:off x="1951355" y="4453890"/>
             <a:ext cx="5362575" cy="855980"/>
           </a:xfrm>
           <a:prstGeom prst="rect">
@@ -15062,7 +15171,7 @@
         </p:nvSpPr>
         <p:spPr>
           <a:xfrm>
-            <a:off x="312420" y="5201920"/>
+            <a:off x="312420" y="4697730"/>
             <a:ext cx="1463040" cy="368300"/>
           </a:xfrm>
           <a:prstGeom prst="rect">
@@ -15677,7 +15786,7 @@
         <p:spPr>
           <a:xfrm>
             <a:off x="292100" y="1452245"/>
-            <a:ext cx="7192010" cy="2030095"/>
+            <a:ext cx="7192010" cy="2584450"/>
           </a:xfrm>
           <a:prstGeom prst="rect">
             <a:avLst/>
@@ -15841,14 +15950,94 @@
               <a:buFont typeface="Arial" panose="020B0604020202020204" pitchFamily="34" charset="0"/>
               <a:buChar char="•"/>
             </a:pPr>
-            <a:endParaRPr lang="zh-CN" altLang="en-US" dirty="0" smtClean="0"/>
+            <a:r>
+              <a:rPr lang="zh-CN" altLang="en-US" dirty="0" smtClean="0"/>
+              <a:t>注册：fireChannelRegistered方法 </a:t>
+            </a:r>
+            <a:r>
+              <a:rPr lang="en-US" altLang="zh-CN" dirty="0" smtClean="0"/>
+              <a:t>/ </a:t>
+            </a:r>
+            <a:r>
+              <a:rPr lang="zh-CN" altLang="en-US" dirty="0" smtClean="0"/>
+              <a:t>读取：fireChannelRead方法</a:t>
+            </a:r>
+            <a:r>
+              <a:rPr lang="en-US" altLang="zh-CN" dirty="0" smtClean="0"/>
+              <a:t>...</a:t>
+            </a:r>
+            <a:endParaRPr lang="en-US" altLang="zh-CN" dirty="0" smtClean="0"/>
           </a:p>
           <a:p>
             <a:pPr marL="285750" indent="-285750">
               <a:buFont typeface="Arial" panose="020B0604020202020204" pitchFamily="34" charset="0"/>
               <a:buChar char="•"/>
             </a:pPr>
-            <a:endParaRPr dirty="0" smtClean="0"/>
+            <a:r>
+              <a:rPr lang="en-US" altLang="zh-CN" dirty="0" smtClean="0"/>
+              <a:t>Inbound的操作</a:t>
+            </a:r>
+            <a:r>
+              <a:rPr lang="zh-CN" altLang="en-US" dirty="0" smtClean="0"/>
+              <a:t>，调用</a:t>
+            </a:r>
+            <a:r>
+              <a:rPr lang="en-US" altLang="zh-CN" dirty="0" smtClean="0"/>
+              <a:t>fire...</a:t>
+            </a:r>
+            <a:r>
+              <a:rPr lang="zh-CN" altLang="en-US" dirty="0" smtClean="0"/>
+              <a:t>方法传递 head</a:t>
+            </a:r>
+            <a:r>
+              <a:rPr lang="en-US" altLang="zh-CN" dirty="0" smtClean="0"/>
+              <a:t>-&gt;tail</a:t>
+            </a:r>
+            <a:endParaRPr lang="en-US" altLang="zh-CN" dirty="0" smtClean="0"/>
+          </a:p>
+          <a:p>
+            <a:pPr marL="285750" indent="-285750">
+              <a:buFont typeface="Arial" panose="020B0604020202020204" pitchFamily="34" charset="0"/>
+              <a:buChar char="•"/>
+            </a:pPr>
+            <a:r>
+              <a:rPr lang="en-US" altLang="zh-CN" dirty="0" smtClean="0">
+                <a:sym typeface="+mn-ea"/>
+              </a:rPr>
+              <a:t>Outbound的操作</a:t>
+            </a:r>
+            <a:r>
+              <a:rPr lang="zh-CN" altLang="en-US" dirty="0" smtClean="0">
+                <a:sym typeface="+mn-ea"/>
+              </a:rPr>
+              <a:t>，调用</a:t>
+            </a:r>
+            <a:r>
+              <a:rPr lang="en-US" altLang="zh-CN" dirty="0" smtClean="0">
+                <a:sym typeface="+mn-ea"/>
+              </a:rPr>
+              <a:t>fire...</a:t>
+            </a:r>
+            <a:r>
+              <a:rPr lang="zh-CN" altLang="en-US" dirty="0" smtClean="0">
+                <a:sym typeface="+mn-ea"/>
+              </a:rPr>
+              <a:t>方法传递 </a:t>
+            </a:r>
+            <a:r>
+              <a:rPr lang="en-US" altLang="zh-CN" dirty="0" smtClean="0">
+                <a:sym typeface="+mn-ea"/>
+              </a:rPr>
+              <a:t>tail-&gt;head</a:t>
+            </a:r>
+            <a:endParaRPr lang="en-US" altLang="zh-CN" dirty="0" smtClean="0"/>
+          </a:p>
+          <a:p>
+            <a:pPr marL="285750" indent="-285750">
+              <a:buFont typeface="Arial" panose="020B0604020202020204" pitchFamily="34" charset="0"/>
+              <a:buChar char="•"/>
+            </a:pPr>
+            <a:endParaRPr lang="en-US" altLang="zh-CN" dirty="0" smtClean="0"/>
           </a:p>
         </p:txBody>
       </p:sp>
@@ -16452,34 +16641,23 @@
           <a:lstStyle/>
           <a:p>
             <a:r>
-              <a:rPr lang="zh-CN" altLang="en-US" sz="2000" dirty="0"/>
-              <a:t>异步处理（ </a:t>
-            </a:r>
-            <a:r>
-              <a:rPr lang="en-US" altLang="zh-CN" sz="2000" dirty="0" err="1"/>
-              <a:t>ChannelFuture</a:t>
-            </a:r>
-            <a:r>
-              <a:rPr lang="en-US" altLang="zh-CN" sz="2000" dirty="0"/>
-              <a:t> </a:t>
-            </a:r>
-            <a:r>
-              <a:rPr lang="zh-CN" altLang="en-US" sz="2000" dirty="0"/>
-              <a:t>、 </a:t>
-            </a:r>
-            <a:r>
-              <a:rPr lang="en-US" altLang="zh-CN" sz="2000" dirty="0" err="1"/>
-              <a:t>ChannelPromise</a:t>
-            </a:r>
-            <a:r>
-              <a:rPr lang="en-US" altLang="zh-CN" sz="2000" dirty="0"/>
-              <a:t> </a:t>
-            </a:r>
-            <a:r>
-              <a:rPr lang="zh-CN" altLang="en-US" sz="2000" dirty="0" smtClean="0"/>
-              <a:t>）</a:t>
-            </a:r>
-            <a:endParaRPr lang="zh-CN" altLang="en-US" sz="2000" dirty="0"/>
+              <a:rPr lang="en-US" altLang="zh-CN" sz="2000" dirty="0" smtClean="0">
+                <a:latin typeface="华文中宋" panose="02010600040101010101" pitchFamily="2" charset="-122"/>
+                <a:ea typeface="华文中宋" panose="02010600040101010101" pitchFamily="2" charset="-122"/>
+              </a:rPr>
+              <a:t>TCP</a:t>
+            </a:r>
+            <a:r>
+              <a:rPr lang="zh-CN" altLang="en-US" sz="2000" dirty="0" smtClean="0">
+                <a:latin typeface="华文中宋" panose="02010600040101010101" pitchFamily="2" charset="-122"/>
+                <a:ea typeface="华文中宋" panose="02010600040101010101" pitchFamily="2" charset="-122"/>
+              </a:rPr>
+              <a:t>粘包、拆包</a:t>
+            </a:r>
+            <a:endParaRPr lang="en-US" altLang="zh-CN" sz="2000" dirty="0">
+              <a:latin typeface="华文中宋" panose="02010600040101010101" pitchFamily="2" charset="-122"/>
+              <a:ea typeface="华文中宋" panose="02010600040101010101" pitchFamily="2" charset="-122"/>
+            </a:endParaRPr>
           </a:p>
         </p:txBody>
       </p:sp>
@@ -16505,190 +16683,65 @@
           </a:bodyPr>
           <a:lstStyle/>
           <a:p>
-            <a:pPr marL="285750" indent="-285750">
-              <a:buFont typeface="Arial" panose="020B0604020202020204" pitchFamily="34" charset="0"/>
-              <a:buChar char="•"/>
-            </a:pPr>
-            <a:r>
-              <a:rPr lang="en-US" altLang="zh-CN" dirty="0"/>
-              <a:t>Future</a:t>
-            </a:r>
-            <a:r>
-              <a:rPr lang="zh-CN" altLang="en-US" dirty="0"/>
-              <a:t>：</a:t>
-            </a:r>
-            <a:r>
-              <a:rPr lang="zh-CN" altLang="en-US" dirty="0" smtClean="0"/>
-              <a:t>在</a:t>
-            </a:r>
-            <a:r>
-              <a:rPr lang="en-US" altLang="zh-CN" dirty="0" err="1" smtClean="0"/>
-              <a:t>jdk</a:t>
-            </a:r>
-            <a:r>
-              <a:rPr lang="zh-CN" altLang="en-US" dirty="0" smtClean="0"/>
-              <a:t>的</a:t>
-            </a:r>
-            <a:r>
-              <a:rPr lang="en-US" altLang="zh-CN" dirty="0" smtClean="0"/>
-              <a:t>Future</a:t>
-            </a:r>
-            <a:r>
-              <a:rPr lang="zh-CN" altLang="en-US" dirty="0"/>
-              <a:t>的基础上拓展了监听器（</a:t>
-            </a:r>
-            <a:r>
-              <a:rPr lang="en-US" altLang="zh-CN" dirty="0"/>
-              <a:t>Listener</a:t>
-            </a:r>
-            <a:r>
-              <a:rPr lang="zh-CN" altLang="en-US" dirty="0"/>
-              <a:t>）</a:t>
-            </a:r>
-            <a:r>
-              <a:rPr lang="zh-CN" altLang="en-US" dirty="0" smtClean="0"/>
-              <a:t>接口</a:t>
-            </a:r>
-            <a:endParaRPr lang="en-US" altLang="zh-CN" dirty="0" smtClean="0"/>
-          </a:p>
-          <a:p>
-            <a:pPr marL="285750" indent="-285750">
-              <a:buFont typeface="Arial" panose="020B0604020202020204" pitchFamily="34" charset="0"/>
-              <a:buChar char="•"/>
-            </a:pPr>
-            <a:r>
-              <a:rPr lang="en-US" altLang="zh-CN" dirty="0" err="1"/>
-              <a:t>ChannelFuture</a:t>
-            </a:r>
-            <a:r>
-              <a:rPr lang="en-US" altLang="zh-CN" dirty="0"/>
-              <a:t> </a:t>
-            </a:r>
-            <a:r>
-              <a:rPr lang="zh-CN" altLang="en-US" dirty="0"/>
-              <a:t>：扩展了</a:t>
-            </a:r>
-            <a:r>
-              <a:rPr lang="en-US" altLang="zh-CN" dirty="0" err="1"/>
-              <a:t>Netty</a:t>
-            </a:r>
-            <a:r>
-              <a:rPr lang="zh-CN" altLang="en-US" dirty="0"/>
-              <a:t>的</a:t>
-            </a:r>
-            <a:r>
-              <a:rPr lang="en-US" altLang="zh-CN" dirty="0"/>
-              <a:t>Future</a:t>
-            </a:r>
-            <a:r>
-              <a:rPr lang="zh-CN" altLang="en-US" dirty="0"/>
-              <a:t>接口，表示一种没有返回值的异步调用，同时和一个</a:t>
-            </a:r>
-            <a:r>
-              <a:rPr lang="en-US" altLang="zh-CN" dirty="0"/>
-              <a:t>Channel</a:t>
-            </a:r>
-            <a:r>
-              <a:rPr lang="zh-CN" altLang="en-US" dirty="0"/>
-              <a:t>进行</a:t>
-            </a:r>
-            <a:r>
-              <a:rPr lang="zh-CN" altLang="en-US" dirty="0" smtClean="0"/>
-              <a:t>绑定</a:t>
-            </a:r>
-            <a:endParaRPr lang="en-US" altLang="zh-CN" dirty="0" smtClean="0"/>
-          </a:p>
-          <a:p>
-            <a:pPr marL="285750" indent="-285750">
-              <a:buFont typeface="Arial" panose="020B0604020202020204" pitchFamily="34" charset="0"/>
-              <a:buChar char="•"/>
-            </a:pPr>
-            <a:r>
-              <a:rPr lang="en-US" altLang="zh-CN" dirty="0" smtClean="0"/>
-              <a:t>Promise</a:t>
-            </a:r>
-            <a:r>
-              <a:rPr lang="zh-CN" altLang="en-US" dirty="0" smtClean="0"/>
-              <a:t>：</a:t>
-            </a:r>
-            <a:r>
-              <a:rPr lang="en-US" altLang="zh-CN" dirty="0" err="1" smtClean="0"/>
-              <a:t>Netty</a:t>
-            </a:r>
-            <a:r>
-              <a:rPr lang="zh-CN" altLang="en-US" dirty="0" smtClean="0"/>
-              <a:t>的</a:t>
-            </a:r>
-            <a:r>
-              <a:rPr lang="en-US" altLang="zh-CN" dirty="0" smtClean="0"/>
-              <a:t>Future</a:t>
-            </a:r>
-            <a:r>
-              <a:rPr lang="zh-CN" altLang="en-US" dirty="0"/>
-              <a:t>的扩展，表示一种可写的</a:t>
-            </a:r>
-            <a:r>
-              <a:rPr lang="en-US" altLang="zh-CN" dirty="0"/>
-              <a:t>Future</a:t>
-            </a:r>
-            <a:endParaRPr lang="en-US" altLang="zh-CN" dirty="0" smtClean="0"/>
-          </a:p>
-          <a:p>
-            <a:pPr marL="285750" indent="-285750">
-              <a:buFont typeface="Arial" panose="020B0604020202020204" pitchFamily="34" charset="0"/>
-              <a:buChar char="•"/>
-            </a:pPr>
-            <a:r>
-              <a:rPr lang="en-US" altLang="zh-CN" dirty="0" err="1" smtClean="0"/>
-              <a:t>ChannelPromise</a:t>
-            </a:r>
-            <a:r>
-              <a:rPr lang="en-US" altLang="zh-CN" dirty="0" smtClean="0"/>
-              <a:t> </a:t>
-            </a:r>
-            <a:r>
-              <a:rPr lang="zh-CN" altLang="en-US" dirty="0" smtClean="0"/>
-              <a:t>：</a:t>
-            </a:r>
-            <a:r>
-              <a:rPr lang="zh-CN" altLang="en-US" dirty="0"/>
-              <a:t>扩展了</a:t>
-            </a:r>
-            <a:r>
-              <a:rPr lang="en-US" altLang="zh-CN" dirty="0" err="1"/>
-              <a:t>Netty</a:t>
-            </a:r>
-            <a:r>
-              <a:rPr lang="zh-CN" altLang="en-US" dirty="0" smtClean="0"/>
-              <a:t>的</a:t>
-            </a:r>
-            <a:r>
-              <a:rPr lang="en-US" altLang="zh-CN" dirty="0"/>
-              <a:t>Promise</a:t>
-            </a:r>
-            <a:r>
-              <a:rPr lang="zh-CN" altLang="en-US" dirty="0" smtClean="0"/>
-              <a:t>接口，绑定</a:t>
-            </a:r>
-            <a:r>
-              <a:rPr lang="zh-CN" altLang="en-US" dirty="0"/>
-              <a:t>了</a:t>
-            </a:r>
-            <a:r>
-              <a:rPr lang="en-US" altLang="zh-CN" dirty="0"/>
-              <a:t>Channel</a:t>
-            </a:r>
-            <a:r>
-              <a:rPr lang="zh-CN" altLang="en-US" dirty="0"/>
-              <a:t>，既可以写异步执行结果，</a:t>
-            </a:r>
-            <a:r>
-              <a:rPr lang="zh-CN" altLang="en-US" dirty="0" smtClean="0"/>
-              <a:t>又有监听</a:t>
-            </a:r>
-            <a:r>
-              <a:rPr lang="zh-CN" altLang="en-US" dirty="0"/>
-              <a:t>者的功能</a:t>
+            <a:r>
+              <a:rPr lang="en-US" altLang="zh-CN" dirty="0" smtClean="0">
+                <a:latin typeface="+mn-ea"/>
+              </a:rPr>
+              <a:t>    TCP</a:t>
+            </a:r>
+            <a:r>
+              <a:rPr lang="zh-CN" altLang="en-US" dirty="0">
+                <a:latin typeface="+mn-ea"/>
+              </a:rPr>
+              <a:t>是一个“流”协议。所谓流，就是没有界限的一长串二进制数据。</a:t>
+            </a:r>
+            <a:r>
+              <a:rPr lang="en-US" altLang="zh-CN" dirty="0">
+                <a:latin typeface="+mn-ea"/>
+              </a:rPr>
+              <a:t>TCP</a:t>
+            </a:r>
+            <a:r>
+              <a:rPr lang="zh-CN" altLang="en-US" dirty="0">
+                <a:latin typeface="+mn-ea"/>
+              </a:rPr>
+              <a:t>作为传输层协议，并不了解上层业务数据的具体含义，它会根据</a:t>
+            </a:r>
+            <a:r>
+              <a:rPr lang="en-US" altLang="zh-CN" dirty="0">
+                <a:latin typeface="+mn-ea"/>
+              </a:rPr>
+              <a:t>TCP</a:t>
+            </a:r>
+            <a:r>
+              <a:rPr lang="zh-CN" altLang="en-US" dirty="0">
+                <a:latin typeface="+mn-ea"/>
+              </a:rPr>
+              <a:t>缓冲区的实际情况进行数据包的划分，所以在业务上认为是一个完整包的，可能会被</a:t>
+            </a:r>
+            <a:r>
+              <a:rPr lang="en-US" altLang="zh-CN" dirty="0">
+                <a:latin typeface="+mn-ea"/>
+              </a:rPr>
+              <a:t>TCP</a:t>
+            </a:r>
+            <a:r>
+              <a:rPr lang="zh-CN" altLang="en-US" dirty="0">
+                <a:latin typeface="+mn-ea"/>
+              </a:rPr>
+              <a:t>拆分成多个包进行发送，也有可能把多个小的包封装成一个大的数据包发送，这就是所谓的</a:t>
+            </a:r>
+            <a:r>
+              <a:rPr lang="en-US" altLang="zh-CN" dirty="0">
+                <a:latin typeface="+mn-ea"/>
+              </a:rPr>
+              <a:t>TCP</a:t>
+            </a:r>
+            <a:r>
+              <a:rPr lang="zh-CN" altLang="en-US" dirty="0">
+                <a:latin typeface="+mn-ea"/>
+              </a:rPr>
+              <a:t>拆包和粘包问题。</a:t>
             </a:r>
             <a:endParaRPr lang="en-US" altLang="zh-CN" dirty="0">
               <a:latin typeface="+mn-ea"/>
@@ -16696,6 +16749,36 @@
           </a:p>
         </p:txBody>
       </p:sp>
+      <p:pic>
+        <p:nvPicPr>
+          <p:cNvPr id="2" name="图片 1"/>
+          <p:cNvPicPr>
+            <a:picLocks noChangeAspect="1"/>
+          </p:cNvPicPr>
+          <p:nvPr/>
+        </p:nvPicPr>
+        <p:blipFill>
+          <a:blip r:embed="rId1">
+            <a:extLst>
+              <a:ext uri="{28A0092B-C50C-407E-A947-70E740481C1C}">
+                <a14:useLocalDpi xmlns:a14="http://schemas.microsoft.com/office/drawing/2010/main" val="0"/>
+              </a:ext>
+            </a:extLst>
+          </a:blip>
+          <a:stretch>
+            <a:fillRect/>
+          </a:stretch>
+        </p:blipFill>
+        <p:spPr>
+          <a:xfrm>
+            <a:off x="1994715" y="2834987"/>
+            <a:ext cx="8003615" cy="3357994"/>
+          </a:xfrm>
+          <a:prstGeom prst="rect">
+            <a:avLst/>
+          </a:prstGeom>
+        </p:spPr>
+      </p:pic>
     </p:spTree>
   </p:cSld>
   <p:clrMapOvr>
@@ -17272,23 +17355,34 @@
           <a:lstStyle/>
           <a:p>
             <a:r>
-              <a:rPr lang="en-US" altLang="zh-CN" sz="2000" dirty="0" smtClean="0">
-                <a:latin typeface="华文中宋" panose="02010600040101010101" pitchFamily="2" charset="-122"/>
-                <a:ea typeface="华文中宋" panose="02010600040101010101" pitchFamily="2" charset="-122"/>
-              </a:rPr>
-              <a:t>TCP</a:t>
-            </a:r>
-            <a:r>
-              <a:rPr lang="zh-CN" altLang="en-US" sz="2000" dirty="0" smtClean="0">
-                <a:latin typeface="华文中宋" panose="02010600040101010101" pitchFamily="2" charset="-122"/>
-                <a:ea typeface="华文中宋" panose="02010600040101010101" pitchFamily="2" charset="-122"/>
-              </a:rPr>
-              <a:t>粘包、拆包</a:t>
-            </a:r>
-            <a:endParaRPr lang="en-US" altLang="zh-CN" sz="2000" dirty="0">
-              <a:latin typeface="华文中宋" panose="02010600040101010101" pitchFamily="2" charset="-122"/>
-              <a:ea typeface="华文中宋" panose="02010600040101010101" pitchFamily="2" charset="-122"/>
-            </a:endParaRPr>
+              <a:rPr lang="zh-CN" altLang="en-US" sz="2000" dirty="0"/>
+              <a:t>异步处理（ </a:t>
+            </a:r>
+            <a:r>
+              <a:rPr lang="en-US" altLang="zh-CN" sz="2000" dirty="0" err="1"/>
+              <a:t>ChannelFuture</a:t>
+            </a:r>
+            <a:r>
+              <a:rPr lang="en-US" altLang="zh-CN" sz="2000" dirty="0"/>
+              <a:t> </a:t>
+            </a:r>
+            <a:r>
+              <a:rPr lang="zh-CN" altLang="en-US" sz="2000" dirty="0"/>
+              <a:t>、 </a:t>
+            </a:r>
+            <a:r>
+              <a:rPr lang="en-US" altLang="zh-CN" sz="2000" dirty="0" err="1"/>
+              <a:t>ChannelPromise</a:t>
+            </a:r>
+            <a:r>
+              <a:rPr lang="en-US" altLang="zh-CN" sz="2000" dirty="0"/>
+              <a:t> </a:t>
+            </a:r>
+            <a:r>
+              <a:rPr lang="zh-CN" altLang="en-US" sz="2000" dirty="0" smtClean="0"/>
+              <a:t>）</a:t>
+            </a:r>
+            <a:endParaRPr lang="zh-CN" altLang="en-US" sz="2000" dirty="0"/>
           </a:p>
         </p:txBody>
       </p:sp>
@@ -17301,7 +17395,7 @@
         <p:spPr>
           <a:xfrm>
             <a:off x="292340" y="1452424"/>
-            <a:ext cx="11408367" cy="1200329"/>
+            <a:ext cx="11408367" cy="2861310"/>
           </a:xfrm>
           <a:prstGeom prst="rect">
             <a:avLst/>
@@ -17314,102 +17408,410 @@
           </a:bodyPr>
           <a:lstStyle/>
           <a:p>
+            <a:pPr marL="285750" indent="-285750">
+              <a:buFont typeface="Arial" panose="020B0604020202020204" pitchFamily="34" charset="0"/>
+              <a:buChar char="•"/>
+            </a:pPr>
+            <a:r>
+              <a:rPr lang="zh-CN" altLang="en-US" dirty="0"/>
+              <a:t>在</a:t>
+            </a:r>
+            <a:r>
+              <a:rPr lang="en-US" altLang="zh-CN" dirty="0"/>
+              <a:t>Netty</a:t>
+            </a:r>
+            <a:r>
+              <a:rPr lang="zh-CN" altLang="en-US" dirty="0"/>
+              <a:t>中，所有的</a:t>
+            </a:r>
+            <a:r>
+              <a:rPr lang="en-US" altLang="zh-CN" dirty="0"/>
+              <a:t>IO</a:t>
+            </a:r>
+            <a:r>
+              <a:rPr lang="zh-CN" altLang="en-US" dirty="0"/>
+              <a:t>操作都是一部执行的</a:t>
+            </a:r>
+            <a:endParaRPr lang="en-US" altLang="zh-CN" dirty="0"/>
+          </a:p>
+          <a:p>
+            <a:pPr marL="285750" indent="-285750">
+              <a:buFont typeface="Arial" panose="020B0604020202020204" pitchFamily="34" charset="0"/>
+              <a:buChar char="•"/>
+            </a:pPr>
+            <a:r>
+              <a:rPr lang="en-US" altLang="zh-CN" dirty="0"/>
+              <a:t>Future</a:t>
+            </a:r>
+            <a:r>
+              <a:rPr lang="zh-CN" altLang="en-US" dirty="0"/>
+              <a:t>：</a:t>
+            </a:r>
+            <a:r>
+              <a:rPr lang="zh-CN" altLang="en-US" dirty="0" smtClean="0"/>
+              <a:t>在</a:t>
+            </a:r>
+            <a:r>
+              <a:rPr lang="en-US" altLang="zh-CN" dirty="0" err="1" smtClean="0"/>
+              <a:t>jdk</a:t>
+            </a:r>
+            <a:r>
+              <a:rPr lang="zh-CN" altLang="en-US" dirty="0" smtClean="0"/>
+              <a:t>的</a:t>
+            </a:r>
+            <a:r>
+              <a:rPr lang="en-US" altLang="zh-CN" dirty="0" smtClean="0"/>
+              <a:t>Future</a:t>
+            </a:r>
+            <a:r>
+              <a:rPr lang="zh-CN" altLang="en-US" dirty="0"/>
+              <a:t>的基础上拓展了监听器（</a:t>
+            </a:r>
+            <a:r>
+              <a:rPr lang="en-US" altLang="zh-CN" dirty="0"/>
+              <a:t>Listener</a:t>
+            </a:r>
+            <a:r>
+              <a:rPr lang="zh-CN" altLang="en-US" dirty="0"/>
+              <a:t>）</a:t>
+            </a:r>
+            <a:r>
+              <a:rPr lang="zh-CN" altLang="en-US" dirty="0" smtClean="0"/>
+              <a:t>接口</a:t>
+            </a:r>
+            <a:endParaRPr lang="en-US" altLang="zh-CN" dirty="0" smtClean="0"/>
+          </a:p>
+          <a:p>
+            <a:pPr marL="285750" indent="-285750">
+              <a:buFont typeface="Arial" panose="020B0604020202020204" pitchFamily="34" charset="0"/>
+              <a:buChar char="•"/>
+            </a:pPr>
+            <a:r>
+              <a:rPr lang="en-US" altLang="zh-CN" dirty="0" err="1"/>
+              <a:t>ChannelFuture</a:t>
+            </a:r>
+            <a:r>
+              <a:rPr lang="en-US" altLang="zh-CN" dirty="0"/>
+              <a:t> </a:t>
+            </a:r>
+            <a:r>
+              <a:rPr lang="zh-CN" altLang="en-US" dirty="0"/>
+              <a:t>：扩展了</a:t>
+            </a:r>
+            <a:r>
+              <a:rPr lang="en-US" altLang="zh-CN" dirty="0" err="1"/>
+              <a:t>Netty</a:t>
+            </a:r>
+            <a:r>
+              <a:rPr lang="zh-CN" altLang="en-US" dirty="0"/>
+              <a:t>的</a:t>
+            </a:r>
+            <a:r>
+              <a:rPr lang="en-US" altLang="zh-CN" dirty="0"/>
+              <a:t>Future</a:t>
+            </a:r>
+            <a:r>
+              <a:rPr lang="zh-CN" altLang="en-US" dirty="0"/>
+              <a:t>接口，表示一种没有返回值的异步调用，同时和一个</a:t>
+            </a:r>
+            <a:r>
+              <a:rPr lang="en-US" altLang="zh-CN" dirty="0"/>
+              <a:t>Channel</a:t>
+            </a:r>
+            <a:r>
+              <a:rPr lang="zh-CN" altLang="en-US" dirty="0"/>
+              <a:t>进行</a:t>
+            </a:r>
+            <a:r>
+              <a:rPr lang="zh-CN" altLang="en-US" dirty="0" smtClean="0"/>
+              <a:t>绑定</a:t>
+            </a:r>
+            <a:endParaRPr lang="en-US" altLang="zh-CN" dirty="0" smtClean="0"/>
+          </a:p>
+          <a:p>
+            <a:pPr marL="285750" indent="-285750">
+              <a:buFont typeface="Arial" panose="020B0604020202020204" pitchFamily="34" charset="0"/>
+              <a:buChar char="•"/>
+            </a:pPr>
+            <a:r>
+              <a:rPr lang="en-US" altLang="zh-CN" dirty="0" smtClean="0"/>
+              <a:t>Promise</a:t>
+            </a:r>
+            <a:r>
+              <a:rPr lang="zh-CN" altLang="en-US" dirty="0" smtClean="0"/>
+              <a:t>：</a:t>
+            </a:r>
+            <a:r>
+              <a:rPr lang="en-US" altLang="zh-CN" dirty="0" err="1" smtClean="0"/>
+              <a:t>Netty</a:t>
+            </a:r>
+            <a:r>
+              <a:rPr lang="zh-CN" altLang="en-US" dirty="0" smtClean="0"/>
+              <a:t>的</a:t>
+            </a:r>
+            <a:r>
+              <a:rPr lang="en-US" altLang="zh-CN" dirty="0" smtClean="0"/>
+              <a:t>Future</a:t>
+            </a:r>
+            <a:r>
+              <a:rPr lang="zh-CN" altLang="en-US" dirty="0"/>
+              <a:t>的扩展，表示一种可写的</a:t>
+            </a:r>
+            <a:r>
+              <a:rPr lang="en-US" altLang="zh-CN" dirty="0"/>
+              <a:t>Future</a:t>
+            </a:r>
+            <a:endParaRPr lang="en-US" altLang="zh-CN" dirty="0" smtClean="0"/>
+          </a:p>
+          <a:p>
+            <a:pPr marL="285750" indent="-285750">
+              <a:buFont typeface="Arial" panose="020B0604020202020204" pitchFamily="34" charset="0"/>
+              <a:buChar char="•"/>
+            </a:pPr>
+            <a:r>
+              <a:rPr lang="en-US" altLang="zh-CN" dirty="0" err="1" smtClean="0"/>
+              <a:t>ChannelPromise</a:t>
+            </a:r>
+            <a:r>
+              <a:rPr lang="en-US" altLang="zh-CN" dirty="0" smtClean="0"/>
+              <a:t> </a:t>
+            </a:r>
+            <a:r>
+              <a:rPr lang="zh-CN" altLang="en-US" dirty="0" smtClean="0"/>
+              <a:t>：</a:t>
+            </a:r>
+            <a:r>
+              <a:rPr lang="zh-CN" altLang="en-US" dirty="0"/>
+              <a:t>扩展了</a:t>
+            </a:r>
+            <a:r>
+              <a:rPr lang="en-US" altLang="zh-CN" dirty="0" err="1"/>
+              <a:t>Netty</a:t>
+            </a:r>
+            <a:r>
+              <a:rPr lang="zh-CN" altLang="en-US" dirty="0" smtClean="0"/>
+              <a:t>的</a:t>
+            </a:r>
+            <a:r>
+              <a:rPr lang="en-US" altLang="zh-CN" dirty="0"/>
+              <a:t>Promise</a:t>
+            </a:r>
+            <a:r>
+              <a:rPr lang="zh-CN" altLang="en-US" dirty="0" smtClean="0"/>
+              <a:t>接口，绑定</a:t>
+            </a:r>
+            <a:r>
+              <a:rPr lang="zh-CN" altLang="en-US" dirty="0"/>
+              <a:t>了</a:t>
+            </a:r>
+            <a:r>
+              <a:rPr lang="en-US" altLang="zh-CN" dirty="0"/>
+              <a:t>Channel</a:t>
+            </a:r>
+            <a:r>
+              <a:rPr lang="zh-CN" altLang="en-US" dirty="0"/>
+              <a:t>，既可以写异步执行结果，</a:t>
+            </a:r>
+            <a:r>
+              <a:rPr lang="zh-CN" altLang="en-US" dirty="0" smtClean="0"/>
+              <a:t>又有监听</a:t>
+            </a:r>
+            <a:r>
+              <a:rPr lang="zh-CN" altLang="en-US" dirty="0"/>
+              <a:t>者的功能</a:t>
+            </a:r>
+            <a:endParaRPr lang="zh-CN" altLang="en-US" dirty="0"/>
+          </a:p>
+          <a:p>
+            <a:pPr marL="285750" indent="-285750">
+              <a:buFont typeface="Arial" panose="020B0604020202020204" pitchFamily="34" charset="0"/>
+              <a:buChar char="•"/>
+            </a:pPr>
+            <a:r>
+              <a:rPr lang="en-US" altLang="zh-CN" dirty="0"/>
+              <a:t>Channel</a:t>
+            </a:r>
+            <a:r>
+              <a:rPr lang="zh-CN" altLang="en-US" dirty="0"/>
+              <a:t>会持有</a:t>
+            </a:r>
+            <a:r>
+              <a:rPr lang="en-US" altLang="zh-CN" dirty="0" err="1">
+                <a:sym typeface="+mn-ea"/>
+              </a:rPr>
+              <a:t>ChannelFuture</a:t>
+            </a:r>
+            <a:r>
+              <a:rPr lang="zh-CN" altLang="en-US" dirty="0">
+                <a:sym typeface="+mn-ea"/>
+              </a:rPr>
+              <a:t>对象，</a:t>
+            </a:r>
+            <a:r>
+              <a:rPr lang="en-US" altLang="zh-CN" dirty="0">
+                <a:sym typeface="+mn-ea"/>
+              </a:rPr>
+              <a:t>listener</a:t>
+            </a:r>
+            <a:r>
+              <a:rPr lang="zh-CN" altLang="en-US" dirty="0">
+                <a:sym typeface="+mn-ea"/>
+              </a:rPr>
+              <a:t>通过</a:t>
+            </a:r>
+            <a:r>
+              <a:rPr lang="en-US" altLang="zh-CN" dirty="0">
+                <a:sym typeface="+mn-ea"/>
+              </a:rPr>
+              <a:t>add</a:t>
+            </a:r>
+            <a:r>
+              <a:rPr lang="en-US" altLang="zh-CN" dirty="0">
+                <a:sym typeface="+mn-ea"/>
+              </a:rPr>
+              <a:t>Listener</a:t>
+            </a:r>
+            <a:r>
+              <a:rPr lang="zh-CN" altLang="en-US" dirty="0">
+                <a:sym typeface="+mn-ea"/>
+              </a:rPr>
+              <a:t>方法加入</a:t>
+            </a:r>
+            <a:r>
+              <a:rPr lang="en-US" altLang="zh-CN" dirty="0">
+                <a:sym typeface="+mn-ea"/>
+              </a:rPr>
+              <a:t>listener</a:t>
+            </a:r>
+            <a:r>
+              <a:rPr lang="zh-CN" altLang="en-US" dirty="0">
+                <a:sym typeface="+mn-ea"/>
+              </a:rPr>
+              <a:t>数组，执行异步</a:t>
+            </a:r>
+            <a:r>
+              <a:rPr lang="en-US" altLang="zh-CN" dirty="0">
+                <a:sym typeface="+mn-ea"/>
+              </a:rPr>
+              <a:t>IO</a:t>
+            </a:r>
+            <a:r>
+              <a:rPr lang="zh-CN" altLang="en-US" dirty="0">
+                <a:sym typeface="+mn-ea"/>
+              </a:rPr>
+              <a:t>操作时通常会携带一个</a:t>
+            </a:r>
+            <a:r>
+              <a:rPr lang="en-US" altLang="zh-CN" dirty="0" err="1" smtClean="0">
+                <a:sym typeface="+mn-ea"/>
+              </a:rPr>
+              <a:t>ChannelPromise</a:t>
+            </a:r>
             <a:r>
               <a:rPr lang="en-US" altLang="zh-CN" dirty="0" smtClean="0">
-                <a:latin typeface="+mn-ea"/>
-              </a:rPr>
-              <a:t>    TCP</a:t>
+                <a:sym typeface="+mn-ea"/>
+              </a:rPr>
+              <a:t> </a:t>
+            </a:r>
+            <a:r>
+              <a:rPr lang="zh-CN" altLang="en-US" dirty="0" smtClean="0">
+                <a:sym typeface="+mn-ea"/>
+              </a:rPr>
+              <a:t>，与</a:t>
+            </a:r>
+            <a:r>
+              <a:rPr lang="en-US" altLang="zh-CN" dirty="0" smtClean="0">
+                <a:sym typeface="+mn-ea"/>
+              </a:rPr>
+              <a:t>Channel</a:t>
+            </a:r>
+            <a:r>
+              <a:rPr lang="zh-CN" altLang="en-US" dirty="0" smtClean="0">
+                <a:sym typeface="+mn-ea"/>
+              </a:rPr>
+              <a:t>绑定，之前</a:t>
             </a:r>
             <a:r>
               <a:rPr lang="zh-CN" altLang="en-US" dirty="0">
-                <a:latin typeface="+mn-ea"/>
-              </a:rPr>
-              <a:t>是一个“流”协议。所谓流，就是没有界限的一长串二进制数据。</a:t>
+                <a:sym typeface="+mn-ea"/>
+              </a:rPr>
+              <a:t>ChannelFutureListener实际注册到了DefaultChannelPromise。在异步</a:t>
             </a:r>
             <a:r>
               <a:rPr lang="en-US" altLang="zh-CN" dirty="0">
-                <a:latin typeface="+mn-ea"/>
-              </a:rPr>
-              <a:t>TCP</a:t>
+                <a:sym typeface="+mn-ea"/>
+              </a:rPr>
+              <a:t>task</a:t>
             </a:r>
             <a:r>
               <a:rPr lang="zh-CN" altLang="en-US" dirty="0">
-                <a:latin typeface="+mn-ea"/>
-              </a:rPr>
-              <a:t>作为传输层协议，并不了解上层业务数据的具体含义，它会根据</a:t>
-            </a:r>
-            <a:r>
-              <a:rPr lang="en-US" altLang="zh-CN" dirty="0">
-                <a:latin typeface="+mn-ea"/>
-              </a:rPr>
-              <a:t>TCP</a:t>
+                <a:sym typeface="+mn-ea"/>
+              </a:rPr>
+              <a:t>结束后，调用</a:t>
+            </a:r>
+            <a:r>
+              <a:rPr lang="en-US" altLang="zh-CN" dirty="0" err="1" smtClean="0">
+                <a:sym typeface="+mn-ea"/>
+              </a:rPr>
+              <a:t>ChannelPromise</a:t>
+            </a:r>
+            <a:r>
+              <a:rPr lang="en-US" altLang="zh-CN" dirty="0" smtClean="0">
+                <a:sym typeface="+mn-ea"/>
+              </a:rPr>
+              <a:t> </a:t>
+            </a:r>
+            <a:r>
+              <a:rPr lang="zh-CN" altLang="en-US" dirty="0" smtClean="0">
+                <a:sym typeface="+mn-ea"/>
+              </a:rPr>
+              <a:t>的</a:t>
+            </a:r>
+            <a:r>
+              <a:rPr lang="en-US" altLang="zh-CN" dirty="0" smtClean="0">
+                <a:sym typeface="+mn-ea"/>
+              </a:rPr>
+              <a:t>success</a:t>
+            </a:r>
+            <a:r>
+              <a:rPr lang="zh-CN" altLang="en-US" dirty="0" smtClean="0">
+                <a:sym typeface="+mn-ea"/>
+              </a:rPr>
+              <a:t>或者</a:t>
+            </a:r>
+            <a:r>
+              <a:rPr lang="en-US" altLang="zh-CN" dirty="0" smtClean="0">
+                <a:sym typeface="+mn-ea"/>
+              </a:rPr>
+              <a:t>failure</a:t>
+            </a:r>
+            <a:r>
+              <a:rPr lang="zh-CN" altLang="en-US" dirty="0" smtClean="0">
+                <a:sym typeface="+mn-ea"/>
+              </a:rPr>
+              <a:t>方法将结果回调，最后会调用</a:t>
             </a:r>
             <a:r>
               <a:rPr lang="zh-CN" altLang="en-US" dirty="0">
-                <a:latin typeface="+mn-ea"/>
-              </a:rPr>
-              <a:t>缓冲区的实际情况进行数据包的划分，所以在业务上认为是一个完整包的，可能会被</a:t>
-            </a:r>
-            <a:r>
-              <a:rPr lang="en-US" altLang="zh-CN" dirty="0">
-                <a:latin typeface="+mn-ea"/>
-              </a:rPr>
-              <a:t>TCP</a:t>
-            </a:r>
-            <a:r>
-              <a:rPr lang="zh-CN" altLang="en-US" dirty="0">
-                <a:latin typeface="+mn-ea"/>
-              </a:rPr>
-              <a:t>拆分成多个包进行发送，也有可能把多个小的包封装成一个大的数据包发送，这就是所谓的</a:t>
-            </a:r>
-            <a:r>
-              <a:rPr lang="en-US" altLang="zh-CN" dirty="0">
-                <a:latin typeface="+mn-ea"/>
-              </a:rPr>
-              <a:t>TCP</a:t>
-            </a:r>
-            <a:r>
-              <a:rPr lang="zh-CN" altLang="en-US" dirty="0">
-                <a:latin typeface="+mn-ea"/>
-              </a:rPr>
-              <a:t>拆包和粘包问题。</a:t>
-            </a:r>
+                <a:sym typeface="+mn-ea"/>
+              </a:rPr>
+              <a:t>notifyListeners方法来通知监听者</a:t>
+            </a:r>
+            <a:endParaRPr lang="zh-CN" altLang="en-US" dirty="0">
+              <a:sym typeface="+mn-ea"/>
+            </a:endParaRPr>
+          </a:p>
+          <a:p>
+            <a:pPr marL="285750" indent="-285750">
+              <a:buFont typeface="Arial" panose="020B0604020202020204" pitchFamily="34" charset="0"/>
+              <a:buChar char="•"/>
+            </a:pPr>
             <a:endParaRPr lang="en-US" altLang="zh-CN" dirty="0">
               <a:latin typeface="+mn-ea"/>
             </a:endParaRPr>
           </a:p>
         </p:txBody>
       </p:sp>
-      <p:pic>
-        <p:nvPicPr>
-          <p:cNvPr id="2" name="图片 1"/>
-          <p:cNvPicPr>
-            <a:picLocks noChangeAspect="1"/>
-          </p:cNvPicPr>
-          <p:nvPr/>
-        </p:nvPicPr>
-        <p:blipFill>
-          <a:blip r:embed="rId1">
-            <a:extLst>
-              <a:ext uri="{28A0092B-C50C-407E-A947-70E740481C1C}">
-                <a14:useLocalDpi xmlns:a14="http://schemas.microsoft.com/office/drawing/2010/main" val="0"/>
-              </a:ext>
-            </a:extLst>
-          </a:blip>
-          <a:stretch>
-            <a:fillRect/>
-          </a:stretch>
-        </p:blipFill>
-        <p:spPr>
-          <a:xfrm>
-            <a:off x="1994715" y="2834987"/>
-            <a:ext cx="8003615" cy="3357994"/>
-          </a:xfrm>
-          <a:prstGeom prst="rect">
-            <a:avLst/>
-          </a:prstGeom>
-        </p:spPr>
-      </p:pic>
     </p:spTree>
   </p:cSld>
   <p:clrMapOvr>

--- a/ppt/NIO&NETTY初窥.pptx
+++ b/ppt/NIO&NETTY初窥.pptx
@@ -5,33 +5,34 @@
     <p:sldMasterId id="2147483648" r:id="rId1"/>
   </p:sldMasterIdLst>
   <p:notesMasterIdLst>
-    <p:notesMasterId r:id="rId7"/>
+    <p:notesMasterId r:id="rId27"/>
   </p:notesMasterIdLst>
   <p:sldIdLst>
-    <p:sldId id="256" r:id="rId3"/>
-    <p:sldId id="267" r:id="rId4"/>
-    <p:sldId id="258" r:id="rId5"/>
-    <p:sldId id="268" r:id="rId6"/>
-    <p:sldId id="325" r:id="rId8"/>
-    <p:sldId id="326" r:id="rId9"/>
-    <p:sldId id="328" r:id="rId10"/>
-    <p:sldId id="327" r:id="rId11"/>
-    <p:sldId id="269" r:id="rId12"/>
-    <p:sldId id="275" r:id="rId13"/>
-    <p:sldId id="274" r:id="rId14"/>
-    <p:sldId id="270" r:id="rId15"/>
-    <p:sldId id="306" r:id="rId16"/>
-    <p:sldId id="331" r:id="rId17"/>
-    <p:sldId id="329" r:id="rId18"/>
-    <p:sldId id="330" r:id="rId19"/>
-    <p:sldId id="271" r:id="rId20"/>
-    <p:sldId id="317" r:id="rId21"/>
-    <p:sldId id="332" r:id="rId22"/>
-    <p:sldId id="344" r:id="rId23"/>
-    <p:sldId id="345" r:id="rId24"/>
-    <p:sldId id="333" r:id="rId25"/>
-    <p:sldId id="334" r:id="rId26"/>
-    <p:sldId id="261" r:id="rId27"/>
+    <p:sldId id="256" r:id="rId2"/>
+    <p:sldId id="267" r:id="rId3"/>
+    <p:sldId id="258" r:id="rId4"/>
+    <p:sldId id="268" r:id="rId5"/>
+    <p:sldId id="325" r:id="rId6"/>
+    <p:sldId id="326" r:id="rId7"/>
+    <p:sldId id="328" r:id="rId8"/>
+    <p:sldId id="327" r:id="rId9"/>
+    <p:sldId id="269" r:id="rId10"/>
+    <p:sldId id="275" r:id="rId11"/>
+    <p:sldId id="274" r:id="rId12"/>
+    <p:sldId id="270" r:id="rId13"/>
+    <p:sldId id="306" r:id="rId14"/>
+    <p:sldId id="331" r:id="rId15"/>
+    <p:sldId id="329" r:id="rId16"/>
+    <p:sldId id="330" r:id="rId17"/>
+    <p:sldId id="271" r:id="rId18"/>
+    <p:sldId id="317" r:id="rId19"/>
+    <p:sldId id="332" r:id="rId20"/>
+    <p:sldId id="344" r:id="rId21"/>
+    <p:sldId id="345" r:id="rId22"/>
+    <p:sldId id="333" r:id="rId23"/>
+    <p:sldId id="334" r:id="rId24"/>
+    <p:sldId id="346" r:id="rId25"/>
+    <p:sldId id="261" r:id="rId26"/>
   </p:sldIdLst>
   <p:sldSz cx="12192000" cy="6858000"/>
   <p:notesSz cx="6858000" cy="9144000"/>
@@ -215,6 +216,7 @@
           <a:p>
             <a:fld id="{43BE2165-22A5-4AFE-86AD-F16D13F31CAE}" type="datetimeFigureOut">
               <a:rPr lang="zh-CN" altLang="en-US" smtClean="0"/>
+              <a:t>2021/2/28</a:t>
             </a:fld>
             <a:endParaRPr lang="zh-CN" altLang="en-US"/>
           </a:p>
@@ -281,7 +283,6 @@
               <a:rPr lang="zh-CN" altLang="en-US"/>
               <a:t>单击此处编辑母版文本样式</a:t>
             </a:r>
-            <a:endParaRPr lang="zh-CN" altLang="en-US"/>
           </a:p>
           <a:p>
             <a:pPr lvl="1"/>
@@ -289,7 +290,6 @@
               <a:rPr lang="zh-CN" altLang="en-US"/>
               <a:t>第二级</a:t>
             </a:r>
-            <a:endParaRPr lang="zh-CN" altLang="en-US"/>
           </a:p>
           <a:p>
             <a:pPr lvl="2"/>
@@ -297,7 +297,6 @@
               <a:rPr lang="zh-CN" altLang="en-US"/>
               <a:t>第三级</a:t>
             </a:r>
-            <a:endParaRPr lang="zh-CN" altLang="en-US"/>
           </a:p>
           <a:p>
             <a:pPr lvl="3"/>
@@ -305,7 +304,6 @@
               <a:rPr lang="zh-CN" altLang="en-US"/>
               <a:t>第四级</a:t>
             </a:r>
-            <a:endParaRPr lang="zh-CN" altLang="en-US"/>
           </a:p>
           <a:p>
             <a:pPr lvl="4"/>
@@ -313,7 +311,6 @@
               <a:rPr lang="zh-CN" altLang="en-US"/>
               <a:t>第五级</a:t>
             </a:r>
-            <a:endParaRPr lang="zh-CN" altLang="en-US"/>
           </a:p>
         </p:txBody>
       </p:sp>
@@ -377,12 +374,18 @@
           <a:p>
             <a:fld id="{767D5E9F-B836-4D96-ABE1-C42C01557198}" type="slidenum">
               <a:rPr lang="zh-CN" altLang="en-US" smtClean="0"/>
+              <a:t>‹#›</a:t>
             </a:fld>
             <a:endParaRPr lang="zh-CN" altLang="en-US"/>
           </a:p>
         </p:txBody>
       </p:sp>
     </p:spTree>
+    <p:extLst>
+      <p:ext uri="{BB962C8B-B14F-4D97-AF65-F5344CB8AC3E}">
+        <p14:creationId xmlns:p14="http://schemas.microsoft.com/office/powerpoint/2010/main" val="1246672007"/>
+      </p:ext>
+    </p:extLst>
   </p:cSld>
   <p:clrMap bg1="lt1" tx1="dk1" bg2="lt2" tx2="dk2" accent1="accent1" accent2="accent2" accent3="accent3" accent4="accent4" accent5="accent5" accent6="accent6" hlink="hlink" folHlink="folHlink"/>
   <p:notesStyle>
@@ -545,6 +548,7 @@
           <a:p>
             <a:fld id="{767D5E9F-B836-4D96-ABE1-C42C01557198}" type="slidenum">
               <a:rPr lang="zh-CN" altLang="en-US" smtClean="0"/>
+              <a:t>4</a:t>
             </a:fld>
             <a:endParaRPr lang="zh-CN" altLang="en-US"/>
           </a:p>
@@ -683,6 +687,7 @@
           <a:p>
             <a:fld id="{767D5E9F-B836-4D96-ABE1-C42C01557198}" type="slidenum">
               <a:rPr lang="zh-CN" altLang="en-US" smtClean="0"/>
+              <a:t>15</a:t>
             </a:fld>
             <a:endParaRPr lang="zh-CN" altLang="en-US"/>
           </a:p>
@@ -824,15 +829,6 @@
               </a:rPr>
               <a:t>subReactor</a:t>
             </a:r>
-            <a:endParaRPr lang="en-US" altLang="zh-CN" sz="1200" b="0" i="0" kern="1200" smtClean="0">
-              <a:solidFill>
-                <a:schemeClr val="tx1"/>
-              </a:solidFill>
-              <a:effectLst/>
-              <a:latin typeface="+mn-lt"/>
-              <a:ea typeface="+mn-ea"/>
-              <a:cs typeface="+mn-cs"/>
-            </a:endParaRPr>
           </a:p>
           <a:p>
             <a:r>
@@ -1166,6 +1162,7 @@
           <a:p>
             <a:fld id="{767D5E9F-B836-4D96-ABE1-C42C01557198}" type="slidenum">
               <a:rPr lang="zh-CN" altLang="en-US" smtClean="0"/>
+              <a:t>16</a:t>
             </a:fld>
             <a:endParaRPr lang="zh-CN" altLang="en-US"/>
           </a:p>
@@ -1244,6 +1241,7 @@
           <a:p>
             <a:fld id="{767D5E9F-B836-4D96-ABE1-C42C01557198}" type="slidenum">
               <a:rPr lang="zh-CN" altLang="en-US" smtClean="0"/>
+              <a:t>18</a:t>
             </a:fld>
             <a:endParaRPr lang="zh-CN" altLang="en-US"/>
           </a:p>
@@ -1322,6 +1320,7 @@
           <a:p>
             <a:fld id="{767D5E9F-B836-4D96-ABE1-C42C01557198}" type="slidenum">
               <a:rPr lang="zh-CN" altLang="en-US" smtClean="0"/>
+              <a:t>19</a:t>
             </a:fld>
             <a:endParaRPr lang="zh-CN" altLang="en-US"/>
           </a:p>
@@ -1400,6 +1399,7 @@
           <a:p>
             <a:fld id="{767D5E9F-B836-4D96-ABE1-C42C01557198}" type="slidenum">
               <a:rPr lang="zh-CN" altLang="en-US" smtClean="0"/>
+              <a:t>20</a:t>
             </a:fld>
             <a:endParaRPr lang="zh-CN" altLang="en-US"/>
           </a:p>
@@ -1478,6 +1478,7 @@
           <a:p>
             <a:fld id="{767D5E9F-B836-4D96-ABE1-C42C01557198}" type="slidenum">
               <a:rPr lang="zh-CN" altLang="en-US" smtClean="0"/>
+              <a:t>21</a:t>
             </a:fld>
             <a:endParaRPr lang="zh-CN" altLang="en-US"/>
           </a:p>
@@ -1539,7 +1540,6 @@
               <a:rPr lang="zh-CN" altLang="en-US" dirty="0"/>
               <a:t>Netty对半包或者粘包的处理其实也很简单。Channel中的数据读取的时候经过解析，如果不是一个完整的数据包，则解析失败，将这个数据包进行保存，等下次解析时再和这个数据包进行组装解析，直到解析到完整的数据包，才会将数据包向下传递</a:t>
             </a:r>
-            <a:endParaRPr lang="zh-CN" altLang="en-US" dirty="0"/>
           </a:p>
         </p:txBody>
       </p:sp>
@@ -1560,6 +1560,7 @@
           <a:p>
             <a:fld id="{767D5E9F-B836-4D96-ABE1-C42C01557198}" type="slidenum">
               <a:rPr lang="zh-CN" altLang="en-US" smtClean="0"/>
+              <a:t>22</a:t>
             </a:fld>
             <a:endParaRPr lang="zh-CN" altLang="en-US"/>
           </a:p>
@@ -1638,6 +1639,86 @@
           <a:p>
             <a:fld id="{767D5E9F-B836-4D96-ABE1-C42C01557198}" type="slidenum">
               <a:rPr lang="zh-CN" altLang="en-US" smtClean="0"/>
+              <a:t>23</a:t>
+            </a:fld>
+            <a:endParaRPr lang="zh-CN" altLang="en-US"/>
+          </a:p>
+        </p:txBody>
+      </p:sp>
+    </p:spTree>
+  </p:cSld>
+  <p:clrMapOvr>
+    <a:masterClrMapping/>
+  </p:clrMapOvr>
+</p:notes>
+</file>
+
+<file path=ppt/notesSlides/notesSlide18.xml><?xml version="1.0" encoding="utf-8"?>
+<p:notes xmlns:a="http://schemas.openxmlformats.org/drawingml/2006/main" xmlns:r="http://schemas.openxmlformats.org/officeDocument/2006/relationships" xmlns:p="http://schemas.openxmlformats.org/presentationml/2006/main">
+  <p:cSld>
+    <p:spTree>
+      <p:nvGrpSpPr>
+        <p:cNvPr id="1" name=""/>
+        <p:cNvGrpSpPr/>
+        <p:nvPr/>
+      </p:nvGrpSpPr>
+      <p:grpSpPr>
+        <a:xfrm>
+          <a:off x="0" y="0"/>
+          <a:ext cx="0" cy="0"/>
+          <a:chOff x="0" y="0"/>
+          <a:chExt cx="0" cy="0"/>
+        </a:xfrm>
+      </p:grpSpPr>
+      <p:sp>
+        <p:nvSpPr>
+          <p:cNvPr id="2" name="幻灯片图像占位符 1"/>
+          <p:cNvSpPr>
+            <a:spLocks noGrp="1" noRot="1" noChangeAspect="1"/>
+          </p:cNvSpPr>
+          <p:nvPr>
+            <p:ph type="sldImg"/>
+          </p:nvPr>
+        </p:nvSpPr>
+        <p:spPr/>
+      </p:sp>
+      <p:sp>
+        <p:nvSpPr>
+          <p:cNvPr id="3" name="备注占位符 2"/>
+          <p:cNvSpPr>
+            <a:spLocks noGrp="1"/>
+          </p:cNvSpPr>
+          <p:nvPr>
+            <p:ph type="body" idx="1"/>
+          </p:nvPr>
+        </p:nvSpPr>
+        <p:spPr/>
+        <p:txBody>
+          <a:bodyPr/>
+          <a:lstStyle/>
+          <a:p>
+            <a:endParaRPr lang="zh-CN" altLang="en-US" dirty="0"/>
+          </a:p>
+        </p:txBody>
+      </p:sp>
+      <p:sp>
+        <p:nvSpPr>
+          <p:cNvPr id="4" name="灯片编号占位符 3"/>
+          <p:cNvSpPr>
+            <a:spLocks noGrp="1"/>
+          </p:cNvSpPr>
+          <p:nvPr>
+            <p:ph type="sldNum" sz="quarter" idx="10"/>
+          </p:nvPr>
+        </p:nvSpPr>
+        <p:spPr/>
+        <p:txBody>
+          <a:bodyPr/>
+          <a:lstStyle/>
+          <a:p>
+            <a:fld id="{767D5E9F-B836-4D96-ABE1-C42C01557198}" type="slidenum">
+              <a:rPr lang="zh-CN" altLang="en-US" smtClean="0"/>
+              <a:t>24</a:t>
             </a:fld>
             <a:endParaRPr lang="zh-CN" altLang="en-US"/>
           </a:p>
@@ -1776,6 +1857,7 @@
           <a:p>
             <a:fld id="{767D5E9F-B836-4D96-ABE1-C42C01557198}" type="slidenum">
               <a:rPr lang="zh-CN" altLang="en-US" smtClean="0"/>
+              <a:t>5</a:t>
             </a:fld>
             <a:endParaRPr lang="zh-CN" altLang="en-US"/>
           </a:p>
@@ -1930,6 +2012,7 @@
           <a:p>
             <a:fld id="{767D5E9F-B836-4D96-ABE1-C42C01557198}" type="slidenum">
               <a:rPr lang="zh-CN" altLang="en-US" smtClean="0"/>
+              <a:t>6</a:t>
             </a:fld>
             <a:endParaRPr lang="zh-CN" altLang="en-US"/>
           </a:p>
@@ -2480,6 +2563,7 @@
           <a:p>
             <a:fld id="{767D5E9F-B836-4D96-ABE1-C42C01557198}" type="slidenum">
               <a:rPr lang="zh-CN" altLang="en-US" smtClean="0"/>
+              <a:t>7</a:t>
             </a:fld>
             <a:endParaRPr lang="zh-CN" altLang="en-US"/>
           </a:p>
@@ -2714,6 +2798,7 @@
           <a:p>
             <a:fld id="{767D5E9F-B836-4D96-ABE1-C42C01557198}" type="slidenum">
               <a:rPr lang="zh-CN" altLang="en-US" smtClean="0"/>
+              <a:t>8</a:t>
             </a:fld>
             <a:endParaRPr lang="zh-CN" altLang="en-US"/>
           </a:p>
@@ -2792,6 +2877,7 @@
           <a:p>
             <a:fld id="{767D5E9F-B836-4D96-ABE1-C42C01557198}" type="slidenum">
               <a:rPr lang="zh-CN" altLang="en-US" smtClean="0"/>
+              <a:t>10</a:t>
             </a:fld>
             <a:endParaRPr lang="zh-CN" altLang="en-US"/>
           </a:p>
@@ -2870,6 +2956,7 @@
           <a:p>
             <a:fld id="{767D5E9F-B836-4D96-ABE1-C42C01557198}" type="slidenum">
               <a:rPr lang="zh-CN" altLang="en-US" smtClean="0"/>
+              <a:t>11</a:t>
             </a:fld>
             <a:endParaRPr lang="zh-CN" altLang="en-US"/>
           </a:p>
@@ -2948,6 +3035,7 @@
           <a:p>
             <a:fld id="{767D5E9F-B836-4D96-ABE1-C42C01557198}" type="slidenum">
               <a:rPr lang="zh-CN" altLang="en-US" smtClean="0"/>
+              <a:t>13</a:t>
             </a:fld>
             <a:endParaRPr lang="zh-CN" altLang="en-US"/>
           </a:p>
@@ -3421,6 +3509,7 @@
           <a:p>
             <a:fld id="{767D5E9F-B836-4D96-ABE1-C42C01557198}" type="slidenum">
               <a:rPr lang="zh-CN" altLang="en-US" smtClean="0"/>
+              <a:t>14</a:t>
             </a:fld>
             <a:endParaRPr lang="zh-CN" altLang="en-US"/>
           </a:p>
@@ -3476,6 +3565,7 @@
           <a:p>
             <a:fld id="{CAB00AE0-F9D8-440E-9745-FF83361FB695}" type="slidenum">
               <a:rPr lang="zh-CN" altLang="en-US" smtClean="0"/>
+              <a:t>‹#›</a:t>
             </a:fld>
             <a:endParaRPr lang="zh-CN" altLang="en-US"/>
           </a:p>
@@ -3523,6 +3613,7 @@
           <a:p>
             <a:fld id="{4B2060D7-D4D1-4A35-B085-9935BA338CBD}" type="datetime1">
               <a:rPr lang="zh-CN" altLang="en-US" smtClean="0"/>
+              <a:t>2021/2/28</a:t>
             </a:fld>
             <a:endParaRPr lang="zh-CN" altLang="en-US"/>
           </a:p>
@@ -3564,6 +3655,7 @@
           <a:p>
             <a:fld id="{CAB00AE0-F9D8-440E-9745-FF83361FB695}" type="slidenum">
               <a:rPr lang="zh-CN" altLang="en-US" smtClean="0"/>
+              <a:t>‹#›</a:t>
             </a:fld>
             <a:endParaRPr lang="zh-CN" altLang="en-US"/>
           </a:p>
@@ -3622,7 +3714,6 @@
               <a:rPr lang="zh-CN" altLang="en-US"/>
               <a:t>单击此处编辑母版标题样式</a:t>
             </a:r>
-            <a:endParaRPr lang="zh-CN" altLang="en-US"/>
           </a:p>
         </p:txBody>
       </p:sp>
@@ -3679,7 +3770,6 @@
               <a:rPr lang="zh-CN" altLang="en-US"/>
               <a:t>单击此处编辑母版文本样式</a:t>
             </a:r>
-            <a:endParaRPr lang="zh-CN" altLang="en-US"/>
           </a:p>
           <a:p>
             <a:pPr lvl="1"/>
@@ -3687,7 +3777,6 @@
               <a:rPr lang="zh-CN" altLang="en-US"/>
               <a:t>第二级</a:t>
             </a:r>
-            <a:endParaRPr lang="zh-CN" altLang="en-US"/>
           </a:p>
           <a:p>
             <a:pPr lvl="2"/>
@@ -3695,7 +3784,6 @@
               <a:rPr lang="zh-CN" altLang="en-US"/>
               <a:t>第三级</a:t>
             </a:r>
-            <a:endParaRPr lang="zh-CN" altLang="en-US"/>
           </a:p>
           <a:p>
             <a:pPr lvl="3"/>
@@ -3703,7 +3791,6 @@
               <a:rPr lang="zh-CN" altLang="en-US"/>
               <a:t>第四级</a:t>
             </a:r>
-            <a:endParaRPr lang="zh-CN" altLang="en-US"/>
           </a:p>
           <a:p>
             <a:pPr lvl="4"/>
@@ -3711,7 +3798,6 @@
               <a:rPr lang="zh-CN" altLang="en-US"/>
               <a:t>第五级</a:t>
             </a:r>
-            <a:endParaRPr lang="zh-CN" altLang="en-US"/>
           </a:p>
         </p:txBody>
       </p:sp>
@@ -3777,7 +3863,6 @@
               <a:rPr lang="zh-CN" altLang="en-US"/>
               <a:t>单击此处编辑母版文本样式</a:t>
             </a:r>
-            <a:endParaRPr lang="zh-CN" altLang="en-US"/>
           </a:p>
         </p:txBody>
       </p:sp>
@@ -3798,6 +3883,7 @@
           <a:p>
             <a:fld id="{6B47C370-14AC-4977-916D-F1875C8E06D3}" type="datetime1">
               <a:rPr lang="zh-CN" altLang="en-US" smtClean="0"/>
+              <a:t>2021/2/28</a:t>
             </a:fld>
             <a:endParaRPr lang="zh-CN" altLang="en-US"/>
           </a:p>
@@ -3839,6 +3925,7 @@
           <a:p>
             <a:fld id="{CAB00AE0-F9D8-440E-9745-FF83361FB695}" type="slidenum">
               <a:rPr lang="zh-CN" altLang="en-US" smtClean="0"/>
+              <a:t>‹#›</a:t>
             </a:fld>
             <a:endParaRPr lang="zh-CN" altLang="en-US"/>
           </a:p>
@@ -3897,7 +3984,6 @@
               <a:rPr lang="zh-CN" altLang="en-US"/>
               <a:t>单击此处编辑母版标题样式</a:t>
             </a:r>
-            <a:endParaRPr lang="zh-CN" altLang="en-US"/>
           </a:p>
         </p:txBody>
       </p:sp>
@@ -4024,7 +4110,6 @@
               <a:rPr lang="zh-CN" altLang="en-US"/>
               <a:t>单击此处编辑母版文本样式</a:t>
             </a:r>
-            <a:endParaRPr lang="zh-CN" altLang="en-US"/>
           </a:p>
         </p:txBody>
       </p:sp>
@@ -4045,6 +4130,7 @@
           <a:p>
             <a:fld id="{D41B49CA-CA82-4FB1-B2D0-E3E0FC77B52E}" type="datetime1">
               <a:rPr lang="zh-CN" altLang="en-US" smtClean="0"/>
+              <a:t>2021/2/28</a:t>
             </a:fld>
             <a:endParaRPr lang="zh-CN" altLang="en-US"/>
           </a:p>
@@ -4086,6 +4172,7 @@
           <a:p>
             <a:fld id="{CAB00AE0-F9D8-440E-9745-FF83361FB695}" type="slidenum">
               <a:rPr lang="zh-CN" altLang="en-US" smtClean="0"/>
+              <a:t>‹#›</a:t>
             </a:fld>
             <a:endParaRPr lang="zh-CN" altLang="en-US"/>
           </a:p>
@@ -4135,7 +4222,6 @@
               <a:rPr lang="zh-CN" altLang="en-US"/>
               <a:t>单击此处编辑母版标题样式</a:t>
             </a:r>
-            <a:endParaRPr lang="zh-CN" altLang="en-US"/>
           </a:p>
         </p:txBody>
       </p:sp>
@@ -4159,7 +4245,6 @@
               <a:rPr lang="zh-CN" altLang="en-US"/>
               <a:t>单击此处编辑母版文本样式</a:t>
             </a:r>
-            <a:endParaRPr lang="zh-CN" altLang="en-US"/>
           </a:p>
           <a:p>
             <a:pPr lvl="1"/>
@@ -4167,7 +4252,6 @@
               <a:rPr lang="zh-CN" altLang="en-US"/>
               <a:t>第二级</a:t>
             </a:r>
-            <a:endParaRPr lang="zh-CN" altLang="en-US"/>
           </a:p>
           <a:p>
             <a:pPr lvl="2"/>
@@ -4175,7 +4259,6 @@
               <a:rPr lang="zh-CN" altLang="en-US"/>
               <a:t>第三级</a:t>
             </a:r>
-            <a:endParaRPr lang="zh-CN" altLang="en-US"/>
           </a:p>
           <a:p>
             <a:pPr lvl="3"/>
@@ -4183,7 +4266,6 @@
               <a:rPr lang="zh-CN" altLang="en-US"/>
               <a:t>第四级</a:t>
             </a:r>
-            <a:endParaRPr lang="zh-CN" altLang="en-US"/>
           </a:p>
           <a:p>
             <a:pPr lvl="4"/>
@@ -4191,7 +4273,6 @@
               <a:rPr lang="zh-CN" altLang="en-US"/>
               <a:t>第五级</a:t>
             </a:r>
-            <a:endParaRPr lang="zh-CN" altLang="en-US"/>
           </a:p>
         </p:txBody>
       </p:sp>
@@ -4212,6 +4293,7 @@
           <a:p>
             <a:fld id="{0D15204C-63FB-46E3-8362-11FF000FA706}" type="datetime1">
               <a:rPr lang="zh-CN" altLang="en-US" smtClean="0"/>
+              <a:t>2021/2/28</a:t>
             </a:fld>
             <a:endParaRPr lang="zh-CN" altLang="en-US"/>
           </a:p>
@@ -4253,6 +4335,7 @@
           <a:p>
             <a:fld id="{CAB00AE0-F9D8-440E-9745-FF83361FB695}" type="slidenum">
               <a:rPr lang="zh-CN" altLang="en-US" smtClean="0"/>
+              <a:t>‹#›</a:t>
             </a:fld>
             <a:endParaRPr lang="zh-CN" altLang="en-US"/>
           </a:p>
@@ -4307,7 +4390,6 @@
               <a:rPr lang="zh-CN" altLang="en-US"/>
               <a:t>单击此处编辑母版标题样式</a:t>
             </a:r>
-            <a:endParaRPr lang="zh-CN" altLang="en-US"/>
           </a:p>
         </p:txBody>
       </p:sp>
@@ -4336,7 +4418,6 @@
               <a:rPr lang="zh-CN" altLang="en-US"/>
               <a:t>单击此处编辑母版文本样式</a:t>
             </a:r>
-            <a:endParaRPr lang="zh-CN" altLang="en-US"/>
           </a:p>
           <a:p>
             <a:pPr lvl="1"/>
@@ -4344,7 +4425,6 @@
               <a:rPr lang="zh-CN" altLang="en-US"/>
               <a:t>第二级</a:t>
             </a:r>
-            <a:endParaRPr lang="zh-CN" altLang="en-US"/>
           </a:p>
           <a:p>
             <a:pPr lvl="2"/>
@@ -4352,7 +4432,6 @@
               <a:rPr lang="zh-CN" altLang="en-US"/>
               <a:t>第三级</a:t>
             </a:r>
-            <a:endParaRPr lang="zh-CN" altLang="en-US"/>
           </a:p>
           <a:p>
             <a:pPr lvl="3"/>
@@ -4360,7 +4439,6 @@
               <a:rPr lang="zh-CN" altLang="en-US"/>
               <a:t>第四级</a:t>
             </a:r>
-            <a:endParaRPr lang="zh-CN" altLang="en-US"/>
           </a:p>
           <a:p>
             <a:pPr lvl="4"/>
@@ -4368,7 +4446,6 @@
               <a:rPr lang="zh-CN" altLang="en-US"/>
               <a:t>第五级</a:t>
             </a:r>
-            <a:endParaRPr lang="zh-CN" altLang="en-US"/>
           </a:p>
         </p:txBody>
       </p:sp>
@@ -4389,6 +4466,7 @@
           <a:p>
             <a:fld id="{854A2D7D-3654-4D0B-B4A5-C0D9DEAF154E}" type="datetime1">
               <a:rPr lang="zh-CN" altLang="en-US" smtClean="0"/>
+              <a:t>2021/2/28</a:t>
             </a:fld>
             <a:endParaRPr lang="zh-CN" altLang="en-US"/>
           </a:p>
@@ -4430,6 +4508,7 @@
           <a:p>
             <a:fld id="{CAB00AE0-F9D8-440E-9745-FF83361FB695}" type="slidenum">
               <a:rPr lang="zh-CN" altLang="en-US" smtClean="0"/>
+              <a:t>‹#›</a:t>
             </a:fld>
             <a:endParaRPr lang="zh-CN" altLang="en-US"/>
           </a:p>
@@ -4487,7 +4566,6 @@
               <a:rPr lang="zh-CN" altLang="en-US"/>
               <a:t>单击此处编辑母版标题样式</a:t>
             </a:r>
-            <a:endParaRPr lang="zh-CN" altLang="en-US"/>
           </a:p>
         </p:txBody>
       </p:sp>
@@ -4508,6 +4586,7 @@
           <a:p>
             <a:fld id="{0A812ED9-E694-45F2-B445-2B4C421D8C92}" type="datetime1">
               <a:rPr lang="zh-CN" altLang="en-US" smtClean="0"/>
+              <a:t>2021/2/28</a:t>
             </a:fld>
             <a:endParaRPr lang="zh-CN" altLang="en-US"/>
           </a:p>
@@ -4549,6 +4628,7 @@
           <a:p>
             <a:fld id="{CAB00AE0-F9D8-440E-9745-FF83361FB695}" type="slidenum">
               <a:rPr lang="zh-CN" altLang="en-US" smtClean="0"/>
+              <a:t>‹#›</a:t>
             </a:fld>
             <a:endParaRPr lang="zh-CN" altLang="en-US"/>
           </a:p>
@@ -4606,7 +4686,6 @@
               <a:rPr lang="zh-CN" altLang="en-US"/>
               <a:t>单击此处编辑母版标题样式</a:t>
             </a:r>
-            <a:endParaRPr lang="zh-CN" altLang="en-US"/>
           </a:p>
         </p:txBody>
       </p:sp>
@@ -4630,7 +4709,6 @@
               <a:rPr lang="zh-CN" altLang="en-US"/>
               <a:t>单击此处编辑母版文本样式</a:t>
             </a:r>
-            <a:endParaRPr lang="zh-CN" altLang="en-US"/>
           </a:p>
           <a:p>
             <a:pPr lvl="1"/>
@@ -4638,7 +4716,6 @@
               <a:rPr lang="zh-CN" altLang="en-US"/>
               <a:t>第二级</a:t>
             </a:r>
-            <a:endParaRPr lang="zh-CN" altLang="en-US"/>
           </a:p>
           <a:p>
             <a:pPr lvl="2"/>
@@ -4646,7 +4723,6 @@
               <a:rPr lang="zh-CN" altLang="en-US"/>
               <a:t>第三级</a:t>
             </a:r>
-            <a:endParaRPr lang="zh-CN" altLang="en-US"/>
           </a:p>
           <a:p>
             <a:pPr lvl="3"/>
@@ -4654,7 +4730,6 @@
               <a:rPr lang="zh-CN" altLang="en-US"/>
               <a:t>第四级</a:t>
             </a:r>
-            <a:endParaRPr lang="zh-CN" altLang="en-US"/>
           </a:p>
           <a:p>
             <a:pPr lvl="4"/>
@@ -4662,7 +4737,6 @@
               <a:rPr lang="zh-CN" altLang="en-US"/>
               <a:t>第五级</a:t>
             </a:r>
-            <a:endParaRPr lang="zh-CN" altLang="en-US"/>
           </a:p>
         </p:txBody>
       </p:sp>
@@ -4683,6 +4757,7 @@
           <a:p>
             <a:fld id="{0BC7ADD1-431B-4486-8BB7-28EB947245B5}" type="datetime1">
               <a:rPr lang="zh-CN" altLang="en-US" smtClean="0"/>
+              <a:t>2021/2/28</a:t>
             </a:fld>
             <a:endParaRPr lang="zh-CN" altLang="en-US" dirty="0"/>
           </a:p>
@@ -4732,6 +4807,7 @@
           <a:p>
             <a:fld id="{CAB00AE0-F9D8-440E-9745-FF83361FB695}" type="slidenum">
               <a:rPr lang="zh-CN" altLang="en-US" smtClean="0"/>
+              <a:t>‹#›</a:t>
             </a:fld>
             <a:endParaRPr lang="zh-CN" altLang="en-US"/>
           </a:p>
@@ -4830,6 +4906,7 @@
           <a:p>
             <a:fld id="{CAB00AE0-F9D8-440E-9745-FF83361FB695}" type="slidenum">
               <a:rPr lang="zh-CN" altLang="en-US" smtClean="0"/>
+              <a:t>‹#›</a:t>
             </a:fld>
             <a:endParaRPr lang="zh-CN" altLang="en-US"/>
           </a:p>
@@ -4915,6 +4992,7 @@
           <a:p>
             <a:fld id="{B320EE77-A6EF-458A-BA14-E3162CF292E0}" type="datetime1">
               <a:rPr lang="zh-CN" altLang="en-US" smtClean="0"/>
+              <a:t>2021/2/28</a:t>
             </a:fld>
             <a:endParaRPr lang="zh-CN" altLang="en-US"/>
           </a:p>
@@ -5049,6 +5127,7 @@
           <a:p>
             <a:fld id="{CAB00AE0-F9D8-440E-9745-FF83361FB695}" type="slidenum">
               <a:rPr lang="zh-CN" altLang="en-US" smtClean="0"/>
+              <a:t>‹#›</a:t>
             </a:fld>
             <a:endParaRPr lang="zh-CN" altLang="en-US"/>
           </a:p>
@@ -5136,7 +5215,6 @@
               <a:rPr lang="zh-CN" altLang="en-US"/>
               <a:t>单击此处编辑母版标题样式</a:t>
             </a:r>
-            <a:endParaRPr lang="zh-CN" altLang="en-US"/>
           </a:p>
         </p:txBody>
       </p:sp>
@@ -5165,7 +5243,6 @@
               <a:rPr lang="zh-CN" altLang="en-US"/>
               <a:t>单击此处编辑母版文本样式</a:t>
             </a:r>
-            <a:endParaRPr lang="zh-CN" altLang="en-US"/>
           </a:p>
           <a:p>
             <a:pPr lvl="1"/>
@@ -5173,7 +5250,6 @@
               <a:rPr lang="zh-CN" altLang="en-US"/>
               <a:t>第二级</a:t>
             </a:r>
-            <a:endParaRPr lang="zh-CN" altLang="en-US"/>
           </a:p>
           <a:p>
             <a:pPr lvl="2"/>
@@ -5181,7 +5257,6 @@
               <a:rPr lang="zh-CN" altLang="en-US"/>
               <a:t>第三级</a:t>
             </a:r>
-            <a:endParaRPr lang="zh-CN" altLang="en-US"/>
           </a:p>
           <a:p>
             <a:pPr lvl="3"/>
@@ -5189,7 +5264,6 @@
               <a:rPr lang="zh-CN" altLang="en-US"/>
               <a:t>第四级</a:t>
             </a:r>
-            <a:endParaRPr lang="zh-CN" altLang="en-US"/>
           </a:p>
           <a:p>
             <a:pPr lvl="4"/>
@@ -5197,7 +5271,6 @@
               <a:rPr lang="zh-CN" altLang="en-US"/>
               <a:t>第五级</a:t>
             </a:r>
-            <a:endParaRPr lang="zh-CN" altLang="en-US"/>
           </a:p>
         </p:txBody>
       </p:sp>
@@ -5226,7 +5299,6 @@
               <a:rPr lang="zh-CN" altLang="en-US"/>
               <a:t>单击此处编辑母版文本样式</a:t>
             </a:r>
-            <a:endParaRPr lang="zh-CN" altLang="en-US"/>
           </a:p>
           <a:p>
             <a:pPr lvl="1"/>
@@ -5234,7 +5306,6 @@
               <a:rPr lang="zh-CN" altLang="en-US"/>
               <a:t>第二级</a:t>
             </a:r>
-            <a:endParaRPr lang="zh-CN" altLang="en-US"/>
           </a:p>
           <a:p>
             <a:pPr lvl="2"/>
@@ -5242,7 +5313,6 @@
               <a:rPr lang="zh-CN" altLang="en-US"/>
               <a:t>第三级</a:t>
             </a:r>
-            <a:endParaRPr lang="zh-CN" altLang="en-US"/>
           </a:p>
           <a:p>
             <a:pPr lvl="3"/>
@@ -5250,7 +5320,6 @@
               <a:rPr lang="zh-CN" altLang="en-US"/>
               <a:t>第四级</a:t>
             </a:r>
-            <a:endParaRPr lang="zh-CN" altLang="en-US"/>
           </a:p>
           <a:p>
             <a:pPr lvl="4"/>
@@ -5258,7 +5327,6 @@
               <a:rPr lang="zh-CN" altLang="en-US"/>
               <a:t>第五级</a:t>
             </a:r>
-            <a:endParaRPr lang="zh-CN" altLang="en-US"/>
           </a:p>
         </p:txBody>
       </p:sp>
@@ -5279,6 +5347,7 @@
           <a:p>
             <a:fld id="{1054D02C-597A-4DFE-87C7-FCA2505A5380}" type="datetime1">
               <a:rPr lang="zh-CN" altLang="en-US" smtClean="0"/>
+              <a:t>2021/2/28</a:t>
             </a:fld>
             <a:endParaRPr lang="zh-CN" altLang="en-US"/>
           </a:p>
@@ -5320,6 +5389,7 @@
           <a:p>
             <a:fld id="{CAB00AE0-F9D8-440E-9745-FF83361FB695}" type="slidenum">
               <a:rPr lang="zh-CN" altLang="en-US" smtClean="0"/>
+              <a:t>‹#›</a:t>
             </a:fld>
             <a:endParaRPr lang="zh-CN" altLang="en-US"/>
           </a:p>
@@ -5374,7 +5444,6 @@
               <a:rPr lang="zh-CN" altLang="en-US"/>
               <a:t>单击此处编辑母版标题样式</a:t>
             </a:r>
-            <a:endParaRPr lang="zh-CN" altLang="en-US"/>
           </a:p>
         </p:txBody>
       </p:sp>
@@ -5440,7 +5509,6 @@
               <a:rPr lang="zh-CN" altLang="en-US"/>
               <a:t>单击此处编辑母版文本样式</a:t>
             </a:r>
-            <a:endParaRPr lang="zh-CN" altLang="en-US"/>
           </a:p>
         </p:txBody>
       </p:sp>
@@ -5469,7 +5537,6 @@
               <a:rPr lang="zh-CN" altLang="en-US"/>
               <a:t>单击此处编辑母版文本样式</a:t>
             </a:r>
-            <a:endParaRPr lang="zh-CN" altLang="en-US"/>
           </a:p>
           <a:p>
             <a:pPr lvl="1"/>
@@ -5477,7 +5544,6 @@
               <a:rPr lang="zh-CN" altLang="en-US"/>
               <a:t>第二级</a:t>
             </a:r>
-            <a:endParaRPr lang="zh-CN" altLang="en-US"/>
           </a:p>
           <a:p>
             <a:pPr lvl="2"/>
@@ -5485,7 +5551,6 @@
               <a:rPr lang="zh-CN" altLang="en-US"/>
               <a:t>第三级</a:t>
             </a:r>
-            <a:endParaRPr lang="zh-CN" altLang="en-US"/>
           </a:p>
           <a:p>
             <a:pPr lvl="3"/>
@@ -5493,7 +5558,6 @@
               <a:rPr lang="zh-CN" altLang="en-US"/>
               <a:t>第四级</a:t>
             </a:r>
-            <a:endParaRPr lang="zh-CN" altLang="en-US"/>
           </a:p>
           <a:p>
             <a:pPr lvl="4"/>
@@ -5501,7 +5565,6 @@
               <a:rPr lang="zh-CN" altLang="en-US"/>
               <a:t>第五级</a:t>
             </a:r>
-            <a:endParaRPr lang="zh-CN" altLang="en-US"/>
           </a:p>
         </p:txBody>
       </p:sp>
@@ -5567,7 +5630,6 @@
               <a:rPr lang="zh-CN" altLang="en-US"/>
               <a:t>单击此处编辑母版文本样式</a:t>
             </a:r>
-            <a:endParaRPr lang="zh-CN" altLang="en-US"/>
           </a:p>
         </p:txBody>
       </p:sp>
@@ -5596,7 +5658,6 @@
               <a:rPr lang="zh-CN" altLang="en-US"/>
               <a:t>单击此处编辑母版文本样式</a:t>
             </a:r>
-            <a:endParaRPr lang="zh-CN" altLang="en-US"/>
           </a:p>
           <a:p>
             <a:pPr lvl="1"/>
@@ -5604,7 +5665,6 @@
               <a:rPr lang="zh-CN" altLang="en-US"/>
               <a:t>第二级</a:t>
             </a:r>
-            <a:endParaRPr lang="zh-CN" altLang="en-US"/>
           </a:p>
           <a:p>
             <a:pPr lvl="2"/>
@@ -5612,7 +5672,6 @@
               <a:rPr lang="zh-CN" altLang="en-US"/>
               <a:t>第三级</a:t>
             </a:r>
-            <a:endParaRPr lang="zh-CN" altLang="en-US"/>
           </a:p>
           <a:p>
             <a:pPr lvl="3"/>
@@ -5620,7 +5679,6 @@
               <a:rPr lang="zh-CN" altLang="en-US"/>
               <a:t>第四级</a:t>
             </a:r>
-            <a:endParaRPr lang="zh-CN" altLang="en-US"/>
           </a:p>
           <a:p>
             <a:pPr lvl="4"/>
@@ -5628,7 +5686,6 @@
               <a:rPr lang="zh-CN" altLang="en-US"/>
               <a:t>第五级</a:t>
             </a:r>
-            <a:endParaRPr lang="zh-CN" altLang="en-US"/>
           </a:p>
         </p:txBody>
       </p:sp>
@@ -5649,6 +5706,7 @@
           <a:p>
             <a:fld id="{9578A23B-DE5B-444A-8499-DA042FD12182}" type="datetime1">
               <a:rPr lang="zh-CN" altLang="en-US" smtClean="0"/>
+              <a:t>2021/2/28</a:t>
             </a:fld>
             <a:endParaRPr lang="zh-CN" altLang="en-US"/>
           </a:p>
@@ -5690,6 +5748,7 @@
           <a:p>
             <a:fld id="{CAB00AE0-F9D8-440E-9745-FF83361FB695}" type="slidenum">
               <a:rPr lang="zh-CN" altLang="en-US" smtClean="0"/>
+              <a:t>‹#›</a:t>
             </a:fld>
             <a:endParaRPr lang="zh-CN" altLang="en-US"/>
           </a:p>
@@ -5739,7 +5798,6 @@
               <a:rPr lang="zh-CN" altLang="en-US"/>
               <a:t>单击此处编辑母版标题样式</a:t>
             </a:r>
-            <a:endParaRPr lang="zh-CN" altLang="en-US"/>
           </a:p>
         </p:txBody>
       </p:sp>
@@ -5760,6 +5818,7 @@
           <a:p>
             <a:fld id="{20D398F4-5A17-4D91-814C-71EE47096A27}" type="datetime1">
               <a:rPr lang="zh-CN" altLang="en-US" smtClean="0"/>
+              <a:t>2021/2/28</a:t>
             </a:fld>
             <a:endParaRPr lang="zh-CN" altLang="en-US"/>
           </a:p>
@@ -5801,6 +5860,7 @@
           <a:p>
             <a:fld id="{CAB00AE0-F9D8-440E-9745-FF83361FB695}" type="slidenum">
               <a:rPr lang="zh-CN" altLang="en-US" smtClean="0"/>
+              <a:t>‹#›</a:t>
             </a:fld>
             <a:endParaRPr lang="zh-CN" altLang="en-US"/>
           </a:p>
@@ -5865,7 +5925,6 @@
               <a:rPr lang="zh-CN" altLang="en-US"/>
               <a:t>单击此处编辑母版标题样式</a:t>
             </a:r>
-            <a:endParaRPr lang="zh-CN" altLang="en-US"/>
           </a:p>
         </p:txBody>
       </p:sp>
@@ -5899,7 +5958,6 @@
               <a:rPr lang="zh-CN" altLang="en-US"/>
               <a:t>单击此处编辑母版文本样式</a:t>
             </a:r>
-            <a:endParaRPr lang="zh-CN" altLang="en-US"/>
           </a:p>
           <a:p>
             <a:pPr lvl="1"/>
@@ -5907,7 +5965,6 @@
               <a:rPr lang="zh-CN" altLang="en-US"/>
               <a:t>第二级</a:t>
             </a:r>
-            <a:endParaRPr lang="zh-CN" altLang="en-US"/>
           </a:p>
           <a:p>
             <a:pPr lvl="2"/>
@@ -5915,7 +5972,6 @@
               <a:rPr lang="zh-CN" altLang="en-US"/>
               <a:t>第三级</a:t>
             </a:r>
-            <a:endParaRPr lang="zh-CN" altLang="en-US"/>
           </a:p>
           <a:p>
             <a:pPr lvl="3"/>
@@ -5923,7 +5979,6 @@
               <a:rPr lang="zh-CN" altLang="en-US"/>
               <a:t>第四级</a:t>
             </a:r>
-            <a:endParaRPr lang="zh-CN" altLang="en-US"/>
           </a:p>
           <a:p>
             <a:pPr lvl="4"/>
@@ -5931,7 +5986,6 @@
               <a:rPr lang="zh-CN" altLang="en-US"/>
               <a:t>第五级</a:t>
             </a:r>
-            <a:endParaRPr lang="zh-CN" altLang="en-US"/>
           </a:p>
         </p:txBody>
       </p:sp>
@@ -5970,6 +6024,7 @@
           <a:p>
             <a:fld id="{F0097F28-54CF-4F93-9ACB-A92C45095708}" type="datetime1">
               <a:rPr lang="zh-CN" altLang="en-US" smtClean="0"/>
+              <a:t>2021/2/28</a:t>
             </a:fld>
             <a:endParaRPr lang="zh-CN" altLang="en-US"/>
           </a:p>
@@ -6047,6 +6102,7 @@
           <a:p>
             <a:fld id="{CAB00AE0-F9D8-440E-9745-FF83361FB695}" type="slidenum">
               <a:rPr lang="zh-CN" altLang="en-US" smtClean="0"/>
+              <a:t>‹#›</a:t>
             </a:fld>
             <a:endParaRPr lang="zh-CN" altLang="en-US"/>
           </a:p>
@@ -6381,7 +6437,7 @@
           <p:nvPr/>
         </p:nvPicPr>
         <p:blipFill rotWithShape="1">
-          <a:blip r:embed="rId1" cstate="print">
+          <a:blip r:embed="rId2" cstate="print">
             <a:extLst>
               <a:ext uri="{28A0092B-C50C-407E-A947-70E740481C1C}">
                 <a14:useLocalDpi xmlns:a14="http://schemas.microsoft.com/office/drawing/2010/main" val="0"/>
@@ -6412,7 +6468,7 @@
           <p:nvPr/>
         </p:nvPicPr>
         <p:blipFill>
-          <a:blip r:embed="rId2" cstate="print">
+          <a:blip r:embed="rId3" cstate="print">
             <a:extLst>
               <a:ext uri="{28A0092B-C50C-407E-A947-70E740481C1C}">
                 <a14:useLocalDpi xmlns:a14="http://schemas.microsoft.com/office/drawing/2010/main" val="0"/>
@@ -6442,7 +6498,7 @@
           <p:nvPr/>
         </p:nvPicPr>
         <p:blipFill>
-          <a:blip r:embed="rId3" cstate="print">
+          <a:blip r:embed="rId4" cstate="print">
             <a:extLst>
               <a:ext uri="{28A0092B-C50C-407E-A947-70E740481C1C}">
                 <a14:useLocalDpi xmlns:a14="http://schemas.microsoft.com/office/drawing/2010/main" val="0"/>
@@ -6713,11 +6769,11 @@
   <p:clrMapOvr>
     <a:masterClrMapping/>
   </p:clrMapOvr>
-  <mc:AlternateContent xmlns:mc="http://schemas.openxmlformats.org/markup-compatibility/2006">
-    <mc:Choice xmlns:p14="http://schemas.microsoft.com/office/powerpoint/2010/main" Requires="p14">
+  <mc:AlternateContent xmlns:mc="http://schemas.openxmlformats.org/markup-compatibility/2006" xmlns:p14="http://schemas.microsoft.com/office/powerpoint/2010/main">
+    <mc:Choice Requires="p14">
       <p:transition p14:dur="0"/>
     </mc:Choice>
-    <mc:Fallback>
+    <mc:Fallback xmlns="">
       <p:transition/>
     </mc:Fallback>
   </mc:AlternateContent>
@@ -7297,46 +7353,46 @@
           <a:lstStyle/>
           <a:p>
             <a:r>
-              <a:rPr lang="zh-CN" altLang="en-US" smtClean="0">
+              <a:rPr lang="zh-CN" altLang="en-US" dirty="0" smtClean="0">
                 <a:latin typeface="宋体 (正文)"/>
               </a:rPr>
               <a:t>首先，看下</a:t>
             </a:r>
             <a:r>
-              <a:rPr lang="en-US" altLang="zh-CN" smtClean="0">
+              <a:rPr lang="en-US" altLang="zh-CN" dirty="0" err="1" smtClean="0">
                 <a:latin typeface="宋体 (正文)"/>
               </a:rPr>
               <a:t>jdk</a:t>
             </a:r>
             <a:r>
-              <a:rPr lang="zh-CN" altLang="en-US" smtClean="0">
+              <a:rPr lang="zh-CN" altLang="en-US" dirty="0" smtClean="0">
                 <a:latin typeface="宋体 (正文)"/>
               </a:rPr>
               <a:t>的</a:t>
             </a:r>
             <a:r>
-              <a:rPr lang="en-US" altLang="zh-CN" smtClean="0">
+              <a:rPr lang="en-US" altLang="zh-CN" dirty="0" err="1" smtClean="0">
                 <a:latin typeface="宋体 (正文)"/>
               </a:rPr>
               <a:t>nio</a:t>
             </a:r>
             <a:r>
-              <a:rPr lang="zh-CN" altLang="en-US" smtClean="0">
+              <a:rPr lang="zh-CN" altLang="en-US" dirty="0" smtClean="0">
                 <a:latin typeface="宋体 (正文)"/>
               </a:rPr>
               <a:t>包为我们提供了些什么：</a:t>
             </a:r>
-            <a:endParaRPr lang="en-US" altLang="zh-CN" smtClean="0">
+            <a:endParaRPr lang="en-US" altLang="zh-CN" dirty="0" smtClean="0">
               <a:latin typeface="宋体 (正文)"/>
             </a:endParaRPr>
           </a:p>
           <a:p>
-            <a:endParaRPr lang="en-US" altLang="zh-CN" smtClean="0">
+            <a:endParaRPr lang="en-US" altLang="zh-CN" dirty="0" smtClean="0">
               <a:latin typeface="宋体 (正文)"/>
             </a:endParaRPr>
           </a:p>
           <a:p>
-            <a:endParaRPr lang="en-US" altLang="zh-CN" smtClean="0">
+            <a:endParaRPr lang="en-US" altLang="zh-CN" dirty="0" smtClean="0">
               <a:latin typeface="宋体 (正文)"/>
             </a:endParaRPr>
           </a:p>
@@ -7346,42 +7402,42 @@
               <a:buChar char="•"/>
             </a:pPr>
             <a:r>
-              <a:rPr lang="zh-CN" altLang="en-US">
+              <a:rPr lang="zh-CN" altLang="en-US" dirty="0">
                 <a:latin typeface="宋体 (正文)"/>
               </a:rPr>
               <a:t>进行异步</a:t>
             </a:r>
             <a:r>
-              <a:rPr lang="en-US" altLang="zh-CN">
+              <a:rPr lang="en-US" altLang="zh-CN" dirty="0">
                 <a:latin typeface="宋体 (正文)"/>
               </a:rPr>
               <a:t>I/O</a:t>
             </a:r>
             <a:r>
-              <a:rPr lang="zh-CN" altLang="en-US">
+              <a:rPr lang="zh-CN" altLang="en-US" dirty="0">
                 <a:latin typeface="宋体 (正文)"/>
               </a:rPr>
               <a:t>操作的缓冲区</a:t>
             </a:r>
             <a:r>
-              <a:rPr lang="en-US" altLang="zh-CN">
+              <a:rPr lang="en-US" altLang="zh-CN" dirty="0" err="1">
                 <a:latin typeface="宋体 (正文)"/>
               </a:rPr>
               <a:t>ByteBuffer</a:t>
             </a:r>
             <a:r>
-              <a:rPr lang="zh-CN" altLang="en-US">
+              <a:rPr lang="zh-CN" altLang="en-US" dirty="0">
                 <a:latin typeface="宋体 (正文)"/>
               </a:rPr>
               <a:t>等</a:t>
             </a:r>
             <a:r>
-              <a:rPr lang="zh-CN" altLang="en-US" smtClean="0">
+              <a:rPr lang="zh-CN" altLang="en-US" dirty="0" smtClean="0">
                 <a:latin typeface="宋体 (正文)"/>
               </a:rPr>
               <a:t>；</a:t>
             </a:r>
-            <a:endParaRPr lang="en-US" altLang="zh-CN" smtClean="0">
+            <a:endParaRPr lang="en-US" altLang="zh-CN" dirty="0" smtClean="0">
               <a:latin typeface="宋体 (正文)"/>
             </a:endParaRPr>
           </a:p>
@@ -7391,42 +7447,42 @@
               <a:buChar char="•"/>
             </a:pPr>
             <a:r>
-              <a:rPr lang="zh-CN" altLang="en-US" smtClean="0">
+              <a:rPr lang="zh-CN" altLang="en-US" dirty="0" smtClean="0">
                 <a:latin typeface="宋体 (正文)"/>
               </a:rPr>
               <a:t>进行</a:t>
             </a:r>
             <a:r>
-              <a:rPr lang="zh-CN" altLang="en-US">
+              <a:rPr lang="zh-CN" altLang="en-US" dirty="0">
                 <a:latin typeface="宋体 (正文)"/>
               </a:rPr>
               <a:t>异步</a:t>
             </a:r>
             <a:r>
-              <a:rPr lang="en-US" altLang="zh-CN">
+              <a:rPr lang="en-US" altLang="zh-CN" dirty="0">
                 <a:latin typeface="宋体 (正文)"/>
               </a:rPr>
               <a:t>I/O</a:t>
             </a:r>
             <a:r>
-              <a:rPr lang="zh-CN" altLang="en-US">
+              <a:rPr lang="zh-CN" altLang="en-US" dirty="0">
                 <a:latin typeface="宋体 (正文)"/>
               </a:rPr>
               <a:t>操作的管道</a:t>
             </a:r>
             <a:r>
-              <a:rPr lang="en-US" altLang="zh-CN">
+              <a:rPr lang="en-US" altLang="zh-CN" dirty="0">
                 <a:latin typeface="宋体 (正文)"/>
               </a:rPr>
               <a:t>Pipe</a:t>
             </a:r>
             <a:r>
-              <a:rPr lang="zh-CN" altLang="en-US" smtClean="0">
+              <a:rPr lang="zh-CN" altLang="en-US" dirty="0" smtClean="0">
                 <a:latin typeface="宋体 (正文)"/>
               </a:rPr>
               <a:t>；</a:t>
             </a:r>
-            <a:endParaRPr lang="en-US" altLang="zh-CN" smtClean="0">
+            <a:endParaRPr lang="en-US" altLang="zh-CN" dirty="0" smtClean="0">
               <a:latin typeface="宋体 (正文)"/>
             </a:endParaRPr>
           </a:p>
@@ -7436,66 +7492,66 @@
               <a:buChar char="•"/>
             </a:pPr>
             <a:r>
-              <a:rPr lang="zh-CN" altLang="en-US" smtClean="0">
+              <a:rPr lang="zh-CN" altLang="en-US" dirty="0" smtClean="0">
                 <a:latin typeface="宋体 (正文)"/>
               </a:rPr>
               <a:t>进行</a:t>
             </a:r>
             <a:r>
-              <a:rPr lang="zh-CN" altLang="en-US">
+              <a:rPr lang="zh-CN" altLang="en-US" dirty="0">
                 <a:latin typeface="宋体 (正文)"/>
               </a:rPr>
               <a:t>各种</a:t>
             </a:r>
             <a:r>
-              <a:rPr lang="en-US" altLang="zh-CN">
+              <a:rPr lang="en-US" altLang="zh-CN" dirty="0">
                 <a:latin typeface="宋体 (正文)"/>
               </a:rPr>
               <a:t>I/O</a:t>
             </a:r>
             <a:r>
-              <a:rPr lang="zh-CN" altLang="en-US">
+              <a:rPr lang="zh-CN" altLang="en-US" dirty="0">
                 <a:latin typeface="宋体 (正文)"/>
               </a:rPr>
               <a:t>操作（异步或者同步）的</a:t>
             </a:r>
             <a:r>
-              <a:rPr lang="en-US" altLang="zh-CN">
+              <a:rPr lang="en-US" altLang="zh-CN" dirty="0">
                 <a:latin typeface="宋体 (正文)"/>
               </a:rPr>
               <a:t>Channel</a:t>
             </a:r>
             <a:r>
-              <a:rPr lang="zh-CN" altLang="en-US">
+              <a:rPr lang="zh-CN" altLang="en-US" dirty="0">
                 <a:latin typeface="宋体 (正文)"/>
               </a:rPr>
               <a:t>，包括</a:t>
             </a:r>
             <a:r>
-              <a:rPr lang="en-US" altLang="zh-CN">
+              <a:rPr lang="en-US" altLang="zh-CN" dirty="0" err="1">
                 <a:latin typeface="宋体 (正文)"/>
               </a:rPr>
               <a:t>ServerSocketChannel</a:t>
             </a:r>
             <a:r>
-              <a:rPr lang="zh-CN" altLang="en-US">
+              <a:rPr lang="zh-CN" altLang="en-US" dirty="0">
                 <a:latin typeface="宋体 (正文)"/>
               </a:rPr>
               <a:t>和</a:t>
             </a:r>
             <a:r>
-              <a:rPr lang="en-US" altLang="zh-CN">
+              <a:rPr lang="en-US" altLang="zh-CN" dirty="0" err="1">
                 <a:latin typeface="宋体 (正文)"/>
               </a:rPr>
               <a:t>SocketChannel</a:t>
             </a:r>
             <a:r>
-              <a:rPr lang="zh-CN" altLang="en-US" smtClean="0">
+              <a:rPr lang="zh-CN" altLang="en-US" dirty="0" smtClean="0">
                 <a:latin typeface="宋体 (正文)"/>
               </a:rPr>
               <a:t>；</a:t>
             </a:r>
-            <a:endParaRPr lang="en-US" altLang="zh-CN" smtClean="0">
+            <a:endParaRPr lang="en-US" altLang="zh-CN" dirty="0" smtClean="0">
               <a:latin typeface="宋体 (正文)"/>
             </a:endParaRPr>
           </a:p>
@@ -7505,24 +7561,24 @@
               <a:buChar char="•"/>
             </a:pPr>
             <a:r>
-              <a:rPr lang="zh-CN" altLang="en-US" smtClean="0">
+              <a:rPr lang="zh-CN" altLang="en-US" dirty="0" smtClean="0">
                 <a:latin typeface="宋体 (正文)"/>
               </a:rPr>
               <a:t>多种</a:t>
             </a:r>
             <a:r>
-              <a:rPr lang="zh-CN" altLang="en-US">
+              <a:rPr lang="zh-CN" altLang="en-US" dirty="0">
                 <a:latin typeface="宋体 (正文)"/>
               </a:rPr>
               <a:t>字符集的编码能力和解码能力</a:t>
             </a:r>
             <a:r>
-              <a:rPr lang="zh-CN" altLang="en-US" smtClean="0">
+              <a:rPr lang="zh-CN" altLang="en-US" dirty="0" smtClean="0">
                 <a:latin typeface="宋体 (正文)"/>
               </a:rPr>
               <a:t>；</a:t>
             </a:r>
-            <a:endParaRPr lang="en-US" altLang="zh-CN" smtClean="0">
+            <a:endParaRPr lang="en-US" altLang="zh-CN" dirty="0" smtClean="0">
               <a:latin typeface="宋体 (正文)"/>
             </a:endParaRPr>
           </a:p>
@@ -7532,42 +7588,42 @@
               <a:buChar char="•"/>
             </a:pPr>
             <a:r>
-              <a:rPr lang="zh-CN" altLang="en-US" smtClean="0">
+              <a:rPr lang="zh-CN" altLang="en-US" dirty="0" smtClean="0">
                 <a:latin typeface="宋体 (正文)"/>
               </a:rPr>
               <a:t>实现</a:t>
             </a:r>
             <a:r>
-              <a:rPr lang="zh-CN" altLang="en-US">
+              <a:rPr lang="zh-CN" altLang="en-US" dirty="0">
                 <a:latin typeface="宋体 (正文)"/>
               </a:rPr>
               <a:t>非阻塞</a:t>
             </a:r>
             <a:r>
-              <a:rPr lang="en-US" altLang="zh-CN">
+              <a:rPr lang="en-US" altLang="zh-CN" dirty="0">
                 <a:latin typeface="宋体 (正文)"/>
               </a:rPr>
               <a:t>I/O</a:t>
             </a:r>
             <a:r>
-              <a:rPr lang="zh-CN" altLang="en-US">
+              <a:rPr lang="zh-CN" altLang="en-US" dirty="0">
                 <a:latin typeface="宋体 (正文)"/>
               </a:rPr>
               <a:t>操作的多路复用器</a:t>
             </a:r>
             <a:r>
-              <a:rPr lang="en-US" altLang="zh-CN">
+              <a:rPr lang="en-US" altLang="zh-CN" dirty="0">
                 <a:latin typeface="宋体 (正文)"/>
               </a:rPr>
               <a:t>selector</a:t>
             </a:r>
             <a:r>
-              <a:rPr lang="zh-CN" altLang="en-US" smtClean="0">
+              <a:rPr lang="zh-CN" altLang="en-US" dirty="0" smtClean="0">
                 <a:latin typeface="宋体 (正文)"/>
               </a:rPr>
               <a:t>；</a:t>
             </a:r>
-            <a:endParaRPr lang="en-US" altLang="zh-CN" smtClean="0">
+            <a:endParaRPr lang="en-US" altLang="zh-CN" dirty="0" smtClean="0">
               <a:latin typeface="宋体 (正文)"/>
             </a:endParaRPr>
           </a:p>
@@ -7577,36 +7633,36 @@
               <a:buChar char="•"/>
             </a:pPr>
             <a:r>
-              <a:rPr lang="zh-CN" altLang="en-US" smtClean="0">
+              <a:rPr lang="zh-CN" altLang="en-US" dirty="0" smtClean="0">
                 <a:latin typeface="宋体 (正文)"/>
               </a:rPr>
               <a:t>基于</a:t>
             </a:r>
             <a:r>
-              <a:rPr lang="zh-CN" altLang="en-US">
+              <a:rPr lang="zh-CN" altLang="en-US" dirty="0">
                 <a:latin typeface="宋体 (正文)"/>
               </a:rPr>
               <a:t>流行的</a:t>
             </a:r>
             <a:r>
-              <a:rPr lang="en-US" altLang="zh-CN">
+              <a:rPr lang="en-US" altLang="zh-CN" dirty="0">
                 <a:latin typeface="宋体 (正文)"/>
               </a:rPr>
               <a:t>Perl</a:t>
             </a:r>
             <a:r>
-              <a:rPr lang="zh-CN" altLang="en-US">
+              <a:rPr lang="zh-CN" altLang="en-US" dirty="0">
                 <a:latin typeface="宋体 (正文)"/>
               </a:rPr>
               <a:t>实现的正则表达式类库</a:t>
             </a:r>
             <a:r>
-              <a:rPr lang="zh-CN" altLang="en-US" smtClean="0">
+              <a:rPr lang="zh-CN" altLang="en-US" dirty="0" smtClean="0">
                 <a:latin typeface="宋体 (正文)"/>
               </a:rPr>
               <a:t>；</a:t>
             </a:r>
-            <a:endParaRPr lang="en-US" altLang="zh-CN" smtClean="0">
+            <a:endParaRPr lang="en-US" altLang="zh-CN" dirty="0" smtClean="0">
               <a:latin typeface="宋体 (正文)"/>
             </a:endParaRPr>
           </a:p>
@@ -7616,30 +7672,30 @@
               <a:buChar char="•"/>
             </a:pPr>
             <a:r>
-              <a:rPr lang="zh-CN" altLang="en-US" smtClean="0">
+              <a:rPr lang="zh-CN" altLang="en-US" dirty="0" smtClean="0">
                 <a:latin typeface="宋体 (正文)"/>
               </a:rPr>
               <a:t>文件</a:t>
             </a:r>
             <a:r>
-              <a:rPr lang="zh-CN" altLang="en-US">
+              <a:rPr lang="zh-CN" altLang="en-US" dirty="0">
                 <a:latin typeface="宋体 (正文)"/>
               </a:rPr>
               <a:t>通道</a:t>
             </a:r>
             <a:r>
-              <a:rPr lang="en-US" altLang="zh-CN">
+              <a:rPr lang="en-US" altLang="zh-CN" dirty="0" err="1">
                 <a:latin typeface="宋体 (正文)"/>
               </a:rPr>
               <a:t>FileChannel</a:t>
             </a:r>
             <a:r>
-              <a:rPr lang="zh-CN" altLang="en-US" smtClean="0">
+              <a:rPr lang="zh-CN" altLang="en-US" dirty="0" smtClean="0">
                 <a:latin typeface="宋体 (正文)"/>
               </a:rPr>
               <a:t>。</a:t>
             </a:r>
-            <a:endParaRPr lang="en-US" altLang="zh-CN" smtClean="0">
+            <a:endParaRPr lang="en-US" altLang="zh-CN" dirty="0" smtClean="0">
               <a:latin typeface="宋体 (正文)"/>
             </a:endParaRPr>
           </a:p>
@@ -7648,7 +7704,7 @@
               <a:buFont typeface="Arial" panose="020B0604020202020204" pitchFamily="34" charset="0"/>
               <a:buChar char="•"/>
             </a:pPr>
-            <a:endParaRPr lang="en-US" altLang="zh-CN">
+            <a:endParaRPr lang="en-US" altLang="zh-CN" dirty="0">
               <a:latin typeface="宋体 (正文)"/>
             </a:endParaRPr>
           </a:p>
@@ -7657,48 +7713,48 @@
               <a:buFont typeface="Arial" panose="020B0604020202020204" pitchFamily="34" charset="0"/>
               <a:buChar char="•"/>
             </a:pPr>
-            <a:endParaRPr lang="en-US" altLang="zh-CN" smtClean="0">
+            <a:endParaRPr lang="en-US" altLang="zh-CN" dirty="0" smtClean="0">
               <a:latin typeface="宋体 (正文)"/>
             </a:endParaRPr>
           </a:p>
           <a:p>
             <a:r>
-              <a:rPr lang="zh-CN" altLang="en-US">
+              <a:rPr lang="zh-CN" altLang="en-US" dirty="0">
                 <a:latin typeface="宋体 (正文)"/>
               </a:rPr>
               <a:t>三大组件：</a:t>
             </a:r>
             <a:r>
-              <a:rPr lang="en-US" altLang="zh-CN" b="1">
+              <a:rPr lang="en-US" altLang="zh-CN" b="1" dirty="0">
                 <a:latin typeface="宋体 (正文)"/>
               </a:rPr>
               <a:t>Buffer</a:t>
             </a:r>
             <a:r>
-              <a:rPr lang="zh-CN" altLang="en-US" b="1">
+              <a:rPr lang="zh-CN" altLang="en-US" b="1" dirty="0">
                 <a:latin typeface="宋体 (正文)"/>
               </a:rPr>
               <a:t>，</a:t>
             </a:r>
             <a:r>
-              <a:rPr lang="en-US" altLang="zh-CN" b="1">
+              <a:rPr lang="en-US" altLang="zh-CN" b="1" dirty="0">
                 <a:latin typeface="宋体 (正文)"/>
               </a:rPr>
               <a:t>Channel</a:t>
             </a:r>
             <a:r>
-              <a:rPr lang="zh-CN" altLang="en-US" b="1">
+              <a:rPr lang="zh-CN" altLang="en-US" b="1" dirty="0">
                 <a:latin typeface="宋体 (正文)"/>
               </a:rPr>
               <a:t>，</a:t>
             </a:r>
             <a:r>
-              <a:rPr lang="en-US" altLang="zh-CN" b="1" smtClean="0">
+              <a:rPr lang="en-US" altLang="zh-CN" b="1" dirty="0" smtClean="0">
                 <a:latin typeface="宋体 (正文)"/>
               </a:rPr>
               <a:t>Selector</a:t>
             </a:r>
-            <a:endParaRPr lang="zh-CN" altLang="en-US" b="1">
+            <a:endParaRPr lang="zh-CN" altLang="en-US" b="1" dirty="0">
               <a:latin typeface="宋体 (正文)"/>
             </a:endParaRPr>
           </a:p>
@@ -8539,7 +8595,7 @@
           <p:nvPr/>
         </p:nvPicPr>
         <p:blipFill>
-          <a:blip r:embed="rId1">
+          <a:blip r:embed="rId3">
             <a:extLst>
               <a:ext uri="{28A0092B-C50C-407E-A947-70E740481C1C}">
                 <a14:useLocalDpi xmlns:a14="http://schemas.microsoft.com/office/drawing/2010/main" val="0"/>
@@ -8569,7 +8625,7 @@
           <p:nvPr/>
         </p:nvPicPr>
         <p:blipFill>
-          <a:blip r:embed="rId2">
+          <a:blip r:embed="rId4">
             <a:extLst>
               <a:ext uri="{28A0092B-C50C-407E-A947-70E740481C1C}">
                 <a14:useLocalDpi xmlns:a14="http://schemas.microsoft.com/office/drawing/2010/main" val="0"/>
@@ -8646,6 +8702,7 @@
                   <a:srgbClr val="BDBDBD"/>
                 </a:solidFill>
               </a:rPr>
+              <a:t>12</a:t>
             </a:fld>
             <a:endParaRPr lang="zh-CN" altLang="en-US">
               <a:solidFill>
@@ -8775,7 +8832,7 @@
           <p:nvPr/>
         </p:nvPicPr>
         <p:blipFill rotWithShape="1">
-          <a:blip r:embed="rId1" cstate="print">
+          <a:blip r:embed="rId2" cstate="print">
             <a:extLst>
               <a:ext uri="{28A0092B-C50C-407E-A947-70E740481C1C}">
                 <a14:useLocalDpi xmlns:a14="http://schemas.microsoft.com/office/drawing/2010/main" val="0"/>
@@ -8806,7 +8863,7 @@
           <p:nvPr/>
         </p:nvPicPr>
         <p:blipFill>
-          <a:blip r:embed="rId2" cstate="print">
+          <a:blip r:embed="rId3" cstate="print">
             <a:extLst>
               <a:ext uri="{28A0092B-C50C-407E-A947-70E740481C1C}">
                 <a14:useLocalDpi xmlns:a14="http://schemas.microsoft.com/office/drawing/2010/main" val="0"/>
@@ -10337,7 +10394,7 @@
           <p:nvPr/>
         </p:nvPicPr>
         <p:blipFill>
-          <a:blip r:embed="rId1">
+          <a:blip r:embed="rId3">
             <a:extLst>
               <a:ext uri="{28A0092B-C50C-407E-A947-70E740481C1C}">
                 <a14:useLocalDpi xmlns:a14="http://schemas.microsoft.com/office/drawing/2010/main" val="0"/>
@@ -10975,7 +11032,7 @@
           <p:nvPr/>
         </p:nvPicPr>
         <p:blipFill>
-          <a:blip r:embed="rId1">
+          <a:blip r:embed="rId3">
             <a:extLst>
               <a:ext uri="{28A0092B-C50C-407E-A947-70E740481C1C}">
                 <a14:useLocalDpi xmlns:a14="http://schemas.microsoft.com/office/drawing/2010/main" val="0"/>
@@ -11606,7 +11663,7 @@
           <p:nvPr/>
         </p:nvPicPr>
         <p:blipFill>
-          <a:blip r:embed="rId1">
+          <a:blip r:embed="rId3">
             <a:extLst>
               <a:ext uri="{28A0092B-C50C-407E-A947-70E740481C1C}">
                 <a14:useLocalDpi xmlns:a14="http://schemas.microsoft.com/office/drawing/2010/main" val="0"/>
@@ -11683,6 +11740,7 @@
                   <a:srgbClr val="BDBDBD"/>
                 </a:solidFill>
               </a:rPr>
+              <a:t>17</a:t>
             </a:fld>
             <a:endParaRPr lang="zh-CN" altLang="en-US">
               <a:solidFill>
@@ -11812,7 +11870,7 @@
           <p:nvPr/>
         </p:nvPicPr>
         <p:blipFill rotWithShape="1">
-          <a:blip r:embed="rId1" cstate="print">
+          <a:blip r:embed="rId2" cstate="print">
             <a:extLst>
               <a:ext uri="{28A0092B-C50C-407E-A947-70E740481C1C}">
                 <a14:useLocalDpi xmlns:a14="http://schemas.microsoft.com/office/drawing/2010/main" val="0"/>
@@ -11843,7 +11901,7 @@
           <p:nvPr/>
         </p:nvPicPr>
         <p:blipFill>
-          <a:blip r:embed="rId2" cstate="print">
+          <a:blip r:embed="rId3" cstate="print">
             <a:extLst>
               <a:ext uri="{28A0092B-C50C-407E-A947-70E740481C1C}">
                 <a14:useLocalDpi xmlns:a14="http://schemas.microsoft.com/office/drawing/2010/main" val="0"/>
@@ -12695,11 +12753,7 @@
             </a:r>
             <a:r>
               <a:rPr lang="zh-CN" altLang="en-US" dirty="0" smtClean="0"/>
-              <a:t>流程</a:t>
-            </a:r>
-            <a:r>
-              <a:rPr lang="zh-CN" altLang="en-US" dirty="0" smtClean="0"/>
-              <a:t>）</a:t>
+              <a:t>流程）</a:t>
             </a:r>
             <a:endParaRPr lang="en-US" altLang="zh-CN" dirty="0" smtClean="0"/>
           </a:p>
@@ -12816,7 +12870,7 @@
           <p:nvPr/>
         </p:nvPicPr>
         <p:blipFill>
-          <a:blip r:embed="rId1"/>
+          <a:blip r:embed="rId3"/>
           <a:stretch>
             <a:fillRect/>
           </a:stretch>
@@ -13426,7 +13480,7 @@
         <p:spPr>
           <a:xfrm>
             <a:off x="292340" y="1462584"/>
-            <a:ext cx="11408367" cy="2584450"/>
+            <a:ext cx="11408367" cy="2862322"/>
           </a:xfrm>
           <a:prstGeom prst="rect">
             <a:avLst/>
@@ -13514,6 +13568,10 @@
               <a:t> </a:t>
             </a:r>
             <a:r>
+              <a:rPr lang="zh-CN" altLang="en-US" dirty="0" smtClean="0"/>
+              <a:t>本质上是</a:t>
+            </a:r>
+            <a:r>
               <a:rPr lang="en-US" altLang="zh-CN" dirty="0" err="1" smtClean="0"/>
               <a:t>SingleThreadEventExecutor</a:t>
             </a:r>
@@ -13544,7 +13602,6 @@
               <a:rPr lang="zh-CN" altLang="en-US" dirty="0" smtClean="0"/>
               <a:t>方法的性能优化（位与和取余）</a:t>
             </a:r>
-            <a:endParaRPr lang="zh-CN" altLang="en-US" dirty="0" smtClean="0"/>
           </a:p>
           <a:p>
             <a:pPr marL="285750" indent="-285750">
@@ -13573,13 +13630,9 @@
             </a:r>
             <a:r>
               <a:rPr lang="zh-CN" altLang="en-US" dirty="0" smtClean="0"/>
-              <a:t>循环</a:t>
-            </a:r>
-            <a:r>
-              <a:rPr lang="zh-CN" altLang="en-US" dirty="0" smtClean="0"/>
-              <a:t>）和executor线程池（处理异步任务）</a:t>
-            </a:r>
-            <a:endParaRPr lang="zh-CN" altLang="en-US" dirty="0" smtClean="0"/>
+              <a:t>循环）和executor线程池（处理异步任务）</a:t>
+            </a:r>
+            <a:endParaRPr lang="en-US" altLang="zh-CN" dirty="0" smtClean="0"/>
           </a:p>
           <a:p>
             <a:pPr marL="285750" indent="-285750">
@@ -13587,36 +13640,40 @@
               <a:buChar char="•"/>
             </a:pPr>
             <a:r>
+              <a:rPr lang="en-US" altLang="zh-CN" dirty="0" err="1" smtClean="0"/>
+              <a:t>SingleThreadEventExecutor</a:t>
+            </a:r>
+            <a:r>
               <a:rPr lang="zh-CN" altLang="en-US" dirty="0" smtClean="0"/>
-              <a:t>processSelectedKeys方法处理</a:t>
+              <a:t>的</a:t>
             </a:r>
             <a:r>
               <a:rPr lang="en-US" altLang="zh-CN" dirty="0" smtClean="0"/>
-              <a:t>IO</a:t>
+              <a:t>run</a:t>
             </a:r>
             <a:r>
               <a:rPr lang="zh-CN" altLang="en-US" dirty="0" smtClean="0"/>
-              <a:t>事件 </a:t>
+              <a:t>方法：</a:t>
+            </a:r>
+            <a:r>
+              <a:rPr lang="en-US" altLang="zh-CN" dirty="0"/>
+              <a:t> </a:t>
             </a:r>
             <a:r>
               <a:rPr lang="en-US" altLang="zh-CN" dirty="0" smtClean="0"/>
-              <a:t>/ runAllTasks</a:t>
-            </a:r>
-            <a:r>
-              <a:rPr lang="zh-CN" altLang="en-US" dirty="0" smtClean="0"/>
-              <a:t>方法处理异步任务 （可通过</a:t>
-            </a:r>
-            <a:r>
-              <a:rPr lang="en-US" altLang="zh-CN" dirty="0" smtClean="0"/>
-              <a:t>ioRatio</a:t>
-            </a:r>
-            <a:r>
-              <a:rPr lang="zh-CN" altLang="en-US" dirty="0" smtClean="0"/>
-              <a:t>控制比例</a:t>
-            </a:r>
-            <a:r>
-              <a:rPr lang="zh-CN" altLang="en-US" dirty="0" smtClean="0"/>
-              <a:t>）</a:t>
+              <a:t>select/process </a:t>
+            </a:r>
+            <a:r>
+              <a:rPr lang="en-US" altLang="zh-CN" dirty="0" err="1" smtClean="0"/>
+              <a:t>SelectedKeys</a:t>
+            </a:r>
+            <a:r>
+              <a:rPr lang="en-US" altLang="zh-CN" dirty="0"/>
+              <a:t>/ </a:t>
+            </a:r>
+            <a:r>
+              <a:rPr lang="en-US" altLang="zh-CN" dirty="0" err="1"/>
+              <a:t>runAllTasks</a:t>
             </a:r>
             <a:endParaRPr lang="zh-CN" altLang="en-US" dirty="0" smtClean="0"/>
           </a:p>
@@ -13626,54 +13683,33 @@
               <a:buChar char="•"/>
             </a:pPr>
             <a:r>
+              <a:rPr lang="zh-CN" altLang="en-US" dirty="0" smtClean="0"/>
+              <a:t>processSelectedKeys方法处理</a:t>
+            </a:r>
+            <a:r>
               <a:rPr lang="en-US" altLang="zh-CN" dirty="0" smtClean="0"/>
-              <a:t>rebuildSelector</a:t>
+              <a:t>IO</a:t>
             </a:r>
             <a:r>
               <a:rPr lang="zh-CN" altLang="en-US" dirty="0" smtClean="0"/>
-              <a:t>解决</a:t>
+              <a:t>事件 </a:t>
             </a:r>
             <a:r>
               <a:rPr lang="en-US" altLang="zh-CN" dirty="0" smtClean="0"/>
-              <a:t>nio</a:t>
+              <a:t>/ runAllTasks</a:t>
             </a:r>
             <a:r>
               <a:rPr lang="zh-CN" altLang="en-US" dirty="0" smtClean="0"/>
-              <a:t>的</a:t>
+              <a:t>方法处理异步任务 （可通过</a:t>
             </a:r>
             <a:r>
               <a:rPr lang="en-US" altLang="zh-CN" dirty="0" smtClean="0"/>
-              <a:t>select</a:t>
+              <a:t>ioRatio</a:t>
             </a:r>
             <a:r>
               <a:rPr lang="zh-CN" altLang="en-US" dirty="0" smtClean="0"/>
-              <a:t>导致</a:t>
-            </a:r>
-            <a:r>
-              <a:rPr lang="en-US" altLang="zh-CN" dirty="0" smtClean="0"/>
-              <a:t>cpu占用100%的bug</a:t>
-            </a:r>
-            <a:r>
-              <a:rPr lang="zh-CN" altLang="en-US" dirty="0" smtClean="0"/>
-              <a:t>（设置了一个阀值</a:t>
-            </a:r>
-            <a:r>
-              <a:rPr lang="en-US" altLang="zh-CN" dirty="0" smtClean="0"/>
-              <a:t>512</a:t>
-            </a:r>
-            <a:r>
-              <a:rPr lang="zh-CN" altLang="en-US" dirty="0" smtClean="0"/>
-              <a:t>，超过阀值重新注册</a:t>
-            </a:r>
-            <a:r>
-              <a:rPr lang="en-US" altLang="zh-CN" dirty="0" smtClean="0"/>
-              <a:t>selector</a:t>
-            </a:r>
-            <a:r>
-              <a:rPr lang="zh-CN" altLang="en-US" dirty="0" smtClean="0"/>
-              <a:t>）</a:t>
-            </a:r>
-            <a:endParaRPr lang="en-US" altLang="zh-CN" dirty="0" smtClean="0"/>
+              <a:t>控制比例）</a:t>
+            </a:r>
           </a:p>
           <a:p>
             <a:pPr marL="285750" indent="-285750">
@@ -13681,6 +13717,61 @@
               <a:buChar char="•"/>
             </a:pPr>
             <a:r>
+              <a:rPr lang="en-US" altLang="zh-CN" dirty="0" smtClean="0"/>
+              <a:t>rebuildSelector</a:t>
+            </a:r>
+            <a:r>
+              <a:rPr lang="zh-CN" altLang="en-US" dirty="0" smtClean="0"/>
+              <a:t>解决</a:t>
+            </a:r>
+            <a:r>
+              <a:rPr lang="en-US" altLang="zh-CN" dirty="0" smtClean="0"/>
+              <a:t>nio</a:t>
+            </a:r>
+            <a:r>
+              <a:rPr lang="zh-CN" altLang="en-US" dirty="0" smtClean="0"/>
+              <a:t>的</a:t>
+            </a:r>
+            <a:r>
+              <a:rPr lang="en-US" altLang="zh-CN" dirty="0" smtClean="0"/>
+              <a:t>select</a:t>
+            </a:r>
+            <a:r>
+              <a:rPr lang="zh-CN" altLang="en-US" dirty="0" smtClean="0"/>
+              <a:t>导致</a:t>
+            </a:r>
+            <a:r>
+              <a:rPr lang="en-US" altLang="zh-CN" dirty="0" smtClean="0"/>
+              <a:t>cpu占用100%的bug</a:t>
+            </a:r>
+            <a:r>
+              <a:rPr lang="zh-CN" altLang="en-US" dirty="0" smtClean="0"/>
+              <a:t>（设置了一个阀值</a:t>
+            </a:r>
+            <a:r>
+              <a:rPr lang="en-US" altLang="zh-CN" dirty="0" smtClean="0"/>
+              <a:t>512</a:t>
+            </a:r>
+            <a:r>
+              <a:rPr lang="zh-CN" altLang="en-US" dirty="0" smtClean="0"/>
+              <a:t>，超过阀值重新注册</a:t>
+            </a:r>
+            <a:r>
+              <a:rPr lang="en-US" altLang="zh-CN" dirty="0" smtClean="0"/>
+              <a:t>selector</a:t>
+            </a:r>
+            <a:r>
+              <a:rPr lang="zh-CN" altLang="en-US" dirty="0" smtClean="0"/>
+              <a:t>）</a:t>
+            </a:r>
+            <a:endParaRPr lang="en-US" altLang="zh-CN" dirty="0" smtClean="0"/>
+          </a:p>
+          <a:p>
+            <a:pPr marL="285750" indent="-285750">
+              <a:buFont typeface="Arial" panose="020B0604020202020204" pitchFamily="34" charset="0"/>
+              <a:buChar char="•"/>
+            </a:pPr>
+            <a:r>
               <a:rPr lang="zh-CN" altLang="en-US" dirty="0" smtClean="0"/>
               <a:t>childChannel的实现类是NioSocketChannel因此unsafe的实现类是NioByteUnsafe </a:t>
             </a:r>
@@ -13688,7 +13779,6 @@
               <a:rPr lang="en-US" altLang="zh-CN" dirty="0" smtClean="0"/>
               <a:t>/ parentChannel的实现类是NioServerSocketChannel因此unsafe的实现类是NioMessageUnsafe</a:t>
             </a:r>
-            <a:endParaRPr lang="en-US" altLang="zh-CN" dirty="0" smtClean="0"/>
           </a:p>
         </p:txBody>
       </p:sp>
@@ -13795,13 +13885,6 @@
               </a:rPr>
               <a:t>目 录</a:t>
             </a:r>
-            <a:endParaRPr lang="zh-CN" altLang="en-US" sz="3600" dirty="0">
-              <a:solidFill>
-                <a:srgbClr val="00A0FA"/>
-              </a:solidFill>
-              <a:latin typeface="微软雅黑" panose="020B0503020204020204" pitchFamily="34" charset="-122"/>
-              <a:ea typeface="微软雅黑" panose="020B0503020204020204" pitchFamily="34" charset="-122"/>
-            </a:endParaRPr>
           </a:p>
         </p:txBody>
       </p:sp>
@@ -13826,6 +13909,7 @@
                   <a:schemeClr val="bg1"/>
                 </a:solidFill>
               </a:rPr>
+              <a:t>2</a:t>
             </a:fld>
             <a:endParaRPr lang="zh-CN" altLang="en-US">
               <a:solidFill>
@@ -14074,35 +14158,21 @@
                 <a:latin typeface="华文中宋" panose="02010600040101010101" pitchFamily="2" charset="-122"/>
                 <a:ea typeface="华文中宋" panose="02010600040101010101" pitchFamily="2" charset="-122"/>
               </a:rPr>
-              <a:t>BIO? NIO</a:t>
+              <a:t>BIO? NIO? </a:t>
+            </a:r>
+            <a:r>
+              <a:rPr lang="zh-CN" altLang="en-US" sz="2400" dirty="0" smtClean="0">
+                <a:latin typeface="华文中宋" panose="02010600040101010101" pitchFamily="2" charset="-122"/>
+                <a:ea typeface="华文中宋" panose="02010600040101010101" pitchFamily="2" charset="-122"/>
+              </a:rPr>
+              <a:t>事件驱动</a:t>
             </a:r>
             <a:r>
               <a:rPr lang="en-US" altLang="zh-CN" sz="2400" dirty="0" smtClean="0">
                 <a:latin typeface="华文中宋" panose="02010600040101010101" pitchFamily="2" charset="-122"/>
                 <a:ea typeface="华文中宋" panose="02010600040101010101" pitchFamily="2" charset="-122"/>
               </a:rPr>
-              <a:t>? </a:t>
-            </a:r>
-            <a:r>
-              <a:rPr lang="zh-CN" altLang="en-US" sz="2400" dirty="0" smtClean="0">
-                <a:latin typeface="华文中宋" panose="02010600040101010101" pitchFamily="2" charset="-122"/>
-                <a:ea typeface="华文中宋" panose="02010600040101010101" pitchFamily="2" charset="-122"/>
-              </a:rPr>
-              <a:t>事件驱动</a:t>
-            </a:r>
-            <a:r>
-              <a:rPr lang="en-US" altLang="zh-CN" sz="2400" dirty="0" smtClean="0">
-                <a:latin typeface="华文中宋" panose="02010600040101010101" pitchFamily="2" charset="-122"/>
-                <a:ea typeface="华文中宋" panose="02010600040101010101" pitchFamily="2" charset="-122"/>
-              </a:rPr>
-              <a:t>IO? AIO</a:t>
-            </a:r>
-            <a:r>
-              <a:rPr lang="en-US" altLang="zh-CN" sz="2400" dirty="0" smtClean="0">
-                <a:latin typeface="华文中宋" panose="02010600040101010101" pitchFamily="2" charset="-122"/>
-                <a:ea typeface="华文中宋" panose="02010600040101010101" pitchFamily="2" charset="-122"/>
-              </a:rPr>
-              <a:t>?</a:t>
+              <a:t>IO? AIO?</a:t>
             </a:r>
             <a:endParaRPr lang="zh-CN" altLang="en-US" sz="2400" dirty="0">
               <a:latin typeface="华文中宋" panose="02010600040101010101" pitchFamily="2" charset="-122"/>
@@ -14819,7 +14889,6 @@
               <a:rPr lang="en-US" altLang="zh-CN" sz="2000" dirty="0" err="1"/>
               <a:t>Bootstrap</a:t>
             </a:r>
-            <a:endParaRPr lang="en-US" altLang="zh-CN" sz="2000" dirty="0" err="1"/>
           </a:p>
         </p:txBody>
       </p:sp>
@@ -14960,7 +15029,6 @@
               <a:rPr lang="en-US" altLang="zh-CN" dirty="0" smtClean="0"/>
               <a:t>pipeline</a:t>
             </a:r>
-            <a:endParaRPr lang="en-US" altLang="zh-CN" dirty="0" smtClean="0"/>
           </a:p>
           <a:p>
             <a:pPr marL="285750" indent="-285750">
@@ -14975,13 +15043,7 @@
               <a:rPr lang="en-US" altLang="zh-CN">
                 <a:sym typeface="+mn-ea"/>
               </a:rPr>
-              <a:t>h</a:t>
-            </a:r>
-            <a:r>
-              <a:rPr lang="en-US" altLang="zh-CN">
-                <a:sym typeface="+mn-ea"/>
-              </a:rPr>
-              <a:t>andler</a:t>
+              <a:t>handler</a:t>
             </a:r>
             <a:r>
               <a:rPr lang="zh-CN" altLang="en-US" dirty="0" smtClean="0"/>
@@ -15036,13 +15098,7 @@
               <a:rPr lang="en-US" altLang="zh-CN" dirty="0" err="1" smtClean="0">
                 <a:sym typeface="+mn-ea"/>
               </a:rPr>
-              <a:t>worker</a:t>
-            </a:r>
-            <a:r>
-              <a:rPr lang="en-US" altLang="zh-CN" dirty="0" err="1" smtClean="0">
-                <a:sym typeface="+mn-ea"/>
-              </a:rPr>
-              <a:t>Group</a:t>
+              <a:t>workerGroup</a:t>
             </a:r>
             <a:r>
               <a:rPr lang="zh-CN" altLang="en-US" dirty="0" err="1" smtClean="0">
@@ -15050,9 +15106,6 @@
               </a:rPr>
               <a:t>）</a:t>
             </a:r>
-            <a:endParaRPr lang="zh-CN" altLang="en-US" dirty="0" err="1" smtClean="0">
-              <a:sym typeface="+mn-ea"/>
-            </a:endParaRPr>
           </a:p>
           <a:p>
             <a:pPr marL="285750" indent="-285750">
@@ -15095,9 +15148,6 @@
               </a:rPr>
               <a:t>accept</a:t>
             </a:r>
-            <a:endParaRPr lang="en-US" altLang="zh-CN" dirty="0" err="1" smtClean="0">
-              <a:sym typeface="+mn-ea"/>
-            </a:endParaRPr>
           </a:p>
           <a:p>
             <a:pPr marL="285750" indent="-285750">
@@ -15148,7 +15198,7 @@
           <p:nvPr/>
         </p:nvPicPr>
         <p:blipFill>
-          <a:blip r:embed="rId1"/>
+          <a:blip r:embed="rId3"/>
           <a:stretch>
             <a:fillRect/>
           </a:stretch>
@@ -15183,12 +15233,12 @@
           <a:bodyPr wrap="square" rtlCol="0">
             <a:spAutoFit/>
           </a:bodyPr>
+          <a:lstStyle/>
           <a:p>
             <a:r>
               <a:rPr lang="zh-CN" altLang="en-US"/>
               <a:t>注册流程：</a:t>
             </a:r>
-            <a:endParaRPr lang="zh-CN" altLang="en-US"/>
           </a:p>
         </p:txBody>
       </p:sp>
@@ -15839,7 +15889,6 @@
               <a:rPr lang="zh-CN" altLang="en-US" dirty="0" smtClean="0"/>
               <a:t>，互相拥有实例</a:t>
             </a:r>
-            <a:endParaRPr lang="zh-CN" altLang="en-US" dirty="0" smtClean="0"/>
           </a:p>
           <a:p>
             <a:pPr marL="285750" indent="-285750">
@@ -15862,7 +15911,6 @@
               <a:rPr lang="zh-CN" altLang="en-US" dirty="0" smtClean="0"/>
               <a:t>节点：AbstractChannelHandlerContext</a:t>
             </a:r>
-            <a:endParaRPr lang="zh-CN" altLang="en-US" dirty="0" smtClean="0"/>
           </a:p>
           <a:p>
             <a:pPr marL="285750" indent="-285750">
@@ -15877,7 +15925,6 @@
               <a:rPr lang="zh-CN" altLang="en-US" dirty="0" smtClean="0"/>
               <a:t>节点：ChannelOutboundHandler, ChannelInboundHandler</a:t>
             </a:r>
-            <a:endParaRPr lang="zh-CN" altLang="en-US" dirty="0" smtClean="0"/>
           </a:p>
           <a:p>
             <a:pPr marL="285750" indent="-285750">
@@ -15892,7 +15939,6 @@
               <a:rPr lang="zh-CN" altLang="en-US" dirty="0" smtClean="0"/>
               <a:t>节点：ChannelInboundHandler</a:t>
             </a:r>
-            <a:endParaRPr lang="zh-CN" altLang="en-US" dirty="0" smtClean="0"/>
           </a:p>
           <a:p>
             <a:pPr marL="285750" indent="-285750">
@@ -15943,7 +15989,6 @@
               <a:rPr lang="zh-CN" altLang="en-US" dirty="0" smtClean="0"/>
               <a:t>按注册顺序倒序</a:t>
             </a:r>
-            <a:endParaRPr lang="zh-CN" altLang="en-US" dirty="0" smtClean="0"/>
           </a:p>
           <a:p>
             <a:pPr marL="285750" indent="-285750">
@@ -15966,7 +16011,6 @@
               <a:rPr lang="en-US" altLang="zh-CN" dirty="0" smtClean="0"/>
               <a:t>...</a:t>
             </a:r>
-            <a:endParaRPr lang="en-US" altLang="zh-CN" dirty="0" smtClean="0"/>
           </a:p>
           <a:p>
             <a:pPr marL="285750" indent="-285750">
@@ -15993,7 +16037,6 @@
               <a:rPr lang="en-US" altLang="zh-CN" dirty="0" smtClean="0"/>
               <a:t>-&gt;tail</a:t>
             </a:r>
-            <a:endParaRPr lang="en-US" altLang="zh-CN" dirty="0" smtClean="0"/>
           </a:p>
           <a:p>
             <a:pPr marL="285750" indent="-285750">
@@ -16050,7 +16093,7 @@
           <p:nvPr/>
         </p:nvPicPr>
         <p:blipFill>
-          <a:blip r:embed="rId1"/>
+          <a:blip r:embed="rId3"/>
           <a:stretch>
             <a:fillRect/>
           </a:stretch>
@@ -16758,7 +16801,7 @@
           <p:nvPr/>
         </p:nvPicPr>
         <p:blipFill>
-          <a:blip r:embed="rId1">
+          <a:blip r:embed="rId3">
             <a:extLst>
               <a:ext uri="{28A0092B-C50C-407E-A947-70E740481C1C}">
                 <a14:useLocalDpi xmlns:a14="http://schemas.microsoft.com/office/drawing/2010/main" val="0"/>
@@ -17620,7 +17663,6 @@
               <a:rPr lang="zh-CN" altLang="en-US" dirty="0"/>
               <a:t>者的功能</a:t>
             </a:r>
-            <a:endParaRPr lang="zh-CN" altLang="en-US" dirty="0"/>
           </a:p>
           <a:p>
             <a:pPr marL="285750" indent="-285750">
@@ -17663,43 +17705,85 @@
               <a:rPr lang="en-US" altLang="zh-CN" dirty="0">
                 <a:sym typeface="+mn-ea"/>
               </a:rPr>
-              <a:t>add</a:t>
+              <a:t>addListener</a:t>
+            </a:r>
+            <a:r>
+              <a:rPr lang="zh-CN" altLang="en-US" dirty="0">
+                <a:sym typeface="+mn-ea"/>
+              </a:rPr>
+              <a:t>方法加入</a:t>
             </a:r>
             <a:r>
               <a:rPr lang="en-US" altLang="zh-CN" dirty="0">
                 <a:sym typeface="+mn-ea"/>
               </a:rPr>
-              <a:t>Listener</a:t>
+              <a:t>listener</a:t>
             </a:r>
             <a:r>
               <a:rPr lang="zh-CN" altLang="en-US" dirty="0">
                 <a:sym typeface="+mn-ea"/>
               </a:rPr>
-              <a:t>方法加入</a:t>
+              <a:t>数组，执行异步</a:t>
             </a:r>
             <a:r>
               <a:rPr lang="en-US" altLang="zh-CN" dirty="0">
                 <a:sym typeface="+mn-ea"/>
               </a:rPr>
-              <a:t>listener</a:t>
+              <a:t>IO</a:t>
             </a:r>
             <a:r>
               <a:rPr lang="zh-CN" altLang="en-US" dirty="0">
                 <a:sym typeface="+mn-ea"/>
               </a:rPr>
-              <a:t>数组，执行异步</a:t>
+              <a:t>操作时通常会携带一个</a:t>
+            </a:r>
+            <a:r>
+              <a:rPr lang="en-US" altLang="zh-CN" dirty="0" err="1" smtClean="0">
+                <a:sym typeface="+mn-ea"/>
+              </a:rPr>
+              <a:t>ChannelPromise</a:t>
+            </a:r>
+            <a:r>
+              <a:rPr lang="en-US" altLang="zh-CN" dirty="0" smtClean="0">
+                <a:sym typeface="+mn-ea"/>
+              </a:rPr>
+              <a:t> </a:t>
+            </a:r>
+            <a:r>
+              <a:rPr lang="zh-CN" altLang="en-US" dirty="0" smtClean="0">
+                <a:sym typeface="+mn-ea"/>
+              </a:rPr>
+              <a:t>，与</a:t>
+            </a:r>
+            <a:r>
+              <a:rPr lang="en-US" altLang="zh-CN" dirty="0" smtClean="0">
+                <a:sym typeface="+mn-ea"/>
+              </a:rPr>
+              <a:t>Channel</a:t>
+            </a:r>
+            <a:r>
+              <a:rPr lang="zh-CN" altLang="en-US" dirty="0" smtClean="0">
+                <a:sym typeface="+mn-ea"/>
+              </a:rPr>
+              <a:t>绑定，之前</a:t>
+            </a:r>
+            <a:r>
+              <a:rPr lang="zh-CN" altLang="en-US" dirty="0">
+                <a:sym typeface="+mn-ea"/>
+              </a:rPr>
+              <a:t>ChannelFutureListener实际注册到了DefaultChannelPromise。在异步</a:t>
             </a:r>
             <a:r>
               <a:rPr lang="en-US" altLang="zh-CN" dirty="0">
                 <a:sym typeface="+mn-ea"/>
               </a:rPr>
-              <a:t>IO</a:t>
+              <a:t>task</a:t>
             </a:r>
             <a:r>
               <a:rPr lang="zh-CN" altLang="en-US" dirty="0">
                 <a:sym typeface="+mn-ea"/>
               </a:rPr>
-              <a:t>操作时通常会携带一个</a:t>
+              <a:t>结束后，调用</a:t>
             </a:r>
             <a:r>
               <a:rPr lang="en-US" altLang="zh-CN" dirty="0" err="1" smtClean="0">
@@ -17717,89 +17801,38 @@
               <a:rPr lang="zh-CN" altLang="en-US" dirty="0" smtClean="0">
                 <a:sym typeface="+mn-ea"/>
               </a:rPr>
-              <a:t>，与</a:t>
+              <a:t>的</a:t>
             </a:r>
             <a:r>
               <a:rPr lang="en-US" altLang="zh-CN" dirty="0" smtClean="0">
                 <a:sym typeface="+mn-ea"/>
               </a:rPr>
-              <a:t>Channel</a:t>
+              <a:t>success</a:t>
             </a:r>
             <a:r>
               <a:rPr lang="zh-CN" altLang="en-US" dirty="0" smtClean="0">
                 <a:sym typeface="+mn-ea"/>
               </a:rPr>
-              <a:t>绑定，之前</a:t>
+              <a:t>或者</a:t>
+            </a:r>
+            <a:r>
+              <a:rPr lang="en-US" altLang="zh-CN" dirty="0" smtClean="0">
+                <a:sym typeface="+mn-ea"/>
+              </a:rPr>
+              <a:t>failure</a:t>
+            </a:r>
+            <a:r>
+              <a:rPr lang="zh-CN" altLang="en-US" dirty="0" smtClean="0">
+                <a:sym typeface="+mn-ea"/>
+              </a:rPr>
+              <a:t>方法将结果回调，最后会调用</a:t>
             </a:r>
             <a:r>
               <a:rPr lang="zh-CN" altLang="en-US" dirty="0">
                 <a:sym typeface="+mn-ea"/>
               </a:rPr>
-              <a:t>ChannelFutureListener实际注册到了DefaultChannelPromise。在异步</a:t>
-            </a:r>
-            <a:r>
-              <a:rPr lang="en-US" altLang="zh-CN" dirty="0">
-                <a:sym typeface="+mn-ea"/>
-              </a:rPr>
-              <a:t>task</a:t>
-            </a:r>
-            <a:r>
-              <a:rPr lang="zh-CN" altLang="en-US" dirty="0">
-                <a:sym typeface="+mn-ea"/>
-              </a:rPr>
-              <a:t>结束后，调用</a:t>
-            </a:r>
-            <a:r>
-              <a:rPr lang="en-US" altLang="zh-CN" dirty="0" err="1" smtClean="0">
-                <a:sym typeface="+mn-ea"/>
-              </a:rPr>
-              <a:t>ChannelPromise</a:t>
-            </a:r>
-            <a:r>
-              <a:rPr lang="en-US" altLang="zh-CN" dirty="0" smtClean="0">
-                <a:sym typeface="+mn-ea"/>
-              </a:rPr>
-              <a:t> </a:t>
-            </a:r>
-            <a:r>
-              <a:rPr lang="zh-CN" altLang="en-US" dirty="0" smtClean="0">
-                <a:sym typeface="+mn-ea"/>
-              </a:rPr>
-              <a:t>的</a:t>
-            </a:r>
-            <a:r>
-              <a:rPr lang="en-US" altLang="zh-CN" dirty="0" smtClean="0">
-                <a:sym typeface="+mn-ea"/>
-              </a:rPr>
-              <a:t>success</a:t>
-            </a:r>
-            <a:r>
-              <a:rPr lang="zh-CN" altLang="en-US" dirty="0" smtClean="0">
-                <a:sym typeface="+mn-ea"/>
-              </a:rPr>
-              <a:t>或者</a:t>
-            </a:r>
-            <a:r>
-              <a:rPr lang="en-US" altLang="zh-CN" dirty="0" smtClean="0">
-                <a:sym typeface="+mn-ea"/>
-              </a:rPr>
-              <a:t>failure</a:t>
-            </a:r>
-            <a:r>
-              <a:rPr lang="zh-CN" altLang="en-US" dirty="0" smtClean="0">
-                <a:sym typeface="+mn-ea"/>
-              </a:rPr>
-              <a:t>方法将结果回调，最后会调用</a:t>
-            </a:r>
-            <a:r>
-              <a:rPr lang="zh-CN" altLang="en-US" dirty="0">
-                <a:sym typeface="+mn-ea"/>
-              </a:rPr>
               <a:t>notifyListeners方法来通知监听者</a:t>
             </a:r>
-            <a:endParaRPr lang="zh-CN" altLang="en-US" dirty="0">
-              <a:sym typeface="+mn-ea"/>
-            </a:endParaRPr>
           </a:p>
           <a:p>
             <a:pPr marL="285750" indent="-285750">
@@ -17847,6 +17880,683 @@
           <a:chExt cx="0" cy="0"/>
         </a:xfrm>
       </p:grpSpPr>
+      <p:grpSp>
+        <p:nvGrpSpPr>
+          <p:cNvPr id="26" name="组合 25"/>
+          <p:cNvGrpSpPr/>
+          <p:nvPr/>
+        </p:nvGrpSpPr>
+        <p:grpSpPr>
+          <a:xfrm>
+            <a:off x="312577" y="210791"/>
+            <a:ext cx="3026655" cy="354181"/>
+            <a:chOff x="2147314" y="804555"/>
+            <a:chExt cx="3026655" cy="354181"/>
+          </a:xfrm>
+        </p:grpSpPr>
+        <p:grpSp>
+          <p:nvGrpSpPr>
+            <p:cNvPr id="22" name="组合 21"/>
+            <p:cNvGrpSpPr/>
+            <p:nvPr/>
+          </p:nvGrpSpPr>
+          <p:grpSpPr>
+            <a:xfrm>
+              <a:off x="3534889" y="1040577"/>
+              <a:ext cx="1639080" cy="117268"/>
+              <a:chOff x="573689" y="222664"/>
+              <a:chExt cx="1639080" cy="353287"/>
+            </a:xfrm>
+            <a:solidFill>
+              <a:srgbClr val="D9E026"/>
+            </a:solidFill>
+          </p:grpSpPr>
+          <p:sp>
+            <p:nvSpPr>
+              <p:cNvPr id="23" name="圆角矩形 22"/>
+              <p:cNvSpPr/>
+              <p:nvPr/>
+            </p:nvSpPr>
+            <p:spPr>
+              <a:xfrm>
+                <a:off x="573689" y="222664"/>
+                <a:ext cx="1639080" cy="353287"/>
+              </a:xfrm>
+              <a:prstGeom prst="roundRect">
+                <a:avLst>
+                  <a:gd name="adj" fmla="val 32457"/>
+                </a:avLst>
+              </a:prstGeom>
+              <a:grpFill/>
+              <a:ln>
+                <a:noFill/>
+              </a:ln>
+            </p:spPr>
+            <p:style>
+              <a:lnRef idx="2">
+                <a:schemeClr val="accent1">
+                  <a:shade val="50000"/>
+                </a:schemeClr>
+              </a:lnRef>
+              <a:fillRef idx="1">
+                <a:schemeClr val="accent1"/>
+              </a:fillRef>
+              <a:effectRef idx="0">
+                <a:schemeClr val="accent1"/>
+              </a:effectRef>
+              <a:fontRef idx="minor">
+                <a:schemeClr val="lt1"/>
+              </a:fontRef>
+            </p:style>
+            <p:txBody>
+              <a:bodyPr rtlCol="0" anchor="ctr"/>
+              <a:lstStyle/>
+              <a:p>
+                <a:pPr algn="ctr"/>
+                <a:endParaRPr lang="zh-CN" altLang="en-US"/>
+              </a:p>
+            </p:txBody>
+          </p:sp>
+          <p:sp>
+            <p:nvSpPr>
+              <p:cNvPr id="24" name="矩形 23"/>
+              <p:cNvSpPr/>
+              <p:nvPr/>
+            </p:nvSpPr>
+            <p:spPr>
+              <a:xfrm>
+                <a:off x="573689" y="438216"/>
+                <a:ext cx="1639080" cy="137735"/>
+              </a:xfrm>
+              <a:prstGeom prst="rect">
+                <a:avLst/>
+              </a:prstGeom>
+              <a:grpFill/>
+              <a:ln>
+                <a:noFill/>
+              </a:ln>
+            </p:spPr>
+            <p:style>
+              <a:lnRef idx="2">
+                <a:schemeClr val="accent1">
+                  <a:shade val="50000"/>
+                </a:schemeClr>
+              </a:lnRef>
+              <a:fillRef idx="1">
+                <a:schemeClr val="accent1"/>
+              </a:fillRef>
+              <a:effectRef idx="0">
+                <a:schemeClr val="accent1"/>
+              </a:effectRef>
+              <a:fontRef idx="minor">
+                <a:schemeClr val="lt1"/>
+              </a:fontRef>
+            </p:style>
+            <p:txBody>
+              <a:bodyPr rtlCol="0" anchor="ctr"/>
+              <a:lstStyle/>
+              <a:p>
+                <a:pPr algn="ctr"/>
+                <a:endParaRPr lang="zh-CN" altLang="en-US"/>
+              </a:p>
+            </p:txBody>
+          </p:sp>
+        </p:grpSp>
+        <p:grpSp>
+          <p:nvGrpSpPr>
+            <p:cNvPr id="19" name="组合 18"/>
+            <p:cNvGrpSpPr/>
+            <p:nvPr/>
+          </p:nvGrpSpPr>
+          <p:grpSpPr>
+            <a:xfrm>
+              <a:off x="3148655" y="1041468"/>
+              <a:ext cx="1639080" cy="117268"/>
+              <a:chOff x="573689" y="222664"/>
+              <a:chExt cx="1639080" cy="353287"/>
+            </a:xfrm>
+            <a:solidFill>
+              <a:srgbClr val="91338C"/>
+            </a:solidFill>
+          </p:grpSpPr>
+          <p:sp>
+            <p:nvSpPr>
+              <p:cNvPr id="20" name="圆角矩形 19"/>
+              <p:cNvSpPr/>
+              <p:nvPr/>
+            </p:nvSpPr>
+            <p:spPr>
+              <a:xfrm>
+                <a:off x="573689" y="222664"/>
+                <a:ext cx="1639080" cy="353287"/>
+              </a:xfrm>
+              <a:prstGeom prst="roundRect">
+                <a:avLst>
+                  <a:gd name="adj" fmla="val 32457"/>
+                </a:avLst>
+              </a:prstGeom>
+              <a:grpFill/>
+              <a:ln>
+                <a:noFill/>
+              </a:ln>
+            </p:spPr>
+            <p:style>
+              <a:lnRef idx="2">
+                <a:schemeClr val="accent1">
+                  <a:shade val="50000"/>
+                </a:schemeClr>
+              </a:lnRef>
+              <a:fillRef idx="1">
+                <a:schemeClr val="accent1"/>
+              </a:fillRef>
+              <a:effectRef idx="0">
+                <a:schemeClr val="accent1"/>
+              </a:effectRef>
+              <a:fontRef idx="minor">
+                <a:schemeClr val="lt1"/>
+              </a:fontRef>
+            </p:style>
+            <p:txBody>
+              <a:bodyPr rtlCol="0" anchor="ctr"/>
+              <a:lstStyle/>
+              <a:p>
+                <a:pPr algn="ctr"/>
+                <a:endParaRPr lang="zh-CN" altLang="en-US"/>
+              </a:p>
+            </p:txBody>
+          </p:sp>
+          <p:sp>
+            <p:nvSpPr>
+              <p:cNvPr id="21" name="矩形 20"/>
+              <p:cNvSpPr/>
+              <p:nvPr/>
+            </p:nvSpPr>
+            <p:spPr>
+              <a:xfrm>
+                <a:off x="573689" y="438216"/>
+                <a:ext cx="1639080" cy="137735"/>
+              </a:xfrm>
+              <a:prstGeom prst="rect">
+                <a:avLst/>
+              </a:prstGeom>
+              <a:grpFill/>
+              <a:ln>
+                <a:noFill/>
+              </a:ln>
+            </p:spPr>
+            <p:style>
+              <a:lnRef idx="2">
+                <a:schemeClr val="accent1">
+                  <a:shade val="50000"/>
+                </a:schemeClr>
+              </a:lnRef>
+              <a:fillRef idx="1">
+                <a:schemeClr val="accent1"/>
+              </a:fillRef>
+              <a:effectRef idx="0">
+                <a:schemeClr val="accent1"/>
+              </a:effectRef>
+              <a:fontRef idx="minor">
+                <a:schemeClr val="lt1"/>
+              </a:fontRef>
+            </p:style>
+            <p:txBody>
+              <a:bodyPr rtlCol="0" anchor="ctr"/>
+              <a:lstStyle/>
+              <a:p>
+                <a:pPr algn="ctr"/>
+                <a:endParaRPr lang="zh-CN" altLang="en-US"/>
+              </a:p>
+            </p:txBody>
+          </p:sp>
+        </p:grpSp>
+        <p:grpSp>
+          <p:nvGrpSpPr>
+            <p:cNvPr id="25" name="组合 24"/>
+            <p:cNvGrpSpPr/>
+            <p:nvPr/>
+          </p:nvGrpSpPr>
+          <p:grpSpPr>
+            <a:xfrm>
+              <a:off x="2147314" y="804555"/>
+              <a:ext cx="2207115" cy="353290"/>
+              <a:chOff x="330245" y="804555"/>
+              <a:chExt cx="2207115" cy="353290"/>
+            </a:xfrm>
+          </p:grpSpPr>
+          <p:grpSp>
+            <p:nvGrpSpPr>
+              <p:cNvPr id="16" name="组合 15"/>
+              <p:cNvGrpSpPr/>
+              <p:nvPr/>
+            </p:nvGrpSpPr>
+            <p:grpSpPr>
+              <a:xfrm>
+                <a:off x="898280" y="1040577"/>
+                <a:ext cx="1639080" cy="117268"/>
+                <a:chOff x="573689" y="222664"/>
+                <a:chExt cx="1639080" cy="353287"/>
+              </a:xfrm>
+              <a:solidFill>
+                <a:srgbClr val="049FFA"/>
+              </a:solidFill>
+            </p:grpSpPr>
+            <p:sp>
+              <p:nvSpPr>
+                <p:cNvPr id="17" name="圆角矩形 16"/>
+                <p:cNvSpPr/>
+                <p:nvPr/>
+              </p:nvSpPr>
+              <p:spPr>
+                <a:xfrm>
+                  <a:off x="573689" y="222664"/>
+                  <a:ext cx="1639080" cy="353287"/>
+                </a:xfrm>
+                <a:prstGeom prst="roundRect">
+                  <a:avLst>
+                    <a:gd name="adj" fmla="val 32457"/>
+                  </a:avLst>
+                </a:prstGeom>
+                <a:grpFill/>
+                <a:ln>
+                  <a:noFill/>
+                </a:ln>
+              </p:spPr>
+              <p:style>
+                <a:lnRef idx="2">
+                  <a:schemeClr val="accent1">
+                    <a:shade val="50000"/>
+                  </a:schemeClr>
+                </a:lnRef>
+                <a:fillRef idx="1">
+                  <a:schemeClr val="accent1"/>
+                </a:fillRef>
+                <a:effectRef idx="0">
+                  <a:schemeClr val="accent1"/>
+                </a:effectRef>
+                <a:fontRef idx="minor">
+                  <a:schemeClr val="lt1"/>
+                </a:fontRef>
+              </p:style>
+              <p:txBody>
+                <a:bodyPr rtlCol="0" anchor="ctr"/>
+                <a:lstStyle/>
+                <a:p>
+                  <a:pPr algn="ctr"/>
+                  <a:endParaRPr lang="zh-CN" altLang="en-US"/>
+                </a:p>
+              </p:txBody>
+            </p:sp>
+            <p:sp>
+              <p:nvSpPr>
+                <p:cNvPr id="18" name="矩形 17"/>
+                <p:cNvSpPr/>
+                <p:nvPr/>
+              </p:nvSpPr>
+              <p:spPr>
+                <a:xfrm>
+                  <a:off x="573689" y="438216"/>
+                  <a:ext cx="1639080" cy="137735"/>
+                </a:xfrm>
+                <a:prstGeom prst="rect">
+                  <a:avLst/>
+                </a:prstGeom>
+                <a:grpFill/>
+                <a:ln>
+                  <a:noFill/>
+                </a:ln>
+              </p:spPr>
+              <p:style>
+                <a:lnRef idx="2">
+                  <a:schemeClr val="accent1">
+                    <a:shade val="50000"/>
+                  </a:schemeClr>
+                </a:lnRef>
+                <a:fillRef idx="1">
+                  <a:schemeClr val="accent1"/>
+                </a:fillRef>
+                <a:effectRef idx="0">
+                  <a:schemeClr val="accent1"/>
+                </a:effectRef>
+                <a:fontRef idx="minor">
+                  <a:schemeClr val="lt1"/>
+                </a:fontRef>
+              </p:style>
+              <p:txBody>
+                <a:bodyPr rtlCol="0" anchor="ctr"/>
+                <a:lstStyle/>
+                <a:p>
+                  <a:pPr algn="ctr"/>
+                  <a:endParaRPr lang="zh-CN" altLang="en-US"/>
+                </a:p>
+              </p:txBody>
+            </p:sp>
+          </p:grpSp>
+          <p:grpSp>
+            <p:nvGrpSpPr>
+              <p:cNvPr id="15" name="组合 14"/>
+              <p:cNvGrpSpPr/>
+              <p:nvPr/>
+            </p:nvGrpSpPr>
+            <p:grpSpPr>
+              <a:xfrm>
+                <a:off x="330245" y="804555"/>
+                <a:ext cx="1639080" cy="353290"/>
+                <a:chOff x="573689" y="222664"/>
+                <a:chExt cx="1639080" cy="353290"/>
+              </a:xfrm>
+            </p:grpSpPr>
+            <p:sp>
+              <p:nvSpPr>
+                <p:cNvPr id="13" name="圆角矩形 12"/>
+                <p:cNvSpPr/>
+                <p:nvPr/>
+              </p:nvSpPr>
+              <p:spPr>
+                <a:xfrm>
+                  <a:off x="573689" y="222664"/>
+                  <a:ext cx="1639080" cy="234537"/>
+                </a:xfrm>
+                <a:prstGeom prst="roundRect">
+                  <a:avLst>
+                    <a:gd name="adj" fmla="val 32457"/>
+                  </a:avLst>
+                </a:prstGeom>
+                <a:solidFill>
+                  <a:srgbClr val="FCC716"/>
+                </a:solidFill>
+                <a:ln>
+                  <a:noFill/>
+                </a:ln>
+              </p:spPr>
+              <p:style>
+                <a:lnRef idx="2">
+                  <a:schemeClr val="accent1">
+                    <a:shade val="50000"/>
+                  </a:schemeClr>
+                </a:lnRef>
+                <a:fillRef idx="1">
+                  <a:schemeClr val="accent1"/>
+                </a:fillRef>
+                <a:effectRef idx="0">
+                  <a:schemeClr val="accent1"/>
+                </a:effectRef>
+                <a:fontRef idx="minor">
+                  <a:schemeClr val="lt1"/>
+                </a:fontRef>
+              </p:style>
+              <p:txBody>
+                <a:bodyPr rtlCol="0" anchor="ctr"/>
+                <a:lstStyle/>
+                <a:p>
+                  <a:pPr algn="ctr"/>
+                  <a:endParaRPr lang="zh-CN" altLang="en-US"/>
+                </a:p>
+              </p:txBody>
+            </p:sp>
+            <p:sp>
+              <p:nvSpPr>
+                <p:cNvPr id="14" name="矩形 13"/>
+                <p:cNvSpPr/>
+                <p:nvPr/>
+              </p:nvSpPr>
+              <p:spPr>
+                <a:xfrm>
+                  <a:off x="573689" y="326572"/>
+                  <a:ext cx="1639080" cy="249382"/>
+                </a:xfrm>
+                <a:prstGeom prst="rect">
+                  <a:avLst/>
+                </a:prstGeom>
+                <a:solidFill>
+                  <a:srgbClr val="FCC716"/>
+                </a:solidFill>
+                <a:ln>
+                  <a:noFill/>
+                </a:ln>
+              </p:spPr>
+              <p:style>
+                <a:lnRef idx="2">
+                  <a:schemeClr val="accent1">
+                    <a:shade val="50000"/>
+                  </a:schemeClr>
+                </a:lnRef>
+                <a:fillRef idx="1">
+                  <a:schemeClr val="accent1"/>
+                </a:fillRef>
+                <a:effectRef idx="0">
+                  <a:schemeClr val="accent1"/>
+                </a:effectRef>
+                <a:fontRef idx="minor">
+                  <a:schemeClr val="lt1"/>
+                </a:fontRef>
+              </p:style>
+              <p:txBody>
+                <a:bodyPr rtlCol="0" anchor="ctr"/>
+                <a:lstStyle/>
+                <a:p>
+                  <a:pPr algn="ctr"/>
+                  <a:endParaRPr lang="zh-CN" altLang="en-US"/>
+                </a:p>
+              </p:txBody>
+            </p:sp>
+          </p:grpSp>
+        </p:grpSp>
+      </p:grpSp>
+      <p:sp>
+        <p:nvSpPr>
+          <p:cNvPr id="3" name="文本框 2"/>
+          <p:cNvSpPr txBox="1"/>
+          <p:nvPr/>
+        </p:nvSpPr>
+        <p:spPr>
+          <a:xfrm>
+            <a:off x="312577" y="210791"/>
+            <a:ext cx="1638938" cy="368300"/>
+          </a:xfrm>
+          <a:prstGeom prst="rect">
+            <a:avLst/>
+          </a:prstGeom>
+          <a:noFill/>
+        </p:spPr>
+        <p:txBody>
+          <a:bodyPr wrap="square" rtlCol="0">
+            <a:spAutoFit/>
+          </a:bodyPr>
+          <a:lstStyle/>
+          <a:p>
+            <a:pPr algn="ctr"/>
+            <a:r>
+              <a:rPr lang="en-US" altLang="zh-CN" b="1" smtClean="0">
+                <a:solidFill>
+                  <a:schemeClr val="bg1"/>
+                </a:solidFill>
+                <a:latin typeface="微软雅黑" panose="020B0503020204020204" pitchFamily="34" charset="-122"/>
+                <a:ea typeface="微软雅黑" panose="020B0503020204020204" pitchFamily="34" charset="-122"/>
+                <a:sym typeface="+mn-ea"/>
+              </a:rPr>
+              <a:t>Netty</a:t>
+            </a:r>
+            <a:r>
+              <a:rPr lang="zh-CN" altLang="en-US" b="1" smtClean="0">
+                <a:solidFill>
+                  <a:schemeClr val="bg1"/>
+                </a:solidFill>
+                <a:latin typeface="微软雅黑" panose="020B0503020204020204" pitchFamily="34" charset="-122"/>
+                <a:ea typeface="微软雅黑" panose="020B0503020204020204" pitchFamily="34" charset="-122"/>
+                <a:sym typeface="+mn-ea"/>
+              </a:rPr>
+              <a:t>实战</a:t>
+            </a:r>
+            <a:endParaRPr lang="zh-CN" altLang="en-US" b="1" dirty="0">
+              <a:solidFill>
+                <a:schemeClr val="bg1"/>
+              </a:solidFill>
+              <a:latin typeface="微软雅黑" panose="020B0503020204020204" pitchFamily="34" charset="-122"/>
+              <a:ea typeface="微软雅黑" panose="020B0503020204020204" pitchFamily="34" charset="-122"/>
+            </a:endParaRPr>
+          </a:p>
+        </p:txBody>
+      </p:sp>
+      <p:sp>
+        <p:nvSpPr>
+          <p:cNvPr id="7" name="文本框 6"/>
+          <p:cNvSpPr txBox="1"/>
+          <p:nvPr/>
+        </p:nvSpPr>
+        <p:spPr>
+          <a:xfrm>
+            <a:off x="292340" y="810120"/>
+            <a:ext cx="5321315" cy="400110"/>
+          </a:xfrm>
+          <a:prstGeom prst="rect">
+            <a:avLst/>
+          </a:prstGeom>
+          <a:noFill/>
+        </p:spPr>
+        <p:txBody>
+          <a:bodyPr wrap="square">
+            <a:spAutoFit/>
+          </a:bodyPr>
+          <a:lstStyle/>
+          <a:p>
+            <a:r>
+              <a:rPr lang="zh-CN" altLang="en-US" sz="2000" dirty="0" smtClean="0"/>
+              <a:t>深层展望</a:t>
+            </a:r>
+            <a:endParaRPr lang="zh-CN" altLang="en-US" sz="2000" dirty="0"/>
+          </a:p>
+        </p:txBody>
+      </p:sp>
+      <p:sp>
+        <p:nvSpPr>
+          <p:cNvPr id="27" name="文本框 1"/>
+          <p:cNvSpPr txBox="1"/>
+          <p:nvPr/>
+        </p:nvSpPr>
+        <p:spPr>
+          <a:xfrm>
+            <a:off x="292340" y="1452424"/>
+            <a:ext cx="11408367" cy="1200329"/>
+          </a:xfrm>
+          <a:prstGeom prst="rect">
+            <a:avLst/>
+          </a:prstGeom>
+          <a:noFill/>
+        </p:spPr>
+        <p:txBody>
+          <a:bodyPr wrap="square" rtlCol="0">
+            <a:spAutoFit/>
+          </a:bodyPr>
+          <a:lstStyle/>
+          <a:p>
+            <a:pPr marL="285750" indent="-285750">
+              <a:buFont typeface="Arial" panose="020B0604020202020204" pitchFamily="34" charset="0"/>
+              <a:buChar char="•"/>
+            </a:pPr>
+            <a:r>
+              <a:rPr lang="en-US" altLang="zh-CN" dirty="0" smtClean="0">
+                <a:latin typeface="+mn-ea"/>
+              </a:rPr>
+              <a:t>buffer</a:t>
+            </a:r>
+            <a:r>
+              <a:rPr lang="zh-CN" altLang="en-US" dirty="0" smtClean="0">
+                <a:latin typeface="+mn-ea"/>
+              </a:rPr>
+              <a:t>使用的优化</a:t>
+            </a:r>
+            <a:endParaRPr lang="en-US" altLang="zh-CN" dirty="0" smtClean="0">
+              <a:latin typeface="+mn-ea"/>
+            </a:endParaRPr>
+          </a:p>
+          <a:p>
+            <a:pPr marL="285750" indent="-285750">
+              <a:buFont typeface="Arial" panose="020B0604020202020204" pitchFamily="34" charset="0"/>
+              <a:buChar char="•"/>
+            </a:pPr>
+            <a:r>
+              <a:rPr lang="zh-CN" altLang="en-US" dirty="0">
+                <a:latin typeface="+mn-ea"/>
+              </a:rPr>
+              <a:t>内存管理的</a:t>
+            </a:r>
+            <a:r>
+              <a:rPr lang="zh-CN" altLang="en-US" dirty="0" smtClean="0">
+                <a:latin typeface="+mn-ea"/>
+              </a:rPr>
+              <a:t>优化</a:t>
+            </a:r>
+            <a:endParaRPr lang="en-US" altLang="zh-CN" dirty="0" smtClean="0">
+              <a:latin typeface="+mn-ea"/>
+            </a:endParaRPr>
+          </a:p>
+          <a:p>
+            <a:pPr marL="285750" indent="-285750">
+              <a:buFont typeface="Arial" panose="020B0604020202020204" pitchFamily="34" charset="0"/>
+              <a:buChar char="•"/>
+            </a:pPr>
+            <a:r>
+              <a:rPr lang="zh-CN" altLang="en-US" smtClean="0">
+                <a:latin typeface="+mn-ea"/>
+              </a:rPr>
+              <a:t>零拷贝</a:t>
+            </a:r>
+            <a:endParaRPr lang="en-US" altLang="zh-CN" dirty="0" smtClean="0">
+              <a:latin typeface="+mn-ea"/>
+            </a:endParaRPr>
+          </a:p>
+          <a:p>
+            <a:pPr marL="285750" indent="-285750">
+              <a:buFont typeface="Arial" panose="020B0604020202020204" pitchFamily="34" charset="0"/>
+              <a:buChar char="•"/>
+            </a:pPr>
+            <a:endParaRPr lang="en-US" altLang="zh-CN" dirty="0">
+              <a:latin typeface="+mn-ea"/>
+            </a:endParaRPr>
+          </a:p>
+        </p:txBody>
+      </p:sp>
+    </p:spTree>
+    <p:extLst>
+      <p:ext uri="{BB962C8B-B14F-4D97-AF65-F5344CB8AC3E}">
+        <p14:creationId xmlns:p14="http://schemas.microsoft.com/office/powerpoint/2010/main" val="2201090831"/>
+      </p:ext>
+    </p:extLst>
+  </p:cSld>
+  <p:clrMapOvr>
+    <a:masterClrMapping/>
+  </p:clrMapOvr>
+  <p:transition spd="slow">
+    <p:push dir="u"/>
+  </p:transition>
+  <p:timing>
+    <p:tnLst>
+      <p:par>
+        <p:cTn id="1" dur="indefinite" restart="never" nodeType="tmRoot"/>
+      </p:par>
+    </p:tnLst>
+  </p:timing>
+</p:sld>
+</file>
+
+<file path=ppt/slides/slide25.xml><?xml version="1.0" encoding="utf-8"?>
+<p:sld xmlns:a="http://schemas.openxmlformats.org/drawingml/2006/main" xmlns:r="http://schemas.openxmlformats.org/officeDocument/2006/relationships" xmlns:p="http://schemas.openxmlformats.org/presentationml/2006/main">
+  <p:cSld>
+    <p:spTree>
+      <p:nvGrpSpPr>
+        <p:cNvPr id="1" name=""/>
+        <p:cNvGrpSpPr/>
+        <p:nvPr/>
+      </p:nvGrpSpPr>
+      <p:grpSpPr>
+        <a:xfrm>
+          <a:off x="0" y="0"/>
+          <a:ext cx="0" cy="0"/>
+          <a:chOff x="0" y="0"/>
+          <a:chExt cx="0" cy="0"/>
+        </a:xfrm>
+      </p:grpSpPr>
       <p:sp>
         <p:nvSpPr>
           <p:cNvPr id="5" name="灯片编号占位符 4"/>
@@ -17868,6 +18578,7 @@
                   <a:schemeClr val="bg1"/>
                 </a:solidFill>
               </a:rPr>
+              <a:t>25</a:t>
             </a:fld>
             <a:endParaRPr lang="zh-CN" altLang="en-US">
               <a:solidFill>
@@ -17903,6 +18614,7 @@
                   <a:schemeClr val="bg1"/>
                 </a:solidFill>
               </a:rPr>
+              <a:t>2021/2/28</a:t>
             </a:fld>
             <a:endParaRPr lang="zh-CN" altLang="en-US" dirty="0">
               <a:solidFill>
@@ -17968,6 +18680,7 @@
                   <a:srgbClr val="BDBDBD"/>
                 </a:solidFill>
               </a:rPr>
+              <a:t>3</a:t>
             </a:fld>
             <a:endParaRPr lang="zh-CN" altLang="en-US">
               <a:solidFill>
@@ -18097,7 +18810,7 @@
           <p:nvPr/>
         </p:nvPicPr>
         <p:blipFill rotWithShape="1">
-          <a:blip r:embed="rId1" cstate="print">
+          <a:blip r:embed="rId2" cstate="print">
             <a:extLst>
               <a:ext uri="{28A0092B-C50C-407E-A947-70E740481C1C}">
                 <a14:useLocalDpi xmlns:a14="http://schemas.microsoft.com/office/drawing/2010/main" val="0"/>
@@ -18128,7 +18841,7 @@
           <p:nvPr/>
         </p:nvPicPr>
         <p:blipFill>
-          <a:blip r:embed="rId2" cstate="print">
+          <a:blip r:embed="rId3" cstate="print">
             <a:extLst>
               <a:ext uri="{28A0092B-C50C-407E-A947-70E740481C1C}">
                 <a14:useLocalDpi xmlns:a14="http://schemas.microsoft.com/office/drawing/2010/main" val="0"/>
@@ -18969,10 +19682,6 @@
               </a:rPr>
               <a:t>IO </a:t>
             </a:r>
-            <a:endParaRPr lang="en-US" altLang="zh-CN" smtClean="0">
-              <a:latin typeface="+mj-ea"/>
-              <a:ea typeface="+mj-ea"/>
-            </a:endParaRPr>
           </a:p>
           <a:p>
             <a:pPr>
@@ -19193,9 +19902,6 @@
               </a:rPr>
               <a:t>操作发生时，它会经历两个阶段：</a:t>
             </a:r>
-            <a:endParaRPr lang="zh-CN" altLang="en-US">
-              <a:latin typeface="宋体 (正文)"/>
-            </a:endParaRPr>
           </a:p>
           <a:p>
             <a:pPr indent="457200"/>
@@ -19223,9 +19929,6 @@
               </a:rPr>
               <a:t>(Waiting for the data to be ready)</a:t>
             </a:r>
-            <a:endParaRPr lang="en-US" altLang="zh-CN">
-              <a:latin typeface="宋体 (正文)"/>
-            </a:endParaRPr>
           </a:p>
           <a:p>
             <a:pPr indent="457200"/>
@@ -19259,9 +19962,6 @@
               </a:rPr>
               <a:t>)</a:t>
             </a:r>
-            <a:endParaRPr lang="en-US" altLang="zh-CN" smtClean="0">
-              <a:latin typeface="宋体 (正文)"/>
-            </a:endParaRPr>
           </a:p>
           <a:p>
             <a:pPr indent="457200"/>
@@ -19994,7 +20694,7 @@
           <p:nvPr/>
         </p:nvPicPr>
         <p:blipFill>
-          <a:blip r:embed="rId1">
+          <a:blip r:embed="rId3">
             <a:extLst>
               <a:ext uri="{28A0092B-C50C-407E-A947-70E740481C1C}">
                 <a14:useLocalDpi xmlns:a14="http://schemas.microsoft.com/office/drawing/2010/main" val="0"/>
@@ -20696,7 +21396,7 @@
           <p:nvPr/>
         </p:nvPicPr>
         <p:blipFill>
-          <a:blip r:embed="rId1">
+          <a:blip r:embed="rId3">
             <a:extLst>
               <a:ext uri="{28A0092B-C50C-407E-A947-70E740481C1C}">
                 <a14:useLocalDpi xmlns:a14="http://schemas.microsoft.com/office/drawing/2010/main" val="0"/>
@@ -21398,7 +22098,7 @@
           <p:nvPr/>
         </p:nvPicPr>
         <p:blipFill>
-          <a:blip r:embed="rId1">
+          <a:blip r:embed="rId3">
             <a:extLst>
               <a:ext uri="{28A0092B-C50C-407E-A947-70E740481C1C}">
                 <a14:useLocalDpi xmlns:a14="http://schemas.microsoft.com/office/drawing/2010/main" val="0"/>
@@ -22100,7 +22800,7 @@
           <p:nvPr/>
         </p:nvPicPr>
         <p:blipFill>
-          <a:blip r:embed="rId1">
+          <a:blip r:embed="rId3">
             <a:extLst>
               <a:ext uri="{28A0092B-C50C-407E-A947-70E740481C1C}">
                 <a14:useLocalDpi xmlns:a14="http://schemas.microsoft.com/office/drawing/2010/main" val="0"/>
@@ -22177,6 +22877,7 @@
                   <a:srgbClr val="BDBDBD"/>
                 </a:solidFill>
               </a:rPr>
+              <a:t>9</a:t>
             </a:fld>
             <a:endParaRPr lang="zh-CN" altLang="en-US">
               <a:solidFill>
@@ -22306,7 +23007,7 @@
           <p:nvPr/>
         </p:nvPicPr>
         <p:blipFill rotWithShape="1">
-          <a:blip r:embed="rId1" cstate="print">
+          <a:blip r:embed="rId2" cstate="print">
             <a:extLst>
               <a:ext uri="{28A0092B-C50C-407E-A947-70E740481C1C}">
                 <a14:useLocalDpi xmlns:a14="http://schemas.microsoft.com/office/drawing/2010/main" val="0"/>
@@ -22337,7 +23038,7 @@
           <p:nvPr/>
         </p:nvPicPr>
         <p:blipFill>
-          <a:blip r:embed="rId2" cstate="print">
+          <a:blip r:embed="rId3" cstate="print">
             <a:extLst>
               <a:ext uri="{28A0092B-C50C-407E-A947-70E740481C1C}">
                 <a14:useLocalDpi xmlns:a14="http://schemas.microsoft.com/office/drawing/2010/main" val="0"/>
@@ -22769,9 +23470,11 @@
       </a:bgFillStyleLst>
     </a:fmtScheme>
   </a:themeElements>
+  <a:objectDefaults/>
+  <a:extraClrSchemeLst/>
   <a:extLst>
     <a:ext uri="{05A4C25C-085E-4340-85A3-A5531E510DB2}">
-      <thm15:themeFamily xmlns:thm15="http://schemas.microsoft.com/office/thememl/2012/main" name="Office Theme" id="{62F939B6-93AF-4DB8-9C6B-D6C7DFDC589F}" vid="{4A3C46E8-61CC-4603-A589-7422A47A8E4A}"/>
+      <thm15:themeFamily xmlns="" xmlns:thm15="http://schemas.microsoft.com/office/thememl/2012/main" name="Office Theme" id="{62F939B6-93AF-4DB8-9C6B-D6C7DFDC589F}" vid="{4A3C46E8-61CC-4603-A589-7422A47A8E4A}"/>
     </a:ext>
   </a:extLst>
 </a:theme>
@@ -23028,9 +23731,11 @@
       </a:bgFillStyleLst>
     </a:fmtScheme>
   </a:themeElements>
+  <a:objectDefaults/>
+  <a:extraClrSchemeLst/>
   <a:extLst>
     <a:ext uri="{05A4C25C-085E-4340-85A3-A5531E510DB2}">
-      <thm15:themeFamily xmlns:thm15="http://schemas.microsoft.com/office/thememl/2012/main" name="Office Theme" id="{62F939B6-93AF-4DB8-9C6B-D6C7DFDC589F}" vid="{4A3C46E8-61CC-4603-A589-7422A47A8E4A}"/>
+      <thm15:themeFamily xmlns="" xmlns:thm15="http://schemas.microsoft.com/office/thememl/2012/main" name="Office Theme" id="{62F939B6-93AF-4DB8-9C6B-D6C7DFDC589F}" vid="{4A3C46E8-61CC-4603-A589-7422A47A8E4A}"/>
     </a:ext>
   </a:extLst>
 </a:theme>
